--- a/Conteúdos/Apresentação - Saga.pptx
+++ b/Conteúdos/Apresentação - Saga.pptx
@@ -652,7 +652,7 @@
           <a:p>
             <a:fld id="{EB5BFA20-7DA4-47B3-BF29-502111A061EB}" type="slidenum">
               <a:rPr lang="pt-BR" smtClean="0"/>
-              <a:t>28</a:t>
+              <a:t>27</a:t>
             </a:fld>
             <a:endParaRPr lang="pt-BR"/>
           </a:p>
@@ -661,7 +661,7 @@
     </p:spTree>
     <p:extLst>
       <p:ext uri="{BB962C8B-B14F-4D97-AF65-F5344CB8AC3E}">
-        <p14:creationId xmlns:p14="http://schemas.microsoft.com/office/powerpoint/2010/main" val="2636621106"/>
+        <p14:creationId xmlns:p14="http://schemas.microsoft.com/office/powerpoint/2010/main" val="3489325997"/>
       </p:ext>
     </p:extLst>
   </p:cSld>
@@ -736,7 +736,7 @@
           <a:p>
             <a:fld id="{EB5BFA20-7DA4-47B3-BF29-502111A061EB}" type="slidenum">
               <a:rPr lang="pt-BR" smtClean="0"/>
-              <a:t>29</a:t>
+              <a:t>28</a:t>
             </a:fld>
             <a:endParaRPr lang="pt-BR"/>
           </a:p>
@@ -745,7 +745,7 @@
     </p:spTree>
     <p:extLst>
       <p:ext uri="{BB962C8B-B14F-4D97-AF65-F5344CB8AC3E}">
-        <p14:creationId xmlns:p14="http://schemas.microsoft.com/office/powerpoint/2010/main" val="172831859"/>
+        <p14:creationId xmlns:p14="http://schemas.microsoft.com/office/powerpoint/2010/main" val="2636621106"/>
       </p:ext>
     </p:extLst>
   </p:cSld>
@@ -820,7 +820,7 @@
           <a:p>
             <a:fld id="{EB5BFA20-7DA4-47B3-BF29-502111A061EB}" type="slidenum">
               <a:rPr lang="pt-BR" smtClean="0"/>
-              <a:t>30</a:t>
+              <a:t>29</a:t>
             </a:fld>
             <a:endParaRPr lang="pt-BR"/>
           </a:p>
@@ -829,7 +829,7 @@
     </p:spTree>
     <p:extLst>
       <p:ext uri="{BB962C8B-B14F-4D97-AF65-F5344CB8AC3E}">
-        <p14:creationId xmlns:p14="http://schemas.microsoft.com/office/powerpoint/2010/main" val="1670063583"/>
+        <p14:creationId xmlns:p14="http://schemas.microsoft.com/office/powerpoint/2010/main" val="172831859"/>
       </p:ext>
     </p:extLst>
   </p:cSld>
@@ -904,7 +904,7 @@
           <a:p>
             <a:fld id="{EB5BFA20-7DA4-47B3-BF29-502111A061EB}" type="slidenum">
               <a:rPr lang="pt-BR" smtClean="0"/>
-              <a:t>38</a:t>
+              <a:t>30</a:t>
             </a:fld>
             <a:endParaRPr lang="pt-BR"/>
           </a:p>
@@ -913,7 +913,7 @@
     </p:spTree>
     <p:extLst>
       <p:ext uri="{BB962C8B-B14F-4D97-AF65-F5344CB8AC3E}">
-        <p14:creationId xmlns:p14="http://schemas.microsoft.com/office/powerpoint/2010/main" val="728652409"/>
+        <p14:creationId xmlns:p14="http://schemas.microsoft.com/office/powerpoint/2010/main" val="1670063583"/>
       </p:ext>
     </p:extLst>
   </p:cSld>
@@ -988,6 +988,90 @@
           <a:p>
             <a:fld id="{EB5BFA20-7DA4-47B3-BF29-502111A061EB}" type="slidenum">
               <a:rPr lang="pt-BR" smtClean="0"/>
+              <a:t>38</a:t>
+            </a:fld>
+            <a:endParaRPr lang="pt-BR"/>
+          </a:p>
+        </p:txBody>
+      </p:sp>
+    </p:spTree>
+    <p:extLst>
+      <p:ext uri="{BB962C8B-B14F-4D97-AF65-F5344CB8AC3E}">
+        <p14:creationId xmlns:p14="http://schemas.microsoft.com/office/powerpoint/2010/main" val="728652409"/>
+      </p:ext>
+    </p:extLst>
+  </p:cSld>
+  <p:clrMapOvr>
+    <a:masterClrMapping/>
+  </p:clrMapOvr>
+</p:notes>
+</file>
+
+<file path=ppt/notesSlides/notesSlide15.xml><?xml version="1.0" encoding="utf-8"?>
+<p:notes xmlns:a="http://schemas.openxmlformats.org/drawingml/2006/main" xmlns:r="http://schemas.openxmlformats.org/officeDocument/2006/relationships" xmlns:p="http://schemas.openxmlformats.org/presentationml/2006/main">
+  <p:cSld>
+    <p:spTree>
+      <p:nvGrpSpPr>
+        <p:cNvPr id="1" name=""/>
+        <p:cNvGrpSpPr/>
+        <p:nvPr/>
+      </p:nvGrpSpPr>
+      <p:grpSpPr>
+        <a:xfrm>
+          <a:off x="0" y="0"/>
+          <a:ext cx="0" cy="0"/>
+          <a:chOff x="0" y="0"/>
+          <a:chExt cx="0" cy="0"/>
+        </a:xfrm>
+      </p:grpSpPr>
+      <p:sp>
+        <p:nvSpPr>
+          <p:cNvPr id="2" name="Espaço Reservado para Imagem de Slide 1"/>
+          <p:cNvSpPr>
+            <a:spLocks noGrp="1" noRot="1" noChangeAspect="1"/>
+          </p:cNvSpPr>
+          <p:nvPr>
+            <p:ph type="sldImg"/>
+          </p:nvPr>
+        </p:nvSpPr>
+        <p:spPr/>
+      </p:sp>
+      <p:sp>
+        <p:nvSpPr>
+          <p:cNvPr id="3" name="Espaço Reservado para Anotações 2"/>
+          <p:cNvSpPr>
+            <a:spLocks noGrp="1"/>
+          </p:cNvSpPr>
+          <p:nvPr>
+            <p:ph type="body" idx="1"/>
+          </p:nvPr>
+        </p:nvSpPr>
+        <p:spPr/>
+        <p:txBody>
+          <a:bodyPr/>
+          <a:lstStyle/>
+          <a:p>
+            <a:endParaRPr lang="pt-BR" dirty="0"/>
+          </a:p>
+        </p:txBody>
+      </p:sp>
+      <p:sp>
+        <p:nvSpPr>
+          <p:cNvPr id="4" name="Espaço Reservado para Número de Slide 3"/>
+          <p:cNvSpPr>
+            <a:spLocks noGrp="1"/>
+          </p:cNvSpPr>
+          <p:nvPr>
+            <p:ph type="sldNum" sz="quarter" idx="5"/>
+          </p:nvPr>
+        </p:nvSpPr>
+        <p:spPr/>
+        <p:txBody>
+          <a:bodyPr/>
+          <a:lstStyle/>
+          <a:p>
+            <a:fld id="{EB5BFA20-7DA4-47B3-BF29-502111A061EB}" type="slidenum">
+              <a:rPr lang="pt-BR" smtClean="0"/>
               <a:t>39</a:t>
             </a:fld>
             <a:endParaRPr lang="pt-BR"/>
@@ -1007,7 +1091,7 @@
 </p:notes>
 </file>
 
-<file path=ppt/notesSlides/notesSlide15.xml><?xml version="1.0" encoding="utf-8"?>
+<file path=ppt/notesSlides/notesSlide16.xml><?xml version="1.0" encoding="utf-8"?>
 <p:notes xmlns:a="http://schemas.openxmlformats.org/drawingml/2006/main" xmlns:r="http://schemas.openxmlformats.org/officeDocument/2006/relationships" xmlns:p="http://schemas.openxmlformats.org/presentationml/2006/main">
   <p:cSld>
     <p:spTree>
@@ -1240,7 +1324,7 @@
           <a:p>
             <a:fld id="{EB5BFA20-7DA4-47B3-BF29-502111A061EB}" type="slidenum">
               <a:rPr lang="pt-BR" smtClean="0"/>
-              <a:t>18</a:t>
+              <a:t>5</a:t>
             </a:fld>
             <a:endParaRPr lang="pt-BR"/>
           </a:p>
@@ -1249,7 +1333,7 @@
     </p:spTree>
     <p:extLst>
       <p:ext uri="{BB962C8B-B14F-4D97-AF65-F5344CB8AC3E}">
-        <p14:creationId xmlns:p14="http://schemas.microsoft.com/office/powerpoint/2010/main" val="3693744707"/>
+        <p14:creationId xmlns:p14="http://schemas.microsoft.com/office/powerpoint/2010/main" val="2748242403"/>
       </p:ext>
     </p:extLst>
   </p:cSld>
@@ -1324,7 +1408,7 @@
           <a:p>
             <a:fld id="{EB5BFA20-7DA4-47B3-BF29-502111A061EB}" type="slidenum">
               <a:rPr lang="pt-BR" smtClean="0"/>
-              <a:t>19</a:t>
+              <a:t>18</a:t>
             </a:fld>
             <a:endParaRPr lang="pt-BR"/>
           </a:p>
@@ -1333,7 +1417,7 @@
     </p:spTree>
     <p:extLst>
       <p:ext uri="{BB962C8B-B14F-4D97-AF65-F5344CB8AC3E}">
-        <p14:creationId xmlns:p14="http://schemas.microsoft.com/office/powerpoint/2010/main" val="389106797"/>
+        <p14:creationId xmlns:p14="http://schemas.microsoft.com/office/powerpoint/2010/main" val="3693744707"/>
       </p:ext>
     </p:extLst>
   </p:cSld>
@@ -1408,7 +1492,7 @@
           <a:p>
             <a:fld id="{EB5BFA20-7DA4-47B3-BF29-502111A061EB}" type="slidenum">
               <a:rPr lang="pt-BR" smtClean="0"/>
-              <a:t>23</a:t>
+              <a:t>19</a:t>
             </a:fld>
             <a:endParaRPr lang="pt-BR"/>
           </a:p>
@@ -1417,7 +1501,7 @@
     </p:spTree>
     <p:extLst>
       <p:ext uri="{BB962C8B-B14F-4D97-AF65-F5344CB8AC3E}">
-        <p14:creationId xmlns:p14="http://schemas.microsoft.com/office/powerpoint/2010/main" val="322699997"/>
+        <p14:creationId xmlns:p14="http://schemas.microsoft.com/office/powerpoint/2010/main" val="389106797"/>
       </p:ext>
     </p:extLst>
   </p:cSld>
@@ -1492,7 +1576,7 @@
           <a:p>
             <a:fld id="{EB5BFA20-7DA4-47B3-BF29-502111A061EB}" type="slidenum">
               <a:rPr lang="pt-BR" smtClean="0"/>
-              <a:t>24</a:t>
+              <a:t>23</a:t>
             </a:fld>
             <a:endParaRPr lang="pt-BR"/>
           </a:p>
@@ -1501,7 +1585,7 @@
     </p:spTree>
     <p:extLst>
       <p:ext uri="{BB962C8B-B14F-4D97-AF65-F5344CB8AC3E}">
-        <p14:creationId xmlns:p14="http://schemas.microsoft.com/office/powerpoint/2010/main" val="1705683603"/>
+        <p14:creationId xmlns:p14="http://schemas.microsoft.com/office/powerpoint/2010/main" val="322699997"/>
       </p:ext>
     </p:extLst>
   </p:cSld>
@@ -1576,7 +1660,7 @@
           <a:p>
             <a:fld id="{EB5BFA20-7DA4-47B3-BF29-502111A061EB}" type="slidenum">
               <a:rPr lang="pt-BR" smtClean="0"/>
-              <a:t>25</a:t>
+              <a:t>24</a:t>
             </a:fld>
             <a:endParaRPr lang="pt-BR"/>
           </a:p>
@@ -1585,7 +1669,7 @@
     </p:spTree>
     <p:extLst>
       <p:ext uri="{BB962C8B-B14F-4D97-AF65-F5344CB8AC3E}">
-        <p14:creationId xmlns:p14="http://schemas.microsoft.com/office/powerpoint/2010/main" val="703511021"/>
+        <p14:creationId xmlns:p14="http://schemas.microsoft.com/office/powerpoint/2010/main" val="1705683603"/>
       </p:ext>
     </p:extLst>
   </p:cSld>
@@ -1660,7 +1744,7 @@
           <a:p>
             <a:fld id="{EB5BFA20-7DA4-47B3-BF29-502111A061EB}" type="slidenum">
               <a:rPr lang="pt-BR" smtClean="0"/>
-              <a:t>26</a:t>
+              <a:t>25</a:t>
             </a:fld>
             <a:endParaRPr lang="pt-BR"/>
           </a:p>
@@ -1669,7 +1753,7 @@
     </p:spTree>
     <p:extLst>
       <p:ext uri="{BB962C8B-B14F-4D97-AF65-F5344CB8AC3E}">
-        <p14:creationId xmlns:p14="http://schemas.microsoft.com/office/powerpoint/2010/main" val="575352470"/>
+        <p14:creationId xmlns:p14="http://schemas.microsoft.com/office/powerpoint/2010/main" val="703511021"/>
       </p:ext>
     </p:extLst>
   </p:cSld>
@@ -1744,7 +1828,7 @@
           <a:p>
             <a:fld id="{EB5BFA20-7DA4-47B3-BF29-502111A061EB}" type="slidenum">
               <a:rPr lang="pt-BR" smtClean="0"/>
-              <a:t>27</a:t>
+              <a:t>26</a:t>
             </a:fld>
             <a:endParaRPr lang="pt-BR"/>
           </a:p>
@@ -1753,7 +1837,7 @@
     </p:spTree>
     <p:extLst>
       <p:ext uri="{BB962C8B-B14F-4D97-AF65-F5344CB8AC3E}">
-        <p14:creationId xmlns:p14="http://schemas.microsoft.com/office/powerpoint/2010/main" val="3489325997"/>
+        <p14:creationId xmlns:p14="http://schemas.microsoft.com/office/powerpoint/2010/main" val="575352470"/>
       </p:ext>
     </p:extLst>
   </p:cSld>
@@ -19925,6 +20009,42 @@
           <a:chExt cx="0" cy="0"/>
         </a:xfrm>
       </p:grpSpPr>
+      <p:pic>
+        <p:nvPicPr>
+          <p:cNvPr id="7" name="Imagem 6" descr="Diagrama&#10;&#10;Descrição gerada automaticamente">
+            <a:extLst>
+              <a:ext uri="{FF2B5EF4-FFF2-40B4-BE49-F238E27FC236}">
+                <a16:creationId xmlns:a16="http://schemas.microsoft.com/office/drawing/2014/main" id="{1D9DA4A2-BF47-6DEF-196D-B913C5A40FAC}"/>
+              </a:ext>
+            </a:extLst>
+          </p:cNvPr>
+          <p:cNvPicPr>
+            <a:picLocks noChangeAspect="1"/>
+          </p:cNvPicPr>
+          <p:nvPr/>
+        </p:nvPicPr>
+        <p:blipFill>
+          <a:blip r:embed="rId3">
+            <a:extLst>
+              <a:ext uri="{28A0092B-C50C-407E-A947-70E740481C1C}">
+                <a14:useLocalDpi xmlns:a14="http://schemas.microsoft.com/office/drawing/2010/main" val="0"/>
+              </a:ext>
+            </a:extLst>
+          </a:blip>
+          <a:stretch>
+            <a:fillRect/>
+          </a:stretch>
+        </p:blipFill>
+        <p:spPr>
+          <a:xfrm>
+            <a:off x="1497172" y="1706947"/>
+            <a:ext cx="9293731" cy="4845119"/>
+          </a:xfrm>
+          <a:prstGeom prst="rect">
+            <a:avLst/>
+          </a:prstGeom>
+        </p:spPr>
+      </p:pic>
       <p:sp>
         <p:nvSpPr>
           <p:cNvPr id="4" name="Título 1">
@@ -19994,11 +20114,11 @@
           <p:nvPr/>
         </p:nvPicPr>
         <p:blipFill>
-          <a:blip r:embed="rId2">
+          <a:blip r:embed="rId4">
             <a:extLst>
               <a:ext uri="{BEBA8EAE-BF5A-486C-A8C5-ECC9F3942E4B}">
                 <a14:imgProps xmlns:a14="http://schemas.microsoft.com/office/drawing/2010/main">
-                  <a14:imgLayer r:embed="rId3">
+                  <a14:imgLayer r:embed="rId5">
                     <a14:imgEffect>
                       <a14:colorTemperature colorTemp="11500"/>
                     </a14:imgEffect>
@@ -20046,7 +20166,7 @@
           <p:nvPr/>
         </p:nvPicPr>
         <p:blipFill>
-          <a:blip r:embed="rId4">
+          <a:blip r:embed="rId6">
             <a:extLst>
               <a:ext uri="{28A0092B-C50C-407E-A947-70E740481C1C}">
                 <a14:useLocalDpi xmlns:a14="http://schemas.microsoft.com/office/drawing/2010/main" val="0"/>
@@ -20069,10 +20189,10 @@
       </p:pic>
       <p:pic>
         <p:nvPicPr>
-          <p:cNvPr id="11" name="Imagem 10" descr="Diagrama&#10;&#10;Descrição gerada automaticamente">
-            <a:extLst>
-              <a:ext uri="{FF2B5EF4-FFF2-40B4-BE49-F238E27FC236}">
-                <a16:creationId xmlns:a16="http://schemas.microsoft.com/office/drawing/2014/main" id="{04D345D3-ACDE-85C8-9723-37EA17A7C7A5}"/>
+          <p:cNvPr id="13" name="Imagem 12" descr="Uma imagem contendo Logotipo&#10;&#10;Descrição gerada automaticamente">
+            <a:extLst>
+              <a:ext uri="{FF2B5EF4-FFF2-40B4-BE49-F238E27FC236}">
+                <a16:creationId xmlns:a16="http://schemas.microsoft.com/office/drawing/2014/main" id="{83CED293-70FB-2530-452E-7541092FCE09}"/>
               </a:ext>
             </a:extLst>
           </p:cNvPr>
@@ -20082,43 +20202,7 @@
           <p:nvPr/>
         </p:nvPicPr>
         <p:blipFill>
-          <a:blip r:embed="rId5">
-            <a:extLst>
-              <a:ext uri="{28A0092B-C50C-407E-A947-70E740481C1C}">
-                <a14:useLocalDpi xmlns:a14="http://schemas.microsoft.com/office/drawing/2010/main" val="0"/>
-              </a:ext>
-            </a:extLst>
-          </a:blip>
-          <a:stretch>
-            <a:fillRect/>
-          </a:stretch>
-        </p:blipFill>
-        <p:spPr>
-          <a:xfrm>
-            <a:off x="1519237" y="1721356"/>
-            <a:ext cx="9153525" cy="4781550"/>
-          </a:xfrm>
-          <a:prstGeom prst="rect">
-            <a:avLst/>
-          </a:prstGeom>
-        </p:spPr>
-      </p:pic>
-      <p:pic>
-        <p:nvPicPr>
-          <p:cNvPr id="13" name="Imagem 12" descr="Uma imagem contendo Logotipo&#10;&#10;Descrição gerada automaticamente">
-            <a:extLst>
-              <a:ext uri="{FF2B5EF4-FFF2-40B4-BE49-F238E27FC236}">
-                <a16:creationId xmlns:a16="http://schemas.microsoft.com/office/drawing/2014/main" id="{83CED293-70FB-2530-452E-7541092FCE09}"/>
-              </a:ext>
-            </a:extLst>
-          </p:cNvPr>
-          <p:cNvPicPr>
-            <a:picLocks noChangeAspect="1"/>
-          </p:cNvPicPr>
-          <p:nvPr/>
-        </p:nvPicPr>
-        <p:blipFill>
-          <a:blip r:embed="rId6">
+          <a:blip r:embed="rId7">
             <a:extLst>
               <a:ext uri="{28A0092B-C50C-407E-A947-70E740481C1C}">
                 <a14:useLocalDpi xmlns:a14="http://schemas.microsoft.com/office/drawing/2010/main" val="0"/>
@@ -20154,7 +20238,7 @@
           <p:nvPr/>
         </p:nvPicPr>
         <p:blipFill>
-          <a:blip r:embed="rId6">
+          <a:blip r:embed="rId7">
             <a:extLst>
               <a:ext uri="{28A0092B-C50C-407E-A947-70E740481C1C}">
                 <a14:useLocalDpi xmlns:a14="http://schemas.microsoft.com/office/drawing/2010/main" val="0"/>
@@ -20190,7 +20274,7 @@
           <p:nvPr/>
         </p:nvPicPr>
         <p:blipFill>
-          <a:blip r:embed="rId6">
+          <a:blip r:embed="rId7">
             <a:extLst>
               <a:ext uri="{28A0092B-C50C-407E-A947-70E740481C1C}">
                 <a14:useLocalDpi xmlns:a14="http://schemas.microsoft.com/office/drawing/2010/main" val="0"/>
@@ -20226,7 +20310,7 @@
           <p:nvPr/>
         </p:nvPicPr>
         <p:blipFill>
-          <a:blip r:embed="rId6">
+          <a:blip r:embed="rId7">
             <a:extLst>
               <a:ext uri="{28A0092B-C50C-407E-A947-70E740481C1C}">
                 <a14:useLocalDpi xmlns:a14="http://schemas.microsoft.com/office/drawing/2010/main" val="0"/>
@@ -20262,7 +20346,7 @@
           <p:nvPr/>
         </p:nvPicPr>
         <p:blipFill>
-          <a:blip r:embed="rId6">
+          <a:blip r:embed="rId7">
             <a:extLst>
               <a:ext uri="{28A0092B-C50C-407E-A947-70E740481C1C}">
                 <a14:useLocalDpi xmlns:a14="http://schemas.microsoft.com/office/drawing/2010/main" val="0"/>
@@ -20298,7 +20382,7 @@
           <p:nvPr/>
         </p:nvPicPr>
         <p:blipFill>
-          <a:blip r:embed="rId7">
+          <a:blip r:embed="rId8">
             <a:extLst>
               <a:ext uri="{28A0092B-C50C-407E-A947-70E740481C1C}">
                 <a14:useLocalDpi xmlns:a14="http://schemas.microsoft.com/office/drawing/2010/main" val="0"/>
@@ -20334,7 +20418,7 @@
           <p:nvPr/>
         </p:nvPicPr>
         <p:blipFill>
-          <a:blip r:embed="rId7">
+          <a:blip r:embed="rId8">
             <a:extLst>
               <a:ext uri="{28A0092B-C50C-407E-A947-70E740481C1C}">
                 <a14:useLocalDpi xmlns:a14="http://schemas.microsoft.com/office/drawing/2010/main" val="0"/>
@@ -20370,7 +20454,7 @@
           <p:nvPr/>
         </p:nvPicPr>
         <p:blipFill>
-          <a:blip r:embed="rId7">
+          <a:blip r:embed="rId8">
             <a:extLst>
               <a:ext uri="{28A0092B-C50C-407E-A947-70E740481C1C}">
                 <a14:useLocalDpi xmlns:a14="http://schemas.microsoft.com/office/drawing/2010/main" val="0"/>
@@ -20393,10 +20477,10 @@
       </p:pic>
       <p:pic>
         <p:nvPicPr>
-          <p:cNvPr id="23" name="Imagem 22" descr="Logotipo&#10;&#10;Descrição gerada automaticamente">
-            <a:extLst>
-              <a:ext uri="{FF2B5EF4-FFF2-40B4-BE49-F238E27FC236}">
-                <a16:creationId xmlns:a16="http://schemas.microsoft.com/office/drawing/2014/main" id="{48BB411F-364E-FD18-7D80-3CD82EA506EF}"/>
+          <p:cNvPr id="24" name="Imagem 23" descr="Logotipo&#10;&#10;Descrição gerada automaticamente">
+            <a:extLst>
+              <a:ext uri="{FF2B5EF4-FFF2-40B4-BE49-F238E27FC236}">
+                <a16:creationId xmlns:a16="http://schemas.microsoft.com/office/drawing/2014/main" id="{899A4F67-8A25-AF21-E797-861DE6A9BE80}"/>
               </a:ext>
             </a:extLst>
           </p:cNvPr>
@@ -20406,43 +20490,7 @@
           <p:nvPr/>
         </p:nvPicPr>
         <p:blipFill>
-          <a:blip r:embed="rId8">
-            <a:extLst>
-              <a:ext uri="{28A0092B-C50C-407E-A947-70E740481C1C}">
-                <a14:useLocalDpi xmlns:a14="http://schemas.microsoft.com/office/drawing/2010/main" val="0"/>
-              </a:ext>
-            </a:extLst>
-          </a:blip>
-          <a:stretch>
-            <a:fillRect/>
-          </a:stretch>
-        </p:blipFill>
-        <p:spPr>
-          <a:xfrm>
-            <a:off x="4509730" y="5814705"/>
-            <a:ext cx="1271637" cy="342746"/>
-          </a:xfrm>
-          <a:prstGeom prst="rect">
-            <a:avLst/>
-          </a:prstGeom>
-        </p:spPr>
-      </p:pic>
-      <p:pic>
-        <p:nvPicPr>
-          <p:cNvPr id="24" name="Imagem 23" descr="Logotipo&#10;&#10;Descrição gerada automaticamente">
-            <a:extLst>
-              <a:ext uri="{FF2B5EF4-FFF2-40B4-BE49-F238E27FC236}">
-                <a16:creationId xmlns:a16="http://schemas.microsoft.com/office/drawing/2014/main" id="{899A4F67-8A25-AF21-E797-861DE6A9BE80}"/>
-              </a:ext>
-            </a:extLst>
-          </p:cNvPr>
-          <p:cNvPicPr>
-            <a:picLocks noChangeAspect="1"/>
-          </p:cNvPicPr>
-          <p:nvPr/>
-        </p:nvPicPr>
-        <p:blipFill>
-          <a:blip r:embed="rId8">
+          <a:blip r:embed="rId9">
             <a:extLst>
               <a:ext uri="{28A0092B-C50C-407E-A947-70E740481C1C}">
                 <a14:useLocalDpi xmlns:a14="http://schemas.microsoft.com/office/drawing/2010/main" val="0"/>
@@ -20478,7 +20526,7 @@
           <p:nvPr/>
         </p:nvPicPr>
         <p:blipFill>
-          <a:blip r:embed="rId9">
+          <a:blip r:embed="rId10">
             <a:extLst>
               <a:ext uri="{28A0092B-C50C-407E-A947-70E740481C1C}">
                 <a14:useLocalDpi xmlns:a14="http://schemas.microsoft.com/office/drawing/2010/main" val="0"/>
@@ -20514,7 +20562,7 @@
           <p:nvPr/>
         </p:nvPicPr>
         <p:blipFill>
-          <a:blip r:embed="rId10">
+          <a:blip r:embed="rId11">
             <a:extLst>
               <a:ext uri="{28A0092B-C50C-407E-A947-70E740481C1C}">
                 <a14:useLocalDpi xmlns:a14="http://schemas.microsoft.com/office/drawing/2010/main" val="0"/>

--- a/Conteúdos/Apresentação - Saga.pptx
+++ b/Conteúdos/Apresentação - Saga.pptx
@@ -5,7 +5,7 @@
     <p:sldMasterId id="2147483648" r:id="rId1"/>
   </p:sldMasterIdLst>
   <p:notesMasterIdLst>
-    <p:notesMasterId r:id="rId42"/>
+    <p:notesMasterId r:id="rId57"/>
   </p:notesMasterIdLst>
   <p:sldIdLst>
     <p:sldId id="274" r:id="rId2"/>
@@ -45,9 +45,24 @@
     <p:sldId id="370" r:id="rId36"/>
     <p:sldId id="369" r:id="rId37"/>
     <p:sldId id="371" r:id="rId38"/>
-    <p:sldId id="329" r:id="rId39"/>
-    <p:sldId id="330" r:id="rId40"/>
-    <p:sldId id="331" r:id="rId41"/>
+    <p:sldId id="382" r:id="rId39"/>
+    <p:sldId id="383" r:id="rId40"/>
+    <p:sldId id="385" r:id="rId41"/>
+    <p:sldId id="384" r:id="rId42"/>
+    <p:sldId id="378" r:id="rId43"/>
+    <p:sldId id="379" r:id="rId44"/>
+    <p:sldId id="386" r:id="rId45"/>
+    <p:sldId id="381" r:id="rId46"/>
+    <p:sldId id="388" r:id="rId47"/>
+    <p:sldId id="387" r:id="rId48"/>
+    <p:sldId id="389" r:id="rId49"/>
+    <p:sldId id="390" r:id="rId50"/>
+    <p:sldId id="391" r:id="rId51"/>
+    <p:sldId id="392" r:id="rId52"/>
+    <p:sldId id="393" r:id="rId53"/>
+    <p:sldId id="330" r:id="rId54"/>
+    <p:sldId id="380" r:id="rId55"/>
+    <p:sldId id="331" r:id="rId56"/>
   </p:sldIdLst>
   <p:sldSz cx="12192000" cy="6858000"/>
   <p:notesSz cx="6858000" cy="9144000"/>
@@ -236,7 +251,7 @@
           <a:p>
             <a:fld id="{1A658991-3A10-4D75-89CC-FE5310122811}" type="datetimeFigureOut">
               <a:rPr lang="pt-BR" smtClean="0"/>
-              <a:t>15/04/2023</a:t>
+              <a:t>17/04/2023</a:t>
             </a:fld>
             <a:endParaRPr lang="pt-BR"/>
           </a:p>
@@ -988,7 +1003,7 @@
           <a:p>
             <a:fld id="{EB5BFA20-7DA4-47B3-BF29-502111A061EB}" type="slidenum">
               <a:rPr lang="pt-BR" smtClean="0"/>
-              <a:t>38</a:t>
+              <a:t>53</a:t>
             </a:fld>
             <a:endParaRPr lang="pt-BR"/>
           </a:p>
@@ -997,7 +1012,7 @@
     </p:spTree>
     <p:extLst>
       <p:ext uri="{BB962C8B-B14F-4D97-AF65-F5344CB8AC3E}">
-        <p14:creationId xmlns:p14="http://schemas.microsoft.com/office/powerpoint/2010/main" val="728652409"/>
+        <p14:creationId xmlns:p14="http://schemas.microsoft.com/office/powerpoint/2010/main" val="3332445481"/>
       </p:ext>
     </p:extLst>
   </p:cSld>
@@ -1072,7 +1087,7 @@
           <a:p>
             <a:fld id="{EB5BFA20-7DA4-47B3-BF29-502111A061EB}" type="slidenum">
               <a:rPr lang="pt-BR" smtClean="0"/>
-              <a:t>39</a:t>
+              <a:t>54</a:t>
             </a:fld>
             <a:endParaRPr lang="pt-BR"/>
           </a:p>
@@ -1081,7 +1096,7 @@
     </p:spTree>
     <p:extLst>
       <p:ext uri="{BB962C8B-B14F-4D97-AF65-F5344CB8AC3E}">
-        <p14:creationId xmlns:p14="http://schemas.microsoft.com/office/powerpoint/2010/main" val="3332445481"/>
+        <p14:creationId xmlns:p14="http://schemas.microsoft.com/office/powerpoint/2010/main" val="579057514"/>
       </p:ext>
     </p:extLst>
   </p:cSld>
@@ -1156,7 +1171,7 @@
           <a:p>
             <a:fld id="{EB5BFA20-7DA4-47B3-BF29-502111A061EB}" type="slidenum">
               <a:rPr lang="pt-BR" smtClean="0"/>
-              <a:t>40</a:t>
+              <a:t>55</a:t>
             </a:fld>
             <a:endParaRPr lang="pt-BR"/>
           </a:p>
@@ -1994,7 +2009,7 @@
           <a:p>
             <a:fld id="{654E430E-5D4C-4874-960B-D673A28B4FD3}" type="datetimeFigureOut">
               <a:rPr lang="pt-BR" smtClean="0"/>
-              <a:t>15/04/2023</a:t>
+              <a:t>17/04/2023</a:t>
             </a:fld>
             <a:endParaRPr lang="pt-BR"/>
           </a:p>
@@ -2192,7 +2207,7 @@
           <a:p>
             <a:fld id="{654E430E-5D4C-4874-960B-D673A28B4FD3}" type="datetimeFigureOut">
               <a:rPr lang="pt-BR" smtClean="0"/>
-              <a:t>15/04/2023</a:t>
+              <a:t>17/04/2023</a:t>
             </a:fld>
             <a:endParaRPr lang="pt-BR"/>
           </a:p>
@@ -2400,7 +2415,7 @@
           <a:p>
             <a:fld id="{654E430E-5D4C-4874-960B-D673A28B4FD3}" type="datetimeFigureOut">
               <a:rPr lang="pt-BR" smtClean="0"/>
-              <a:t>15/04/2023</a:t>
+              <a:t>17/04/2023</a:t>
             </a:fld>
             <a:endParaRPr lang="pt-BR"/>
           </a:p>
@@ -2598,7 +2613,7 @@
           <a:p>
             <a:fld id="{654E430E-5D4C-4874-960B-D673A28B4FD3}" type="datetimeFigureOut">
               <a:rPr lang="pt-BR" smtClean="0"/>
-              <a:t>15/04/2023</a:t>
+              <a:t>17/04/2023</a:t>
             </a:fld>
             <a:endParaRPr lang="pt-BR"/>
           </a:p>
@@ -2873,7 +2888,7 @@
           <a:p>
             <a:fld id="{654E430E-5D4C-4874-960B-D673A28B4FD3}" type="datetimeFigureOut">
               <a:rPr lang="pt-BR" smtClean="0"/>
-              <a:t>15/04/2023</a:t>
+              <a:t>17/04/2023</a:t>
             </a:fld>
             <a:endParaRPr lang="pt-BR"/>
           </a:p>
@@ -3138,7 +3153,7 @@
           <a:p>
             <a:fld id="{654E430E-5D4C-4874-960B-D673A28B4FD3}" type="datetimeFigureOut">
               <a:rPr lang="pt-BR" smtClean="0"/>
-              <a:t>15/04/2023</a:t>
+              <a:t>17/04/2023</a:t>
             </a:fld>
             <a:endParaRPr lang="pt-BR"/>
           </a:p>
@@ -3550,7 +3565,7 @@
           <a:p>
             <a:fld id="{654E430E-5D4C-4874-960B-D673A28B4FD3}" type="datetimeFigureOut">
               <a:rPr lang="pt-BR" smtClean="0"/>
-              <a:t>15/04/2023</a:t>
+              <a:t>17/04/2023</a:t>
             </a:fld>
             <a:endParaRPr lang="pt-BR"/>
           </a:p>
@@ -3691,7 +3706,7 @@
           <a:p>
             <a:fld id="{654E430E-5D4C-4874-960B-D673A28B4FD3}" type="datetimeFigureOut">
               <a:rPr lang="pt-BR" smtClean="0"/>
-              <a:t>15/04/2023</a:t>
+              <a:t>17/04/2023</a:t>
             </a:fld>
             <a:endParaRPr lang="pt-BR"/>
           </a:p>
@@ -3804,7 +3819,7 @@
           <a:p>
             <a:fld id="{654E430E-5D4C-4874-960B-D673A28B4FD3}" type="datetimeFigureOut">
               <a:rPr lang="pt-BR" smtClean="0"/>
-              <a:t>15/04/2023</a:t>
+              <a:t>17/04/2023</a:t>
             </a:fld>
             <a:endParaRPr lang="pt-BR"/>
           </a:p>
@@ -4115,7 +4130,7 @@
           <a:p>
             <a:fld id="{654E430E-5D4C-4874-960B-D673A28B4FD3}" type="datetimeFigureOut">
               <a:rPr lang="pt-BR" smtClean="0"/>
-              <a:t>15/04/2023</a:t>
+              <a:t>17/04/2023</a:t>
             </a:fld>
             <a:endParaRPr lang="pt-BR"/>
           </a:p>
@@ -4403,7 +4418,7 @@
           <a:p>
             <a:fld id="{654E430E-5D4C-4874-960B-D673A28B4FD3}" type="datetimeFigureOut">
               <a:rPr lang="pt-BR" smtClean="0"/>
-              <a:t>15/04/2023</a:t>
+              <a:t>17/04/2023</a:t>
             </a:fld>
             <a:endParaRPr lang="pt-BR"/>
           </a:p>
@@ -4644,7 +4659,7 @@
           <a:p>
             <a:fld id="{654E430E-5D4C-4874-960B-D673A28B4FD3}" type="datetimeFigureOut">
               <a:rPr lang="pt-BR" smtClean="0"/>
-              <a:t>15/04/2023</a:t>
+              <a:t>17/04/2023</a:t>
             </a:fld>
             <a:endParaRPr lang="pt-BR"/>
           </a:p>
@@ -5279,6 +5294,42 @@
           </a:prstGeom>
         </p:spPr>
       </p:pic>
+      <p:pic>
+        <p:nvPicPr>
+          <p:cNvPr id="6" name="Imagem 5" descr="Forma&#10;&#10;Descrição gerada automaticamente com confiança baixa">
+            <a:extLst>
+              <a:ext uri="{FF2B5EF4-FFF2-40B4-BE49-F238E27FC236}">
+                <a16:creationId xmlns:a16="http://schemas.microsoft.com/office/drawing/2014/main" id="{4717EA2E-6581-E40F-061A-56BAB2BEB11D}"/>
+              </a:ext>
+            </a:extLst>
+          </p:cNvPr>
+          <p:cNvPicPr>
+            <a:picLocks noChangeAspect="1"/>
+          </p:cNvPicPr>
+          <p:nvPr/>
+        </p:nvPicPr>
+        <p:blipFill>
+          <a:blip r:embed="rId5">
+            <a:extLst>
+              <a:ext uri="{28A0092B-C50C-407E-A947-70E740481C1C}">
+                <a14:useLocalDpi xmlns:a14="http://schemas.microsoft.com/office/drawing/2010/main" val="0"/>
+              </a:ext>
+            </a:extLst>
+          </a:blip>
+          <a:stretch>
+            <a:fillRect/>
+          </a:stretch>
+        </p:blipFill>
+        <p:spPr>
+          <a:xfrm>
+            <a:off x="0" y="0"/>
+            <a:ext cx="1401097" cy="1401097"/>
+          </a:xfrm>
+          <a:prstGeom prst="rect">
+            <a:avLst/>
+          </a:prstGeom>
+        </p:spPr>
+      </p:pic>
     </p:spTree>
     <p:extLst>
       <p:ext uri="{BB962C8B-B14F-4D97-AF65-F5344CB8AC3E}">
@@ -16258,7 +16309,7 @@
             </a:pPr>
             <a:r>
               <a:rPr lang="pt-BR" sz="5000" b="1" dirty="0"/>
-              <a:t>Saga </a:t>
+              <a:t>Padrão </a:t>
             </a:r>
             <a:r>
               <a:rPr lang="pt-BR" sz="5000" b="1" dirty="0" err="1"/>
@@ -18628,164 +18679,12 @@
           <a:chExt cx="0" cy="0"/>
         </a:xfrm>
       </p:grpSpPr>
-      <p:sp>
-        <p:nvSpPr>
-          <p:cNvPr id="4" name="Título 1">
-            <a:extLst>
-              <a:ext uri="{FF2B5EF4-FFF2-40B4-BE49-F238E27FC236}">
-                <a16:creationId xmlns:a16="http://schemas.microsoft.com/office/drawing/2014/main" id="{22290A63-5ECE-488C-8F5A-240217BA6E32}"/>
-              </a:ext>
-            </a:extLst>
-          </p:cNvPr>
-          <p:cNvSpPr txBox="1">
-            <a:spLocks/>
-          </p:cNvSpPr>
-          <p:nvPr/>
-        </p:nvSpPr>
-        <p:spPr>
-          <a:xfrm>
-            <a:off x="2295832" y="273986"/>
-            <a:ext cx="9601200" cy="1599777"/>
-          </a:xfrm>
-          <a:prstGeom prst="rect">
-            <a:avLst/>
-          </a:prstGeom>
-        </p:spPr>
-        <p:txBody>
-          <a:bodyPr vert="horz" lIns="91440" tIns="45720" rIns="91440" bIns="45720" rtlCol="0" anchor="ctr">
-            <a:normAutofit fontScale="92500"/>
-          </a:bodyPr>
-          <a:lstStyle>
-            <a:lvl1pPr algn="l" defTabSz="914400" rtl="0" eaLnBrk="1" latinLnBrk="0" hangingPunct="1">
-              <a:lnSpc>
-                <a:spcPct val="90000"/>
-              </a:lnSpc>
-              <a:spcBef>
-                <a:spcPct val="0"/>
-              </a:spcBef>
-              <a:buNone/>
-              <a:defRPr sz="4400" kern="1200">
-                <a:solidFill>
-                  <a:schemeClr val="tx1"/>
-                </a:solidFill>
-                <a:latin typeface="+mj-lt"/>
-                <a:ea typeface="+mj-ea"/>
-                <a:cs typeface="+mj-cs"/>
-              </a:defRPr>
-            </a:lvl1pPr>
-          </a:lstStyle>
-          <a:p>
-            <a:r>
-              <a:rPr lang="pt-BR" sz="4400" dirty="0">
-                <a:latin typeface="Trebuchet MS"/>
-                <a:ea typeface="Trebuchet MS"/>
-                <a:cs typeface="Trebuchet MS"/>
-                <a:sym typeface="Trebuchet MS"/>
-              </a:rPr>
-              <a:t>Resumindo: </a:t>
-            </a:r>
-            <a:br>
-              <a:rPr lang="pt-BR" sz="4400" dirty="0">
-                <a:latin typeface="Trebuchet MS"/>
-                <a:ea typeface="Trebuchet MS"/>
-                <a:cs typeface="Trebuchet MS"/>
-                <a:sym typeface="Trebuchet MS"/>
-              </a:rPr>
-            </a:br>
-            <a:r>
-              <a:rPr lang="pt-BR" sz="4400" dirty="0">
-                <a:latin typeface="Trebuchet MS"/>
-                <a:ea typeface="Trebuchet MS"/>
-                <a:cs typeface="Trebuchet MS"/>
-                <a:sym typeface="Trebuchet MS"/>
-              </a:rPr>
-              <a:t>Existe um jeito melhor ou mais correto?</a:t>
-            </a:r>
-            <a:endParaRPr lang="pt-BR" dirty="0"/>
-          </a:p>
-        </p:txBody>
-      </p:sp>
-      <p:sp>
-        <p:nvSpPr>
-          <p:cNvPr id="6" name="Espaço Reservado para Conteúdo 5">
-            <a:extLst>
-              <a:ext uri="{FF2B5EF4-FFF2-40B4-BE49-F238E27FC236}">
-                <a16:creationId xmlns:a16="http://schemas.microsoft.com/office/drawing/2014/main" id="{B371EE64-5E8E-7948-0FE0-9969F5CDEB28}"/>
-              </a:ext>
-            </a:extLst>
-          </p:cNvPr>
-          <p:cNvSpPr>
-            <a:spLocks noGrp="1"/>
-          </p:cNvSpPr>
-          <p:nvPr>
-            <p:ph idx="1"/>
-          </p:nvPr>
-        </p:nvSpPr>
-        <p:spPr>
-          <a:xfrm>
-            <a:off x="1535061" y="5367098"/>
-            <a:ext cx="9121877" cy="1192725"/>
-          </a:xfrm>
-        </p:spPr>
-        <p:txBody>
-          <a:bodyPr/>
-          <a:lstStyle/>
-          <a:p>
-            <a:pPr marL="0" indent="0" algn="ctr">
-              <a:buNone/>
-            </a:pPr>
-            <a:r>
-              <a:rPr lang="pt-BR" dirty="0"/>
-              <a:t>Existe apenas o que vai te atender no momento da maneira mais segura, performática e de fácil manutenção!</a:t>
-            </a:r>
-          </a:p>
-          <a:p>
-            <a:pPr marL="0" indent="0">
-              <a:buNone/>
-            </a:pPr>
-            <a:endParaRPr lang="pt-BR" dirty="0"/>
-          </a:p>
-        </p:txBody>
-      </p:sp>
       <p:pic>
         <p:nvPicPr>
-          <p:cNvPr id="9" name="Google Shape;216;p19" descr="data:image/jpeg;base64,/9j/4AAQSkZJRgABAQAAAQABAAD/2wCEAAoHCBIVFRgSFRIYGBgYGhgaGRkYGBgcHBgYGhoZGhgZHBgcIS4lHB4rIRoZJzgmKy8xNTU1GiQ7QDs0Py40NTEBDAwMEA8QHhISGjQrJCs0MTQ0NDY0MTQ0NDE0NDQ0NDQ2NDQ0MTExNDQ0NDQ0NDQ0NDQ0NDE0MTE0NDE0NDE0Mf/AABEIALcBEwMBIgACEQEDEQH/xAAcAAABBAMBAAAAAAAAAAAAAAAABAUGBwECAwj/xABOEAACAQMBBAYFBwYLBgcAAAABAgADBBEhBRIxQQYHUWFxgRMiMpGhQlJicrHB0RSCg6LC0iMkM0RTVHSSs9PwJWOUo7ThFRYXNUNkk//EABkBAQADAQEAAAAAAAAAAAAAAAABAwQCBf/EACIRAQEAAwACAgIDAQAAAAAAAAABAgMRITESIjJRExRxBP/aAAwDAQACEQMRAD8AteEIQCEIQCEIQCEhnSvrCoWdRqC02rVFGXAYKiEjKqzaknUEgDQGVftXp/tKuT/GDTQ59Sl6gA7N4euffAvbam17e3Xfr1kpj6bYJ7gvEnwEg21etm0TIt6L1TyZ8U0+OW/VEpypUZiWZizHizEknxJ1M5MTxHKBN9qdY+0q+QtRaCHlSXDY7C7ZbzGJE7i4d2LO7Ox4szFifMnM4JWB04Hs/CZaSNGacszdpyqNoYF+9A03bSiv0E+IE5NZmm7Y0wxI8CciRPpHf3dslrSo1Wpp6Mb5TAJYbo1bGQPCSbo5fPXoL6Ri1RMgseLqfZbxHCU7cexdqy5f9S7Z9XfQHuncjEQ7KXdUrFVxUwDKZ6XWfZrVrbqljK/6U31SqVopks7AADnmS7bNUrT8pHdgWBd2uXGeKp+033e+McfllxOV+ONrew2lZWVNKL1wGJ1IVyXbn7Kn/Qh02uKF1YO1GormkyVCBneUA4bKnUeqzSI9YFylO5oncyFJZl57nA6dupx4R4S0pshqoQ1J6bqxHNGQhv8AXaJqk4yW9VwjYM1ZiGyGKtyIJBB8phCCB5TFy6jifKduUy6O9Y17bYSt/GKfAb7euvhU1J8GB8ZOtldZ1hVIWpv0SebjeT+8mceYEokVd7w5TdTIHqa1uqdRBUp1FdDwZGDA+YnWeY9l7Vr27b9Gq9M9qMRnxHA+cm+xOtK6p4W4Ray9owj+8DdPu85AuWEauje36N7R9NSyMEq6NjeRhrg47iCDzzHWAQhCAQhCAQhCAQhCAQhCAThe3Ip03qkZCI7kDiQqliPhO8ZOmlz6Owunzg+hcD6zjcX4sIHnq6vGrPUqt7dRmdvFiWx4DOPKJFEzT4zbEkanQZmo4nyMxXPKZHHyEAamDrAA8znxgzQzAwROFURQZjdzAtmui3O4eJNvTcfnjMcujVqVRCOOuVPFe3B5jujd0XTFK1qnUNRWmx7NzIX7JLrejuDeXkTkfEke+c2OpSy2Yzd9TCivETpuzLY2Sz2ZtuAuFpr7TkKPPnHOnRVFCKAAoAHkOM4UkDVDU5JlV+sfaPu08zOe2bncRiOODLtWPJ1Ruz7Zj+lQ9P3V7lmBzy49mPxjVs3bNWjSq266pVRlwSfULaMy+IyMefj16Q59JrxIyfMk/hGoiXT0pvtjEyKY7ILNu+ShqVA5TkJ3rH1fhOQEDAm5XUTdEGMQRcnwECw+qHaSpcVKDvj0yruA83QscDvKk/3ZcM8wpcMjo6HDIVcH6SkMPiJ6atqwdEqDg6qw/OAP3yKOkIQkAhCEAhCEAhCEAhCEAkH63NopTsDSLevWdFVeZCMHc+AAHmRJxKL647p2vxTJ9VKKbo7C5LMfPT3CBBEfXE7kziVBE621N3ZKaDed2VFA4szEBRrzJIEkcKx1nRh63lJH/wCnu1yc/kL+b0h+3FY6uNrlgfyTGmuatEftwIjuwAk2HVltY/zdB41af3NOi9Vm1f6OkPGqPuBgQWZWTwdVO1Pm0B+lP7k3Xqm2nzNuP0rf5cCU9FLbFjQRuIUE9xb1vvkjoMOBPIcPdDZPR6ulMU2KaKo0JIyAAeUVJsKqDnfX3n8PGQlii41GZvcVQiFjyBM7U9kONSy/H8JptDYtSohQVFXPPBMoyxvbyNGOeMklpLZ6IoB1xk+J1PxMQbU9cFeXEnlHyjsZwoDVATgAkKRy15zS92AzoUWqFyOO5n75dJyM9vb15+2+QbioQcgtn4DTwjaRLhrdUYZixvjqc/yI/fmB1O0+d6/lTUfaxnUqKp2brLiXqctud3W8lpj7VM6p1P2g43Vwf/y/ck9FKuvAec2CS7V6orDia1wfzqY/YncdVGzvn1z+en7kdFIKJqo48dZaPTzoNZ2do1ej6TfDovrPkYY4OgAlXFuQgdKdMCW51UbaepTe0dt40gGQn+jJwV8FOMdzAcpUKk+/4CTbqg32v3YewlBwx5ZZ03ffun3GKLphCE5BCEIBCEIBCEIBCEIBKE63K9N9oN6NstTREfs313iQDzwGXPfnsly9KNuJZWz3L67owi83dtFX38e4GeZbi5Z2LsxLMSzHtZjkn3wNFqY4iO/RjH5Zakf1m3/xUjSH5kef4xx6PEC7tmHD09A/8xJI9XTMxMiQCEIQMwhCAQhCAQhCAQhCAQhCAQhCAQhCBCOtw/7NqHsqUv8AEUffKDDnyl/9bI/2ZV7nof4qTz85B458OUmDZq3yVGp+EuTqcs6SWbujb1R6hFTT2d0DcXww29+eZTdM47u4SX9COl4sC+/TZ6dTdyEI3lZc+sA2h0JyO4SaL1hONndJVRKqNvI6q6HtVhkGdpyCEIQCEIQCEIQCEJpXrIitUdgqICzMeCqBkk+AgVH13bWLNRswuQg9Mx723kQY8Ax85VQTs08Y69Lttte3dW41CscIOymvqoPHGviTGgUe+BvnHERZsggXFFhyq0j+usQqhHAxVZECrTPPfQ/rLJHriEIQMwhCQCZiW9vaVJQ9R1VSyqCxwN5juqM95OIpgZhMThb3SPvbjBtxijY+S64yp7xkQO8MxPeI5R1psFcqwRiMhXIO6xXmAcHEiq7Gr0XWjb7WqCq6F2S5AuN4LhWqoGKsh3mGgO7r7MCZZhEthb+jppSLs5RFUu5yzlVALM3NjjJPfFMDaEbNo7btqDBKlUB2GVpqGeow7VpoCxHgIlpdKrIsEaqaZYhQK9KrQ3mPBVNZVDHuEB9hCEAmITnUqqvE4g9op1qf+2V+40j7qtOeeDk+tw7z+E9EdYzh9m3AU7xwhwupOKiHQDWedF9c+scAcvxkypssZLqdM/b92IoXA14nl/27JqKK8hNKr4wBxPDwk9Q9BdXVUPs63I5B1/u1HH3SSxi6EWgpWFqgIP8ABq5I4Fqn8I2PNjH2cghCEAhCEAhCEAkF639oNTsfRqcGvUVCc49UAuw890Dzk6lc9dFsz21sqjJa5CAd7o4H2QKRVMTrQoszbqKzN81FLH3CWVsXq7ophrh/Stj2QCqr8ct548JK7WypUV3VRUXsVQo+Ery2yemjD/nyvvwqmw6G39XhSCDtqMF/VGT8I8WvVldhldq9EYYHALngc/NEn9vdIrEKd7PJQWx440EcFrVW9hAPrtj4DMr/AJqt/r4xIKe2QxChDk94jhQq7wzjHdIWUrKRvOoPLdB07dT+Ec7C7ZQT6TGpyDgnSTjtvfLnPROfVKITnRqZAPaMzpL2RGendFHoUqboHR7q1RlPAq9VUb4NMdFb+orVNn3Db1e3xuueNe3OlKt3tgbrccMO+dOmv8nb/wBtsf8AqKc16XbNqsEvLYZubYlkGcempn+VoN2hgNOxgOHGBJYw9Fv51/a6/wCxF+xdp0rmhTuKTZR1yO0HgynsYEEEdoMQdFv51/a6/wCxAfpXl5VJaptkaihcrTUjXNlR36Ffy36ld+/0a9klfSi/ejbO1P8AlX3adEdtaqwp0/IMwJ7gZ2tNkUktls93epLSFIg/KXd3Gz4jOfGA4gxk6T7SqUaaJRANeu60aO9qFdgS1RhzVEV2Pbugc5p0OrsbcUKhzUtma2cnixp4COc/OplG/OnC/UPtO1U8KdvdVF+sz0KefHdZh+cYDlsbY1K2UhMs7a1Kr61Krc2duJPYOAGgAEW3NulRGpuiurDDKwDKwPIg6ETtCSIlsQvZ3R2czM1B0araMxyUCFRVtyxOWC7yspPBSRnQSXyMdKwFr7PqAesLvcB+jUt64YfAe6SeQEl1dqmM840161TeJVlbOsdNohdwkjOJHzSUao7Ak8GGfOV7LZPDRpmNapXI9pGGupC5H6uZtXo21VcmnTf6yq32iKbd2XQrnvXX4cZyuKdNzndGe3GCPMaiUTw0XlvmIxtXoHZ1s7imi3bTxu570OnuxIFtToLd2zNUZRVQZO/TzoB2p7S+WR3y5kpuo0O8OxuPgG/GdKdTPFSD3/iJ3jsyirLVjfSP9Ve0fSWfoycmi5QfUb10+1h5SaRm2fZW1vVYooRrggEDIDuodwQvAHG/w4x5l+OXZ1mynxvBCEJLkQhCAQhCASounfSwXF7QsaADrRrozONd6ouQVX6Kgtk9vcNZ30/2q9tYV6yEht0IpHyWdgm94jeJ8hKD6I3YpXdN+OSVPmOPvxIy9V1j+UXjRR8DK4ONczk9gjNlwG7jqPdwiihcl1DHnrpE9dGJwX3R3aH3/hiZXoy10bcUgBlXsHb4CKPSOBhKZY92APMtiJAiJ6ygDtOdfMnjNhtdfZpo1RvoDKj6zn1R7890iFdK1OuxAZ1QdijePvOg90U7LoUwVOrPng2vvHCc6e+5BqOFGM7q6+W8fwEk9jRVVBCBSRrpr5md4Y9vVezZ8ceFazMBCamBHemn8nb/ANtsf+opyRRn6R7PeulJUxlLm2qtk49SnVV2x2nCnAjxIENx/wCH3uRpaXz69lC7PA9y1cY+sOWY69Fv51/a6/7EcNrbNpXNF7equ8lRd1hzHMEHkwIBB5ECNvRDZ1zQpOly6vUaq7F10DrhVVyPkswXJHaTASbYtlu7ynalnFO3Q3FQo7I3pam9TtwHQhl9UV20PzeUW/8Alah/S3f/AB15/mTp0f2e9M16tXHpK9Z3ODkLTUCnRTPPFNVJ+kzR5kiJWNktlfBFZzTvKZ1qVKlRvymgM6u7EnepHhn/AOH3b9Kav5Pc2d6TimrVLeseSrcBdxyeSioiAn6Ucekuz3q0lNHd9NSqU61LeOAXRvWUnkGQuhP04vvrOnWptRqqGR1KsrcCDxGnA944SAqhIxZ0b+0X0QX8sorohNRUuEUcEbewlXAwN7eU9oPGKHvtoVBu07MUCdN+5q02Cj5y06DPvnuLJ4wE+039PtC2t11Fsr3NXsBZGo0FJ+cd+o2OxO+SmNWw9kLbqw3mqVKh36tV8b1SoRjJxoAAAAo0AAAjrA51VBGDItdIodg2V10ZeI8joZLDG6/sVcd8jKdnHeGXxy6Y6NSogyw317UB3h4r+GYoF5TcbwII7ez8IirVTbZd2wijJLHAUdpPITatToVcuvqMRnfUgE9hI4N5zNcbj4bJlMr2HBHPLUd83R0bPb8R5RtWrUQAVN3d5Ovsns3gfY+I74tQgj75EqbEW6yGrUrend0XG9QrI+GHig056sMjszF3Qbpol+ppuoSui7xUH1XXOC6Z10OMjlkSH9a+0yq07ZDnecuRnTCDA+LfCIOqBg9+S2AyUXIB4kkopx26EzRr/Fj2/ku6EITtWIQhAIQhArjrr2oUtEtlx/Dv63bu091tPzivulWdFNnGpUFU6LTIOR8puIX7z/3j10/2ncbQvnoqmFt2emg4YAbDux7yPdiL9m2opItNdd3ifnMfaMrzy5PC7Vh8su30m2xr3fQJg5XjFdwp4DGe08B5czIrsu/9AxZsgHsj0m1EqaK2SeEobI6m0powdyX1+WcqvgvAe7M5bY6YWlqMM4LY0RPWY+Q0XPfiQ7rC2pXohKaViu+CW3dCR48QPCQXYmzKl3cU7dCN+o2AWOg0JZj4AE+Usww75qjbu5eR6e2LZoUSrqxZFcb3yd5QwAHbrxjwBE+z7cU6VOkDkIiICee6oXPwimXySTkZssrle1mEISXIhCEAhCEAmJmEAEwRMwgaibCEzAzCYmZAJgiZhAjXTu3BsLs44W9U+5CfulE9EulVW3dKbEvTOgB4r9X6PdL/AOmgzs+8H/1q/wDhtPLuzqoV1Y8OGezIInOU7PLvDKzKWPRNhtJaihgRw4TF/cFRhMd+OUgvR7aYxu5IzxGZKqL7+g/0O2Zb+m+GDphsL8po+kRc1aYJTtdflJ39o7/Eyutg7VqW1wlzSYFkPsk+0pGGRtOBGRLsuKe7jHZpK66YdGcFruiND61RAOB5uuPeR5yzTs59ao36+/aLp2RtBbihTuFBVaiK4B4jPEHwiuV71P7Yarb1Ld3DGgy+jB9oU2GgI5gMCAe+WFNDIIQhAI3dIdrJaW1S6cZFNcgfOY4CL5sQI4yvOuyuy2CIPl10B8Ajt9oECDbJdmVq7Y367vUcjtZicDu1jhRqYMadlN/Ap9QRWXmTK/at+E5jCu7qqeBzG19q/k6lwuSOABxzxrMV6mOcY9o1N5X8NPeJOE7TZlydhs2ttSpcOalQ68AOQHYJJ+qW1d9pUnVSVpiozkcFBpuoJPLJIEhTDWekOrHZbW+zqSuu6z71RgRggM2Vz37u775qk56Ybe+01p8BN5pT4CbSUMzMxCBmEIQCEIQCEIQCEIQCZmIQMwmJmQMwmIQEu0LZatKpScEq6MjAaEqykEA9uDPI95u777isq7zBVb2lXJ3VP0gNDPYD8D4Sq+sboFavRrXtIGlVpo9Rwo9Spj1mLL8lsZO8PMGBVGwr51yMnTGM8hwOvull7BvdA2hlUbHU7zHsX7xJz0eq8Jm3Tz1t0XuPKnlS4L8sTXHbE9B9BrN2cazNa0cRjorXp2W1jTYYWoDTRs4CioVZM9o3lC+cuSeeOnr/AMZyDgrSXJHI7zkecv8A2fUZqVNn9oohb6xUFvjmehhe4yvN2TmVkKIQhOnAkA66bcts8N8ytTY+BV0+1hJ/G3pHshLu2q2rHAqLgNjO6wIZGx3MBA8+dH7wFfRk6rnHep/D8I8EyKbS2ZcWldqNVSlRD5EcmU/KU8jHG120pGHGD2gZB8uUozwvexq1bZz40urLmNe1sKm7zYgDwGpP+u2Ka+16YGmWPZjHxM7dF+jlxtOvjVaa49JUx6qJ81c8WI4DvydJOGN75NuePOQ9dWHQt7iql9UC+gp1DhGBJqso0wOG6Gxkn5pEvScLG0p0aaUaahURQqgcgPvneXMpRTOghUqqvtMo8SB9sTzzv1o9IBd3rKhzToA00PJmB9dx4tp4KI6PQ77Utl9q4pDxqIPvnFukNkON5bj9NT/enkubAR0eq36W7NHG/th+mp/jNF6Y7M4C/tz4VUP3zyvHPYi5dtOA++Oj0yelVh/W6fk2fsgOlFkeFwp8Ax/ZlHUn7o7WtzjGFzI664txuk9mNfTfqP8AuzlcdLrJFLNUbA44puf2ZWQugdCMHl36zbaNRWouADnTl3iOnE7q9Y2zF41X8qVT92I6nWrspTjfqnHZRf75T9+pyNIxXA9dvL7BEqLF7nrc2X/vz+i/Fpqet7ZnJLg/o1+95QjTZJKF6t1w7P5Ubk/mU/8AMnM9cdlytbk+VL9+UfibqYF1Hrks/wCqXH/K/fkn6I9MKO0Kb1KdN03HClXK51UMD6pOh19082sJOOp3afor5qJbC16ZUDtdPWT9Xf8AfAvpq/dE7KCCCAQRgg8CDxBmYQPN/SPZiWd/XtUJ3FYbu9xwyK4HlkjPdF+xqmDJh1y9HN9Ev6a+smEq4+Zn+DY/VOhPYw7JWmy9rBcBtDwzKtmNvpfpzmPirRtKuRN7isFBOcDt7O+Ry121SC+1nwBjTtrb/pM0x6qY9cni3Yo7B2zPNWVvpqy24yd6R26m92nTpfJeoikf7tfWb9UMfOejZSHVLslqt+13u/wdBXw2uDUcboUHtCsx7sDtl3zZJycjz8rbe0QhCSgQhCAx9KujFvf0vRVRusPYqBVLocgnBI9k41HP4yob7qp2ilTcp7lRDnFQNugYGfWVtVPLTI1GsvqECmeh/VU75qX29TCsQtJSu8wHyi4JCr4a6cRLd2fYUqCLSo01RF4KowO8957zrFMIBCEIDR0s2oLazr1ycFEYJ3uw3UH94ieWwJevXbeBbKnSzrUqg4+iisSfeVlFQATaYEIGY89Hl1Y8sqPtjLJj0NRPRvvYyX+AUfiZFTDkicBHrZdEHuM5CwzgiOFnQKnWHTtXtQVPqjt8CNcic7+gm4xGhx6yg94ii9tWKNg4ODzie7tm3QzEruqcYA00CEA/KBJ3jnsECFbcqKhAAJPhI1WbLEnTh9gkn2xQGQck+MjV0pLlQNSQB44kRFcSJhZ2uKITTe3u8DAPbjnOazpy2EyDjjNADBzgSRl28pi0vHpVErIcMjq6+KkEfZODtNJA9YWN0lWmlZDlHRXU9zAEfbO8hXVJf+l2cik5NJ3pnwB31/VcDyk1ga1EDAqwBBBBBGQQdCCOYlV9MOqqmVe4sn3GALGixyhAySEbivcDkcsiWtCB5StrOo4ARHbJwNxGbLYzu6c+6WT0W6qHcCpeu1Nc6U0xvsO1mI9Qd2CfCXDRpIihERUUcFUAAeAE3gJdm7PpW9NaNGmERB6qr8SSdSTxJOpiqEIBCEIBCEIBCEIBCEIBCEIFH9dt8Wu6VAcKVLP5zsSfgqytN09kzCBncMwR3TMIAAY/bJQ+jHeT9sISKmJPsi/qU23X9ZfHlJjaXdNwCPiIQh07VaigazhtW7HoGYcRu8u0zEIFfbUvi+ARrmR26J3ywHAj3EYmISIilBrUTRYFWNUuN0ggIqnVsjiWJ8gPcUS5hCduXULNaqndPdj8PvhCAlIMCphCQLS6kNoMKte2LHDoKiry3lIUnPI4ZfdLjhCAQhCAQhCAQhCAQhCB/9k=">
-            <a:extLst>
-              <a:ext uri="{FF2B5EF4-FFF2-40B4-BE49-F238E27FC236}">
-                <a16:creationId xmlns:a16="http://schemas.microsoft.com/office/drawing/2014/main" id="{11A89CFE-3324-65D4-62B1-CCEB1E5972A1}"/>
-              </a:ext>
-            </a:extLst>
-          </p:cNvPr>
-          <p:cNvPicPr preferRelativeResize="0"/>
-          <p:nvPr/>
-        </p:nvPicPr>
-        <p:blipFill rotWithShape="1">
-          <a:blip r:embed="rId3">
-            <a:alphaModFix/>
-          </a:blip>
-          <a:srcRect/>
-          <a:stretch/>
-        </p:blipFill>
-        <p:spPr>
-          <a:xfrm>
-            <a:off x="3940378" y="1959401"/>
-            <a:ext cx="4311244" cy="2939198"/>
-          </a:xfrm>
-          <a:prstGeom prst="rect">
-            <a:avLst/>
-          </a:prstGeom>
-          <a:noFill/>
-          <a:ln>
-            <a:noFill/>
-          </a:ln>
-        </p:spPr>
-      </p:pic>
-      <p:pic>
-        <p:nvPicPr>
-          <p:cNvPr id="3" name="Imagem 2" descr="Forma&#10;&#10;Descrição gerada automaticamente com confiança baixa">
-            <a:extLst>
-              <a:ext uri="{FF2B5EF4-FFF2-40B4-BE49-F238E27FC236}">
-                <a16:creationId xmlns:a16="http://schemas.microsoft.com/office/drawing/2014/main" id="{2AD11E05-E4E2-349A-1D15-6BA90520AD6F}"/>
+          <p:cNvPr id="5" name="Imagem 4" descr="Forma&#10;&#10;Descrição gerada automaticamente com confiança baixa">
+            <a:extLst>
+              <a:ext uri="{FF2B5EF4-FFF2-40B4-BE49-F238E27FC236}">
+                <a16:creationId xmlns:a16="http://schemas.microsoft.com/office/drawing/2014/main" id="{AD5104B9-4B7D-2BF2-92FB-A7382DCED976}"/>
               </a:ext>
             </a:extLst>
           </p:cNvPr>
@@ -18795,7 +18694,7 @@
           <p:nvPr/>
         </p:nvPicPr>
         <p:blipFill>
-          <a:blip r:embed="rId4">
+          <a:blip r:embed="rId2">
             <a:extLst>
               <a:ext uri="{28A0092B-C50C-407E-A947-70E740481C1C}">
                 <a14:useLocalDpi xmlns:a14="http://schemas.microsoft.com/office/drawing/2010/main" val="0"/>
@@ -18818,10 +18717,10 @@
       </p:pic>
       <p:pic>
         <p:nvPicPr>
-          <p:cNvPr id="5" name="Imagem 4" descr="Forma&#10;&#10;Descrição gerada automaticamente">
-            <a:extLst>
-              <a:ext uri="{FF2B5EF4-FFF2-40B4-BE49-F238E27FC236}">
-                <a16:creationId xmlns:a16="http://schemas.microsoft.com/office/drawing/2014/main" id="{C59851CD-5FA6-90B4-E9BF-54E9F21E3413}"/>
+          <p:cNvPr id="10" name="Imagem 9" descr="Forma&#10;&#10;Descrição gerada automaticamente">
+            <a:extLst>
+              <a:ext uri="{FF2B5EF4-FFF2-40B4-BE49-F238E27FC236}">
+                <a16:creationId xmlns:a16="http://schemas.microsoft.com/office/drawing/2014/main" id="{4CB6E2EF-BF38-68F4-078E-F390DB01D0C1}"/>
               </a:ext>
             </a:extLst>
           </p:cNvPr>
@@ -18831,11 +18730,11 @@
           <p:nvPr/>
         </p:nvPicPr>
         <p:blipFill>
-          <a:blip r:embed="rId5">
+          <a:blip r:embed="rId3">
             <a:extLst>
               <a:ext uri="{BEBA8EAE-BF5A-486C-A8C5-ECC9F3942E4B}">
                 <a14:imgProps xmlns:a14="http://schemas.microsoft.com/office/drawing/2010/main">
-                  <a14:imgLayer r:embed="rId6">
+                  <a14:imgLayer r:embed="rId4">
                     <a14:imgEffect>
                       <a14:colorTemperature colorTemp="11500"/>
                     </a14:imgEffect>
@@ -18868,10 +18767,282 @@
           </a:ln>
         </p:spPr>
       </p:pic>
+      <p:sp>
+        <p:nvSpPr>
+          <p:cNvPr id="2" name="Espaço Reservado para Conteúdo 2">
+            <a:extLst>
+              <a:ext uri="{FF2B5EF4-FFF2-40B4-BE49-F238E27FC236}">
+                <a16:creationId xmlns:a16="http://schemas.microsoft.com/office/drawing/2014/main" id="{7D69C9EA-4F33-3EDD-90BE-6F94F5BB7BE8}"/>
+              </a:ext>
+            </a:extLst>
+          </p:cNvPr>
+          <p:cNvSpPr txBox="1">
+            <a:spLocks/>
+          </p:cNvSpPr>
+          <p:nvPr/>
+        </p:nvSpPr>
+        <p:spPr>
+          <a:xfrm>
+            <a:off x="1505645" y="3019378"/>
+            <a:ext cx="9367519" cy="1630028"/>
+          </a:xfrm>
+          <a:prstGeom prst="rect">
+            <a:avLst/>
+          </a:prstGeom>
+        </p:spPr>
+        <p:txBody>
+          <a:bodyPr vert="horz" lIns="91440" tIns="45720" rIns="91440" bIns="45720" rtlCol="0">
+            <a:noAutofit/>
+          </a:bodyPr>
+          <a:lstStyle>
+            <a:lvl1pPr marL="228600" indent="-228600" algn="l" defTabSz="914400" rtl="0" eaLnBrk="1" latinLnBrk="0" hangingPunct="1">
+              <a:lnSpc>
+                <a:spcPct val="90000"/>
+              </a:lnSpc>
+              <a:spcBef>
+                <a:spcPts val="1000"/>
+              </a:spcBef>
+              <a:buFont typeface="Arial" panose="020B0604020202020204" pitchFamily="34" charset="0"/>
+              <a:buChar char="•"/>
+              <a:defRPr sz="2800" kern="1200">
+                <a:solidFill>
+                  <a:schemeClr val="tx1"/>
+                </a:solidFill>
+                <a:latin typeface="+mn-lt"/>
+                <a:ea typeface="+mn-ea"/>
+                <a:cs typeface="+mn-cs"/>
+              </a:defRPr>
+            </a:lvl1pPr>
+            <a:lvl2pPr marL="685800" indent="-228600" algn="l" defTabSz="914400" rtl="0" eaLnBrk="1" latinLnBrk="0" hangingPunct="1">
+              <a:lnSpc>
+                <a:spcPct val="90000"/>
+              </a:lnSpc>
+              <a:spcBef>
+                <a:spcPts val="500"/>
+              </a:spcBef>
+              <a:buFont typeface="Arial" panose="020B0604020202020204" pitchFamily="34" charset="0"/>
+              <a:buChar char="•"/>
+              <a:defRPr sz="2400" kern="1200">
+                <a:solidFill>
+                  <a:schemeClr val="tx1"/>
+                </a:solidFill>
+                <a:latin typeface="+mn-lt"/>
+                <a:ea typeface="+mn-ea"/>
+                <a:cs typeface="+mn-cs"/>
+              </a:defRPr>
+            </a:lvl2pPr>
+            <a:lvl3pPr marL="1143000" indent="-228600" algn="l" defTabSz="914400" rtl="0" eaLnBrk="1" latinLnBrk="0" hangingPunct="1">
+              <a:lnSpc>
+                <a:spcPct val="90000"/>
+              </a:lnSpc>
+              <a:spcBef>
+                <a:spcPts val="500"/>
+              </a:spcBef>
+              <a:buFont typeface="Arial" panose="020B0604020202020204" pitchFamily="34" charset="0"/>
+              <a:buChar char="•"/>
+              <a:defRPr sz="2000" kern="1200">
+                <a:solidFill>
+                  <a:schemeClr val="tx1"/>
+                </a:solidFill>
+                <a:latin typeface="+mn-lt"/>
+                <a:ea typeface="+mn-ea"/>
+                <a:cs typeface="+mn-cs"/>
+              </a:defRPr>
+            </a:lvl3pPr>
+            <a:lvl4pPr marL="1600200" indent="-228600" algn="l" defTabSz="914400" rtl="0" eaLnBrk="1" latinLnBrk="0" hangingPunct="1">
+              <a:lnSpc>
+                <a:spcPct val="90000"/>
+              </a:lnSpc>
+              <a:spcBef>
+                <a:spcPts val="500"/>
+              </a:spcBef>
+              <a:buFont typeface="Arial" panose="020B0604020202020204" pitchFamily="34" charset="0"/>
+              <a:buChar char="•"/>
+              <a:defRPr sz="1800" kern="1200">
+                <a:solidFill>
+                  <a:schemeClr val="tx1"/>
+                </a:solidFill>
+                <a:latin typeface="+mn-lt"/>
+                <a:ea typeface="+mn-ea"/>
+                <a:cs typeface="+mn-cs"/>
+              </a:defRPr>
+            </a:lvl4pPr>
+            <a:lvl5pPr marL="2057400" indent="-228600" algn="l" defTabSz="914400" rtl="0" eaLnBrk="1" latinLnBrk="0" hangingPunct="1">
+              <a:lnSpc>
+                <a:spcPct val="90000"/>
+              </a:lnSpc>
+              <a:spcBef>
+                <a:spcPts val="500"/>
+              </a:spcBef>
+              <a:buFont typeface="Arial" panose="020B0604020202020204" pitchFamily="34" charset="0"/>
+              <a:buChar char="•"/>
+              <a:defRPr sz="1800" kern="1200">
+                <a:solidFill>
+                  <a:schemeClr val="tx1"/>
+                </a:solidFill>
+                <a:latin typeface="+mn-lt"/>
+                <a:ea typeface="+mn-ea"/>
+                <a:cs typeface="+mn-cs"/>
+              </a:defRPr>
+            </a:lvl5pPr>
+            <a:lvl6pPr marL="2514600" indent="-228600" algn="l" defTabSz="914400" rtl="0" eaLnBrk="1" latinLnBrk="0" hangingPunct="1">
+              <a:lnSpc>
+                <a:spcPct val="90000"/>
+              </a:lnSpc>
+              <a:spcBef>
+                <a:spcPts val="500"/>
+              </a:spcBef>
+              <a:buFont typeface="Arial" panose="020B0604020202020204" pitchFamily="34" charset="0"/>
+              <a:buChar char="•"/>
+              <a:defRPr sz="1800" kern="1200">
+                <a:solidFill>
+                  <a:schemeClr val="tx1"/>
+                </a:solidFill>
+                <a:latin typeface="+mn-lt"/>
+                <a:ea typeface="+mn-ea"/>
+                <a:cs typeface="+mn-cs"/>
+              </a:defRPr>
+            </a:lvl6pPr>
+            <a:lvl7pPr marL="2971800" indent="-228600" algn="l" defTabSz="914400" rtl="0" eaLnBrk="1" latinLnBrk="0" hangingPunct="1">
+              <a:lnSpc>
+                <a:spcPct val="90000"/>
+              </a:lnSpc>
+              <a:spcBef>
+                <a:spcPts val="500"/>
+              </a:spcBef>
+              <a:buFont typeface="Arial" panose="020B0604020202020204" pitchFamily="34" charset="0"/>
+              <a:buChar char="•"/>
+              <a:defRPr sz="1800" kern="1200">
+                <a:solidFill>
+                  <a:schemeClr val="tx1"/>
+                </a:solidFill>
+                <a:latin typeface="+mn-lt"/>
+                <a:ea typeface="+mn-ea"/>
+                <a:cs typeface="+mn-cs"/>
+              </a:defRPr>
+            </a:lvl7pPr>
+            <a:lvl8pPr marL="3429000" indent="-228600" algn="l" defTabSz="914400" rtl="0" eaLnBrk="1" latinLnBrk="0" hangingPunct="1">
+              <a:lnSpc>
+                <a:spcPct val="90000"/>
+              </a:lnSpc>
+              <a:spcBef>
+                <a:spcPts val="500"/>
+              </a:spcBef>
+              <a:buFont typeface="Arial" panose="020B0604020202020204" pitchFamily="34" charset="0"/>
+              <a:buChar char="•"/>
+              <a:defRPr sz="1800" kern="1200">
+                <a:solidFill>
+                  <a:schemeClr val="tx1"/>
+                </a:solidFill>
+                <a:latin typeface="+mn-lt"/>
+                <a:ea typeface="+mn-ea"/>
+                <a:cs typeface="+mn-cs"/>
+              </a:defRPr>
+            </a:lvl8pPr>
+            <a:lvl9pPr marL="3886200" indent="-228600" algn="l" defTabSz="914400" rtl="0" eaLnBrk="1" latinLnBrk="0" hangingPunct="1">
+              <a:lnSpc>
+                <a:spcPct val="90000"/>
+              </a:lnSpc>
+              <a:spcBef>
+                <a:spcPts val="500"/>
+              </a:spcBef>
+              <a:buFont typeface="Arial" panose="020B0604020202020204" pitchFamily="34" charset="0"/>
+              <a:buChar char="•"/>
+              <a:defRPr sz="1800" kern="1200">
+                <a:solidFill>
+                  <a:schemeClr val="tx1"/>
+                </a:solidFill>
+                <a:latin typeface="+mn-lt"/>
+                <a:ea typeface="+mn-ea"/>
+                <a:cs typeface="+mn-cs"/>
+              </a:defRPr>
+            </a:lvl9pPr>
+          </a:lstStyle>
+          <a:p>
+            <a:pPr marL="0" indent="0" algn="ctr">
+              <a:buFont typeface="Arial" panose="020B0604020202020204" pitchFamily="34" charset="0"/>
+              <a:buNone/>
+            </a:pPr>
+            <a:r>
+              <a:rPr lang="pt-BR" sz="5000" b="1" dirty="0"/>
+              <a:t>Event-</a:t>
+            </a:r>
+            <a:r>
+              <a:rPr lang="pt-BR" sz="5000" b="1" dirty="0" err="1"/>
+              <a:t>Driven</a:t>
+            </a:r>
+            <a:r>
+              <a:rPr lang="pt-BR" sz="5000" b="1" dirty="0"/>
+              <a:t> </a:t>
+            </a:r>
+            <a:r>
+              <a:rPr lang="pt-BR" sz="5000" b="1" dirty="0" err="1"/>
+              <a:t>Architecture</a:t>
+            </a:r>
+            <a:r>
+              <a:rPr lang="pt-BR" sz="5000" b="1" dirty="0"/>
+              <a:t> (EDA)</a:t>
+            </a:r>
+          </a:p>
+          <a:p>
+            <a:pPr marL="0" indent="0" algn="ctr">
+              <a:buFont typeface="Arial" panose="020B0604020202020204" pitchFamily="34" charset="0"/>
+              <a:buNone/>
+            </a:pPr>
+            <a:r>
+              <a:rPr lang="pt-BR" sz="2500" b="1" dirty="0"/>
+              <a:t>Conceitos e aplicações</a:t>
+            </a:r>
+          </a:p>
+        </p:txBody>
+      </p:sp>
+      <p:pic>
+        <p:nvPicPr>
+          <p:cNvPr id="4" name="Imagem 3" descr="Diagrama&#10;&#10;Descrição gerada automaticamente">
+            <a:extLst>
+              <a:ext uri="{FF2B5EF4-FFF2-40B4-BE49-F238E27FC236}">
+                <a16:creationId xmlns:a16="http://schemas.microsoft.com/office/drawing/2014/main" id="{627BB0FA-42E2-072D-71DF-D19CC65EDBBD}"/>
+              </a:ext>
+            </a:extLst>
+          </p:cNvPr>
+          <p:cNvPicPr>
+            <a:picLocks noChangeAspect="1"/>
+          </p:cNvPicPr>
+          <p:nvPr/>
+        </p:nvPicPr>
+        <p:blipFill>
+          <a:blip r:embed="rId5">
+            <a:alphaModFix amt="20000"/>
+            <a:extLst>
+              <a:ext uri="{28A0092B-C50C-407E-A947-70E740481C1C}">
+                <a14:useLocalDpi xmlns:a14="http://schemas.microsoft.com/office/drawing/2010/main" val="0"/>
+              </a:ext>
+            </a:extLst>
+          </a:blip>
+          <a:stretch>
+            <a:fillRect/>
+          </a:stretch>
+        </p:blipFill>
+        <p:spPr>
+          <a:xfrm>
+            <a:off x="572629" y="1622323"/>
+            <a:ext cx="11233550" cy="3951566"/>
+          </a:xfrm>
+          <a:prstGeom prst="rect">
+            <a:avLst/>
+          </a:prstGeom>
+          <a:ln>
+            <a:noFill/>
+          </a:ln>
+          <a:effectLst>
+            <a:softEdge rad="112500"/>
+          </a:effectLst>
+        </p:spPr>
+      </p:pic>
     </p:spTree>
     <p:extLst>
       <p:ext uri="{BB962C8B-B14F-4D97-AF65-F5344CB8AC3E}">
-        <p14:creationId xmlns:p14="http://schemas.microsoft.com/office/powerpoint/2010/main" val="2893937714"/>
+        <p14:creationId xmlns:p14="http://schemas.microsoft.com/office/powerpoint/2010/main" val="2372056204"/>
       </p:ext>
     </p:extLst>
   </p:cSld>
@@ -18898,12 +19069,136 @@
           <a:chExt cx="0" cy="0"/>
         </a:xfrm>
       </p:grpSpPr>
+      <p:pic>
+        <p:nvPicPr>
+          <p:cNvPr id="8" name="Imagem 7" descr="Diagrama&#10;&#10;Descrição gerada automaticamente">
+            <a:extLst>
+              <a:ext uri="{FF2B5EF4-FFF2-40B4-BE49-F238E27FC236}">
+                <a16:creationId xmlns:a16="http://schemas.microsoft.com/office/drawing/2014/main" id="{A3FB83A1-46F8-668F-5C4E-AE8C4F24959C}"/>
+              </a:ext>
+            </a:extLst>
+          </p:cNvPr>
+          <p:cNvPicPr>
+            <a:picLocks noChangeAspect="1"/>
+          </p:cNvPicPr>
+          <p:nvPr/>
+        </p:nvPicPr>
+        <p:blipFill>
+          <a:blip r:embed="rId2">
+            <a:extLst>
+              <a:ext uri="{28A0092B-C50C-407E-A947-70E740481C1C}">
+                <a14:useLocalDpi xmlns:a14="http://schemas.microsoft.com/office/drawing/2010/main" val="0"/>
+              </a:ext>
+            </a:extLst>
+          </a:blip>
+          <a:stretch>
+            <a:fillRect/>
+          </a:stretch>
+        </p:blipFill>
+        <p:spPr>
+          <a:xfrm>
+            <a:off x="1238863" y="3416967"/>
+            <a:ext cx="9281274" cy="3264825"/>
+          </a:xfrm>
+          <a:prstGeom prst="rect">
+            <a:avLst/>
+          </a:prstGeom>
+        </p:spPr>
+      </p:pic>
+      <p:pic>
+        <p:nvPicPr>
+          <p:cNvPr id="5" name="Imagem 4" descr="Forma&#10;&#10;Descrição gerada automaticamente com confiança baixa">
+            <a:extLst>
+              <a:ext uri="{FF2B5EF4-FFF2-40B4-BE49-F238E27FC236}">
+                <a16:creationId xmlns:a16="http://schemas.microsoft.com/office/drawing/2014/main" id="{AD5104B9-4B7D-2BF2-92FB-A7382DCED976}"/>
+              </a:ext>
+            </a:extLst>
+          </p:cNvPr>
+          <p:cNvPicPr>
+            <a:picLocks noChangeAspect="1"/>
+          </p:cNvPicPr>
+          <p:nvPr/>
+        </p:nvPicPr>
+        <p:blipFill>
+          <a:blip r:embed="rId3">
+            <a:extLst>
+              <a:ext uri="{28A0092B-C50C-407E-A947-70E740481C1C}">
+                <a14:useLocalDpi xmlns:a14="http://schemas.microsoft.com/office/drawing/2010/main" val="0"/>
+              </a:ext>
+            </a:extLst>
+          </a:blip>
+          <a:stretch>
+            <a:fillRect/>
+          </a:stretch>
+        </p:blipFill>
+        <p:spPr>
+          <a:xfrm>
+            <a:off x="10790903" y="5456903"/>
+            <a:ext cx="1401097" cy="1401097"/>
+          </a:xfrm>
+          <a:prstGeom prst="rect">
+            <a:avLst/>
+          </a:prstGeom>
+        </p:spPr>
+      </p:pic>
+      <p:pic>
+        <p:nvPicPr>
+          <p:cNvPr id="10" name="Imagem 9" descr="Forma&#10;&#10;Descrição gerada automaticamente">
+            <a:extLst>
+              <a:ext uri="{FF2B5EF4-FFF2-40B4-BE49-F238E27FC236}">
+                <a16:creationId xmlns:a16="http://schemas.microsoft.com/office/drawing/2014/main" id="{4CB6E2EF-BF38-68F4-078E-F390DB01D0C1}"/>
+              </a:ext>
+            </a:extLst>
+          </p:cNvPr>
+          <p:cNvPicPr>
+            <a:picLocks noChangeAspect="1"/>
+          </p:cNvPicPr>
+          <p:nvPr/>
+        </p:nvPicPr>
+        <p:blipFill>
+          <a:blip r:embed="rId4">
+            <a:extLst>
+              <a:ext uri="{BEBA8EAE-BF5A-486C-A8C5-ECC9F3942E4B}">
+                <a14:imgProps xmlns:a14="http://schemas.microsoft.com/office/drawing/2010/main">
+                  <a14:imgLayer r:embed="rId5">
+                    <a14:imgEffect>
+                      <a14:colorTemperature colorTemp="11500"/>
+                    </a14:imgEffect>
+                    <a14:imgEffect>
+                      <a14:saturation sat="400000"/>
+                    </a14:imgEffect>
+                    <a14:imgEffect>
+                      <a14:brightnessContrast bright="-1000" contrast="-38000"/>
+                    </a14:imgEffect>
+                  </a14:imgLayer>
+                </a14:imgProps>
+              </a:ext>
+            </a:extLst>
+          </a:blip>
+          <a:stretch>
+            <a:fillRect/>
+          </a:stretch>
+        </p:blipFill>
+        <p:spPr>
+          <a:xfrm>
+            <a:off x="24580" y="22840"/>
+            <a:ext cx="2160397" cy="1682409"/>
+          </a:xfrm>
+          <a:prstGeom prst="rect">
+            <a:avLst/>
+          </a:prstGeom>
+          <a:noFill/>
+          <a:ln>
+            <a:noFill/>
+          </a:ln>
+        </p:spPr>
+      </p:pic>
       <p:sp>
         <p:nvSpPr>
-          <p:cNvPr id="4" name="Título 1">
-            <a:extLst>
-              <a:ext uri="{FF2B5EF4-FFF2-40B4-BE49-F238E27FC236}">
-                <a16:creationId xmlns:a16="http://schemas.microsoft.com/office/drawing/2014/main" id="{22290A63-5ECE-488C-8F5A-240217BA6E32}"/>
+          <p:cNvPr id="3" name="Título 1">
+            <a:extLst>
+              <a:ext uri="{FF2B5EF4-FFF2-40B4-BE49-F238E27FC236}">
+                <a16:creationId xmlns:a16="http://schemas.microsoft.com/office/drawing/2014/main" id="{C7AB4B67-B9F8-EEF1-3A44-56D5CA36BCD1}"/>
               </a:ext>
             </a:extLst>
           </p:cNvPr>
@@ -18914,8 +19209,8 @@
         </p:nvSpPr>
         <p:spPr>
           <a:xfrm>
-            <a:off x="680392" y="82630"/>
-            <a:ext cx="9601200" cy="1599777"/>
+            <a:off x="2295832" y="273986"/>
+            <a:ext cx="8627807" cy="1599777"/>
           </a:xfrm>
           <a:prstGeom prst="rect">
             <a:avLst/>
@@ -18946,24 +19241,34 @@
           </a:lstStyle>
           <a:p>
             <a:r>
-              <a:rPr lang="pt-BR" sz="4400" dirty="0">
-                <a:latin typeface="Trebuchet MS"/>
-                <a:ea typeface="Trebuchet MS"/>
-                <a:cs typeface="Trebuchet MS"/>
-                <a:sym typeface="Trebuchet MS"/>
-              </a:rPr>
-              <a:t>Referências</a:t>
-            </a:r>
-            <a:endParaRPr lang="pt-BR" dirty="0"/>
+              <a:rPr lang="pt-BR" sz="4400" dirty="0"/>
+              <a:t>Event-</a:t>
+            </a:r>
+            <a:r>
+              <a:rPr lang="pt-BR" sz="4400" dirty="0" err="1"/>
+              <a:t>Driven</a:t>
+            </a:r>
+            <a:r>
+              <a:rPr lang="pt-BR" sz="4400" dirty="0"/>
+              <a:t> </a:t>
+            </a:r>
+            <a:r>
+              <a:rPr lang="pt-BR" sz="4400" dirty="0" err="1"/>
+              <a:t>Architecture</a:t>
+            </a:r>
+            <a:r>
+              <a:rPr lang="pt-BR" sz="4400" dirty="0"/>
+              <a:t> - Conceitos</a:t>
+            </a:r>
           </a:p>
         </p:txBody>
       </p:sp>
       <p:sp>
         <p:nvSpPr>
-          <p:cNvPr id="6" name="Espaço Reservado para Conteúdo 5">
-            <a:extLst>
-              <a:ext uri="{FF2B5EF4-FFF2-40B4-BE49-F238E27FC236}">
-                <a16:creationId xmlns:a16="http://schemas.microsoft.com/office/drawing/2014/main" id="{B371EE64-5E8E-7948-0FE0-9969F5CDEB28}"/>
+          <p:cNvPr id="2" name="Espaço Reservado para Conteúdo 2">
+            <a:extLst>
+              <a:ext uri="{FF2B5EF4-FFF2-40B4-BE49-F238E27FC236}">
+                <a16:creationId xmlns:a16="http://schemas.microsoft.com/office/drawing/2014/main" id="{0ACB8B5B-ACFE-09C3-D220-7EE7D5388963}"/>
               </a:ext>
             </a:extLst>
           </p:cNvPr>
@@ -18976,8 +19281,8 @@
         </p:nvSpPr>
         <p:spPr>
           <a:xfrm>
-            <a:off x="274320" y="1645459"/>
-            <a:ext cx="10922000" cy="4338781"/>
+            <a:off x="266123" y="2187303"/>
+            <a:ext cx="11375269" cy="1229664"/>
           </a:xfrm>
         </p:spPr>
         <p:txBody>
@@ -18986,438 +19291,48 @@
           </a:bodyPr>
           <a:lstStyle/>
           <a:p>
-            <a:r>
-              <a:rPr lang="pt-BR" sz="1600" b="1" dirty="0"/>
-              <a:t>O que são </a:t>
-            </a:r>
-            <a:r>
-              <a:rPr lang="pt-BR" sz="1600" b="1" dirty="0" err="1"/>
+            <a:pPr marL="457200" indent="-457200" algn="just">
+              <a:buFont typeface="Arial" panose="020B0604020202020204" pitchFamily="34" charset="0"/>
+              <a:buChar char="•"/>
+            </a:pPr>
+            <a:r>
+              <a:rPr lang="pt-BR" sz="2200" dirty="0"/>
+              <a:t>Também chamada de EDA (Event-Drive </a:t>
+            </a:r>
+            <a:r>
+              <a:rPr lang="pt-BR" sz="2200" dirty="0" err="1"/>
+              <a:t>Architecture</a:t>
+            </a:r>
+            <a:r>
+              <a:rPr lang="pt-BR" sz="2200" dirty="0"/>
+              <a:t>) ou Arquitetura Orientada a Eventos.</a:t>
+            </a:r>
+          </a:p>
+          <a:p>
+            <a:pPr marL="457200" indent="-457200" algn="just">
+              <a:buFont typeface="Arial" panose="020B0604020202020204" pitchFamily="34" charset="0"/>
+              <a:buChar char="•"/>
+            </a:pPr>
+            <a:r>
+              <a:rPr lang="pt-BR" sz="2200" dirty="0"/>
+              <a:t>Uma arquitetura orientada a eventos usa eventos para acionamento e comunicação entre serviços desacoplados e é comum em aplicações modernas criadas com </a:t>
+            </a:r>
+            <a:r>
+              <a:rPr lang="pt-BR" sz="2200" dirty="0" err="1"/>
               <a:t>microsserviços</a:t>
             </a:r>
             <a:r>
-              <a:rPr lang="pt-BR" sz="1600" b="1" dirty="0"/>
-              <a:t>? </a:t>
-            </a:r>
-            <a:r>
-              <a:rPr lang="pt-BR" sz="1600" dirty="0">
-                <a:hlinkClick r:id="rId3"/>
-              </a:rPr>
-              <a:t>https://aws.amazon.com/pt/microservices/</a:t>
-            </a:r>
-            <a:endParaRPr lang="pt-BR" sz="1600" dirty="0"/>
-          </a:p>
-          <a:p>
-            <a:r>
-              <a:rPr lang="pt-BR" sz="1600" b="1" dirty="0" err="1"/>
-              <a:t>What</a:t>
-            </a:r>
-            <a:r>
-              <a:rPr lang="pt-BR" sz="1600" b="1" dirty="0"/>
-              <a:t> are </a:t>
-            </a:r>
-            <a:r>
-              <a:rPr lang="pt-BR" sz="1600" b="1" dirty="0" err="1"/>
-              <a:t>microservices</a:t>
-            </a:r>
-            <a:r>
-              <a:rPr lang="pt-BR" sz="1600" b="1" dirty="0"/>
-              <a:t>? </a:t>
-            </a:r>
-            <a:r>
-              <a:rPr lang="pt-BR" sz="1600" dirty="0">
-                <a:hlinkClick r:id="rId4"/>
-              </a:rPr>
-              <a:t>https://microservices.io/</a:t>
-            </a:r>
-            <a:endParaRPr lang="pt-BR" sz="1600" dirty="0"/>
-          </a:p>
-          <a:p>
-            <a:r>
-              <a:rPr lang="pt-BR" sz="1600" b="1" dirty="0"/>
-              <a:t>Usando Saga para garantir consistência de dados em ambientes distribuídos </a:t>
-            </a:r>
-            <a:r>
-              <a:rPr lang="pt-BR" sz="1600" dirty="0">
-                <a:hlinkClick r:id="rId5"/>
-              </a:rPr>
-              <a:t>https://sidhartarezende.medium.com/usando-saga-para-garantir-consist%C3%AAncia-de-dados-em-ambientes-distribu%C3%ADdos-2edad93798c7</a:t>
-            </a:r>
-            <a:endParaRPr lang="pt-BR" sz="1600" dirty="0"/>
-          </a:p>
-          <a:p>
-            <a:r>
-              <a:rPr lang="pt-BR" sz="1600" b="1" dirty="0"/>
-              <a:t>Padrão SAGA para arquitetura de </a:t>
-            </a:r>
-            <a:r>
-              <a:rPr lang="pt-BR" sz="1600" b="1" dirty="0" err="1"/>
-              <a:t>Microsserviços</a:t>
-            </a:r>
-            <a:r>
-              <a:rPr lang="pt-BR" sz="1600" b="1" dirty="0"/>
-              <a:t>:</a:t>
-            </a:r>
-            <a:r>
-              <a:rPr lang="pt-BR" sz="1600" dirty="0"/>
-              <a:t> </a:t>
-            </a:r>
-            <a:r>
-              <a:rPr lang="pt-BR" sz="1600" dirty="0">
-                <a:hlinkClick r:id="rId6"/>
-              </a:rPr>
-              <a:t>https://www.zup.com.br/blog/padrao-saga-para-arquitetura-de-microsservicos</a:t>
-            </a:r>
-            <a:endParaRPr lang="pt-BR" sz="1600" dirty="0"/>
-          </a:p>
-          <a:p>
-            <a:r>
-              <a:rPr lang="pt-BR" sz="1600" b="1" dirty="0" err="1"/>
-              <a:t>Pattern</a:t>
-            </a:r>
-            <a:r>
-              <a:rPr lang="pt-BR" sz="1600" b="1" dirty="0"/>
-              <a:t>: Saga </a:t>
-            </a:r>
-            <a:r>
-              <a:rPr lang="pt-BR" sz="1600" dirty="0">
-                <a:hlinkClick r:id="rId7"/>
-              </a:rPr>
-              <a:t>https://microservices.io/patterns/data/saga.html</a:t>
-            </a:r>
-            <a:endParaRPr lang="pt-BR" sz="1600" dirty="0"/>
-          </a:p>
-          <a:p>
-            <a:r>
-              <a:rPr lang="pt-BR" sz="1600" b="1" dirty="0"/>
-              <a:t>Saga </a:t>
-            </a:r>
-            <a:r>
-              <a:rPr lang="pt-BR" sz="1600" b="1" dirty="0" err="1"/>
-              <a:t>Pattern</a:t>
-            </a:r>
-            <a:r>
-              <a:rPr lang="pt-BR" sz="1600" b="1" dirty="0"/>
-              <a:t> in </a:t>
-            </a:r>
-            <a:r>
-              <a:rPr lang="pt-BR" sz="1600" b="1" dirty="0" err="1"/>
-              <a:t>Microservices</a:t>
-            </a:r>
-            <a:r>
-              <a:rPr lang="pt-BR" sz="1600" b="1" dirty="0"/>
-              <a:t> </a:t>
-            </a:r>
-            <a:r>
-              <a:rPr lang="pt-BR" sz="1600" dirty="0">
-                <a:hlinkClick r:id="rId8"/>
-              </a:rPr>
-              <a:t>https://www.baeldung.com/cs/saga-pattern-microservices</a:t>
-            </a:r>
-            <a:endParaRPr lang="pt-BR" sz="1600" dirty="0"/>
-          </a:p>
-          <a:p>
-            <a:r>
-              <a:rPr lang="pt-BR" sz="1600" b="1" dirty="0"/>
-              <a:t>SAGA </a:t>
-            </a:r>
-            <a:r>
-              <a:rPr lang="pt-BR" sz="1600" b="1" dirty="0" err="1"/>
-              <a:t>Pattern</a:t>
-            </a:r>
-            <a:r>
-              <a:rPr lang="pt-BR" sz="1600" b="1" dirty="0"/>
-              <a:t> </a:t>
-            </a:r>
-            <a:r>
-              <a:rPr lang="pt-BR" sz="1600" b="1" dirty="0" err="1"/>
-              <a:t>Briefly</a:t>
-            </a:r>
-            <a:r>
-              <a:rPr lang="pt-BR" sz="1600" b="1" dirty="0"/>
-              <a:t> </a:t>
-            </a:r>
-            <a:r>
-              <a:rPr lang="pt-BR" sz="1600" dirty="0">
-                <a:hlinkClick r:id="rId9"/>
-              </a:rPr>
-              <a:t>https://medium.com/trendyol-tech/saga-pattern-briefly-5b6cf22dfabc</a:t>
-            </a:r>
-            <a:endParaRPr lang="pt-BR" sz="1600" dirty="0"/>
-          </a:p>
-          <a:p>
-            <a:r>
-              <a:rPr lang="pt-BR" sz="1600" b="1" dirty="0"/>
-              <a:t>Saga </a:t>
-            </a:r>
-            <a:r>
-              <a:rPr lang="pt-BR" sz="1600" b="1" dirty="0" err="1"/>
-              <a:t>Orchestration</a:t>
-            </a:r>
-            <a:r>
-              <a:rPr lang="pt-BR" sz="1600" b="1" dirty="0"/>
-              <a:t> for </a:t>
-            </a:r>
-            <a:r>
-              <a:rPr lang="pt-BR" sz="1600" b="1" dirty="0" err="1"/>
-              <a:t>Microservices</a:t>
-            </a:r>
-            <a:r>
-              <a:rPr lang="pt-BR" sz="1600" b="1" dirty="0"/>
-              <a:t> </a:t>
-            </a:r>
-            <a:r>
-              <a:rPr lang="pt-BR" sz="1600" b="1" dirty="0" err="1"/>
-              <a:t>Using</a:t>
-            </a:r>
-            <a:r>
-              <a:rPr lang="pt-BR" sz="1600" b="1" dirty="0"/>
-              <a:t> </a:t>
-            </a:r>
-            <a:r>
-              <a:rPr lang="pt-BR" sz="1600" b="1" dirty="0" err="1"/>
-              <a:t>the</a:t>
-            </a:r>
-            <a:r>
-              <a:rPr lang="pt-BR" sz="1600" b="1" dirty="0"/>
-              <a:t> </a:t>
-            </a:r>
-            <a:r>
-              <a:rPr lang="pt-BR" sz="1600" b="1" dirty="0" err="1"/>
-              <a:t>Outbox</a:t>
-            </a:r>
-            <a:r>
-              <a:rPr lang="pt-BR" sz="1600" b="1" dirty="0"/>
-              <a:t> </a:t>
-            </a:r>
-            <a:r>
-              <a:rPr lang="pt-BR" sz="1600" b="1" dirty="0" err="1"/>
-              <a:t>Pattern</a:t>
-            </a:r>
-            <a:r>
-              <a:rPr lang="pt-BR" sz="1600" b="1" dirty="0"/>
-              <a:t> </a:t>
-            </a:r>
-            <a:r>
-              <a:rPr lang="pt-BR" sz="1600" dirty="0">
-                <a:hlinkClick r:id="rId10"/>
-              </a:rPr>
-              <a:t>https://www.infoq.com/articles/saga-orchestration-outbox/</a:t>
-            </a:r>
-            <a:endParaRPr lang="pt-BR" sz="1600" dirty="0"/>
-          </a:p>
-          <a:p>
-            <a:r>
-              <a:rPr lang="pt-BR" sz="1600" b="1" dirty="0"/>
-              <a:t>[MICROSERVICES] </a:t>
-            </a:r>
-            <a:r>
-              <a:rPr lang="pt-BR" sz="1600" b="1" dirty="0" err="1"/>
-              <a:t>Outbox</a:t>
-            </a:r>
-            <a:r>
-              <a:rPr lang="pt-BR" sz="1600" b="1" dirty="0"/>
-              <a:t> </a:t>
-            </a:r>
-            <a:r>
-              <a:rPr lang="pt-BR" sz="1600" b="1" dirty="0" err="1"/>
-              <a:t>Pattern</a:t>
-            </a:r>
-            <a:r>
-              <a:rPr lang="pt-BR" sz="1600" b="1" dirty="0"/>
-              <a:t> </a:t>
-            </a:r>
-            <a:r>
-              <a:rPr lang="pt-BR" sz="1600" dirty="0">
-                <a:hlinkClick r:id="rId11"/>
-              </a:rPr>
-              <a:t>https://medium.com/@victorhsr/microservices-outbox-pattern-a4344d8ed0b</a:t>
-            </a:r>
-            <a:endParaRPr lang="pt-BR" sz="1600" dirty="0"/>
-          </a:p>
-          <a:p>
-            <a:r>
-              <a:rPr lang="pt-BR" sz="1600" b="1" dirty="0" err="1"/>
-              <a:t>Pattern</a:t>
-            </a:r>
-            <a:r>
-              <a:rPr lang="pt-BR" sz="1600" b="1" dirty="0"/>
-              <a:t>: </a:t>
-            </a:r>
-            <a:r>
-              <a:rPr lang="pt-BR" sz="1600" b="1" dirty="0" err="1"/>
-              <a:t>Transactional</a:t>
-            </a:r>
-            <a:r>
-              <a:rPr lang="pt-BR" sz="1600" b="1" dirty="0"/>
-              <a:t> </a:t>
-            </a:r>
-            <a:r>
-              <a:rPr lang="pt-BR" sz="1600" b="1" dirty="0" err="1"/>
-              <a:t>Outbox</a:t>
-            </a:r>
-            <a:r>
-              <a:rPr lang="pt-BR" sz="1600" b="1" dirty="0"/>
-              <a:t> </a:t>
-            </a:r>
-            <a:r>
-              <a:rPr lang="pt-BR" sz="1600" dirty="0">
-                <a:hlinkClick r:id="rId12"/>
-              </a:rPr>
-              <a:t>https://microservices.io/patterns/data/transactional-outbox.html</a:t>
-            </a:r>
-            <a:endParaRPr lang="pt-BR" sz="1600" dirty="0"/>
-          </a:p>
-          <a:p>
-            <a:r>
-              <a:rPr lang="pt-BR" sz="1600" b="1" dirty="0" err="1"/>
-              <a:t>Patterns</a:t>
-            </a:r>
-            <a:r>
-              <a:rPr lang="pt-BR" sz="1600" b="1" dirty="0"/>
-              <a:t> for </a:t>
-            </a:r>
-            <a:r>
-              <a:rPr lang="pt-BR" sz="1600" b="1" dirty="0" err="1"/>
-              <a:t>distributed</a:t>
-            </a:r>
-            <a:r>
-              <a:rPr lang="pt-BR" sz="1600" b="1" dirty="0"/>
-              <a:t> </a:t>
-            </a:r>
-            <a:r>
-              <a:rPr lang="pt-BR" sz="1600" b="1" dirty="0" err="1"/>
-              <a:t>transactions</a:t>
-            </a:r>
-            <a:r>
-              <a:rPr lang="pt-BR" sz="1600" b="1" dirty="0"/>
-              <a:t> </a:t>
-            </a:r>
-            <a:r>
-              <a:rPr lang="pt-BR" sz="1600" b="1" dirty="0" err="1"/>
-              <a:t>within</a:t>
-            </a:r>
-            <a:r>
-              <a:rPr lang="pt-BR" sz="1600" b="1" dirty="0"/>
-              <a:t> a </a:t>
-            </a:r>
-            <a:r>
-              <a:rPr lang="pt-BR" sz="1600" b="1" dirty="0" err="1"/>
-              <a:t>microservices</a:t>
-            </a:r>
-            <a:r>
-              <a:rPr lang="pt-BR" sz="1600" b="1" dirty="0"/>
-              <a:t> </a:t>
-            </a:r>
-            <a:r>
-              <a:rPr lang="pt-BR" sz="1600" b="1" dirty="0" err="1"/>
-              <a:t>architecture</a:t>
-            </a:r>
-            <a:r>
-              <a:rPr lang="pt-BR" sz="1600" b="1" dirty="0"/>
-              <a:t> </a:t>
-            </a:r>
-            <a:r>
-              <a:rPr lang="pt-BR" sz="1600" dirty="0">
-                <a:hlinkClick r:id="rId13"/>
-              </a:rPr>
-              <a:t>https://developers.redhat.com/blog/2018/10/01/patterns-for-distributed-transactions-within-a-microservices-architecture</a:t>
-            </a:r>
-            <a:endParaRPr lang="pt-BR" sz="1600" dirty="0"/>
+              <a:rPr lang="pt-BR" sz="2200" dirty="0"/>
+              <a:t>.</a:t>
+            </a:r>
+            <a:endParaRPr lang="en-US" sz="2200" dirty="0"/>
           </a:p>
         </p:txBody>
       </p:sp>
-      <p:pic>
-        <p:nvPicPr>
-          <p:cNvPr id="8" name="Imagem 7" descr="Forma&#10;&#10;Descrição gerada automaticamente com confiança baixa">
-            <a:extLst>
-              <a:ext uri="{FF2B5EF4-FFF2-40B4-BE49-F238E27FC236}">
-                <a16:creationId xmlns:a16="http://schemas.microsoft.com/office/drawing/2014/main" id="{2752B41B-920D-198E-2F1E-ACB9E0CCAE90}"/>
-              </a:ext>
-            </a:extLst>
-          </p:cNvPr>
-          <p:cNvPicPr>
-            <a:picLocks noChangeAspect="1"/>
-          </p:cNvPicPr>
-          <p:nvPr/>
-        </p:nvPicPr>
-        <p:blipFill>
-          <a:blip r:embed="rId14">
-            <a:extLst>
-              <a:ext uri="{28A0092B-C50C-407E-A947-70E740481C1C}">
-                <a14:useLocalDpi xmlns:a14="http://schemas.microsoft.com/office/drawing/2010/main" val="0"/>
-              </a:ext>
-            </a:extLst>
-          </a:blip>
-          <a:stretch>
-            <a:fillRect/>
-          </a:stretch>
-        </p:blipFill>
-        <p:spPr>
-          <a:xfrm>
-            <a:off x="10790903" y="5456903"/>
-            <a:ext cx="1401097" cy="1401097"/>
-          </a:xfrm>
-          <a:prstGeom prst="rect">
-            <a:avLst/>
-          </a:prstGeom>
-        </p:spPr>
-      </p:pic>
-      <p:pic>
-        <p:nvPicPr>
-          <p:cNvPr id="9" name="Imagem 8" descr="Forma&#10;&#10;Descrição gerada automaticamente">
-            <a:extLst>
-              <a:ext uri="{FF2B5EF4-FFF2-40B4-BE49-F238E27FC236}">
-                <a16:creationId xmlns:a16="http://schemas.microsoft.com/office/drawing/2014/main" id="{31CC2473-7188-0225-265A-A1D1460A7EA6}"/>
-              </a:ext>
-            </a:extLst>
-          </p:cNvPr>
-          <p:cNvPicPr>
-            <a:picLocks noChangeAspect="1"/>
-          </p:cNvPicPr>
-          <p:nvPr/>
-        </p:nvPicPr>
-        <p:blipFill>
-          <a:blip r:embed="rId15">
-            <a:extLst>
-              <a:ext uri="{BEBA8EAE-BF5A-486C-A8C5-ECC9F3942E4B}">
-                <a14:imgProps xmlns:a14="http://schemas.microsoft.com/office/drawing/2010/main">
-                  <a14:imgLayer r:embed="rId16">
-                    <a14:imgEffect>
-                      <a14:colorTemperature colorTemp="11500"/>
-                    </a14:imgEffect>
-                    <a14:imgEffect>
-                      <a14:saturation sat="400000"/>
-                    </a14:imgEffect>
-                    <a14:imgEffect>
-                      <a14:brightnessContrast bright="-1000" contrast="-38000"/>
-                    </a14:imgEffect>
-                  </a14:imgLayer>
-                </a14:imgProps>
-              </a:ext>
-            </a:extLst>
-          </a:blip>
-          <a:stretch>
-            <a:fillRect/>
-          </a:stretch>
-        </p:blipFill>
-        <p:spPr>
-          <a:xfrm>
-            <a:off x="9940740" y="82630"/>
-            <a:ext cx="2160397" cy="1682409"/>
-          </a:xfrm>
-          <a:prstGeom prst="rect">
-            <a:avLst/>
-          </a:prstGeom>
-          <a:noFill/>
-          <a:ln>
-            <a:noFill/>
-          </a:ln>
-        </p:spPr>
-      </p:pic>
     </p:spTree>
     <p:extLst>
       <p:ext uri="{BB962C8B-B14F-4D97-AF65-F5344CB8AC3E}">
-        <p14:creationId xmlns:p14="http://schemas.microsoft.com/office/powerpoint/2010/main" val="745631216"/>
+        <p14:creationId xmlns:p14="http://schemas.microsoft.com/office/powerpoint/2010/main" val="17335005"/>
       </p:ext>
     </p:extLst>
   </p:cSld>
@@ -19793,110 +19708,12 @@
           <a:chExt cx="0" cy="0"/>
         </a:xfrm>
       </p:grpSpPr>
-      <p:sp>
-        <p:nvSpPr>
-          <p:cNvPr id="5" name="Espaço Reservado para Conteúdo 4">
-            <a:extLst>
-              <a:ext uri="{FF2B5EF4-FFF2-40B4-BE49-F238E27FC236}">
-                <a16:creationId xmlns:a16="http://schemas.microsoft.com/office/drawing/2014/main" id="{E4185074-C7FB-6389-01EC-ED738E673BDF}"/>
-              </a:ext>
-            </a:extLst>
-          </p:cNvPr>
-          <p:cNvSpPr>
-            <a:spLocks noGrp="1"/>
-          </p:cNvSpPr>
-          <p:nvPr>
-            <p:ph idx="1"/>
-          </p:nvPr>
-        </p:nvSpPr>
-        <p:spPr>
-          <a:xfrm>
-            <a:off x="2623369" y="2965296"/>
-            <a:ext cx="6945261" cy="927407"/>
-          </a:xfrm>
-        </p:spPr>
-        <p:txBody>
-          <a:bodyPr>
-            <a:noAutofit/>
-          </a:bodyPr>
-          <a:lstStyle/>
-          <a:p>
-            <a:pPr marL="0" indent="0">
-              <a:buNone/>
-            </a:pPr>
-            <a:r>
-              <a:rPr lang="pt-BR" sz="7200" dirty="0">
-                <a:latin typeface="Trebuchet MS"/>
-                <a:ea typeface="Trebuchet MS"/>
-                <a:cs typeface="Trebuchet MS"/>
-                <a:sym typeface="Trebuchet MS"/>
-              </a:rPr>
-              <a:t>Muito obrigado!</a:t>
-            </a:r>
-            <a:endParaRPr lang="pt-BR" sz="7200" dirty="0"/>
-          </a:p>
-          <a:p>
-            <a:endParaRPr lang="pt-BR" sz="7200" dirty="0"/>
-          </a:p>
-        </p:txBody>
-      </p:sp>
-      <p:sp>
-        <p:nvSpPr>
-          <p:cNvPr id="8" name="CaixaDeTexto 7">
-            <a:extLst>
-              <a:ext uri="{FF2B5EF4-FFF2-40B4-BE49-F238E27FC236}">
-                <a16:creationId xmlns:a16="http://schemas.microsoft.com/office/drawing/2014/main" id="{B79B60C6-E6DE-51D2-EFE7-3A9C6359B669}"/>
-              </a:ext>
-            </a:extLst>
-          </p:cNvPr>
-          <p:cNvSpPr txBox="1"/>
-          <p:nvPr/>
-        </p:nvSpPr>
-        <p:spPr>
-          <a:xfrm>
-            <a:off x="196646" y="5855139"/>
-            <a:ext cx="4596580" cy="815608"/>
-          </a:xfrm>
-          <a:prstGeom prst="rect">
-            <a:avLst/>
-          </a:prstGeom>
-          <a:noFill/>
-        </p:spPr>
-        <p:txBody>
-          <a:bodyPr wrap="square" rtlCol="0">
-            <a:spAutoFit/>
-          </a:bodyPr>
-          <a:lstStyle/>
-          <a:p>
-            <a:r>
-              <a:rPr lang="pt-BR" sz="2800" dirty="0"/>
-              <a:t>Victor Hugo </a:t>
-            </a:r>
-            <a:r>
-              <a:rPr lang="pt-BR" sz="2800" dirty="0" err="1"/>
-              <a:t>Negrisoli</a:t>
-            </a:r>
-            <a:endParaRPr lang="pt-BR" sz="2800" dirty="0"/>
-          </a:p>
-          <a:p>
-            <a:r>
-              <a:rPr lang="pt-BR" sz="1900" dirty="0"/>
-              <a:t>Desenvolvedor Back-</a:t>
-            </a:r>
-            <a:r>
-              <a:rPr lang="pt-BR" sz="1900" dirty="0" err="1"/>
-              <a:t>End</a:t>
-            </a:r>
-            <a:endParaRPr lang="pt-BR" sz="1900" dirty="0"/>
-          </a:p>
-        </p:txBody>
-      </p:sp>
       <p:pic>
         <p:nvPicPr>
-          <p:cNvPr id="3" name="Imagem 2" descr="Forma&#10;&#10;Descrição gerada automaticamente com confiança baixa">
-            <a:extLst>
-              <a:ext uri="{FF2B5EF4-FFF2-40B4-BE49-F238E27FC236}">
-                <a16:creationId xmlns:a16="http://schemas.microsoft.com/office/drawing/2014/main" id="{4E7B1708-3AE5-20AE-E886-1169B7848EB2}"/>
+          <p:cNvPr id="5" name="Imagem 4" descr="Forma&#10;&#10;Descrição gerada automaticamente com confiança baixa">
+            <a:extLst>
+              <a:ext uri="{FF2B5EF4-FFF2-40B4-BE49-F238E27FC236}">
+                <a16:creationId xmlns:a16="http://schemas.microsoft.com/office/drawing/2014/main" id="{AD5104B9-4B7D-2BF2-92FB-A7382DCED976}"/>
               </a:ext>
             </a:extLst>
           </p:cNvPr>
@@ -19906,7 +19723,7 @@
           <p:nvPr/>
         </p:nvPicPr>
         <p:blipFill>
-          <a:blip r:embed="rId3">
+          <a:blip r:embed="rId2">
             <a:extLst>
               <a:ext uri="{28A0092B-C50C-407E-A947-70E740481C1C}">
                 <a14:useLocalDpi xmlns:a14="http://schemas.microsoft.com/office/drawing/2010/main" val="0"/>
@@ -19929,10 +19746,10 @@
       </p:pic>
       <p:pic>
         <p:nvPicPr>
-          <p:cNvPr id="4" name="Imagem 3" descr="Forma&#10;&#10;Descrição gerada automaticamente">
-            <a:extLst>
-              <a:ext uri="{FF2B5EF4-FFF2-40B4-BE49-F238E27FC236}">
-                <a16:creationId xmlns:a16="http://schemas.microsoft.com/office/drawing/2014/main" id="{C7E48522-31E3-4BE9-4655-A84931EE436A}"/>
+          <p:cNvPr id="10" name="Imagem 9" descr="Forma&#10;&#10;Descrição gerada automaticamente">
+            <a:extLst>
+              <a:ext uri="{FF2B5EF4-FFF2-40B4-BE49-F238E27FC236}">
+                <a16:creationId xmlns:a16="http://schemas.microsoft.com/office/drawing/2014/main" id="{4CB6E2EF-BF38-68F4-078E-F390DB01D0C1}"/>
               </a:ext>
             </a:extLst>
           </p:cNvPr>
@@ -19942,11 +19759,11 @@
           <p:nvPr/>
         </p:nvPicPr>
         <p:blipFill>
-          <a:blip r:embed="rId4">
+          <a:blip r:embed="rId3">
             <a:extLst>
               <a:ext uri="{BEBA8EAE-BF5A-486C-A8C5-ECC9F3942E4B}">
                 <a14:imgProps xmlns:a14="http://schemas.microsoft.com/office/drawing/2010/main">
-                  <a14:imgLayer r:embed="rId5">
+                  <a14:imgLayer r:embed="rId4">
                     <a14:imgEffect>
                       <a14:colorTemperature colorTemp="11500"/>
                     </a14:imgEffect>
@@ -19979,10 +19796,2817 @@
           </a:ln>
         </p:spPr>
       </p:pic>
+      <p:sp>
+        <p:nvSpPr>
+          <p:cNvPr id="3" name="Título 1">
+            <a:extLst>
+              <a:ext uri="{FF2B5EF4-FFF2-40B4-BE49-F238E27FC236}">
+                <a16:creationId xmlns:a16="http://schemas.microsoft.com/office/drawing/2014/main" id="{C7AB4B67-B9F8-EEF1-3A44-56D5CA36BCD1}"/>
+              </a:ext>
+            </a:extLst>
+          </p:cNvPr>
+          <p:cNvSpPr txBox="1">
+            <a:spLocks/>
+          </p:cNvSpPr>
+          <p:nvPr/>
+        </p:nvSpPr>
+        <p:spPr>
+          <a:xfrm>
+            <a:off x="2295832" y="273986"/>
+            <a:ext cx="8627807" cy="1599777"/>
+          </a:xfrm>
+          <a:prstGeom prst="rect">
+            <a:avLst/>
+          </a:prstGeom>
+        </p:spPr>
+        <p:txBody>
+          <a:bodyPr vert="horz" lIns="91440" tIns="45720" rIns="91440" bIns="45720" rtlCol="0" anchor="ctr">
+            <a:normAutofit/>
+          </a:bodyPr>
+          <a:lstStyle>
+            <a:lvl1pPr algn="l" defTabSz="914400" rtl="0" eaLnBrk="1" latinLnBrk="0" hangingPunct="1">
+              <a:lnSpc>
+                <a:spcPct val="90000"/>
+              </a:lnSpc>
+              <a:spcBef>
+                <a:spcPct val="0"/>
+              </a:spcBef>
+              <a:buNone/>
+              <a:defRPr sz="4400" kern="1200">
+                <a:solidFill>
+                  <a:schemeClr val="tx1"/>
+                </a:solidFill>
+                <a:latin typeface="+mj-lt"/>
+                <a:ea typeface="+mj-ea"/>
+                <a:cs typeface="+mj-cs"/>
+              </a:defRPr>
+            </a:lvl1pPr>
+          </a:lstStyle>
+          <a:p>
+            <a:r>
+              <a:rPr lang="pt-BR" sz="4400" dirty="0"/>
+              <a:t>Event-</a:t>
+            </a:r>
+            <a:r>
+              <a:rPr lang="pt-BR" sz="4400" dirty="0" err="1"/>
+              <a:t>Driven</a:t>
+            </a:r>
+            <a:r>
+              <a:rPr lang="pt-BR" sz="4400" dirty="0"/>
+              <a:t> </a:t>
+            </a:r>
+            <a:r>
+              <a:rPr lang="pt-BR" sz="4400" dirty="0" err="1"/>
+              <a:t>Architecture</a:t>
+            </a:r>
+            <a:r>
+              <a:rPr lang="pt-BR" sz="4400" dirty="0"/>
+              <a:t> - Conceitos</a:t>
+            </a:r>
+          </a:p>
+        </p:txBody>
+      </p:sp>
+      <p:sp>
+        <p:nvSpPr>
+          <p:cNvPr id="2" name="Espaço Reservado para Conteúdo 2">
+            <a:extLst>
+              <a:ext uri="{FF2B5EF4-FFF2-40B4-BE49-F238E27FC236}">
+                <a16:creationId xmlns:a16="http://schemas.microsoft.com/office/drawing/2014/main" id="{0ACB8B5B-ACFE-09C3-D220-7EE7D5388963}"/>
+              </a:ext>
+            </a:extLst>
+          </p:cNvPr>
+          <p:cNvSpPr>
+            <a:spLocks noGrp="1"/>
+          </p:cNvSpPr>
+          <p:nvPr>
+            <p:ph idx="1"/>
+          </p:nvPr>
+        </p:nvSpPr>
+        <p:spPr>
+          <a:xfrm>
+            <a:off x="275957" y="2099782"/>
+            <a:ext cx="10647682" cy="4317084"/>
+          </a:xfrm>
+        </p:spPr>
+        <p:txBody>
+          <a:bodyPr>
+            <a:noAutofit/>
+          </a:bodyPr>
+          <a:lstStyle/>
+          <a:p>
+            <a:pPr marL="457200" indent="-457200" algn="just">
+              <a:buFont typeface="Arial" panose="020B0604020202020204" pitchFamily="34" charset="0"/>
+              <a:buChar char="•"/>
+            </a:pPr>
+            <a:r>
+              <a:rPr lang="pt-BR" sz="2500" dirty="0"/>
+              <a:t>É um estilo de arquitetura de software em que a troca de informações e a coordenação de componentes são baseadas em eventos.</a:t>
+            </a:r>
+          </a:p>
+          <a:p>
+            <a:pPr marL="457200" indent="-457200" algn="just">
+              <a:buFont typeface="Arial" panose="020B0604020202020204" pitchFamily="34" charset="0"/>
+              <a:buChar char="•"/>
+            </a:pPr>
+            <a:endParaRPr lang="pt-BR" sz="2500" dirty="0"/>
+          </a:p>
+          <a:p>
+            <a:pPr marL="457200" indent="-457200" algn="just">
+              <a:buFont typeface="Arial" panose="020B0604020202020204" pitchFamily="34" charset="0"/>
+              <a:buChar char="•"/>
+            </a:pPr>
+            <a:r>
+              <a:rPr lang="pt-BR" sz="2500" dirty="0"/>
+              <a:t>Nesse estilo arquitetural, os componentes do sistema são projetados para </a:t>
+            </a:r>
+            <a:r>
+              <a:rPr lang="pt-BR" sz="2500" b="1" dirty="0"/>
+              <a:t>reagir </a:t>
+            </a:r>
+            <a:r>
+              <a:rPr lang="pt-BR" sz="2500" dirty="0"/>
+              <a:t>e </a:t>
+            </a:r>
+            <a:r>
+              <a:rPr lang="pt-BR" sz="2500" b="1" dirty="0"/>
+              <a:t>responder </a:t>
+            </a:r>
+            <a:r>
+              <a:rPr lang="pt-BR" sz="2500" dirty="0"/>
+              <a:t>a eventos, que são notificações </a:t>
+            </a:r>
+            <a:r>
+              <a:rPr lang="pt-BR" sz="2500" b="1" dirty="0"/>
+              <a:t>assíncronas</a:t>
+            </a:r>
+            <a:r>
+              <a:rPr lang="pt-BR" sz="2500" dirty="0"/>
+              <a:t> de ocorrências relevantes no sistema, como a criação de um objeto, uma atualização de estado, ou um evento de negócio específico.</a:t>
+            </a:r>
+          </a:p>
+          <a:p>
+            <a:pPr marL="457200" indent="-457200" algn="just">
+              <a:buFont typeface="Arial" panose="020B0604020202020204" pitchFamily="34" charset="0"/>
+              <a:buChar char="•"/>
+            </a:pPr>
+            <a:endParaRPr lang="pt-BR" sz="2500" dirty="0"/>
+          </a:p>
+          <a:p>
+            <a:pPr marL="457200" indent="-457200" algn="just">
+              <a:buFont typeface="Arial" panose="020B0604020202020204" pitchFamily="34" charset="0"/>
+              <a:buChar char="•"/>
+            </a:pPr>
+            <a:r>
+              <a:rPr lang="pt-BR" sz="2500" dirty="0"/>
+              <a:t>Os principais tópicos sobre a EDA é </a:t>
+            </a:r>
+            <a:r>
+              <a:rPr lang="pt-BR" sz="2500" b="1" dirty="0"/>
+              <a:t>reatividade</a:t>
+            </a:r>
+            <a:r>
+              <a:rPr lang="pt-BR" sz="2500" dirty="0"/>
+              <a:t>, </a:t>
+            </a:r>
+            <a:r>
+              <a:rPr lang="pt-BR" sz="2500" b="1" dirty="0" err="1"/>
+              <a:t>assincronicidade</a:t>
+            </a:r>
+            <a:r>
+              <a:rPr lang="pt-BR" sz="2500" dirty="0"/>
+              <a:t>, </a:t>
+            </a:r>
+            <a:r>
+              <a:rPr lang="pt-BR" sz="2500" b="1" dirty="0"/>
+              <a:t>desacoplamento </a:t>
+            </a:r>
+            <a:r>
+              <a:rPr lang="pt-BR" sz="2500" dirty="0"/>
+              <a:t>e</a:t>
+            </a:r>
+            <a:r>
+              <a:rPr lang="pt-BR" sz="2500" b="1" dirty="0"/>
+              <a:t> escalabilidade</a:t>
+            </a:r>
+            <a:r>
+              <a:rPr lang="pt-BR" sz="2500" dirty="0"/>
+              <a:t>.</a:t>
+            </a:r>
+            <a:endParaRPr lang="en-US" sz="2500" dirty="0"/>
+          </a:p>
+        </p:txBody>
+      </p:sp>
     </p:spTree>
     <p:extLst>
       <p:ext uri="{BB962C8B-B14F-4D97-AF65-F5344CB8AC3E}">
-        <p14:creationId xmlns:p14="http://schemas.microsoft.com/office/powerpoint/2010/main" val="1907975413"/>
+        <p14:creationId xmlns:p14="http://schemas.microsoft.com/office/powerpoint/2010/main" val="842553056"/>
+      </p:ext>
+    </p:extLst>
+  </p:cSld>
+  <p:clrMapOvr>
+    <a:masterClrMapping/>
+  </p:clrMapOvr>
+</p:sld>
+</file>
+
+<file path=ppt/slides/slide41.xml><?xml version="1.0" encoding="utf-8"?>
+<p:sld xmlns:a="http://schemas.openxmlformats.org/drawingml/2006/main" xmlns:r="http://schemas.openxmlformats.org/officeDocument/2006/relationships" xmlns:p="http://schemas.openxmlformats.org/presentationml/2006/main">
+  <p:cSld>
+    <p:spTree>
+      <p:nvGrpSpPr>
+        <p:cNvPr id="1" name=""/>
+        <p:cNvGrpSpPr/>
+        <p:nvPr/>
+      </p:nvGrpSpPr>
+      <p:grpSpPr>
+        <a:xfrm>
+          <a:off x="0" y="0"/>
+          <a:ext cx="0" cy="0"/>
+          <a:chOff x="0" y="0"/>
+          <a:chExt cx="0" cy="0"/>
+        </a:xfrm>
+      </p:grpSpPr>
+      <p:pic>
+        <p:nvPicPr>
+          <p:cNvPr id="5" name="Imagem 4" descr="Forma&#10;&#10;Descrição gerada automaticamente com confiança baixa">
+            <a:extLst>
+              <a:ext uri="{FF2B5EF4-FFF2-40B4-BE49-F238E27FC236}">
+                <a16:creationId xmlns:a16="http://schemas.microsoft.com/office/drawing/2014/main" id="{AD5104B9-4B7D-2BF2-92FB-A7382DCED976}"/>
+              </a:ext>
+            </a:extLst>
+          </p:cNvPr>
+          <p:cNvPicPr>
+            <a:picLocks noChangeAspect="1"/>
+          </p:cNvPicPr>
+          <p:nvPr/>
+        </p:nvPicPr>
+        <p:blipFill>
+          <a:blip r:embed="rId2">
+            <a:extLst>
+              <a:ext uri="{28A0092B-C50C-407E-A947-70E740481C1C}">
+                <a14:useLocalDpi xmlns:a14="http://schemas.microsoft.com/office/drawing/2010/main" val="0"/>
+              </a:ext>
+            </a:extLst>
+          </a:blip>
+          <a:stretch>
+            <a:fillRect/>
+          </a:stretch>
+        </p:blipFill>
+        <p:spPr>
+          <a:xfrm>
+            <a:off x="10790903" y="5456903"/>
+            <a:ext cx="1401097" cy="1401097"/>
+          </a:xfrm>
+          <a:prstGeom prst="rect">
+            <a:avLst/>
+          </a:prstGeom>
+        </p:spPr>
+      </p:pic>
+      <p:pic>
+        <p:nvPicPr>
+          <p:cNvPr id="10" name="Imagem 9" descr="Forma&#10;&#10;Descrição gerada automaticamente">
+            <a:extLst>
+              <a:ext uri="{FF2B5EF4-FFF2-40B4-BE49-F238E27FC236}">
+                <a16:creationId xmlns:a16="http://schemas.microsoft.com/office/drawing/2014/main" id="{4CB6E2EF-BF38-68F4-078E-F390DB01D0C1}"/>
+              </a:ext>
+            </a:extLst>
+          </p:cNvPr>
+          <p:cNvPicPr>
+            <a:picLocks noChangeAspect="1"/>
+          </p:cNvPicPr>
+          <p:nvPr/>
+        </p:nvPicPr>
+        <p:blipFill>
+          <a:blip r:embed="rId3">
+            <a:extLst>
+              <a:ext uri="{BEBA8EAE-BF5A-486C-A8C5-ECC9F3942E4B}">
+                <a14:imgProps xmlns:a14="http://schemas.microsoft.com/office/drawing/2010/main">
+                  <a14:imgLayer r:embed="rId4">
+                    <a14:imgEffect>
+                      <a14:colorTemperature colorTemp="11500"/>
+                    </a14:imgEffect>
+                    <a14:imgEffect>
+                      <a14:saturation sat="400000"/>
+                    </a14:imgEffect>
+                    <a14:imgEffect>
+                      <a14:brightnessContrast bright="-1000" contrast="-38000"/>
+                    </a14:imgEffect>
+                  </a14:imgLayer>
+                </a14:imgProps>
+              </a:ext>
+            </a:extLst>
+          </a:blip>
+          <a:stretch>
+            <a:fillRect/>
+          </a:stretch>
+        </p:blipFill>
+        <p:spPr>
+          <a:xfrm>
+            <a:off x="24580" y="22840"/>
+            <a:ext cx="2160397" cy="1682409"/>
+          </a:xfrm>
+          <a:prstGeom prst="rect">
+            <a:avLst/>
+          </a:prstGeom>
+          <a:noFill/>
+          <a:ln>
+            <a:noFill/>
+          </a:ln>
+        </p:spPr>
+      </p:pic>
+      <p:sp>
+        <p:nvSpPr>
+          <p:cNvPr id="3" name="Título 1">
+            <a:extLst>
+              <a:ext uri="{FF2B5EF4-FFF2-40B4-BE49-F238E27FC236}">
+                <a16:creationId xmlns:a16="http://schemas.microsoft.com/office/drawing/2014/main" id="{C7AB4B67-B9F8-EEF1-3A44-56D5CA36BCD1}"/>
+              </a:ext>
+            </a:extLst>
+          </p:cNvPr>
+          <p:cNvSpPr txBox="1">
+            <a:spLocks/>
+          </p:cNvSpPr>
+          <p:nvPr/>
+        </p:nvSpPr>
+        <p:spPr>
+          <a:xfrm>
+            <a:off x="2295832" y="273986"/>
+            <a:ext cx="9168581" cy="1599777"/>
+          </a:xfrm>
+          <a:prstGeom prst="rect">
+            <a:avLst/>
+          </a:prstGeom>
+        </p:spPr>
+        <p:txBody>
+          <a:bodyPr vert="horz" lIns="91440" tIns="45720" rIns="91440" bIns="45720" rtlCol="0" anchor="ctr">
+            <a:normAutofit/>
+          </a:bodyPr>
+          <a:lstStyle>
+            <a:lvl1pPr algn="l" defTabSz="914400" rtl="0" eaLnBrk="1" latinLnBrk="0" hangingPunct="1">
+              <a:lnSpc>
+                <a:spcPct val="90000"/>
+              </a:lnSpc>
+              <a:spcBef>
+                <a:spcPct val="0"/>
+              </a:spcBef>
+              <a:buNone/>
+              <a:defRPr sz="4400" kern="1200">
+                <a:solidFill>
+                  <a:schemeClr val="tx1"/>
+                </a:solidFill>
+                <a:latin typeface="+mj-lt"/>
+                <a:ea typeface="+mj-ea"/>
+                <a:cs typeface="+mj-cs"/>
+              </a:defRPr>
+            </a:lvl1pPr>
+          </a:lstStyle>
+          <a:p>
+            <a:r>
+              <a:rPr lang="pt-BR" sz="4400" dirty="0"/>
+              <a:t>Event-</a:t>
+            </a:r>
+            <a:r>
+              <a:rPr lang="pt-BR" sz="4400" dirty="0" err="1"/>
+              <a:t>Driven</a:t>
+            </a:r>
+            <a:r>
+              <a:rPr lang="pt-BR" sz="4400" dirty="0"/>
+              <a:t> </a:t>
+            </a:r>
+            <a:r>
+              <a:rPr lang="pt-BR" sz="4400" dirty="0" err="1"/>
+              <a:t>Architecture</a:t>
+            </a:r>
+            <a:r>
+              <a:rPr lang="pt-BR" sz="4400" dirty="0"/>
+              <a:t> - Aplicações</a:t>
+            </a:r>
+          </a:p>
+        </p:txBody>
+      </p:sp>
+      <p:sp>
+        <p:nvSpPr>
+          <p:cNvPr id="2" name="Espaço Reservado para Conteúdo 2">
+            <a:extLst>
+              <a:ext uri="{FF2B5EF4-FFF2-40B4-BE49-F238E27FC236}">
+                <a16:creationId xmlns:a16="http://schemas.microsoft.com/office/drawing/2014/main" id="{0ACB8B5B-ACFE-09C3-D220-7EE7D5388963}"/>
+              </a:ext>
+            </a:extLst>
+          </p:cNvPr>
+          <p:cNvSpPr>
+            <a:spLocks noGrp="1"/>
+          </p:cNvSpPr>
+          <p:nvPr>
+            <p:ph idx="1"/>
+          </p:nvPr>
+        </p:nvSpPr>
+        <p:spPr>
+          <a:xfrm>
+            <a:off x="275957" y="1873763"/>
+            <a:ext cx="10514946" cy="4812172"/>
+          </a:xfrm>
+        </p:spPr>
+        <p:txBody>
+          <a:bodyPr>
+            <a:noAutofit/>
+          </a:bodyPr>
+          <a:lstStyle/>
+          <a:p>
+            <a:pPr marL="457200" indent="-457200" algn="just">
+              <a:buFont typeface="Arial" panose="020B0604020202020204" pitchFamily="34" charset="0"/>
+              <a:buChar char="•"/>
+            </a:pPr>
+            <a:r>
+              <a:rPr lang="pt-BR" sz="2500" dirty="0"/>
+              <a:t>Diferente do que vimos sobre padrão Saga Orquestrado, Coreografado e padrão </a:t>
+            </a:r>
+            <a:r>
+              <a:rPr lang="pt-BR" sz="2500" dirty="0" err="1"/>
+              <a:t>Outbox</a:t>
+            </a:r>
+            <a:r>
+              <a:rPr lang="pt-BR" sz="2500" dirty="0"/>
+              <a:t>, a EDA  não possui uma implementação física, e sim é um desenho arquitetural, ou seja, você implementa sua arquitetura seguindo o modelo da EDA.</a:t>
+            </a:r>
+          </a:p>
+          <a:p>
+            <a:pPr marL="457200" indent="-457200" algn="just">
+              <a:buFont typeface="Arial" panose="020B0604020202020204" pitchFamily="34" charset="0"/>
+              <a:buChar char="•"/>
+            </a:pPr>
+            <a:r>
+              <a:rPr lang="pt-BR" sz="2500" dirty="0"/>
+              <a:t>O padrão Saga e o Padrão </a:t>
+            </a:r>
+            <a:r>
+              <a:rPr lang="pt-BR" sz="2500" dirty="0" err="1"/>
+              <a:t>Outbox</a:t>
+            </a:r>
+            <a:r>
+              <a:rPr lang="pt-BR" sz="2500" dirty="0"/>
+              <a:t> não são conceitos da EDA, e sim padrões existentes para tratar problemas envolvendo transações distribuídas, porém, o fato de você trabalhar com transações distribuídas, processamento assíncrono via eventos, se devidamente implementados, estão dentro dos conceitos desta arquitetura.</a:t>
+            </a:r>
+          </a:p>
+          <a:p>
+            <a:pPr marL="457200" indent="-457200" algn="just">
+              <a:buFont typeface="Arial" panose="020B0604020202020204" pitchFamily="34" charset="0"/>
+              <a:buChar char="•"/>
+            </a:pPr>
+            <a:r>
+              <a:rPr lang="pt-BR" sz="2500" dirty="0" err="1"/>
+              <a:t>Message</a:t>
+            </a:r>
+            <a:r>
+              <a:rPr lang="pt-BR" sz="2500" dirty="0"/>
+              <a:t> Brokers como Apache Kafka e </a:t>
+            </a:r>
+            <a:r>
+              <a:rPr lang="pt-BR" sz="2500" dirty="0" err="1"/>
+              <a:t>RabbitMQ</a:t>
+            </a:r>
+            <a:r>
+              <a:rPr lang="pt-BR" sz="2500" dirty="0"/>
+              <a:t> são duas ferramentas que contribuem para a implementação desta arquitetura.</a:t>
+            </a:r>
+          </a:p>
+          <a:p>
+            <a:pPr marL="457200" indent="-457200" algn="just">
+              <a:buFont typeface="Arial" panose="020B0604020202020204" pitchFamily="34" charset="0"/>
+              <a:buChar char="•"/>
+            </a:pPr>
+            <a:endParaRPr lang="pt-BR" sz="2500" dirty="0"/>
+          </a:p>
+        </p:txBody>
+      </p:sp>
+    </p:spTree>
+    <p:extLst>
+      <p:ext uri="{BB962C8B-B14F-4D97-AF65-F5344CB8AC3E}">
+        <p14:creationId xmlns:p14="http://schemas.microsoft.com/office/powerpoint/2010/main" val="385778887"/>
+      </p:ext>
+    </p:extLst>
+  </p:cSld>
+  <p:clrMapOvr>
+    <a:masterClrMapping/>
+  </p:clrMapOvr>
+</p:sld>
+</file>
+
+<file path=ppt/slides/slide42.xml><?xml version="1.0" encoding="utf-8"?>
+<p:sld xmlns:a="http://schemas.openxmlformats.org/drawingml/2006/main" xmlns:r="http://schemas.openxmlformats.org/officeDocument/2006/relationships" xmlns:p="http://schemas.openxmlformats.org/presentationml/2006/main">
+  <p:cSld>
+    <p:spTree>
+      <p:nvGrpSpPr>
+        <p:cNvPr id="1" name=""/>
+        <p:cNvGrpSpPr/>
+        <p:nvPr/>
+      </p:nvGrpSpPr>
+      <p:grpSpPr>
+        <a:xfrm>
+          <a:off x="0" y="0"/>
+          <a:ext cx="0" cy="0"/>
+          <a:chOff x="0" y="0"/>
+          <a:chExt cx="0" cy="0"/>
+        </a:xfrm>
+      </p:grpSpPr>
+      <p:pic>
+        <p:nvPicPr>
+          <p:cNvPr id="8" name="Imagem 7" descr="Linha do tempo&#10;&#10;Descrição gerada automaticamente">
+            <a:extLst>
+              <a:ext uri="{FF2B5EF4-FFF2-40B4-BE49-F238E27FC236}">
+                <a16:creationId xmlns:a16="http://schemas.microsoft.com/office/drawing/2014/main" id="{507BB54C-B6C7-9A19-372C-9B4259686BE6}"/>
+              </a:ext>
+            </a:extLst>
+          </p:cNvPr>
+          <p:cNvPicPr>
+            <a:picLocks noChangeAspect="1"/>
+          </p:cNvPicPr>
+          <p:nvPr/>
+        </p:nvPicPr>
+        <p:blipFill rotWithShape="1">
+          <a:blip r:embed="rId2">
+            <a:alphaModFix amt="20000"/>
+            <a:extLst>
+              <a:ext uri="{28A0092B-C50C-407E-A947-70E740481C1C}">
+                <a14:useLocalDpi xmlns:a14="http://schemas.microsoft.com/office/drawing/2010/main" val="0"/>
+              </a:ext>
+            </a:extLst>
+          </a:blip>
+          <a:srcRect l="16744" t="7742" r="17229" b="11255"/>
+          <a:stretch/>
+        </p:blipFill>
+        <p:spPr>
+          <a:xfrm>
+            <a:off x="1505645" y="575170"/>
+            <a:ext cx="8622889" cy="5955908"/>
+          </a:xfrm>
+          <a:prstGeom prst="rect">
+            <a:avLst/>
+          </a:prstGeom>
+          <a:ln>
+            <a:noFill/>
+          </a:ln>
+          <a:effectLst>
+            <a:softEdge rad="112500"/>
+          </a:effectLst>
+        </p:spPr>
+      </p:pic>
+      <p:pic>
+        <p:nvPicPr>
+          <p:cNvPr id="5" name="Imagem 4" descr="Forma&#10;&#10;Descrição gerada automaticamente com confiança baixa">
+            <a:extLst>
+              <a:ext uri="{FF2B5EF4-FFF2-40B4-BE49-F238E27FC236}">
+                <a16:creationId xmlns:a16="http://schemas.microsoft.com/office/drawing/2014/main" id="{AD5104B9-4B7D-2BF2-92FB-A7382DCED976}"/>
+              </a:ext>
+            </a:extLst>
+          </p:cNvPr>
+          <p:cNvPicPr>
+            <a:picLocks noChangeAspect="1"/>
+          </p:cNvPicPr>
+          <p:nvPr/>
+        </p:nvPicPr>
+        <p:blipFill>
+          <a:blip r:embed="rId3">
+            <a:extLst>
+              <a:ext uri="{28A0092B-C50C-407E-A947-70E740481C1C}">
+                <a14:useLocalDpi xmlns:a14="http://schemas.microsoft.com/office/drawing/2010/main" val="0"/>
+              </a:ext>
+            </a:extLst>
+          </a:blip>
+          <a:stretch>
+            <a:fillRect/>
+          </a:stretch>
+        </p:blipFill>
+        <p:spPr>
+          <a:xfrm>
+            <a:off x="10790903" y="5456903"/>
+            <a:ext cx="1401097" cy="1401097"/>
+          </a:xfrm>
+          <a:prstGeom prst="rect">
+            <a:avLst/>
+          </a:prstGeom>
+        </p:spPr>
+      </p:pic>
+      <p:pic>
+        <p:nvPicPr>
+          <p:cNvPr id="10" name="Imagem 9" descr="Forma&#10;&#10;Descrição gerada automaticamente">
+            <a:extLst>
+              <a:ext uri="{FF2B5EF4-FFF2-40B4-BE49-F238E27FC236}">
+                <a16:creationId xmlns:a16="http://schemas.microsoft.com/office/drawing/2014/main" id="{4CB6E2EF-BF38-68F4-078E-F390DB01D0C1}"/>
+              </a:ext>
+            </a:extLst>
+          </p:cNvPr>
+          <p:cNvPicPr>
+            <a:picLocks noChangeAspect="1"/>
+          </p:cNvPicPr>
+          <p:nvPr/>
+        </p:nvPicPr>
+        <p:blipFill>
+          <a:blip r:embed="rId4">
+            <a:extLst>
+              <a:ext uri="{BEBA8EAE-BF5A-486C-A8C5-ECC9F3942E4B}">
+                <a14:imgProps xmlns:a14="http://schemas.microsoft.com/office/drawing/2010/main">
+                  <a14:imgLayer r:embed="rId5">
+                    <a14:imgEffect>
+                      <a14:colorTemperature colorTemp="11500"/>
+                    </a14:imgEffect>
+                    <a14:imgEffect>
+                      <a14:saturation sat="400000"/>
+                    </a14:imgEffect>
+                    <a14:imgEffect>
+                      <a14:brightnessContrast bright="-1000" contrast="-38000"/>
+                    </a14:imgEffect>
+                  </a14:imgLayer>
+                </a14:imgProps>
+              </a:ext>
+            </a:extLst>
+          </a:blip>
+          <a:stretch>
+            <a:fillRect/>
+          </a:stretch>
+        </p:blipFill>
+        <p:spPr>
+          <a:xfrm>
+            <a:off x="24580" y="22840"/>
+            <a:ext cx="2160397" cy="1682409"/>
+          </a:xfrm>
+          <a:prstGeom prst="rect">
+            <a:avLst/>
+          </a:prstGeom>
+          <a:noFill/>
+          <a:ln>
+            <a:noFill/>
+          </a:ln>
+        </p:spPr>
+      </p:pic>
+      <p:sp>
+        <p:nvSpPr>
+          <p:cNvPr id="2" name="Espaço Reservado para Conteúdo 2">
+            <a:extLst>
+              <a:ext uri="{FF2B5EF4-FFF2-40B4-BE49-F238E27FC236}">
+                <a16:creationId xmlns:a16="http://schemas.microsoft.com/office/drawing/2014/main" id="{7D69C9EA-4F33-3EDD-90BE-6F94F5BB7BE8}"/>
+              </a:ext>
+            </a:extLst>
+          </p:cNvPr>
+          <p:cNvSpPr txBox="1">
+            <a:spLocks/>
+          </p:cNvSpPr>
+          <p:nvPr/>
+        </p:nvSpPr>
+        <p:spPr>
+          <a:xfrm>
+            <a:off x="1505645" y="3019378"/>
+            <a:ext cx="9367519" cy="1630028"/>
+          </a:xfrm>
+          <a:prstGeom prst="rect">
+            <a:avLst/>
+          </a:prstGeom>
+        </p:spPr>
+        <p:txBody>
+          <a:bodyPr vert="horz" lIns="91440" tIns="45720" rIns="91440" bIns="45720" rtlCol="0">
+            <a:noAutofit/>
+          </a:bodyPr>
+          <a:lstStyle>
+            <a:lvl1pPr marL="228600" indent="-228600" algn="l" defTabSz="914400" rtl="0" eaLnBrk="1" latinLnBrk="0" hangingPunct="1">
+              <a:lnSpc>
+                <a:spcPct val="90000"/>
+              </a:lnSpc>
+              <a:spcBef>
+                <a:spcPts val="1000"/>
+              </a:spcBef>
+              <a:buFont typeface="Arial" panose="020B0604020202020204" pitchFamily="34" charset="0"/>
+              <a:buChar char="•"/>
+              <a:defRPr sz="2800" kern="1200">
+                <a:solidFill>
+                  <a:schemeClr val="tx1"/>
+                </a:solidFill>
+                <a:latin typeface="+mn-lt"/>
+                <a:ea typeface="+mn-ea"/>
+                <a:cs typeface="+mn-cs"/>
+              </a:defRPr>
+            </a:lvl1pPr>
+            <a:lvl2pPr marL="685800" indent="-228600" algn="l" defTabSz="914400" rtl="0" eaLnBrk="1" latinLnBrk="0" hangingPunct="1">
+              <a:lnSpc>
+                <a:spcPct val="90000"/>
+              </a:lnSpc>
+              <a:spcBef>
+                <a:spcPts val="500"/>
+              </a:spcBef>
+              <a:buFont typeface="Arial" panose="020B0604020202020204" pitchFamily="34" charset="0"/>
+              <a:buChar char="•"/>
+              <a:defRPr sz="2400" kern="1200">
+                <a:solidFill>
+                  <a:schemeClr val="tx1"/>
+                </a:solidFill>
+                <a:latin typeface="+mn-lt"/>
+                <a:ea typeface="+mn-ea"/>
+                <a:cs typeface="+mn-cs"/>
+              </a:defRPr>
+            </a:lvl2pPr>
+            <a:lvl3pPr marL="1143000" indent="-228600" algn="l" defTabSz="914400" rtl="0" eaLnBrk="1" latinLnBrk="0" hangingPunct="1">
+              <a:lnSpc>
+                <a:spcPct val="90000"/>
+              </a:lnSpc>
+              <a:spcBef>
+                <a:spcPts val="500"/>
+              </a:spcBef>
+              <a:buFont typeface="Arial" panose="020B0604020202020204" pitchFamily="34" charset="0"/>
+              <a:buChar char="•"/>
+              <a:defRPr sz="2000" kern="1200">
+                <a:solidFill>
+                  <a:schemeClr val="tx1"/>
+                </a:solidFill>
+                <a:latin typeface="+mn-lt"/>
+                <a:ea typeface="+mn-ea"/>
+                <a:cs typeface="+mn-cs"/>
+              </a:defRPr>
+            </a:lvl3pPr>
+            <a:lvl4pPr marL="1600200" indent="-228600" algn="l" defTabSz="914400" rtl="0" eaLnBrk="1" latinLnBrk="0" hangingPunct="1">
+              <a:lnSpc>
+                <a:spcPct val="90000"/>
+              </a:lnSpc>
+              <a:spcBef>
+                <a:spcPts val="500"/>
+              </a:spcBef>
+              <a:buFont typeface="Arial" panose="020B0604020202020204" pitchFamily="34" charset="0"/>
+              <a:buChar char="•"/>
+              <a:defRPr sz="1800" kern="1200">
+                <a:solidFill>
+                  <a:schemeClr val="tx1"/>
+                </a:solidFill>
+                <a:latin typeface="+mn-lt"/>
+                <a:ea typeface="+mn-ea"/>
+                <a:cs typeface="+mn-cs"/>
+              </a:defRPr>
+            </a:lvl4pPr>
+            <a:lvl5pPr marL="2057400" indent="-228600" algn="l" defTabSz="914400" rtl="0" eaLnBrk="1" latinLnBrk="0" hangingPunct="1">
+              <a:lnSpc>
+                <a:spcPct val="90000"/>
+              </a:lnSpc>
+              <a:spcBef>
+                <a:spcPts val="500"/>
+              </a:spcBef>
+              <a:buFont typeface="Arial" panose="020B0604020202020204" pitchFamily="34" charset="0"/>
+              <a:buChar char="•"/>
+              <a:defRPr sz="1800" kern="1200">
+                <a:solidFill>
+                  <a:schemeClr val="tx1"/>
+                </a:solidFill>
+                <a:latin typeface="+mn-lt"/>
+                <a:ea typeface="+mn-ea"/>
+                <a:cs typeface="+mn-cs"/>
+              </a:defRPr>
+            </a:lvl5pPr>
+            <a:lvl6pPr marL="2514600" indent="-228600" algn="l" defTabSz="914400" rtl="0" eaLnBrk="1" latinLnBrk="0" hangingPunct="1">
+              <a:lnSpc>
+                <a:spcPct val="90000"/>
+              </a:lnSpc>
+              <a:spcBef>
+                <a:spcPts val="500"/>
+              </a:spcBef>
+              <a:buFont typeface="Arial" panose="020B0604020202020204" pitchFamily="34" charset="0"/>
+              <a:buChar char="•"/>
+              <a:defRPr sz="1800" kern="1200">
+                <a:solidFill>
+                  <a:schemeClr val="tx1"/>
+                </a:solidFill>
+                <a:latin typeface="+mn-lt"/>
+                <a:ea typeface="+mn-ea"/>
+                <a:cs typeface="+mn-cs"/>
+              </a:defRPr>
+            </a:lvl6pPr>
+            <a:lvl7pPr marL="2971800" indent="-228600" algn="l" defTabSz="914400" rtl="0" eaLnBrk="1" latinLnBrk="0" hangingPunct="1">
+              <a:lnSpc>
+                <a:spcPct val="90000"/>
+              </a:lnSpc>
+              <a:spcBef>
+                <a:spcPts val="500"/>
+              </a:spcBef>
+              <a:buFont typeface="Arial" panose="020B0604020202020204" pitchFamily="34" charset="0"/>
+              <a:buChar char="•"/>
+              <a:defRPr sz="1800" kern="1200">
+                <a:solidFill>
+                  <a:schemeClr val="tx1"/>
+                </a:solidFill>
+                <a:latin typeface="+mn-lt"/>
+                <a:ea typeface="+mn-ea"/>
+                <a:cs typeface="+mn-cs"/>
+              </a:defRPr>
+            </a:lvl7pPr>
+            <a:lvl8pPr marL="3429000" indent="-228600" algn="l" defTabSz="914400" rtl="0" eaLnBrk="1" latinLnBrk="0" hangingPunct="1">
+              <a:lnSpc>
+                <a:spcPct val="90000"/>
+              </a:lnSpc>
+              <a:spcBef>
+                <a:spcPts val="500"/>
+              </a:spcBef>
+              <a:buFont typeface="Arial" panose="020B0604020202020204" pitchFamily="34" charset="0"/>
+              <a:buChar char="•"/>
+              <a:defRPr sz="1800" kern="1200">
+                <a:solidFill>
+                  <a:schemeClr val="tx1"/>
+                </a:solidFill>
+                <a:latin typeface="+mn-lt"/>
+                <a:ea typeface="+mn-ea"/>
+                <a:cs typeface="+mn-cs"/>
+              </a:defRPr>
+            </a:lvl8pPr>
+            <a:lvl9pPr marL="3886200" indent="-228600" algn="l" defTabSz="914400" rtl="0" eaLnBrk="1" latinLnBrk="0" hangingPunct="1">
+              <a:lnSpc>
+                <a:spcPct val="90000"/>
+              </a:lnSpc>
+              <a:spcBef>
+                <a:spcPts val="500"/>
+              </a:spcBef>
+              <a:buFont typeface="Arial" panose="020B0604020202020204" pitchFamily="34" charset="0"/>
+              <a:buChar char="•"/>
+              <a:defRPr sz="1800" kern="1200">
+                <a:solidFill>
+                  <a:schemeClr val="tx1"/>
+                </a:solidFill>
+                <a:latin typeface="+mn-lt"/>
+                <a:ea typeface="+mn-ea"/>
+                <a:cs typeface="+mn-cs"/>
+              </a:defRPr>
+            </a:lvl9pPr>
+          </a:lstStyle>
+          <a:p>
+            <a:pPr marL="0" indent="0" algn="ctr">
+              <a:buFont typeface="Arial" panose="020B0604020202020204" pitchFamily="34" charset="0"/>
+              <a:buNone/>
+            </a:pPr>
+            <a:r>
+              <a:rPr lang="pt-BR" sz="5000" b="1" dirty="0"/>
+              <a:t>Apache Kafka</a:t>
+            </a:r>
+          </a:p>
+          <a:p>
+            <a:pPr marL="0" indent="0" algn="ctr">
+              <a:buFont typeface="Arial" panose="020B0604020202020204" pitchFamily="34" charset="0"/>
+              <a:buNone/>
+            </a:pPr>
+            <a:r>
+              <a:rPr lang="pt-BR" sz="2500" b="1" dirty="0"/>
+              <a:t>Conceitos e aplicações</a:t>
+            </a:r>
+          </a:p>
+        </p:txBody>
+      </p:sp>
+    </p:spTree>
+    <p:extLst>
+      <p:ext uri="{BB962C8B-B14F-4D97-AF65-F5344CB8AC3E}">
+        <p14:creationId xmlns:p14="http://schemas.microsoft.com/office/powerpoint/2010/main" val="1449019032"/>
+      </p:ext>
+    </p:extLst>
+  </p:cSld>
+  <p:clrMapOvr>
+    <a:masterClrMapping/>
+  </p:clrMapOvr>
+</p:sld>
+</file>
+
+<file path=ppt/slides/slide43.xml><?xml version="1.0" encoding="utf-8"?>
+<p:sld xmlns:a="http://schemas.openxmlformats.org/drawingml/2006/main" xmlns:r="http://schemas.openxmlformats.org/officeDocument/2006/relationships" xmlns:p="http://schemas.openxmlformats.org/presentationml/2006/main">
+  <p:cSld>
+    <p:spTree>
+      <p:nvGrpSpPr>
+        <p:cNvPr id="1" name=""/>
+        <p:cNvGrpSpPr/>
+        <p:nvPr/>
+      </p:nvGrpSpPr>
+      <p:grpSpPr>
+        <a:xfrm>
+          <a:off x="0" y="0"/>
+          <a:ext cx="0" cy="0"/>
+          <a:chOff x="0" y="0"/>
+          <a:chExt cx="0" cy="0"/>
+        </a:xfrm>
+      </p:grpSpPr>
+      <p:pic>
+        <p:nvPicPr>
+          <p:cNvPr id="5" name="Imagem 4" descr="Forma&#10;&#10;Descrição gerada automaticamente com confiança baixa">
+            <a:extLst>
+              <a:ext uri="{FF2B5EF4-FFF2-40B4-BE49-F238E27FC236}">
+                <a16:creationId xmlns:a16="http://schemas.microsoft.com/office/drawing/2014/main" id="{AD5104B9-4B7D-2BF2-92FB-A7382DCED976}"/>
+              </a:ext>
+            </a:extLst>
+          </p:cNvPr>
+          <p:cNvPicPr>
+            <a:picLocks noChangeAspect="1"/>
+          </p:cNvPicPr>
+          <p:nvPr/>
+        </p:nvPicPr>
+        <p:blipFill>
+          <a:blip r:embed="rId2">
+            <a:extLst>
+              <a:ext uri="{28A0092B-C50C-407E-A947-70E740481C1C}">
+                <a14:useLocalDpi xmlns:a14="http://schemas.microsoft.com/office/drawing/2010/main" val="0"/>
+              </a:ext>
+            </a:extLst>
+          </a:blip>
+          <a:stretch>
+            <a:fillRect/>
+          </a:stretch>
+        </p:blipFill>
+        <p:spPr>
+          <a:xfrm>
+            <a:off x="10790903" y="5456903"/>
+            <a:ext cx="1401097" cy="1401097"/>
+          </a:xfrm>
+          <a:prstGeom prst="rect">
+            <a:avLst/>
+          </a:prstGeom>
+        </p:spPr>
+      </p:pic>
+      <p:pic>
+        <p:nvPicPr>
+          <p:cNvPr id="10" name="Imagem 9" descr="Forma&#10;&#10;Descrição gerada automaticamente">
+            <a:extLst>
+              <a:ext uri="{FF2B5EF4-FFF2-40B4-BE49-F238E27FC236}">
+                <a16:creationId xmlns:a16="http://schemas.microsoft.com/office/drawing/2014/main" id="{4CB6E2EF-BF38-68F4-078E-F390DB01D0C1}"/>
+              </a:ext>
+            </a:extLst>
+          </p:cNvPr>
+          <p:cNvPicPr>
+            <a:picLocks noChangeAspect="1"/>
+          </p:cNvPicPr>
+          <p:nvPr/>
+        </p:nvPicPr>
+        <p:blipFill>
+          <a:blip r:embed="rId3">
+            <a:extLst>
+              <a:ext uri="{BEBA8EAE-BF5A-486C-A8C5-ECC9F3942E4B}">
+                <a14:imgProps xmlns:a14="http://schemas.microsoft.com/office/drawing/2010/main">
+                  <a14:imgLayer r:embed="rId4">
+                    <a14:imgEffect>
+                      <a14:colorTemperature colorTemp="11500"/>
+                    </a14:imgEffect>
+                    <a14:imgEffect>
+                      <a14:saturation sat="400000"/>
+                    </a14:imgEffect>
+                    <a14:imgEffect>
+                      <a14:brightnessContrast bright="-1000" contrast="-38000"/>
+                    </a14:imgEffect>
+                  </a14:imgLayer>
+                </a14:imgProps>
+              </a:ext>
+            </a:extLst>
+          </a:blip>
+          <a:stretch>
+            <a:fillRect/>
+          </a:stretch>
+        </p:blipFill>
+        <p:spPr>
+          <a:xfrm>
+            <a:off x="24580" y="22840"/>
+            <a:ext cx="2160397" cy="1682409"/>
+          </a:xfrm>
+          <a:prstGeom prst="rect">
+            <a:avLst/>
+          </a:prstGeom>
+          <a:noFill/>
+          <a:ln>
+            <a:noFill/>
+          </a:ln>
+        </p:spPr>
+      </p:pic>
+      <p:sp>
+        <p:nvSpPr>
+          <p:cNvPr id="3" name="Título 1">
+            <a:extLst>
+              <a:ext uri="{FF2B5EF4-FFF2-40B4-BE49-F238E27FC236}">
+                <a16:creationId xmlns:a16="http://schemas.microsoft.com/office/drawing/2014/main" id="{C7AB4B67-B9F8-EEF1-3A44-56D5CA36BCD1}"/>
+              </a:ext>
+            </a:extLst>
+          </p:cNvPr>
+          <p:cNvSpPr txBox="1">
+            <a:spLocks/>
+          </p:cNvSpPr>
+          <p:nvPr/>
+        </p:nvSpPr>
+        <p:spPr>
+          <a:xfrm>
+            <a:off x="2295832" y="273986"/>
+            <a:ext cx="8942439" cy="1599777"/>
+          </a:xfrm>
+          <a:prstGeom prst="rect">
+            <a:avLst/>
+          </a:prstGeom>
+        </p:spPr>
+        <p:txBody>
+          <a:bodyPr vert="horz" lIns="91440" tIns="45720" rIns="91440" bIns="45720" rtlCol="0" anchor="ctr">
+            <a:normAutofit/>
+          </a:bodyPr>
+          <a:lstStyle>
+            <a:lvl1pPr algn="l" defTabSz="914400" rtl="0" eaLnBrk="1" latinLnBrk="0" hangingPunct="1">
+              <a:lnSpc>
+                <a:spcPct val="90000"/>
+              </a:lnSpc>
+              <a:spcBef>
+                <a:spcPct val="0"/>
+              </a:spcBef>
+              <a:buNone/>
+              <a:defRPr sz="4400" kern="1200">
+                <a:solidFill>
+                  <a:schemeClr val="tx1"/>
+                </a:solidFill>
+                <a:latin typeface="+mj-lt"/>
+                <a:ea typeface="+mj-ea"/>
+                <a:cs typeface="+mj-cs"/>
+              </a:defRPr>
+            </a:lvl1pPr>
+          </a:lstStyle>
+          <a:p>
+            <a:r>
+              <a:rPr lang="pt-BR" sz="4400" dirty="0"/>
+              <a:t>Apache Kafka – Conceitos e aplicações</a:t>
+            </a:r>
+          </a:p>
+        </p:txBody>
+      </p:sp>
+      <p:sp>
+        <p:nvSpPr>
+          <p:cNvPr id="2" name="Espaço Reservado para Conteúdo 2">
+            <a:extLst>
+              <a:ext uri="{FF2B5EF4-FFF2-40B4-BE49-F238E27FC236}">
+                <a16:creationId xmlns:a16="http://schemas.microsoft.com/office/drawing/2014/main" id="{0ACB8B5B-ACFE-09C3-D220-7EE7D5388963}"/>
+              </a:ext>
+            </a:extLst>
+          </p:cNvPr>
+          <p:cNvSpPr>
+            <a:spLocks noGrp="1"/>
+          </p:cNvSpPr>
+          <p:nvPr>
+            <p:ph idx="1"/>
+          </p:nvPr>
+        </p:nvSpPr>
+        <p:spPr>
+          <a:xfrm>
+            <a:off x="275957" y="2266930"/>
+            <a:ext cx="11640085" cy="4317084"/>
+          </a:xfrm>
+        </p:spPr>
+        <p:txBody>
+          <a:bodyPr>
+            <a:noAutofit/>
+          </a:bodyPr>
+          <a:lstStyle/>
+          <a:p>
+            <a:pPr marL="457200" indent="-457200" algn="just">
+              <a:buFont typeface="Arial" panose="020B0604020202020204" pitchFamily="34" charset="0"/>
+              <a:buChar char="•"/>
+            </a:pPr>
+            <a:r>
+              <a:rPr lang="pt-BR" sz="2500" dirty="0"/>
+              <a:t>O Apache Kafka é uma plataforma de </a:t>
+            </a:r>
+            <a:r>
+              <a:rPr lang="pt-BR" sz="2500" b="1" dirty="0"/>
+              <a:t>streaming de eventos distribuída</a:t>
+            </a:r>
+            <a:r>
+              <a:rPr lang="pt-BR" sz="2500" dirty="0"/>
+              <a:t> de código aberto usada por milhares de empresas para pipelines de dados de alto desempenho, análise de streaming, integração de dados e aplicativos de missão crítica.</a:t>
+            </a:r>
+          </a:p>
+          <a:p>
+            <a:pPr marL="457200" indent="-457200" algn="just">
+              <a:buFont typeface="Arial" panose="020B0604020202020204" pitchFamily="34" charset="0"/>
+              <a:buChar char="•"/>
+            </a:pPr>
+            <a:r>
+              <a:rPr lang="pt-BR" sz="2500" dirty="0"/>
+              <a:t>É considerado um </a:t>
+            </a:r>
+            <a:r>
+              <a:rPr lang="pt-BR" sz="2500" dirty="0" err="1"/>
+              <a:t>Message</a:t>
+            </a:r>
+            <a:r>
+              <a:rPr lang="pt-BR" sz="2500" dirty="0"/>
+              <a:t> Broker, mas não apenas isso, ele é todo um ecossistema de streaming de eventos </a:t>
+            </a:r>
+            <a:r>
+              <a:rPr lang="pt-BR" sz="2500"/>
+              <a:t>de maneira distribuída</a:t>
+            </a:r>
+            <a:r>
+              <a:rPr lang="pt-BR" sz="2500" dirty="0"/>
+              <a:t>.</a:t>
+            </a:r>
+          </a:p>
+          <a:p>
+            <a:pPr marL="457200" indent="-457200" algn="just">
+              <a:buFont typeface="Arial" panose="020B0604020202020204" pitchFamily="34" charset="0"/>
+              <a:buChar char="•"/>
+            </a:pPr>
+            <a:r>
+              <a:rPr lang="pt-BR" sz="2500" dirty="0"/>
+              <a:t>Trabalha em cima dos conceitos de tópicos, pub/sub (</a:t>
+            </a:r>
+            <a:r>
+              <a:rPr lang="pt-BR" sz="2500" dirty="0" err="1"/>
+              <a:t>publisher</a:t>
+            </a:r>
+            <a:r>
+              <a:rPr lang="pt-BR" sz="2500" dirty="0"/>
+              <a:t> e </a:t>
+            </a:r>
+            <a:r>
+              <a:rPr lang="pt-BR" sz="2500" dirty="0" err="1"/>
+              <a:t>subscriber</a:t>
+            </a:r>
+            <a:r>
+              <a:rPr lang="pt-BR" sz="2500" dirty="0"/>
+              <a:t>), particionamento, grupos de consumo, entre outras características.</a:t>
+            </a:r>
+          </a:p>
+          <a:p>
+            <a:pPr marL="457200" indent="-457200" algn="just">
+              <a:buFont typeface="Arial" panose="020B0604020202020204" pitchFamily="34" charset="0"/>
+              <a:buChar char="•"/>
+            </a:pPr>
+            <a:r>
+              <a:rPr lang="pt-BR" sz="2500" dirty="0"/>
+              <a:t>Pode ser implementado por várias linguagens e frameworks.</a:t>
+            </a:r>
+          </a:p>
+          <a:p>
+            <a:pPr marL="457200" indent="-457200" algn="just">
+              <a:buFont typeface="Arial" panose="020B0604020202020204" pitchFamily="34" charset="0"/>
+              <a:buChar char="•"/>
+            </a:pPr>
+            <a:r>
+              <a:rPr lang="pt-BR" sz="2500" dirty="0"/>
+              <a:t>É bastante robusto, resiliente e escalável.</a:t>
+            </a:r>
+            <a:endParaRPr lang="en-US" sz="2500" dirty="0"/>
+          </a:p>
+        </p:txBody>
+      </p:sp>
+    </p:spTree>
+    <p:extLst>
+      <p:ext uri="{BB962C8B-B14F-4D97-AF65-F5344CB8AC3E}">
+        <p14:creationId xmlns:p14="http://schemas.microsoft.com/office/powerpoint/2010/main" val="3754478245"/>
+      </p:ext>
+    </p:extLst>
+  </p:cSld>
+  <p:clrMapOvr>
+    <a:masterClrMapping/>
+  </p:clrMapOvr>
+</p:sld>
+</file>
+
+<file path=ppt/slides/slide44.xml><?xml version="1.0" encoding="utf-8"?>
+<p:sld xmlns:a="http://schemas.openxmlformats.org/drawingml/2006/main" xmlns:r="http://schemas.openxmlformats.org/officeDocument/2006/relationships" xmlns:p="http://schemas.openxmlformats.org/presentationml/2006/main">
+  <p:cSld>
+    <p:spTree>
+      <p:nvGrpSpPr>
+        <p:cNvPr id="1" name=""/>
+        <p:cNvGrpSpPr/>
+        <p:nvPr/>
+      </p:nvGrpSpPr>
+      <p:grpSpPr>
+        <a:xfrm>
+          <a:off x="0" y="0"/>
+          <a:ext cx="0" cy="0"/>
+          <a:chOff x="0" y="0"/>
+          <a:chExt cx="0" cy="0"/>
+        </a:xfrm>
+      </p:grpSpPr>
+      <p:pic>
+        <p:nvPicPr>
+          <p:cNvPr id="5" name="Imagem 4" descr="Forma&#10;&#10;Descrição gerada automaticamente com confiança baixa">
+            <a:extLst>
+              <a:ext uri="{FF2B5EF4-FFF2-40B4-BE49-F238E27FC236}">
+                <a16:creationId xmlns:a16="http://schemas.microsoft.com/office/drawing/2014/main" id="{AD5104B9-4B7D-2BF2-92FB-A7382DCED976}"/>
+              </a:ext>
+            </a:extLst>
+          </p:cNvPr>
+          <p:cNvPicPr>
+            <a:picLocks noChangeAspect="1"/>
+          </p:cNvPicPr>
+          <p:nvPr/>
+        </p:nvPicPr>
+        <p:blipFill>
+          <a:blip r:embed="rId2">
+            <a:extLst>
+              <a:ext uri="{28A0092B-C50C-407E-A947-70E740481C1C}">
+                <a14:useLocalDpi xmlns:a14="http://schemas.microsoft.com/office/drawing/2010/main" val="0"/>
+              </a:ext>
+            </a:extLst>
+          </a:blip>
+          <a:stretch>
+            <a:fillRect/>
+          </a:stretch>
+        </p:blipFill>
+        <p:spPr>
+          <a:xfrm>
+            <a:off x="10790903" y="5456903"/>
+            <a:ext cx="1401097" cy="1401097"/>
+          </a:xfrm>
+          <a:prstGeom prst="rect">
+            <a:avLst/>
+          </a:prstGeom>
+        </p:spPr>
+      </p:pic>
+      <p:pic>
+        <p:nvPicPr>
+          <p:cNvPr id="10" name="Imagem 9" descr="Forma&#10;&#10;Descrição gerada automaticamente">
+            <a:extLst>
+              <a:ext uri="{FF2B5EF4-FFF2-40B4-BE49-F238E27FC236}">
+                <a16:creationId xmlns:a16="http://schemas.microsoft.com/office/drawing/2014/main" id="{4CB6E2EF-BF38-68F4-078E-F390DB01D0C1}"/>
+              </a:ext>
+            </a:extLst>
+          </p:cNvPr>
+          <p:cNvPicPr>
+            <a:picLocks noChangeAspect="1"/>
+          </p:cNvPicPr>
+          <p:nvPr/>
+        </p:nvPicPr>
+        <p:blipFill>
+          <a:blip r:embed="rId3">
+            <a:extLst>
+              <a:ext uri="{BEBA8EAE-BF5A-486C-A8C5-ECC9F3942E4B}">
+                <a14:imgProps xmlns:a14="http://schemas.microsoft.com/office/drawing/2010/main">
+                  <a14:imgLayer r:embed="rId4">
+                    <a14:imgEffect>
+                      <a14:colorTemperature colorTemp="11500"/>
+                    </a14:imgEffect>
+                    <a14:imgEffect>
+                      <a14:saturation sat="400000"/>
+                    </a14:imgEffect>
+                    <a14:imgEffect>
+                      <a14:brightnessContrast bright="-1000" contrast="-38000"/>
+                    </a14:imgEffect>
+                  </a14:imgLayer>
+                </a14:imgProps>
+              </a:ext>
+            </a:extLst>
+          </a:blip>
+          <a:stretch>
+            <a:fillRect/>
+          </a:stretch>
+        </p:blipFill>
+        <p:spPr>
+          <a:xfrm>
+            <a:off x="24580" y="22840"/>
+            <a:ext cx="2160397" cy="1682409"/>
+          </a:xfrm>
+          <a:prstGeom prst="rect">
+            <a:avLst/>
+          </a:prstGeom>
+          <a:noFill/>
+          <a:ln>
+            <a:noFill/>
+          </a:ln>
+        </p:spPr>
+      </p:pic>
+      <p:sp>
+        <p:nvSpPr>
+          <p:cNvPr id="2" name="Espaço Reservado para Conteúdo 2">
+            <a:extLst>
+              <a:ext uri="{FF2B5EF4-FFF2-40B4-BE49-F238E27FC236}">
+                <a16:creationId xmlns:a16="http://schemas.microsoft.com/office/drawing/2014/main" id="{0ACB8B5B-ACFE-09C3-D220-7EE7D5388963}"/>
+              </a:ext>
+            </a:extLst>
+          </p:cNvPr>
+          <p:cNvSpPr>
+            <a:spLocks noGrp="1"/>
+          </p:cNvSpPr>
+          <p:nvPr>
+            <p:ph idx="1"/>
+          </p:nvPr>
+        </p:nvSpPr>
+        <p:spPr>
+          <a:xfrm>
+            <a:off x="275957" y="2047144"/>
+            <a:ext cx="10514946" cy="4536870"/>
+          </a:xfrm>
+        </p:spPr>
+        <p:txBody>
+          <a:bodyPr>
+            <a:noAutofit/>
+          </a:bodyPr>
+          <a:lstStyle/>
+          <a:p>
+            <a:pPr marL="0" indent="0" algn="just">
+              <a:buNone/>
+            </a:pPr>
+            <a:r>
+              <a:rPr lang="pt-BR" sz="2500" dirty="0"/>
+              <a:t>No Apache Kafka, trabalharemos com alguns conceitos, tais como:</a:t>
+            </a:r>
+          </a:p>
+          <a:p>
+            <a:pPr algn="just"/>
+            <a:r>
+              <a:rPr lang="pt-BR" sz="2500" b="1" dirty="0"/>
+              <a:t>Tópico: </a:t>
+            </a:r>
+            <a:r>
+              <a:rPr lang="pt-BR" sz="2500" dirty="0"/>
+              <a:t>é um canal de comunicação de eventos, definidos por um nome, onde produtores publicam eventos e consumidores as consomem.</a:t>
+            </a:r>
+          </a:p>
+          <a:p>
+            <a:pPr algn="just"/>
+            <a:r>
+              <a:rPr lang="pt-BR" sz="2500" b="1" dirty="0"/>
+              <a:t>Producer: </a:t>
+            </a:r>
+            <a:r>
+              <a:rPr lang="pt-BR" sz="2500" dirty="0"/>
+              <a:t>é o componente responsável por publicar (produzir) mensagens em um ou mais tópicos.</a:t>
+            </a:r>
+            <a:endParaRPr lang="pt-BR" sz="2500" b="1" dirty="0"/>
+          </a:p>
+          <a:p>
+            <a:pPr algn="just"/>
+            <a:r>
+              <a:rPr lang="pt-BR" sz="2500" b="1" dirty="0" err="1"/>
+              <a:t>Consumer</a:t>
+            </a:r>
+            <a:r>
+              <a:rPr lang="pt-BR" sz="2500" b="1" dirty="0"/>
+              <a:t>: </a:t>
+            </a:r>
+            <a:r>
+              <a:rPr lang="pt-BR" sz="2500" dirty="0"/>
+              <a:t>componente responsável por consumir mensagens de um ou mais tópicos, e processá-las de acordo com a lógica de negócio do sistema.</a:t>
+            </a:r>
+          </a:p>
+          <a:p>
+            <a:pPr algn="just"/>
+            <a:r>
+              <a:rPr lang="pt-BR" sz="2500" b="1" dirty="0" err="1"/>
+              <a:t>Consumer</a:t>
+            </a:r>
+            <a:r>
+              <a:rPr lang="pt-BR" sz="2500" b="1" dirty="0"/>
+              <a:t> </a:t>
+            </a:r>
+            <a:r>
+              <a:rPr lang="pt-BR" sz="2500" b="1" dirty="0" err="1"/>
+              <a:t>group</a:t>
+            </a:r>
+            <a:r>
+              <a:rPr lang="pt-BR" sz="2500" b="1" dirty="0"/>
+              <a:t>: </a:t>
+            </a:r>
+            <a:r>
+              <a:rPr lang="pt-BR" sz="2500" dirty="0"/>
+              <a:t>é o conjunto de consumidores que trabalham juntos para consumir mensagens de um ou mais tópicos de forma coordenada, permitindo uma maior escalabilidade e tolerância a falhas na leitura de eventos do Kafka.</a:t>
+            </a:r>
+          </a:p>
+        </p:txBody>
+      </p:sp>
+      <p:sp>
+        <p:nvSpPr>
+          <p:cNvPr id="4" name="Título 1">
+            <a:extLst>
+              <a:ext uri="{FF2B5EF4-FFF2-40B4-BE49-F238E27FC236}">
+                <a16:creationId xmlns:a16="http://schemas.microsoft.com/office/drawing/2014/main" id="{9FA0E5A8-B991-AFD4-A657-77A275400DED}"/>
+              </a:ext>
+            </a:extLst>
+          </p:cNvPr>
+          <p:cNvSpPr txBox="1">
+            <a:spLocks/>
+          </p:cNvSpPr>
+          <p:nvPr/>
+        </p:nvSpPr>
+        <p:spPr>
+          <a:xfrm>
+            <a:off x="2295832" y="273986"/>
+            <a:ext cx="8942439" cy="1599777"/>
+          </a:xfrm>
+          <a:prstGeom prst="rect">
+            <a:avLst/>
+          </a:prstGeom>
+        </p:spPr>
+        <p:txBody>
+          <a:bodyPr vert="horz" lIns="91440" tIns="45720" rIns="91440" bIns="45720" rtlCol="0" anchor="ctr">
+            <a:normAutofit/>
+          </a:bodyPr>
+          <a:lstStyle>
+            <a:lvl1pPr algn="l" defTabSz="914400" rtl="0" eaLnBrk="1" latinLnBrk="0" hangingPunct="1">
+              <a:lnSpc>
+                <a:spcPct val="90000"/>
+              </a:lnSpc>
+              <a:spcBef>
+                <a:spcPct val="0"/>
+              </a:spcBef>
+              <a:buNone/>
+              <a:defRPr sz="4400" kern="1200">
+                <a:solidFill>
+                  <a:schemeClr val="tx1"/>
+                </a:solidFill>
+                <a:latin typeface="+mj-lt"/>
+                <a:ea typeface="+mj-ea"/>
+                <a:cs typeface="+mj-cs"/>
+              </a:defRPr>
+            </a:lvl1pPr>
+          </a:lstStyle>
+          <a:p>
+            <a:r>
+              <a:rPr lang="pt-BR" sz="4400" dirty="0"/>
+              <a:t>Apache Kafka – Conceitos e aplicações</a:t>
+            </a:r>
+          </a:p>
+        </p:txBody>
+      </p:sp>
+    </p:spTree>
+    <p:extLst>
+      <p:ext uri="{BB962C8B-B14F-4D97-AF65-F5344CB8AC3E}">
+        <p14:creationId xmlns:p14="http://schemas.microsoft.com/office/powerpoint/2010/main" val="257315843"/>
+      </p:ext>
+    </p:extLst>
+  </p:cSld>
+  <p:clrMapOvr>
+    <a:masterClrMapping/>
+  </p:clrMapOvr>
+</p:sld>
+</file>
+
+<file path=ppt/slides/slide45.xml><?xml version="1.0" encoding="utf-8"?>
+<p:sld xmlns:a="http://schemas.openxmlformats.org/drawingml/2006/main" xmlns:r="http://schemas.openxmlformats.org/officeDocument/2006/relationships" xmlns:p="http://schemas.openxmlformats.org/presentationml/2006/main">
+  <p:cSld>
+    <p:spTree>
+      <p:nvGrpSpPr>
+        <p:cNvPr id="1" name=""/>
+        <p:cNvGrpSpPr/>
+        <p:nvPr/>
+      </p:nvGrpSpPr>
+      <p:grpSpPr>
+        <a:xfrm>
+          <a:off x="0" y="0"/>
+          <a:ext cx="0" cy="0"/>
+          <a:chOff x="0" y="0"/>
+          <a:chExt cx="0" cy="0"/>
+        </a:xfrm>
+      </p:grpSpPr>
+      <p:pic>
+        <p:nvPicPr>
+          <p:cNvPr id="6" name="Imagem 5" descr="Diagrama&#10;&#10;Descrição gerada automaticamente">
+            <a:extLst>
+              <a:ext uri="{FF2B5EF4-FFF2-40B4-BE49-F238E27FC236}">
+                <a16:creationId xmlns:a16="http://schemas.microsoft.com/office/drawing/2014/main" id="{CB14FD97-6C03-A05E-C884-C092E39E4580}"/>
+              </a:ext>
+            </a:extLst>
+          </p:cNvPr>
+          <p:cNvPicPr>
+            <a:picLocks noChangeAspect="1"/>
+          </p:cNvPicPr>
+          <p:nvPr/>
+        </p:nvPicPr>
+        <p:blipFill>
+          <a:blip r:embed="rId2">
+            <a:extLst>
+              <a:ext uri="{28A0092B-C50C-407E-A947-70E740481C1C}">
+                <a14:useLocalDpi xmlns:a14="http://schemas.microsoft.com/office/drawing/2010/main" val="0"/>
+              </a:ext>
+            </a:extLst>
+          </a:blip>
+          <a:stretch>
+            <a:fillRect/>
+          </a:stretch>
+        </p:blipFill>
+        <p:spPr>
+          <a:xfrm>
+            <a:off x="7390182" y="1873761"/>
+            <a:ext cx="4801818" cy="2924381"/>
+          </a:xfrm>
+          <a:prstGeom prst="rect">
+            <a:avLst/>
+          </a:prstGeom>
+        </p:spPr>
+      </p:pic>
+      <p:pic>
+        <p:nvPicPr>
+          <p:cNvPr id="5" name="Imagem 4" descr="Forma&#10;&#10;Descrição gerada automaticamente com confiança baixa">
+            <a:extLst>
+              <a:ext uri="{FF2B5EF4-FFF2-40B4-BE49-F238E27FC236}">
+                <a16:creationId xmlns:a16="http://schemas.microsoft.com/office/drawing/2014/main" id="{AD5104B9-4B7D-2BF2-92FB-A7382DCED976}"/>
+              </a:ext>
+            </a:extLst>
+          </p:cNvPr>
+          <p:cNvPicPr>
+            <a:picLocks noChangeAspect="1"/>
+          </p:cNvPicPr>
+          <p:nvPr/>
+        </p:nvPicPr>
+        <p:blipFill>
+          <a:blip r:embed="rId3">
+            <a:extLst>
+              <a:ext uri="{28A0092B-C50C-407E-A947-70E740481C1C}">
+                <a14:useLocalDpi xmlns:a14="http://schemas.microsoft.com/office/drawing/2010/main" val="0"/>
+              </a:ext>
+            </a:extLst>
+          </a:blip>
+          <a:stretch>
+            <a:fillRect/>
+          </a:stretch>
+        </p:blipFill>
+        <p:spPr>
+          <a:xfrm>
+            <a:off x="10790903" y="5456903"/>
+            <a:ext cx="1401097" cy="1401097"/>
+          </a:xfrm>
+          <a:prstGeom prst="rect">
+            <a:avLst/>
+          </a:prstGeom>
+        </p:spPr>
+      </p:pic>
+      <p:pic>
+        <p:nvPicPr>
+          <p:cNvPr id="10" name="Imagem 9" descr="Forma&#10;&#10;Descrição gerada automaticamente">
+            <a:extLst>
+              <a:ext uri="{FF2B5EF4-FFF2-40B4-BE49-F238E27FC236}">
+                <a16:creationId xmlns:a16="http://schemas.microsoft.com/office/drawing/2014/main" id="{4CB6E2EF-BF38-68F4-078E-F390DB01D0C1}"/>
+              </a:ext>
+            </a:extLst>
+          </p:cNvPr>
+          <p:cNvPicPr>
+            <a:picLocks noChangeAspect="1"/>
+          </p:cNvPicPr>
+          <p:nvPr/>
+        </p:nvPicPr>
+        <p:blipFill>
+          <a:blip r:embed="rId4">
+            <a:extLst>
+              <a:ext uri="{BEBA8EAE-BF5A-486C-A8C5-ECC9F3942E4B}">
+                <a14:imgProps xmlns:a14="http://schemas.microsoft.com/office/drawing/2010/main">
+                  <a14:imgLayer r:embed="rId5">
+                    <a14:imgEffect>
+                      <a14:colorTemperature colorTemp="11500"/>
+                    </a14:imgEffect>
+                    <a14:imgEffect>
+                      <a14:saturation sat="400000"/>
+                    </a14:imgEffect>
+                    <a14:imgEffect>
+                      <a14:brightnessContrast bright="-1000" contrast="-38000"/>
+                    </a14:imgEffect>
+                  </a14:imgLayer>
+                </a14:imgProps>
+              </a:ext>
+            </a:extLst>
+          </a:blip>
+          <a:stretch>
+            <a:fillRect/>
+          </a:stretch>
+        </p:blipFill>
+        <p:spPr>
+          <a:xfrm>
+            <a:off x="24580" y="22840"/>
+            <a:ext cx="2160397" cy="1682409"/>
+          </a:xfrm>
+          <a:prstGeom prst="rect">
+            <a:avLst/>
+          </a:prstGeom>
+          <a:noFill/>
+          <a:ln>
+            <a:noFill/>
+          </a:ln>
+        </p:spPr>
+      </p:pic>
+      <p:sp>
+        <p:nvSpPr>
+          <p:cNvPr id="2" name="Espaço Reservado para Conteúdo 2">
+            <a:extLst>
+              <a:ext uri="{FF2B5EF4-FFF2-40B4-BE49-F238E27FC236}">
+                <a16:creationId xmlns:a16="http://schemas.microsoft.com/office/drawing/2014/main" id="{0ACB8B5B-ACFE-09C3-D220-7EE7D5388963}"/>
+              </a:ext>
+            </a:extLst>
+          </p:cNvPr>
+          <p:cNvSpPr>
+            <a:spLocks noGrp="1"/>
+          </p:cNvSpPr>
+          <p:nvPr>
+            <p:ph idx="1"/>
+          </p:nvPr>
+        </p:nvSpPr>
+        <p:spPr>
+          <a:xfrm>
+            <a:off x="275958" y="1873762"/>
+            <a:ext cx="7114224" cy="4851503"/>
+          </a:xfrm>
+        </p:spPr>
+        <p:txBody>
+          <a:bodyPr>
+            <a:noAutofit/>
+          </a:bodyPr>
+          <a:lstStyle/>
+          <a:p>
+            <a:pPr algn="just"/>
+            <a:r>
+              <a:rPr lang="pt-BR" sz="2300" b="1" dirty="0"/>
+              <a:t>Offset:</a:t>
+            </a:r>
+            <a:r>
+              <a:rPr lang="pt-BR" sz="2300" dirty="0"/>
+              <a:t> identificador único associado a cada mensagem em um tópico, indicando a posição relativa da mensagem dentro do tópico. Os offsets são usados pelos consumidores para rastrear o progresso da leitura de mensagens e retomar a partir de uma posição específica em caso de falhas ou reinicializações. Os </a:t>
+            </a:r>
+            <a:r>
+              <a:rPr lang="pt-BR" sz="2300" b="1" dirty="0"/>
+              <a:t>offsets </a:t>
+            </a:r>
+            <a:r>
+              <a:rPr lang="pt-BR" sz="2300" dirty="0"/>
+              <a:t>podem ter um reset do tipo </a:t>
+            </a:r>
+            <a:r>
+              <a:rPr lang="pt-BR" sz="2300" b="1" dirty="0" err="1"/>
+              <a:t>earliest</a:t>
+            </a:r>
+            <a:r>
+              <a:rPr lang="pt-BR" sz="2300" dirty="0"/>
+              <a:t> ou </a:t>
+            </a:r>
+            <a:r>
+              <a:rPr lang="pt-BR" sz="2300" b="1" dirty="0" err="1"/>
+              <a:t>latest</a:t>
+            </a:r>
+            <a:r>
+              <a:rPr lang="pt-BR" sz="2300" dirty="0"/>
+              <a:t>.</a:t>
+            </a:r>
+          </a:p>
+          <a:p>
+            <a:pPr algn="just"/>
+            <a:r>
+              <a:rPr lang="pt-BR" sz="2300" b="1" dirty="0" err="1"/>
+              <a:t>Earliest</a:t>
+            </a:r>
+            <a:r>
+              <a:rPr lang="pt-BR" sz="2300" b="1" dirty="0"/>
+              <a:t>:</a:t>
+            </a:r>
+            <a:r>
+              <a:rPr lang="pt-BR" sz="2300" dirty="0"/>
+              <a:t> caso um novo consumidor seja criado ou seja feito um reset, ele reprocessará todos os eventos do tópico desde o início do offset.</a:t>
+            </a:r>
+          </a:p>
+          <a:p>
+            <a:pPr algn="just"/>
+            <a:r>
+              <a:rPr lang="pt-BR" sz="2300" b="1" dirty="0" err="1"/>
+              <a:t>Latest</a:t>
+            </a:r>
+            <a:r>
+              <a:rPr lang="pt-BR" sz="2300" b="1" dirty="0"/>
+              <a:t>:</a:t>
+            </a:r>
+            <a:r>
+              <a:rPr lang="pt-BR" sz="2300" dirty="0"/>
+              <a:t> caso um novo consumidor seja criado ou seja feito um reset, ele reprocessará apenas o último evento no offset do tópico.</a:t>
+            </a:r>
+          </a:p>
+          <a:p>
+            <a:pPr algn="just"/>
+            <a:endParaRPr lang="pt-BR" sz="2300" dirty="0"/>
+          </a:p>
+        </p:txBody>
+      </p:sp>
+      <p:sp>
+        <p:nvSpPr>
+          <p:cNvPr id="7" name="Título 1">
+            <a:extLst>
+              <a:ext uri="{FF2B5EF4-FFF2-40B4-BE49-F238E27FC236}">
+                <a16:creationId xmlns:a16="http://schemas.microsoft.com/office/drawing/2014/main" id="{8BB5E4A3-1FBC-939D-71A4-9B4F787070EE}"/>
+              </a:ext>
+            </a:extLst>
+          </p:cNvPr>
+          <p:cNvSpPr txBox="1">
+            <a:spLocks/>
+          </p:cNvSpPr>
+          <p:nvPr/>
+        </p:nvSpPr>
+        <p:spPr>
+          <a:xfrm>
+            <a:off x="2295832" y="273986"/>
+            <a:ext cx="8942439" cy="1599777"/>
+          </a:xfrm>
+          <a:prstGeom prst="rect">
+            <a:avLst/>
+          </a:prstGeom>
+        </p:spPr>
+        <p:txBody>
+          <a:bodyPr vert="horz" lIns="91440" tIns="45720" rIns="91440" bIns="45720" rtlCol="0" anchor="ctr">
+            <a:normAutofit/>
+          </a:bodyPr>
+          <a:lstStyle>
+            <a:lvl1pPr algn="l" defTabSz="914400" rtl="0" eaLnBrk="1" latinLnBrk="0" hangingPunct="1">
+              <a:lnSpc>
+                <a:spcPct val="90000"/>
+              </a:lnSpc>
+              <a:spcBef>
+                <a:spcPct val="0"/>
+              </a:spcBef>
+              <a:buNone/>
+              <a:defRPr sz="4400" kern="1200">
+                <a:solidFill>
+                  <a:schemeClr val="tx1"/>
+                </a:solidFill>
+                <a:latin typeface="+mj-lt"/>
+                <a:ea typeface="+mj-ea"/>
+                <a:cs typeface="+mj-cs"/>
+              </a:defRPr>
+            </a:lvl1pPr>
+          </a:lstStyle>
+          <a:p>
+            <a:r>
+              <a:rPr lang="pt-BR" sz="4400" dirty="0"/>
+              <a:t>Apache Kafka – Conceitos e aplicações</a:t>
+            </a:r>
+          </a:p>
+        </p:txBody>
+      </p:sp>
+    </p:spTree>
+    <p:extLst>
+      <p:ext uri="{BB962C8B-B14F-4D97-AF65-F5344CB8AC3E}">
+        <p14:creationId xmlns:p14="http://schemas.microsoft.com/office/powerpoint/2010/main" val="3471207068"/>
+      </p:ext>
+    </p:extLst>
+  </p:cSld>
+  <p:clrMapOvr>
+    <a:masterClrMapping/>
+  </p:clrMapOvr>
+</p:sld>
+</file>
+
+<file path=ppt/slides/slide46.xml><?xml version="1.0" encoding="utf-8"?>
+<p:sld xmlns:a="http://schemas.openxmlformats.org/drawingml/2006/main" xmlns:r="http://schemas.openxmlformats.org/officeDocument/2006/relationships" xmlns:p="http://schemas.openxmlformats.org/presentationml/2006/main">
+  <p:cSld>
+    <p:spTree>
+      <p:nvGrpSpPr>
+        <p:cNvPr id="1" name=""/>
+        <p:cNvGrpSpPr/>
+        <p:nvPr/>
+      </p:nvGrpSpPr>
+      <p:grpSpPr>
+        <a:xfrm>
+          <a:off x="0" y="0"/>
+          <a:ext cx="0" cy="0"/>
+          <a:chOff x="0" y="0"/>
+          <a:chExt cx="0" cy="0"/>
+        </a:xfrm>
+      </p:grpSpPr>
+      <p:pic>
+        <p:nvPicPr>
+          <p:cNvPr id="8" name="Imagem 7" descr="Diagrama&#10;&#10;Descrição gerada automaticamente">
+            <a:extLst>
+              <a:ext uri="{FF2B5EF4-FFF2-40B4-BE49-F238E27FC236}">
+                <a16:creationId xmlns:a16="http://schemas.microsoft.com/office/drawing/2014/main" id="{DC48910D-50C3-2547-0F00-F2E8FA981F35}"/>
+              </a:ext>
+            </a:extLst>
+          </p:cNvPr>
+          <p:cNvPicPr>
+            <a:picLocks noChangeAspect="1"/>
+          </p:cNvPicPr>
+          <p:nvPr/>
+        </p:nvPicPr>
+        <p:blipFill>
+          <a:blip r:embed="rId2">
+            <a:extLst>
+              <a:ext uri="{28A0092B-C50C-407E-A947-70E740481C1C}">
+                <a14:useLocalDpi xmlns:a14="http://schemas.microsoft.com/office/drawing/2010/main" val="0"/>
+              </a:ext>
+            </a:extLst>
+          </a:blip>
+          <a:stretch>
+            <a:fillRect/>
+          </a:stretch>
+        </p:blipFill>
+        <p:spPr>
+          <a:xfrm>
+            <a:off x="7285702" y="2128454"/>
+            <a:ext cx="4906297" cy="2123621"/>
+          </a:xfrm>
+          <a:prstGeom prst="rect">
+            <a:avLst/>
+          </a:prstGeom>
+        </p:spPr>
+      </p:pic>
+      <p:pic>
+        <p:nvPicPr>
+          <p:cNvPr id="5" name="Imagem 4" descr="Forma&#10;&#10;Descrição gerada automaticamente com confiança baixa">
+            <a:extLst>
+              <a:ext uri="{FF2B5EF4-FFF2-40B4-BE49-F238E27FC236}">
+                <a16:creationId xmlns:a16="http://schemas.microsoft.com/office/drawing/2014/main" id="{AD5104B9-4B7D-2BF2-92FB-A7382DCED976}"/>
+              </a:ext>
+            </a:extLst>
+          </p:cNvPr>
+          <p:cNvPicPr>
+            <a:picLocks noChangeAspect="1"/>
+          </p:cNvPicPr>
+          <p:nvPr/>
+        </p:nvPicPr>
+        <p:blipFill>
+          <a:blip r:embed="rId3">
+            <a:extLst>
+              <a:ext uri="{28A0092B-C50C-407E-A947-70E740481C1C}">
+                <a14:useLocalDpi xmlns:a14="http://schemas.microsoft.com/office/drawing/2010/main" val="0"/>
+              </a:ext>
+            </a:extLst>
+          </a:blip>
+          <a:stretch>
+            <a:fillRect/>
+          </a:stretch>
+        </p:blipFill>
+        <p:spPr>
+          <a:xfrm>
+            <a:off x="10790903" y="5456903"/>
+            <a:ext cx="1401097" cy="1401097"/>
+          </a:xfrm>
+          <a:prstGeom prst="rect">
+            <a:avLst/>
+          </a:prstGeom>
+        </p:spPr>
+      </p:pic>
+      <p:pic>
+        <p:nvPicPr>
+          <p:cNvPr id="10" name="Imagem 9" descr="Forma&#10;&#10;Descrição gerada automaticamente">
+            <a:extLst>
+              <a:ext uri="{FF2B5EF4-FFF2-40B4-BE49-F238E27FC236}">
+                <a16:creationId xmlns:a16="http://schemas.microsoft.com/office/drawing/2014/main" id="{4CB6E2EF-BF38-68F4-078E-F390DB01D0C1}"/>
+              </a:ext>
+            </a:extLst>
+          </p:cNvPr>
+          <p:cNvPicPr>
+            <a:picLocks noChangeAspect="1"/>
+          </p:cNvPicPr>
+          <p:nvPr/>
+        </p:nvPicPr>
+        <p:blipFill>
+          <a:blip r:embed="rId4">
+            <a:extLst>
+              <a:ext uri="{BEBA8EAE-BF5A-486C-A8C5-ECC9F3942E4B}">
+                <a14:imgProps xmlns:a14="http://schemas.microsoft.com/office/drawing/2010/main">
+                  <a14:imgLayer r:embed="rId5">
+                    <a14:imgEffect>
+                      <a14:colorTemperature colorTemp="11500"/>
+                    </a14:imgEffect>
+                    <a14:imgEffect>
+                      <a14:saturation sat="400000"/>
+                    </a14:imgEffect>
+                    <a14:imgEffect>
+                      <a14:brightnessContrast bright="-1000" contrast="-38000"/>
+                    </a14:imgEffect>
+                  </a14:imgLayer>
+                </a14:imgProps>
+              </a:ext>
+            </a:extLst>
+          </a:blip>
+          <a:stretch>
+            <a:fillRect/>
+          </a:stretch>
+        </p:blipFill>
+        <p:spPr>
+          <a:xfrm>
+            <a:off x="24580" y="22840"/>
+            <a:ext cx="2160397" cy="1682409"/>
+          </a:xfrm>
+          <a:prstGeom prst="rect">
+            <a:avLst/>
+          </a:prstGeom>
+          <a:noFill/>
+          <a:ln>
+            <a:noFill/>
+          </a:ln>
+        </p:spPr>
+      </p:pic>
+      <p:sp>
+        <p:nvSpPr>
+          <p:cNvPr id="2" name="Espaço Reservado para Conteúdo 2">
+            <a:extLst>
+              <a:ext uri="{FF2B5EF4-FFF2-40B4-BE49-F238E27FC236}">
+                <a16:creationId xmlns:a16="http://schemas.microsoft.com/office/drawing/2014/main" id="{0ACB8B5B-ACFE-09C3-D220-7EE7D5388963}"/>
+              </a:ext>
+            </a:extLst>
+          </p:cNvPr>
+          <p:cNvSpPr>
+            <a:spLocks noGrp="1"/>
+          </p:cNvSpPr>
+          <p:nvPr>
+            <p:ph idx="1"/>
+          </p:nvPr>
+        </p:nvSpPr>
+        <p:spPr>
+          <a:xfrm>
+            <a:off x="275957" y="1873762"/>
+            <a:ext cx="7078572" cy="4961397"/>
+          </a:xfrm>
+        </p:spPr>
+        <p:txBody>
+          <a:bodyPr>
+            <a:noAutofit/>
+          </a:bodyPr>
+          <a:lstStyle/>
+          <a:p>
+            <a:pPr algn="just"/>
+            <a:r>
+              <a:rPr lang="pt-BR" sz="2300" b="1" dirty="0" err="1"/>
+              <a:t>Partitions</a:t>
+            </a:r>
+            <a:r>
+              <a:rPr lang="pt-BR" sz="2300" b="1" dirty="0"/>
+              <a:t>: </a:t>
+            </a:r>
+            <a:r>
+              <a:rPr lang="pt-BR" sz="2300" dirty="0"/>
+              <a:t>divisões lógicas de um tópico que permitem a distribuição e paralelização do processamento de eventos em diferentes nós de um cluster do Kafka. Cada partição é ordenada e tem um conjunto exclusivo de offsets, e várias partições podem ser usadas para aumentar a capacidade de leitura/gravação em um tópico, permitindo um alto nível de escalabilidade e desempenho no Kafka.</a:t>
+            </a:r>
+          </a:p>
+          <a:p>
+            <a:pPr algn="just"/>
+            <a:r>
+              <a:rPr lang="pt-BR" sz="2300" b="1" dirty="0"/>
+              <a:t>Réplicas: </a:t>
+            </a:r>
+            <a:r>
+              <a:rPr lang="pt-BR" sz="2300" dirty="0"/>
+              <a:t>são cópias de uma partição de um tópico que são armazenadas em diferentes nós (brokers) dentro de um cluster Kafka. As réplicas são usadas para garantir a redundância e a alta disponibilidade dos dados.</a:t>
+            </a:r>
+          </a:p>
+          <a:p>
+            <a:pPr algn="just"/>
+            <a:r>
+              <a:rPr lang="pt-BR" sz="2300" dirty="0"/>
+              <a:t>Ou seja, réplicas são a </a:t>
+            </a:r>
+            <a:r>
+              <a:rPr lang="pt-BR" sz="2300" b="1" dirty="0"/>
+              <a:t>nível de cluster</a:t>
+            </a:r>
+            <a:r>
+              <a:rPr lang="pt-BR" sz="2300" dirty="0"/>
+              <a:t>, e partições são a </a:t>
+            </a:r>
+            <a:r>
+              <a:rPr lang="pt-BR" sz="2300" b="1" dirty="0"/>
+              <a:t>nível de tópicos</a:t>
+            </a:r>
+            <a:r>
+              <a:rPr lang="pt-BR" sz="2300" dirty="0"/>
+              <a:t>.</a:t>
+            </a:r>
+          </a:p>
+        </p:txBody>
+      </p:sp>
+      <p:sp>
+        <p:nvSpPr>
+          <p:cNvPr id="9" name="Título 1">
+            <a:extLst>
+              <a:ext uri="{FF2B5EF4-FFF2-40B4-BE49-F238E27FC236}">
+                <a16:creationId xmlns:a16="http://schemas.microsoft.com/office/drawing/2014/main" id="{993B9B84-6F32-DF43-5408-EBD430384372}"/>
+              </a:ext>
+            </a:extLst>
+          </p:cNvPr>
+          <p:cNvSpPr txBox="1">
+            <a:spLocks/>
+          </p:cNvSpPr>
+          <p:nvPr/>
+        </p:nvSpPr>
+        <p:spPr>
+          <a:xfrm>
+            <a:off x="2295832" y="273986"/>
+            <a:ext cx="8942439" cy="1599777"/>
+          </a:xfrm>
+          <a:prstGeom prst="rect">
+            <a:avLst/>
+          </a:prstGeom>
+        </p:spPr>
+        <p:txBody>
+          <a:bodyPr vert="horz" lIns="91440" tIns="45720" rIns="91440" bIns="45720" rtlCol="0" anchor="ctr">
+            <a:normAutofit/>
+          </a:bodyPr>
+          <a:lstStyle>
+            <a:lvl1pPr algn="l" defTabSz="914400" rtl="0" eaLnBrk="1" latinLnBrk="0" hangingPunct="1">
+              <a:lnSpc>
+                <a:spcPct val="90000"/>
+              </a:lnSpc>
+              <a:spcBef>
+                <a:spcPct val="0"/>
+              </a:spcBef>
+              <a:buNone/>
+              <a:defRPr sz="4400" kern="1200">
+                <a:solidFill>
+                  <a:schemeClr val="tx1"/>
+                </a:solidFill>
+                <a:latin typeface="+mj-lt"/>
+                <a:ea typeface="+mj-ea"/>
+                <a:cs typeface="+mj-cs"/>
+              </a:defRPr>
+            </a:lvl1pPr>
+          </a:lstStyle>
+          <a:p>
+            <a:r>
+              <a:rPr lang="pt-BR" sz="4400" dirty="0"/>
+              <a:t>Apache Kafka – Conceitos e aplicações</a:t>
+            </a:r>
+          </a:p>
+        </p:txBody>
+      </p:sp>
+    </p:spTree>
+    <p:extLst>
+      <p:ext uri="{BB962C8B-B14F-4D97-AF65-F5344CB8AC3E}">
+        <p14:creationId xmlns:p14="http://schemas.microsoft.com/office/powerpoint/2010/main" val="3148131758"/>
+      </p:ext>
+    </p:extLst>
+  </p:cSld>
+  <p:clrMapOvr>
+    <a:masterClrMapping/>
+  </p:clrMapOvr>
+</p:sld>
+</file>
+
+<file path=ppt/slides/slide47.xml><?xml version="1.0" encoding="utf-8"?>
+<p:sld xmlns:a="http://schemas.openxmlformats.org/drawingml/2006/main" xmlns:r="http://schemas.openxmlformats.org/officeDocument/2006/relationships" xmlns:p="http://schemas.openxmlformats.org/presentationml/2006/main">
+  <p:cSld>
+    <p:spTree>
+      <p:nvGrpSpPr>
+        <p:cNvPr id="1" name=""/>
+        <p:cNvGrpSpPr/>
+        <p:nvPr/>
+      </p:nvGrpSpPr>
+      <p:grpSpPr>
+        <a:xfrm>
+          <a:off x="0" y="0"/>
+          <a:ext cx="0" cy="0"/>
+          <a:chOff x="0" y="0"/>
+          <a:chExt cx="0" cy="0"/>
+        </a:xfrm>
+      </p:grpSpPr>
+      <p:pic>
+        <p:nvPicPr>
+          <p:cNvPr id="10" name="Imagem 9" descr="Forma&#10;&#10;Descrição gerada automaticamente">
+            <a:extLst>
+              <a:ext uri="{FF2B5EF4-FFF2-40B4-BE49-F238E27FC236}">
+                <a16:creationId xmlns:a16="http://schemas.microsoft.com/office/drawing/2014/main" id="{4CB6E2EF-BF38-68F4-078E-F390DB01D0C1}"/>
+              </a:ext>
+            </a:extLst>
+          </p:cNvPr>
+          <p:cNvPicPr>
+            <a:picLocks noChangeAspect="1"/>
+          </p:cNvPicPr>
+          <p:nvPr/>
+        </p:nvPicPr>
+        <p:blipFill>
+          <a:blip r:embed="rId2">
+            <a:extLst>
+              <a:ext uri="{BEBA8EAE-BF5A-486C-A8C5-ECC9F3942E4B}">
+                <a14:imgProps xmlns:a14="http://schemas.microsoft.com/office/drawing/2010/main">
+                  <a14:imgLayer r:embed="rId3">
+                    <a14:imgEffect>
+                      <a14:colorTemperature colorTemp="11500"/>
+                    </a14:imgEffect>
+                    <a14:imgEffect>
+                      <a14:saturation sat="400000"/>
+                    </a14:imgEffect>
+                    <a14:imgEffect>
+                      <a14:brightnessContrast bright="-1000" contrast="-38000"/>
+                    </a14:imgEffect>
+                  </a14:imgLayer>
+                </a14:imgProps>
+              </a:ext>
+            </a:extLst>
+          </a:blip>
+          <a:stretch>
+            <a:fillRect/>
+          </a:stretch>
+        </p:blipFill>
+        <p:spPr>
+          <a:xfrm>
+            <a:off x="24580" y="22840"/>
+            <a:ext cx="2160397" cy="1682409"/>
+          </a:xfrm>
+          <a:prstGeom prst="rect">
+            <a:avLst/>
+          </a:prstGeom>
+          <a:noFill/>
+          <a:ln>
+            <a:noFill/>
+          </a:ln>
+        </p:spPr>
+      </p:pic>
+      <p:sp>
+        <p:nvSpPr>
+          <p:cNvPr id="2" name="Espaço Reservado para Conteúdo 2">
+            <a:extLst>
+              <a:ext uri="{FF2B5EF4-FFF2-40B4-BE49-F238E27FC236}">
+                <a16:creationId xmlns:a16="http://schemas.microsoft.com/office/drawing/2014/main" id="{0ACB8B5B-ACFE-09C3-D220-7EE7D5388963}"/>
+              </a:ext>
+            </a:extLst>
+          </p:cNvPr>
+          <p:cNvSpPr>
+            <a:spLocks noGrp="1"/>
+          </p:cNvSpPr>
+          <p:nvPr>
+            <p:ph idx="1"/>
+          </p:nvPr>
+        </p:nvSpPr>
+        <p:spPr>
+          <a:xfrm>
+            <a:off x="275957" y="1873762"/>
+            <a:ext cx="6244929" cy="4961397"/>
+          </a:xfrm>
+        </p:spPr>
+        <p:txBody>
+          <a:bodyPr>
+            <a:noAutofit/>
+          </a:bodyPr>
+          <a:lstStyle/>
+          <a:p>
+            <a:pPr algn="just"/>
+            <a:r>
+              <a:rPr lang="pt-BR" sz="2300" dirty="0"/>
+              <a:t>Quando trabalhamos com particionamento, estamos falando a nível de tópicos. Os particionamentos dividem os envios dos eventos aos grupos de consumo (</a:t>
+            </a:r>
+            <a:r>
+              <a:rPr lang="pt-BR" sz="2300" dirty="0" err="1"/>
+              <a:t>consumer</a:t>
+            </a:r>
+            <a:r>
+              <a:rPr lang="pt-BR" sz="2300" dirty="0"/>
+              <a:t> </a:t>
+            </a:r>
+            <a:r>
+              <a:rPr lang="pt-BR" sz="2300" dirty="0" err="1"/>
+              <a:t>groups</a:t>
+            </a:r>
+            <a:r>
+              <a:rPr lang="pt-BR" sz="2300" dirty="0"/>
+              <a:t>).</a:t>
+            </a:r>
+          </a:p>
+          <a:p>
+            <a:pPr algn="just"/>
+            <a:endParaRPr lang="pt-BR" sz="2300" dirty="0"/>
+          </a:p>
+          <a:p>
+            <a:pPr algn="just"/>
+            <a:r>
+              <a:rPr lang="pt-BR" sz="2300" dirty="0"/>
+              <a:t>Caso você tenha um tópico com 4 partições e 2 </a:t>
+            </a:r>
+            <a:r>
+              <a:rPr lang="pt-BR" sz="2300" dirty="0" err="1"/>
+              <a:t>consumers</a:t>
+            </a:r>
+            <a:r>
+              <a:rPr lang="pt-BR" sz="2300" dirty="0"/>
+              <a:t>, então 2 </a:t>
+            </a:r>
+            <a:r>
+              <a:rPr lang="pt-BR" sz="2300" dirty="0" err="1"/>
+              <a:t>consumers</a:t>
+            </a:r>
+            <a:r>
+              <a:rPr lang="pt-BR" sz="2300" dirty="0"/>
+              <a:t> receberão os eventos de 2 das 4 partições, e o outro </a:t>
+            </a:r>
+            <a:r>
+              <a:rPr lang="pt-BR" sz="2300" dirty="0" err="1"/>
+              <a:t>consumer</a:t>
+            </a:r>
+            <a:r>
+              <a:rPr lang="pt-BR" sz="2300" dirty="0"/>
+              <a:t> receberá das demais. </a:t>
+            </a:r>
+          </a:p>
+          <a:p>
+            <a:pPr algn="just"/>
+            <a:endParaRPr lang="pt-BR" sz="2300" dirty="0"/>
+          </a:p>
+          <a:p>
+            <a:pPr algn="just"/>
+            <a:r>
+              <a:rPr lang="pt-BR" sz="2300" dirty="0"/>
+              <a:t>Cada partição é consumida por apenas um consumidor em um grupo de consumo em um determinado momento.</a:t>
+            </a:r>
+          </a:p>
+        </p:txBody>
+      </p:sp>
+      <p:pic>
+        <p:nvPicPr>
+          <p:cNvPr id="6" name="Imagem 5" descr="Diagrama&#10;&#10;Descrição gerada automaticamente">
+            <a:extLst>
+              <a:ext uri="{FF2B5EF4-FFF2-40B4-BE49-F238E27FC236}">
+                <a16:creationId xmlns:a16="http://schemas.microsoft.com/office/drawing/2014/main" id="{13EBB83C-7708-E679-5CD9-172B2275456C}"/>
+              </a:ext>
+            </a:extLst>
+          </p:cNvPr>
+          <p:cNvPicPr>
+            <a:picLocks noChangeAspect="1"/>
+          </p:cNvPicPr>
+          <p:nvPr/>
+        </p:nvPicPr>
+        <p:blipFill>
+          <a:blip r:embed="rId4">
+            <a:extLst>
+              <a:ext uri="{28A0092B-C50C-407E-A947-70E740481C1C}">
+                <a14:useLocalDpi xmlns:a14="http://schemas.microsoft.com/office/drawing/2010/main" val="0"/>
+              </a:ext>
+            </a:extLst>
+          </a:blip>
+          <a:stretch>
+            <a:fillRect/>
+          </a:stretch>
+        </p:blipFill>
+        <p:spPr>
+          <a:xfrm>
+            <a:off x="6520886" y="1995949"/>
+            <a:ext cx="5671114" cy="4001729"/>
+          </a:xfrm>
+          <a:prstGeom prst="rect">
+            <a:avLst/>
+          </a:prstGeom>
+        </p:spPr>
+      </p:pic>
+      <p:sp>
+        <p:nvSpPr>
+          <p:cNvPr id="7" name="Título 1">
+            <a:extLst>
+              <a:ext uri="{FF2B5EF4-FFF2-40B4-BE49-F238E27FC236}">
+                <a16:creationId xmlns:a16="http://schemas.microsoft.com/office/drawing/2014/main" id="{E51EE9F9-0B98-D2E5-2B23-7F14E514A262}"/>
+              </a:ext>
+            </a:extLst>
+          </p:cNvPr>
+          <p:cNvSpPr txBox="1">
+            <a:spLocks/>
+          </p:cNvSpPr>
+          <p:nvPr/>
+        </p:nvSpPr>
+        <p:spPr>
+          <a:xfrm>
+            <a:off x="2295832" y="273986"/>
+            <a:ext cx="8942439" cy="1599777"/>
+          </a:xfrm>
+          <a:prstGeom prst="rect">
+            <a:avLst/>
+          </a:prstGeom>
+        </p:spPr>
+        <p:txBody>
+          <a:bodyPr vert="horz" lIns="91440" tIns="45720" rIns="91440" bIns="45720" rtlCol="0" anchor="ctr">
+            <a:normAutofit/>
+          </a:bodyPr>
+          <a:lstStyle>
+            <a:lvl1pPr algn="l" defTabSz="914400" rtl="0" eaLnBrk="1" latinLnBrk="0" hangingPunct="1">
+              <a:lnSpc>
+                <a:spcPct val="90000"/>
+              </a:lnSpc>
+              <a:spcBef>
+                <a:spcPct val="0"/>
+              </a:spcBef>
+              <a:buNone/>
+              <a:defRPr sz="4400" kern="1200">
+                <a:solidFill>
+                  <a:schemeClr val="tx1"/>
+                </a:solidFill>
+                <a:latin typeface="+mj-lt"/>
+                <a:ea typeface="+mj-ea"/>
+                <a:cs typeface="+mj-cs"/>
+              </a:defRPr>
+            </a:lvl1pPr>
+          </a:lstStyle>
+          <a:p>
+            <a:r>
+              <a:rPr lang="pt-BR" sz="4400" dirty="0"/>
+              <a:t>Apache Kafka – Conceitos e aplicações</a:t>
+            </a:r>
+          </a:p>
+        </p:txBody>
+      </p:sp>
+    </p:spTree>
+    <p:extLst>
+      <p:ext uri="{BB962C8B-B14F-4D97-AF65-F5344CB8AC3E}">
+        <p14:creationId xmlns:p14="http://schemas.microsoft.com/office/powerpoint/2010/main" val="3564359716"/>
+      </p:ext>
+    </p:extLst>
+  </p:cSld>
+  <p:clrMapOvr>
+    <a:masterClrMapping/>
+  </p:clrMapOvr>
+</p:sld>
+</file>
+
+<file path=ppt/slides/slide48.xml><?xml version="1.0" encoding="utf-8"?>
+<p:sld xmlns:a="http://schemas.openxmlformats.org/drawingml/2006/main" xmlns:r="http://schemas.openxmlformats.org/officeDocument/2006/relationships" xmlns:p="http://schemas.openxmlformats.org/presentationml/2006/main">
+  <p:cSld>
+    <p:spTree>
+      <p:nvGrpSpPr>
+        <p:cNvPr id="1" name=""/>
+        <p:cNvGrpSpPr/>
+        <p:nvPr/>
+      </p:nvGrpSpPr>
+      <p:grpSpPr>
+        <a:xfrm>
+          <a:off x="0" y="0"/>
+          <a:ext cx="0" cy="0"/>
+          <a:chOff x="0" y="0"/>
+          <a:chExt cx="0" cy="0"/>
+        </a:xfrm>
+      </p:grpSpPr>
+      <p:pic>
+        <p:nvPicPr>
+          <p:cNvPr id="10" name="Imagem 9" descr="Forma&#10;&#10;Descrição gerada automaticamente">
+            <a:extLst>
+              <a:ext uri="{FF2B5EF4-FFF2-40B4-BE49-F238E27FC236}">
+                <a16:creationId xmlns:a16="http://schemas.microsoft.com/office/drawing/2014/main" id="{4CB6E2EF-BF38-68F4-078E-F390DB01D0C1}"/>
+              </a:ext>
+            </a:extLst>
+          </p:cNvPr>
+          <p:cNvPicPr>
+            <a:picLocks noChangeAspect="1"/>
+          </p:cNvPicPr>
+          <p:nvPr/>
+        </p:nvPicPr>
+        <p:blipFill>
+          <a:blip r:embed="rId2">
+            <a:extLst>
+              <a:ext uri="{BEBA8EAE-BF5A-486C-A8C5-ECC9F3942E4B}">
+                <a14:imgProps xmlns:a14="http://schemas.microsoft.com/office/drawing/2010/main">
+                  <a14:imgLayer r:embed="rId3">
+                    <a14:imgEffect>
+                      <a14:colorTemperature colorTemp="11500"/>
+                    </a14:imgEffect>
+                    <a14:imgEffect>
+                      <a14:saturation sat="400000"/>
+                    </a14:imgEffect>
+                    <a14:imgEffect>
+                      <a14:brightnessContrast bright="-1000" contrast="-38000"/>
+                    </a14:imgEffect>
+                  </a14:imgLayer>
+                </a14:imgProps>
+              </a:ext>
+            </a:extLst>
+          </a:blip>
+          <a:stretch>
+            <a:fillRect/>
+          </a:stretch>
+        </p:blipFill>
+        <p:spPr>
+          <a:xfrm>
+            <a:off x="24580" y="22840"/>
+            <a:ext cx="2160397" cy="1682409"/>
+          </a:xfrm>
+          <a:prstGeom prst="rect">
+            <a:avLst/>
+          </a:prstGeom>
+          <a:noFill/>
+          <a:ln>
+            <a:noFill/>
+          </a:ln>
+        </p:spPr>
+      </p:pic>
+      <p:sp>
+        <p:nvSpPr>
+          <p:cNvPr id="2" name="Espaço Reservado para Conteúdo 2">
+            <a:extLst>
+              <a:ext uri="{FF2B5EF4-FFF2-40B4-BE49-F238E27FC236}">
+                <a16:creationId xmlns:a16="http://schemas.microsoft.com/office/drawing/2014/main" id="{0ACB8B5B-ACFE-09C3-D220-7EE7D5388963}"/>
+              </a:ext>
+            </a:extLst>
+          </p:cNvPr>
+          <p:cNvSpPr>
+            <a:spLocks noGrp="1"/>
+          </p:cNvSpPr>
+          <p:nvPr>
+            <p:ph idx="1"/>
+          </p:nvPr>
+        </p:nvSpPr>
+        <p:spPr>
+          <a:xfrm>
+            <a:off x="275957" y="1873762"/>
+            <a:ext cx="11512920" cy="4961397"/>
+          </a:xfrm>
+        </p:spPr>
+        <p:txBody>
+          <a:bodyPr>
+            <a:noAutofit/>
+          </a:bodyPr>
+          <a:lstStyle/>
+          <a:p>
+            <a:pPr algn="just"/>
+            <a:r>
+              <a:rPr lang="pt-BR" sz="2300" dirty="0"/>
+              <a:t>Outro conceito bastante importante para sabermos é relacionado à </a:t>
+            </a:r>
+            <a:r>
+              <a:rPr lang="pt-BR" sz="2300" b="1" dirty="0" err="1"/>
+              <a:t>Idempotência</a:t>
+            </a:r>
+            <a:r>
+              <a:rPr lang="pt-BR" sz="2300" b="1" dirty="0"/>
+              <a:t>.</a:t>
+            </a:r>
+          </a:p>
+          <a:p>
+            <a:pPr algn="just"/>
+            <a:endParaRPr lang="pt-BR" sz="2300" b="1" dirty="0"/>
+          </a:p>
+          <a:p>
+            <a:pPr algn="just"/>
+            <a:r>
+              <a:rPr lang="pt-BR" sz="2300" dirty="0"/>
+              <a:t>A </a:t>
+            </a:r>
+            <a:r>
+              <a:rPr lang="pt-BR" sz="2300" dirty="0" err="1"/>
+              <a:t>idempotência</a:t>
+            </a:r>
+            <a:r>
+              <a:rPr lang="pt-BR" sz="2300" dirty="0"/>
+              <a:t> é um conceito que se aplica a operações ou ações que podem ser </a:t>
+            </a:r>
+            <a:r>
+              <a:rPr lang="pt-BR" sz="2300" b="1" dirty="0"/>
+              <a:t>repetidas várias vezes</a:t>
+            </a:r>
+            <a:r>
+              <a:rPr lang="pt-BR" sz="2300" dirty="0"/>
+              <a:t> sem causar efeitos colaterais adicionais ou alterar o resultado final além da </a:t>
+            </a:r>
+            <a:r>
+              <a:rPr lang="pt-BR" sz="2300" b="1" dirty="0"/>
+              <a:t>primeira execução</a:t>
+            </a:r>
+            <a:r>
+              <a:rPr lang="pt-BR" sz="2300" dirty="0"/>
+              <a:t>.</a:t>
+            </a:r>
+          </a:p>
+          <a:p>
+            <a:pPr algn="just"/>
+            <a:endParaRPr lang="pt-BR" sz="2300" dirty="0"/>
+          </a:p>
+          <a:p>
+            <a:pPr algn="just"/>
+            <a:r>
+              <a:rPr lang="pt-BR" sz="2300" dirty="0"/>
+              <a:t>A </a:t>
+            </a:r>
+            <a:r>
+              <a:rPr lang="pt-BR" sz="2300" dirty="0" err="1"/>
+              <a:t>idempotência</a:t>
+            </a:r>
+            <a:r>
+              <a:rPr lang="pt-BR" sz="2300" dirty="0"/>
+              <a:t> no Kafka refere-se à capacidade de produzir mensagens de forma segura e garantir que a mesma mensagem seja </a:t>
+            </a:r>
+            <a:r>
+              <a:rPr lang="pt-BR" sz="2300" b="1" dirty="0"/>
+              <a:t>processada apenas uma vez</a:t>
+            </a:r>
+            <a:r>
+              <a:rPr lang="pt-BR" sz="2300" dirty="0"/>
+              <a:t>, mesmo que seja produzida várias vezes pelo produtor.</a:t>
+            </a:r>
+          </a:p>
+          <a:p>
+            <a:pPr algn="just"/>
+            <a:endParaRPr lang="pt-BR" sz="2300" dirty="0"/>
+          </a:p>
+          <a:p>
+            <a:pPr algn="just"/>
+            <a:r>
+              <a:rPr lang="pt-BR" sz="2300" dirty="0"/>
+              <a:t>Como o Kafka é uma ferramenta distribuída, é possível que um tópico consiga consumir um mesmo evento mais de uma vez, pense o seguinte cenário: </a:t>
+            </a:r>
+          </a:p>
+        </p:txBody>
+      </p:sp>
+      <p:sp>
+        <p:nvSpPr>
+          <p:cNvPr id="4" name="Título 1">
+            <a:extLst>
+              <a:ext uri="{FF2B5EF4-FFF2-40B4-BE49-F238E27FC236}">
+                <a16:creationId xmlns:a16="http://schemas.microsoft.com/office/drawing/2014/main" id="{7F10DEF0-C4B6-1375-1CBB-C3B3BB2C0375}"/>
+              </a:ext>
+            </a:extLst>
+          </p:cNvPr>
+          <p:cNvSpPr txBox="1">
+            <a:spLocks/>
+          </p:cNvSpPr>
+          <p:nvPr/>
+        </p:nvSpPr>
+        <p:spPr>
+          <a:xfrm>
+            <a:off x="2295832" y="273986"/>
+            <a:ext cx="8942439" cy="1599777"/>
+          </a:xfrm>
+          <a:prstGeom prst="rect">
+            <a:avLst/>
+          </a:prstGeom>
+        </p:spPr>
+        <p:txBody>
+          <a:bodyPr vert="horz" lIns="91440" tIns="45720" rIns="91440" bIns="45720" rtlCol="0" anchor="ctr">
+            <a:normAutofit/>
+          </a:bodyPr>
+          <a:lstStyle>
+            <a:lvl1pPr algn="l" defTabSz="914400" rtl="0" eaLnBrk="1" latinLnBrk="0" hangingPunct="1">
+              <a:lnSpc>
+                <a:spcPct val="90000"/>
+              </a:lnSpc>
+              <a:spcBef>
+                <a:spcPct val="0"/>
+              </a:spcBef>
+              <a:buNone/>
+              <a:defRPr sz="4400" kern="1200">
+                <a:solidFill>
+                  <a:schemeClr val="tx1"/>
+                </a:solidFill>
+                <a:latin typeface="+mj-lt"/>
+                <a:ea typeface="+mj-ea"/>
+                <a:cs typeface="+mj-cs"/>
+              </a:defRPr>
+            </a:lvl1pPr>
+          </a:lstStyle>
+          <a:p>
+            <a:r>
+              <a:rPr lang="pt-BR" sz="4400" dirty="0"/>
+              <a:t>Apache Kafka – Conceitos e aplicações</a:t>
+            </a:r>
+          </a:p>
+        </p:txBody>
+      </p:sp>
+    </p:spTree>
+    <p:extLst>
+      <p:ext uri="{BB962C8B-B14F-4D97-AF65-F5344CB8AC3E}">
+        <p14:creationId xmlns:p14="http://schemas.microsoft.com/office/powerpoint/2010/main" val="3370761101"/>
+      </p:ext>
+    </p:extLst>
+  </p:cSld>
+  <p:clrMapOvr>
+    <a:masterClrMapping/>
+  </p:clrMapOvr>
+</p:sld>
+</file>
+
+<file path=ppt/slides/slide49.xml><?xml version="1.0" encoding="utf-8"?>
+<p:sld xmlns:a="http://schemas.openxmlformats.org/drawingml/2006/main" xmlns:r="http://schemas.openxmlformats.org/officeDocument/2006/relationships" xmlns:p="http://schemas.openxmlformats.org/presentationml/2006/main">
+  <p:cSld>
+    <p:spTree>
+      <p:nvGrpSpPr>
+        <p:cNvPr id="1" name=""/>
+        <p:cNvGrpSpPr/>
+        <p:nvPr/>
+      </p:nvGrpSpPr>
+      <p:grpSpPr>
+        <a:xfrm>
+          <a:off x="0" y="0"/>
+          <a:ext cx="0" cy="0"/>
+          <a:chOff x="0" y="0"/>
+          <a:chExt cx="0" cy="0"/>
+        </a:xfrm>
+      </p:grpSpPr>
+      <p:pic>
+        <p:nvPicPr>
+          <p:cNvPr id="10" name="Imagem 9" descr="Forma&#10;&#10;Descrição gerada automaticamente">
+            <a:extLst>
+              <a:ext uri="{FF2B5EF4-FFF2-40B4-BE49-F238E27FC236}">
+                <a16:creationId xmlns:a16="http://schemas.microsoft.com/office/drawing/2014/main" id="{4CB6E2EF-BF38-68F4-078E-F390DB01D0C1}"/>
+              </a:ext>
+            </a:extLst>
+          </p:cNvPr>
+          <p:cNvPicPr>
+            <a:picLocks noChangeAspect="1"/>
+          </p:cNvPicPr>
+          <p:nvPr/>
+        </p:nvPicPr>
+        <p:blipFill>
+          <a:blip r:embed="rId2">
+            <a:extLst>
+              <a:ext uri="{BEBA8EAE-BF5A-486C-A8C5-ECC9F3942E4B}">
+                <a14:imgProps xmlns:a14="http://schemas.microsoft.com/office/drawing/2010/main">
+                  <a14:imgLayer r:embed="rId3">
+                    <a14:imgEffect>
+                      <a14:colorTemperature colorTemp="11500"/>
+                    </a14:imgEffect>
+                    <a14:imgEffect>
+                      <a14:saturation sat="400000"/>
+                    </a14:imgEffect>
+                    <a14:imgEffect>
+                      <a14:brightnessContrast bright="-1000" contrast="-38000"/>
+                    </a14:imgEffect>
+                  </a14:imgLayer>
+                </a14:imgProps>
+              </a:ext>
+            </a:extLst>
+          </a:blip>
+          <a:stretch>
+            <a:fillRect/>
+          </a:stretch>
+        </p:blipFill>
+        <p:spPr>
+          <a:xfrm>
+            <a:off x="24580" y="22840"/>
+            <a:ext cx="2160397" cy="1682409"/>
+          </a:xfrm>
+          <a:prstGeom prst="rect">
+            <a:avLst/>
+          </a:prstGeom>
+          <a:noFill/>
+          <a:ln>
+            <a:noFill/>
+          </a:ln>
+        </p:spPr>
+      </p:pic>
+      <p:sp>
+        <p:nvSpPr>
+          <p:cNvPr id="2" name="Espaço Reservado para Conteúdo 2">
+            <a:extLst>
+              <a:ext uri="{FF2B5EF4-FFF2-40B4-BE49-F238E27FC236}">
+                <a16:creationId xmlns:a16="http://schemas.microsoft.com/office/drawing/2014/main" id="{0ACB8B5B-ACFE-09C3-D220-7EE7D5388963}"/>
+              </a:ext>
+            </a:extLst>
+          </p:cNvPr>
+          <p:cNvSpPr>
+            <a:spLocks noGrp="1"/>
+          </p:cNvSpPr>
+          <p:nvPr>
+            <p:ph idx="1"/>
+          </p:nvPr>
+        </p:nvSpPr>
+        <p:spPr>
+          <a:xfrm>
+            <a:off x="275957" y="1873762"/>
+            <a:ext cx="11512920" cy="4961397"/>
+          </a:xfrm>
+        </p:spPr>
+        <p:txBody>
+          <a:bodyPr>
+            <a:noAutofit/>
+          </a:bodyPr>
+          <a:lstStyle/>
+          <a:p>
+            <a:pPr marL="457200" indent="-457200" algn="just">
+              <a:buFont typeface="+mj-lt"/>
+              <a:buAutoNum type="arabicPeriod"/>
+            </a:pPr>
+            <a:r>
+              <a:rPr lang="pt-BR" sz="2200" dirty="0"/>
+              <a:t>Temos um tópico com 4 partições, e 2 </a:t>
+            </a:r>
+            <a:r>
+              <a:rPr lang="pt-BR" sz="2200" dirty="0" err="1"/>
+              <a:t>consumers</a:t>
+            </a:r>
+            <a:r>
+              <a:rPr lang="pt-BR" sz="2200" dirty="0"/>
+              <a:t>, que irão consumir os eventos de cada uma das 2 partições.</a:t>
+            </a:r>
+          </a:p>
+          <a:p>
+            <a:pPr marL="457200" indent="-457200" algn="just">
+              <a:buFont typeface="+mj-lt"/>
+              <a:buAutoNum type="arabicPeriod"/>
+            </a:pPr>
+            <a:endParaRPr lang="pt-BR" sz="2200" dirty="0"/>
+          </a:p>
+          <a:p>
+            <a:pPr marL="457200" indent="-457200" algn="just">
+              <a:buFont typeface="+mj-lt"/>
+              <a:buAutoNum type="arabicPeriod"/>
+            </a:pPr>
+            <a:r>
+              <a:rPr lang="pt-BR" sz="2200" dirty="0"/>
+              <a:t>Neste caso, o nosso produtor quer garantir a entrega do evento, e ele sempre publicará no tópico o mesmo evento 4 vezes, para garantir que as 4 partições recebam o evento.</a:t>
+            </a:r>
+          </a:p>
+          <a:p>
+            <a:pPr marL="457200" indent="-457200" algn="just">
+              <a:buFont typeface="+mj-lt"/>
+              <a:buAutoNum type="arabicPeriod"/>
+            </a:pPr>
+            <a:endParaRPr lang="pt-BR" sz="2200" dirty="0"/>
+          </a:p>
+          <a:p>
+            <a:pPr marL="457200" indent="-457200" algn="just">
+              <a:buFont typeface="+mj-lt"/>
+              <a:buAutoNum type="arabicPeriod"/>
+            </a:pPr>
+            <a:r>
+              <a:rPr lang="pt-BR" sz="2200" dirty="0"/>
+              <a:t>Se o mesmo evento for publicado nas 4 partições e cada um dos 2 </a:t>
+            </a:r>
+            <a:r>
+              <a:rPr lang="pt-BR" sz="2200" dirty="0" err="1"/>
+              <a:t>consumers</a:t>
+            </a:r>
+            <a:r>
+              <a:rPr lang="pt-BR" sz="2200" dirty="0"/>
+              <a:t> consumirem de 2 partições, então, nós iremos consumir o mesmo evento mais de uma vez.</a:t>
+            </a:r>
+          </a:p>
+          <a:p>
+            <a:pPr marL="457200" indent="-457200" algn="just">
+              <a:buFont typeface="+mj-lt"/>
+              <a:buAutoNum type="arabicPeriod"/>
+            </a:pPr>
+            <a:endParaRPr lang="pt-BR" sz="2200" dirty="0"/>
+          </a:p>
+          <a:p>
+            <a:pPr marL="457200" indent="-457200" algn="just">
+              <a:buFont typeface="+mj-lt"/>
+              <a:buAutoNum type="arabicPeriod"/>
+            </a:pPr>
+            <a:r>
+              <a:rPr lang="pt-BR" sz="2200" dirty="0"/>
+              <a:t>Neste caso, mesmo criando uma chave única de publicação utilizando </a:t>
+            </a:r>
+            <a:r>
+              <a:rPr lang="pt-BR" sz="2200" dirty="0" err="1"/>
+              <a:t>key</a:t>
+            </a:r>
+            <a:r>
+              <a:rPr lang="pt-BR" sz="2200" dirty="0"/>
+              <a:t> </a:t>
+            </a:r>
+            <a:r>
+              <a:rPr lang="pt-BR" sz="2200" dirty="0" err="1"/>
+              <a:t>value</a:t>
+            </a:r>
+            <a:r>
+              <a:rPr lang="pt-BR" sz="2200" dirty="0"/>
+              <a:t>, o problema será que a </a:t>
+            </a:r>
+            <a:r>
+              <a:rPr lang="pt-BR" sz="2200" dirty="0" err="1"/>
+              <a:t>key</a:t>
+            </a:r>
+            <a:r>
+              <a:rPr lang="pt-BR" sz="2200" dirty="0"/>
+              <a:t> será sempre distinta e o </a:t>
+            </a:r>
+            <a:r>
+              <a:rPr lang="pt-BR" sz="2200" dirty="0" err="1"/>
+              <a:t>value</a:t>
+            </a:r>
+            <a:r>
+              <a:rPr lang="pt-BR" sz="2200" dirty="0"/>
+              <a:t> será sempre igual, neste caso, é interessante que a gente implemente uma estratégia para identificação de um evento idêntico, no caso, algum ID que represente aquele contexto.</a:t>
+            </a:r>
+          </a:p>
+        </p:txBody>
+      </p:sp>
+      <p:sp>
+        <p:nvSpPr>
+          <p:cNvPr id="4" name="Título 1">
+            <a:extLst>
+              <a:ext uri="{FF2B5EF4-FFF2-40B4-BE49-F238E27FC236}">
+                <a16:creationId xmlns:a16="http://schemas.microsoft.com/office/drawing/2014/main" id="{B436B123-6714-8470-13C1-106C0676961E}"/>
+              </a:ext>
+            </a:extLst>
+          </p:cNvPr>
+          <p:cNvSpPr txBox="1">
+            <a:spLocks/>
+          </p:cNvSpPr>
+          <p:nvPr/>
+        </p:nvSpPr>
+        <p:spPr>
+          <a:xfrm>
+            <a:off x="2295832" y="273986"/>
+            <a:ext cx="8942439" cy="1599777"/>
+          </a:xfrm>
+          <a:prstGeom prst="rect">
+            <a:avLst/>
+          </a:prstGeom>
+        </p:spPr>
+        <p:txBody>
+          <a:bodyPr vert="horz" lIns="91440" tIns="45720" rIns="91440" bIns="45720" rtlCol="0" anchor="ctr">
+            <a:normAutofit/>
+          </a:bodyPr>
+          <a:lstStyle>
+            <a:lvl1pPr algn="l" defTabSz="914400" rtl="0" eaLnBrk="1" latinLnBrk="0" hangingPunct="1">
+              <a:lnSpc>
+                <a:spcPct val="90000"/>
+              </a:lnSpc>
+              <a:spcBef>
+                <a:spcPct val="0"/>
+              </a:spcBef>
+              <a:buNone/>
+              <a:defRPr sz="4400" kern="1200">
+                <a:solidFill>
+                  <a:schemeClr val="tx1"/>
+                </a:solidFill>
+                <a:latin typeface="+mj-lt"/>
+                <a:ea typeface="+mj-ea"/>
+                <a:cs typeface="+mj-cs"/>
+              </a:defRPr>
+            </a:lvl1pPr>
+          </a:lstStyle>
+          <a:p>
+            <a:r>
+              <a:rPr lang="pt-BR" sz="4400" dirty="0"/>
+              <a:t>Apache Kafka – Conceitos e aplicações</a:t>
+            </a:r>
+          </a:p>
+        </p:txBody>
+      </p:sp>
+    </p:spTree>
+    <p:extLst>
+      <p:ext uri="{BB962C8B-B14F-4D97-AF65-F5344CB8AC3E}">
+        <p14:creationId xmlns:p14="http://schemas.microsoft.com/office/powerpoint/2010/main" val="679427016"/>
       </p:ext>
     </p:extLst>
   </p:cSld>
@@ -20587,6 +23211,1988 @@
     <p:extLst>
       <p:ext uri="{BB962C8B-B14F-4D97-AF65-F5344CB8AC3E}">
         <p14:creationId xmlns:p14="http://schemas.microsoft.com/office/powerpoint/2010/main" val="3984815723"/>
+      </p:ext>
+    </p:extLst>
+  </p:cSld>
+  <p:clrMapOvr>
+    <a:masterClrMapping/>
+  </p:clrMapOvr>
+</p:sld>
+</file>
+
+<file path=ppt/slides/slide50.xml><?xml version="1.0" encoding="utf-8"?>
+<p:sld xmlns:a="http://schemas.openxmlformats.org/drawingml/2006/main" xmlns:r="http://schemas.openxmlformats.org/officeDocument/2006/relationships" xmlns:p="http://schemas.openxmlformats.org/presentationml/2006/main">
+  <p:cSld>
+    <p:spTree>
+      <p:nvGrpSpPr>
+        <p:cNvPr id="1" name=""/>
+        <p:cNvGrpSpPr/>
+        <p:nvPr/>
+      </p:nvGrpSpPr>
+      <p:grpSpPr>
+        <a:xfrm>
+          <a:off x="0" y="0"/>
+          <a:ext cx="0" cy="0"/>
+          <a:chOff x="0" y="0"/>
+          <a:chExt cx="0" cy="0"/>
+        </a:xfrm>
+      </p:grpSpPr>
+      <p:pic>
+        <p:nvPicPr>
+          <p:cNvPr id="10" name="Imagem 9" descr="Forma&#10;&#10;Descrição gerada automaticamente">
+            <a:extLst>
+              <a:ext uri="{FF2B5EF4-FFF2-40B4-BE49-F238E27FC236}">
+                <a16:creationId xmlns:a16="http://schemas.microsoft.com/office/drawing/2014/main" id="{4CB6E2EF-BF38-68F4-078E-F390DB01D0C1}"/>
+              </a:ext>
+            </a:extLst>
+          </p:cNvPr>
+          <p:cNvPicPr>
+            <a:picLocks noChangeAspect="1"/>
+          </p:cNvPicPr>
+          <p:nvPr/>
+        </p:nvPicPr>
+        <p:blipFill>
+          <a:blip r:embed="rId2">
+            <a:extLst>
+              <a:ext uri="{BEBA8EAE-BF5A-486C-A8C5-ECC9F3942E4B}">
+                <a14:imgProps xmlns:a14="http://schemas.microsoft.com/office/drawing/2010/main">
+                  <a14:imgLayer r:embed="rId3">
+                    <a14:imgEffect>
+                      <a14:colorTemperature colorTemp="11500"/>
+                    </a14:imgEffect>
+                    <a14:imgEffect>
+                      <a14:saturation sat="400000"/>
+                    </a14:imgEffect>
+                    <a14:imgEffect>
+                      <a14:brightnessContrast bright="-1000" contrast="-38000"/>
+                    </a14:imgEffect>
+                  </a14:imgLayer>
+                </a14:imgProps>
+              </a:ext>
+            </a:extLst>
+          </a:blip>
+          <a:stretch>
+            <a:fillRect/>
+          </a:stretch>
+        </p:blipFill>
+        <p:spPr>
+          <a:xfrm>
+            <a:off x="24580" y="22840"/>
+            <a:ext cx="2160397" cy="1682409"/>
+          </a:xfrm>
+          <a:prstGeom prst="rect">
+            <a:avLst/>
+          </a:prstGeom>
+          <a:noFill/>
+          <a:ln>
+            <a:noFill/>
+          </a:ln>
+        </p:spPr>
+      </p:pic>
+      <p:sp>
+        <p:nvSpPr>
+          <p:cNvPr id="2" name="Espaço Reservado para Conteúdo 2">
+            <a:extLst>
+              <a:ext uri="{FF2B5EF4-FFF2-40B4-BE49-F238E27FC236}">
+                <a16:creationId xmlns:a16="http://schemas.microsoft.com/office/drawing/2014/main" id="{0ACB8B5B-ACFE-09C3-D220-7EE7D5388963}"/>
+              </a:ext>
+            </a:extLst>
+          </p:cNvPr>
+          <p:cNvSpPr>
+            <a:spLocks noGrp="1"/>
+          </p:cNvSpPr>
+          <p:nvPr>
+            <p:ph idx="1"/>
+          </p:nvPr>
+        </p:nvSpPr>
+        <p:spPr>
+          <a:xfrm>
+            <a:off x="339540" y="2233647"/>
+            <a:ext cx="11512920" cy="4084586"/>
+          </a:xfrm>
+        </p:spPr>
+        <p:txBody>
+          <a:bodyPr>
+            <a:noAutofit/>
+          </a:bodyPr>
+          <a:lstStyle/>
+          <a:p>
+            <a:pPr algn="just"/>
+            <a:r>
+              <a:rPr lang="pt-BR" sz="2200" dirty="0"/>
+              <a:t>Para isto, podemos usar um ID que iremos persistir nos serviços para identificar que todos os eventos daquele </a:t>
+            </a:r>
+            <a:r>
+              <a:rPr lang="pt-BR" sz="2200" dirty="0" err="1"/>
+              <a:t>payload</a:t>
+            </a:r>
+            <a:r>
+              <a:rPr lang="pt-BR" sz="2200" dirty="0"/>
+              <a:t> sejam relacionados a este contexto específico.</a:t>
+            </a:r>
+          </a:p>
+          <a:p>
+            <a:pPr algn="just"/>
+            <a:endParaRPr lang="pt-BR" sz="2200" dirty="0"/>
+          </a:p>
+          <a:p>
+            <a:pPr algn="just"/>
+            <a:r>
+              <a:rPr lang="pt-BR" sz="2200" dirty="0"/>
+              <a:t>Um exemplo do nosso projeto, sempre que gerarmos um pedido, antes dele ser comunicado aos tópicos do Kafka, nós geraremos um UUID e um </a:t>
+            </a:r>
+            <a:r>
+              <a:rPr lang="pt-BR" sz="2200" dirty="0" err="1"/>
+              <a:t>OrderID</a:t>
+            </a:r>
+            <a:r>
+              <a:rPr lang="pt-BR" sz="2200" dirty="0"/>
+              <a:t> (ID do </a:t>
+            </a:r>
+            <a:r>
+              <a:rPr lang="pt-BR" sz="2200" dirty="0" err="1"/>
+              <a:t>MongoDB</a:t>
+            </a:r>
+            <a:r>
+              <a:rPr lang="pt-BR" sz="2200" dirty="0"/>
+              <a:t>), e estes 2 identificares sempre estarão no </a:t>
+            </a:r>
+            <a:r>
+              <a:rPr lang="pt-BR" sz="2200" dirty="0" err="1"/>
+              <a:t>payload</a:t>
+            </a:r>
+            <a:r>
+              <a:rPr lang="pt-BR" sz="2200" dirty="0"/>
+              <a:t> dos eventos.</a:t>
+            </a:r>
+          </a:p>
+          <a:p>
+            <a:pPr algn="just"/>
+            <a:endParaRPr lang="pt-BR" sz="2200" dirty="0"/>
+          </a:p>
+          <a:p>
+            <a:pPr algn="just"/>
+            <a:r>
+              <a:rPr lang="pt-BR" sz="2200" dirty="0"/>
+              <a:t>Com isso, em cada </a:t>
+            </a:r>
+            <a:r>
+              <a:rPr lang="pt-BR" sz="2200" dirty="0" err="1"/>
+              <a:t>microsserviço</a:t>
+            </a:r>
+            <a:r>
+              <a:rPr lang="pt-BR" sz="2200" dirty="0"/>
+              <a:t>, nós iremos persistir nossas ações vinculadas a esses 2 ids, e sempre iremos validar se já não existe uma interação para esses 2 ids, garantindo que nunca repita uma ação que não pode ser repetida, por exemplo, atualização de estoque dos produtos ou tentativa de realização de pagamento.</a:t>
+            </a:r>
+          </a:p>
+        </p:txBody>
+      </p:sp>
+      <p:sp>
+        <p:nvSpPr>
+          <p:cNvPr id="4" name="Título 1">
+            <a:extLst>
+              <a:ext uri="{FF2B5EF4-FFF2-40B4-BE49-F238E27FC236}">
+                <a16:creationId xmlns:a16="http://schemas.microsoft.com/office/drawing/2014/main" id="{22A7FF9B-A84D-1232-25AA-D3895CB210BB}"/>
+              </a:ext>
+            </a:extLst>
+          </p:cNvPr>
+          <p:cNvSpPr txBox="1">
+            <a:spLocks/>
+          </p:cNvSpPr>
+          <p:nvPr/>
+        </p:nvSpPr>
+        <p:spPr>
+          <a:xfrm>
+            <a:off x="2295832" y="273986"/>
+            <a:ext cx="8942439" cy="1599777"/>
+          </a:xfrm>
+          <a:prstGeom prst="rect">
+            <a:avLst/>
+          </a:prstGeom>
+        </p:spPr>
+        <p:txBody>
+          <a:bodyPr vert="horz" lIns="91440" tIns="45720" rIns="91440" bIns="45720" rtlCol="0" anchor="ctr">
+            <a:normAutofit/>
+          </a:bodyPr>
+          <a:lstStyle>
+            <a:lvl1pPr algn="l" defTabSz="914400" rtl="0" eaLnBrk="1" latinLnBrk="0" hangingPunct="1">
+              <a:lnSpc>
+                <a:spcPct val="90000"/>
+              </a:lnSpc>
+              <a:spcBef>
+                <a:spcPct val="0"/>
+              </a:spcBef>
+              <a:buNone/>
+              <a:defRPr sz="4400" kern="1200">
+                <a:solidFill>
+                  <a:schemeClr val="tx1"/>
+                </a:solidFill>
+                <a:latin typeface="+mj-lt"/>
+                <a:ea typeface="+mj-ea"/>
+                <a:cs typeface="+mj-cs"/>
+              </a:defRPr>
+            </a:lvl1pPr>
+          </a:lstStyle>
+          <a:p>
+            <a:r>
+              <a:rPr lang="pt-BR" sz="4400" dirty="0"/>
+              <a:t>Apache Kafka – Conceitos e aplicações</a:t>
+            </a:r>
+          </a:p>
+        </p:txBody>
+      </p:sp>
+    </p:spTree>
+    <p:extLst>
+      <p:ext uri="{BB962C8B-B14F-4D97-AF65-F5344CB8AC3E}">
+        <p14:creationId xmlns:p14="http://schemas.microsoft.com/office/powerpoint/2010/main" val="2976432651"/>
+      </p:ext>
+    </p:extLst>
+  </p:cSld>
+  <p:clrMapOvr>
+    <a:masterClrMapping/>
+  </p:clrMapOvr>
+</p:sld>
+</file>
+
+<file path=ppt/slides/slide51.xml><?xml version="1.0" encoding="utf-8"?>
+<p:sld xmlns:a="http://schemas.openxmlformats.org/drawingml/2006/main" xmlns:r="http://schemas.openxmlformats.org/officeDocument/2006/relationships" xmlns:p="http://schemas.openxmlformats.org/presentationml/2006/main">
+  <p:cSld>
+    <p:spTree>
+      <p:nvGrpSpPr>
+        <p:cNvPr id="1" name=""/>
+        <p:cNvGrpSpPr/>
+        <p:nvPr/>
+      </p:nvGrpSpPr>
+      <p:grpSpPr>
+        <a:xfrm>
+          <a:off x="0" y="0"/>
+          <a:ext cx="0" cy="0"/>
+          <a:chOff x="0" y="0"/>
+          <a:chExt cx="0" cy="0"/>
+        </a:xfrm>
+      </p:grpSpPr>
+      <p:pic>
+        <p:nvPicPr>
+          <p:cNvPr id="10" name="Imagem 9" descr="Forma&#10;&#10;Descrição gerada automaticamente">
+            <a:extLst>
+              <a:ext uri="{FF2B5EF4-FFF2-40B4-BE49-F238E27FC236}">
+                <a16:creationId xmlns:a16="http://schemas.microsoft.com/office/drawing/2014/main" id="{4CB6E2EF-BF38-68F4-078E-F390DB01D0C1}"/>
+              </a:ext>
+            </a:extLst>
+          </p:cNvPr>
+          <p:cNvPicPr>
+            <a:picLocks noChangeAspect="1"/>
+          </p:cNvPicPr>
+          <p:nvPr/>
+        </p:nvPicPr>
+        <p:blipFill>
+          <a:blip r:embed="rId2">
+            <a:extLst>
+              <a:ext uri="{BEBA8EAE-BF5A-486C-A8C5-ECC9F3942E4B}">
+                <a14:imgProps xmlns:a14="http://schemas.microsoft.com/office/drawing/2010/main">
+                  <a14:imgLayer r:embed="rId3">
+                    <a14:imgEffect>
+                      <a14:colorTemperature colorTemp="11500"/>
+                    </a14:imgEffect>
+                    <a14:imgEffect>
+                      <a14:saturation sat="400000"/>
+                    </a14:imgEffect>
+                    <a14:imgEffect>
+                      <a14:brightnessContrast bright="-1000" contrast="-38000"/>
+                    </a14:imgEffect>
+                  </a14:imgLayer>
+                </a14:imgProps>
+              </a:ext>
+            </a:extLst>
+          </a:blip>
+          <a:stretch>
+            <a:fillRect/>
+          </a:stretch>
+        </p:blipFill>
+        <p:spPr>
+          <a:xfrm>
+            <a:off x="24580" y="22840"/>
+            <a:ext cx="2160397" cy="1682409"/>
+          </a:xfrm>
+          <a:prstGeom prst="rect">
+            <a:avLst/>
+          </a:prstGeom>
+          <a:noFill/>
+          <a:ln>
+            <a:noFill/>
+          </a:ln>
+        </p:spPr>
+      </p:pic>
+      <p:sp>
+        <p:nvSpPr>
+          <p:cNvPr id="2" name="Espaço Reservado para Conteúdo 2">
+            <a:extLst>
+              <a:ext uri="{FF2B5EF4-FFF2-40B4-BE49-F238E27FC236}">
+                <a16:creationId xmlns:a16="http://schemas.microsoft.com/office/drawing/2014/main" id="{0ACB8B5B-ACFE-09C3-D220-7EE7D5388963}"/>
+              </a:ext>
+            </a:extLst>
+          </p:cNvPr>
+          <p:cNvSpPr>
+            <a:spLocks noGrp="1"/>
+          </p:cNvSpPr>
+          <p:nvPr>
+            <p:ph idx="1"/>
+          </p:nvPr>
+        </p:nvSpPr>
+        <p:spPr>
+          <a:xfrm>
+            <a:off x="275958" y="1873762"/>
+            <a:ext cx="10514946" cy="4961397"/>
+          </a:xfrm>
+        </p:spPr>
+        <p:txBody>
+          <a:bodyPr>
+            <a:noAutofit/>
+          </a:bodyPr>
+          <a:lstStyle/>
+          <a:p>
+            <a:pPr algn="just"/>
+            <a:r>
+              <a:rPr lang="pt-BR" sz="2300" dirty="0"/>
+              <a:t>É muito comum a confusão entre tópicos e filas, principalmente quando falamos sobre o Kafka, porém, são conceitos diferentes, o Kafka trabalha com tópicos e não filas. Inclusive é muito comum a confusão de pessoas que não conhecem o Kafka e pensam que é uma alternativa ao </a:t>
+            </a:r>
+            <a:r>
+              <a:rPr lang="pt-BR" sz="2300" dirty="0" err="1"/>
+              <a:t>RabbitMQ</a:t>
+            </a:r>
+            <a:r>
+              <a:rPr lang="pt-BR" sz="2300" dirty="0"/>
+              <a:t> e que faz a mesma coisa, mas não!</a:t>
+            </a:r>
+          </a:p>
+          <a:p>
+            <a:pPr algn="just"/>
+            <a:endParaRPr lang="pt-BR" sz="2300" dirty="0"/>
+          </a:p>
+          <a:p>
+            <a:pPr algn="just"/>
+            <a:r>
+              <a:rPr lang="pt-BR" sz="2300" dirty="0"/>
+              <a:t>Tópicos são </a:t>
+            </a:r>
+            <a:r>
+              <a:rPr lang="pt-BR" sz="2300" b="1" dirty="0"/>
+              <a:t>canais de comunicação </a:t>
+            </a:r>
+            <a:r>
+              <a:rPr lang="pt-BR" sz="2300" dirty="0"/>
+              <a:t>que permitem a </a:t>
+            </a:r>
+            <a:r>
+              <a:rPr lang="pt-BR" sz="2300" b="1" dirty="0"/>
+              <a:t>publicação e subscrição de eventos</a:t>
+            </a:r>
+            <a:r>
+              <a:rPr lang="pt-BR" sz="2300" dirty="0"/>
+              <a:t>, enquanto filas em sistemas de mensagens tradicionais são </a:t>
+            </a:r>
+            <a:r>
+              <a:rPr lang="pt-BR" sz="2300" b="1" dirty="0"/>
+              <a:t>estruturas de armazenamento </a:t>
+            </a:r>
+            <a:r>
+              <a:rPr lang="pt-BR" sz="2300" dirty="0"/>
+              <a:t>temporário de mensagens.</a:t>
+            </a:r>
+          </a:p>
+          <a:p>
+            <a:pPr algn="just"/>
+            <a:endParaRPr lang="pt-BR" sz="2300" dirty="0"/>
+          </a:p>
+          <a:p>
+            <a:pPr algn="just"/>
+            <a:r>
+              <a:rPr lang="pt-BR" sz="2300" dirty="0"/>
+              <a:t>Diferenças básicas dos tópicos em relação às filas são </a:t>
+            </a:r>
+            <a:r>
+              <a:rPr lang="pt-BR" sz="2300" b="1" dirty="0"/>
+              <a:t>retenção de eventos</a:t>
+            </a:r>
+            <a:r>
+              <a:rPr lang="pt-BR" sz="2300" dirty="0"/>
+              <a:t>, </a:t>
+            </a:r>
+            <a:r>
+              <a:rPr lang="pt-BR" sz="2300" b="1" dirty="0"/>
+              <a:t>persistência</a:t>
+            </a:r>
+            <a:r>
+              <a:rPr lang="pt-BR" sz="2300" dirty="0"/>
+              <a:t>, </a:t>
+            </a:r>
+            <a:r>
+              <a:rPr lang="pt-BR" sz="2300" b="1" dirty="0"/>
+              <a:t>particionamento</a:t>
+            </a:r>
+            <a:r>
+              <a:rPr lang="pt-BR" sz="2300" dirty="0"/>
+              <a:t>, </a:t>
+            </a:r>
+            <a:r>
+              <a:rPr lang="pt-BR" sz="2300" b="1" dirty="0"/>
+              <a:t>escalabilidade </a:t>
+            </a:r>
+            <a:r>
+              <a:rPr lang="pt-BR" sz="2300" dirty="0"/>
+              <a:t>e </a:t>
+            </a:r>
+            <a:r>
+              <a:rPr lang="pt-BR" sz="2300" b="1" dirty="0"/>
+              <a:t>modelos diferentes de publicação e</a:t>
+            </a:r>
+            <a:r>
+              <a:rPr lang="pt-BR" sz="2300" dirty="0"/>
+              <a:t> </a:t>
+            </a:r>
+            <a:r>
+              <a:rPr lang="pt-BR" sz="2300" b="1" dirty="0"/>
+              <a:t>subscrição</a:t>
+            </a:r>
+            <a:r>
+              <a:rPr lang="pt-BR" sz="2300" dirty="0"/>
+              <a:t>.</a:t>
+            </a:r>
+          </a:p>
+        </p:txBody>
+      </p:sp>
+      <p:sp>
+        <p:nvSpPr>
+          <p:cNvPr id="7" name="Título 1">
+            <a:extLst>
+              <a:ext uri="{FF2B5EF4-FFF2-40B4-BE49-F238E27FC236}">
+                <a16:creationId xmlns:a16="http://schemas.microsoft.com/office/drawing/2014/main" id="{E51EE9F9-0B98-D2E5-2B23-7F14E514A262}"/>
+              </a:ext>
+            </a:extLst>
+          </p:cNvPr>
+          <p:cNvSpPr txBox="1">
+            <a:spLocks/>
+          </p:cNvSpPr>
+          <p:nvPr/>
+        </p:nvSpPr>
+        <p:spPr>
+          <a:xfrm>
+            <a:off x="2295832" y="273986"/>
+            <a:ext cx="8942439" cy="1599777"/>
+          </a:xfrm>
+          <a:prstGeom prst="rect">
+            <a:avLst/>
+          </a:prstGeom>
+        </p:spPr>
+        <p:txBody>
+          <a:bodyPr vert="horz" lIns="91440" tIns="45720" rIns="91440" bIns="45720" rtlCol="0" anchor="ctr">
+            <a:normAutofit/>
+          </a:bodyPr>
+          <a:lstStyle>
+            <a:lvl1pPr algn="l" defTabSz="914400" rtl="0" eaLnBrk="1" latinLnBrk="0" hangingPunct="1">
+              <a:lnSpc>
+                <a:spcPct val="90000"/>
+              </a:lnSpc>
+              <a:spcBef>
+                <a:spcPct val="0"/>
+              </a:spcBef>
+              <a:buNone/>
+              <a:defRPr sz="4400" kern="1200">
+                <a:solidFill>
+                  <a:schemeClr val="tx1"/>
+                </a:solidFill>
+                <a:latin typeface="+mj-lt"/>
+                <a:ea typeface="+mj-ea"/>
+                <a:cs typeface="+mj-cs"/>
+              </a:defRPr>
+            </a:lvl1pPr>
+          </a:lstStyle>
+          <a:p>
+            <a:r>
+              <a:rPr lang="pt-BR" sz="4400" dirty="0"/>
+              <a:t>Apache Kafka – Tópicos ou Filas?</a:t>
+            </a:r>
+          </a:p>
+        </p:txBody>
+      </p:sp>
+      <p:pic>
+        <p:nvPicPr>
+          <p:cNvPr id="3" name="Imagem 2" descr="Forma&#10;&#10;Descrição gerada automaticamente com confiança baixa">
+            <a:extLst>
+              <a:ext uri="{FF2B5EF4-FFF2-40B4-BE49-F238E27FC236}">
+                <a16:creationId xmlns:a16="http://schemas.microsoft.com/office/drawing/2014/main" id="{5BE33FB0-ACC2-1319-9854-0D08DEF7584A}"/>
+              </a:ext>
+            </a:extLst>
+          </p:cNvPr>
+          <p:cNvPicPr>
+            <a:picLocks noChangeAspect="1"/>
+          </p:cNvPicPr>
+          <p:nvPr/>
+        </p:nvPicPr>
+        <p:blipFill>
+          <a:blip r:embed="rId4">
+            <a:extLst>
+              <a:ext uri="{28A0092B-C50C-407E-A947-70E740481C1C}">
+                <a14:useLocalDpi xmlns:a14="http://schemas.microsoft.com/office/drawing/2010/main" val="0"/>
+              </a:ext>
+            </a:extLst>
+          </a:blip>
+          <a:stretch>
+            <a:fillRect/>
+          </a:stretch>
+        </p:blipFill>
+        <p:spPr>
+          <a:xfrm>
+            <a:off x="10790903" y="5456903"/>
+            <a:ext cx="1401097" cy="1401097"/>
+          </a:xfrm>
+          <a:prstGeom prst="rect">
+            <a:avLst/>
+          </a:prstGeom>
+        </p:spPr>
+      </p:pic>
+    </p:spTree>
+    <p:extLst>
+      <p:ext uri="{BB962C8B-B14F-4D97-AF65-F5344CB8AC3E}">
+        <p14:creationId xmlns:p14="http://schemas.microsoft.com/office/powerpoint/2010/main" val="145782085"/>
+      </p:ext>
+    </p:extLst>
+  </p:cSld>
+  <p:clrMapOvr>
+    <a:masterClrMapping/>
+  </p:clrMapOvr>
+</p:sld>
+</file>
+
+<file path=ppt/slides/slide52.xml><?xml version="1.0" encoding="utf-8"?>
+<p:sld xmlns:a="http://schemas.openxmlformats.org/drawingml/2006/main" xmlns:r="http://schemas.openxmlformats.org/officeDocument/2006/relationships" xmlns:p="http://schemas.openxmlformats.org/presentationml/2006/main">
+  <p:cSld>
+    <p:spTree>
+      <p:nvGrpSpPr>
+        <p:cNvPr id="1" name=""/>
+        <p:cNvGrpSpPr/>
+        <p:nvPr/>
+      </p:nvGrpSpPr>
+      <p:grpSpPr>
+        <a:xfrm>
+          <a:off x="0" y="0"/>
+          <a:ext cx="0" cy="0"/>
+          <a:chOff x="0" y="0"/>
+          <a:chExt cx="0" cy="0"/>
+        </a:xfrm>
+      </p:grpSpPr>
+      <p:pic>
+        <p:nvPicPr>
+          <p:cNvPr id="10" name="Imagem 9" descr="Forma&#10;&#10;Descrição gerada automaticamente">
+            <a:extLst>
+              <a:ext uri="{FF2B5EF4-FFF2-40B4-BE49-F238E27FC236}">
+                <a16:creationId xmlns:a16="http://schemas.microsoft.com/office/drawing/2014/main" id="{4CB6E2EF-BF38-68F4-078E-F390DB01D0C1}"/>
+              </a:ext>
+            </a:extLst>
+          </p:cNvPr>
+          <p:cNvPicPr>
+            <a:picLocks noChangeAspect="1"/>
+          </p:cNvPicPr>
+          <p:nvPr/>
+        </p:nvPicPr>
+        <p:blipFill>
+          <a:blip r:embed="rId2">
+            <a:extLst>
+              <a:ext uri="{BEBA8EAE-BF5A-486C-A8C5-ECC9F3942E4B}">
+                <a14:imgProps xmlns:a14="http://schemas.microsoft.com/office/drawing/2010/main">
+                  <a14:imgLayer r:embed="rId3">
+                    <a14:imgEffect>
+                      <a14:colorTemperature colorTemp="11500"/>
+                    </a14:imgEffect>
+                    <a14:imgEffect>
+                      <a14:saturation sat="400000"/>
+                    </a14:imgEffect>
+                    <a14:imgEffect>
+                      <a14:brightnessContrast bright="-1000" contrast="-38000"/>
+                    </a14:imgEffect>
+                  </a14:imgLayer>
+                </a14:imgProps>
+              </a:ext>
+            </a:extLst>
+          </a:blip>
+          <a:stretch>
+            <a:fillRect/>
+          </a:stretch>
+        </p:blipFill>
+        <p:spPr>
+          <a:xfrm>
+            <a:off x="24580" y="22840"/>
+            <a:ext cx="2160397" cy="1682409"/>
+          </a:xfrm>
+          <a:prstGeom prst="rect">
+            <a:avLst/>
+          </a:prstGeom>
+          <a:noFill/>
+          <a:ln>
+            <a:noFill/>
+          </a:ln>
+        </p:spPr>
+      </p:pic>
+      <p:sp>
+        <p:nvSpPr>
+          <p:cNvPr id="2" name="Espaço Reservado para Conteúdo 2">
+            <a:extLst>
+              <a:ext uri="{FF2B5EF4-FFF2-40B4-BE49-F238E27FC236}">
+                <a16:creationId xmlns:a16="http://schemas.microsoft.com/office/drawing/2014/main" id="{0ACB8B5B-ACFE-09C3-D220-7EE7D5388963}"/>
+              </a:ext>
+            </a:extLst>
+          </p:cNvPr>
+          <p:cNvSpPr>
+            <a:spLocks noGrp="1"/>
+          </p:cNvSpPr>
+          <p:nvPr>
+            <p:ph idx="1"/>
+          </p:nvPr>
+        </p:nvSpPr>
+        <p:spPr>
+          <a:xfrm>
+            <a:off x="275958" y="1873762"/>
+            <a:ext cx="10514946" cy="4961397"/>
+          </a:xfrm>
+        </p:spPr>
+        <p:txBody>
+          <a:bodyPr>
+            <a:noAutofit/>
+          </a:bodyPr>
+          <a:lstStyle/>
+          <a:p>
+            <a:pPr algn="just"/>
+            <a:r>
+              <a:rPr lang="pt-BR" sz="2000" dirty="0"/>
+              <a:t>Como dito, muitos acham que são apenas alternativas que fazem a mesma coisa.</a:t>
+            </a:r>
+          </a:p>
+          <a:p>
+            <a:pPr algn="just"/>
+            <a:endParaRPr lang="pt-BR" sz="2000" dirty="0"/>
+          </a:p>
+          <a:p>
+            <a:pPr algn="just"/>
+            <a:r>
+              <a:rPr lang="pt-BR" sz="2000" dirty="0"/>
+              <a:t>Porém, o Kafka e o Rabbit se diferenciam em várias coisas, como no modelo de mensageria, enquanto o Kafka trabalha com streaming de eventos distribuídos, o </a:t>
+            </a:r>
+            <a:r>
+              <a:rPr lang="pt-BR" sz="2000" dirty="0" err="1"/>
+              <a:t>RabbitMQ</a:t>
+            </a:r>
+            <a:r>
+              <a:rPr lang="pt-BR" sz="2000" dirty="0"/>
+              <a:t> é baseado em filas, em que são armazenadas até seu consumo. O Kafka é desenhado para entregar de maneira distribuída, particionada e altamente escalável, e mesmo que o </a:t>
+            </a:r>
+            <a:r>
+              <a:rPr lang="pt-BR" sz="2000" dirty="0" err="1"/>
+              <a:t>RabbitMQ</a:t>
+            </a:r>
+            <a:r>
+              <a:rPr lang="pt-BR" sz="2000" dirty="0"/>
+              <a:t> também possa ser escalado verticalmente, ele é mais recomendado para cargas de trabalho com menor volume.</a:t>
+            </a:r>
+          </a:p>
+          <a:p>
+            <a:pPr algn="just"/>
+            <a:endParaRPr lang="pt-BR" sz="2000" dirty="0"/>
+          </a:p>
+          <a:p>
+            <a:pPr algn="just"/>
+            <a:r>
+              <a:rPr lang="pt-BR" sz="2000" dirty="0"/>
+              <a:t>O Kafka possui persistência de eventos de maneira nativa e padrão, enquanto o Rabbit não, mesmo podendo ser configurável através de plugins.</a:t>
+            </a:r>
+          </a:p>
+          <a:p>
+            <a:pPr algn="just"/>
+            <a:endParaRPr lang="pt-BR" sz="2000" dirty="0"/>
+          </a:p>
+          <a:p>
+            <a:pPr algn="just"/>
+            <a:r>
+              <a:rPr lang="pt-BR" sz="2000" dirty="0"/>
+              <a:t>O Kafka possui garantia de entrega do evento por padrão, enquanto o </a:t>
+            </a:r>
+            <a:r>
+              <a:rPr lang="pt-BR" sz="2000" dirty="0" err="1"/>
+              <a:t>RabbitMQ</a:t>
+            </a:r>
+            <a:r>
+              <a:rPr lang="pt-BR" sz="2000" dirty="0"/>
+              <a:t> mesmo tendo a possibilidade, não trabalha com esta abordagem por padrão.</a:t>
+            </a:r>
+          </a:p>
+        </p:txBody>
+      </p:sp>
+      <p:sp>
+        <p:nvSpPr>
+          <p:cNvPr id="7" name="Título 1">
+            <a:extLst>
+              <a:ext uri="{FF2B5EF4-FFF2-40B4-BE49-F238E27FC236}">
+                <a16:creationId xmlns:a16="http://schemas.microsoft.com/office/drawing/2014/main" id="{E51EE9F9-0B98-D2E5-2B23-7F14E514A262}"/>
+              </a:ext>
+            </a:extLst>
+          </p:cNvPr>
+          <p:cNvSpPr txBox="1">
+            <a:spLocks/>
+          </p:cNvSpPr>
+          <p:nvPr/>
+        </p:nvSpPr>
+        <p:spPr>
+          <a:xfrm>
+            <a:off x="2295832" y="273986"/>
+            <a:ext cx="8942439" cy="1599777"/>
+          </a:xfrm>
+          <a:prstGeom prst="rect">
+            <a:avLst/>
+          </a:prstGeom>
+        </p:spPr>
+        <p:txBody>
+          <a:bodyPr vert="horz" lIns="91440" tIns="45720" rIns="91440" bIns="45720" rtlCol="0" anchor="ctr">
+            <a:normAutofit/>
+          </a:bodyPr>
+          <a:lstStyle>
+            <a:lvl1pPr algn="l" defTabSz="914400" rtl="0" eaLnBrk="1" latinLnBrk="0" hangingPunct="1">
+              <a:lnSpc>
+                <a:spcPct val="90000"/>
+              </a:lnSpc>
+              <a:spcBef>
+                <a:spcPct val="0"/>
+              </a:spcBef>
+              <a:buNone/>
+              <a:defRPr sz="4400" kern="1200">
+                <a:solidFill>
+                  <a:schemeClr val="tx1"/>
+                </a:solidFill>
+                <a:latin typeface="+mj-lt"/>
+                <a:ea typeface="+mj-ea"/>
+                <a:cs typeface="+mj-cs"/>
+              </a:defRPr>
+            </a:lvl1pPr>
+          </a:lstStyle>
+          <a:p>
+            <a:r>
+              <a:rPr lang="pt-BR" sz="4400" dirty="0"/>
+              <a:t>Apache Kafka ou </a:t>
+            </a:r>
+            <a:r>
+              <a:rPr lang="pt-BR" sz="4400" dirty="0" err="1"/>
+              <a:t>RabbitMQ</a:t>
+            </a:r>
+            <a:r>
+              <a:rPr lang="pt-BR" sz="4400" dirty="0"/>
+              <a:t>?</a:t>
+            </a:r>
+          </a:p>
+        </p:txBody>
+      </p:sp>
+      <p:pic>
+        <p:nvPicPr>
+          <p:cNvPr id="3" name="Imagem 2" descr="Forma&#10;&#10;Descrição gerada automaticamente com confiança baixa">
+            <a:extLst>
+              <a:ext uri="{FF2B5EF4-FFF2-40B4-BE49-F238E27FC236}">
+                <a16:creationId xmlns:a16="http://schemas.microsoft.com/office/drawing/2014/main" id="{5BE33FB0-ACC2-1319-9854-0D08DEF7584A}"/>
+              </a:ext>
+            </a:extLst>
+          </p:cNvPr>
+          <p:cNvPicPr>
+            <a:picLocks noChangeAspect="1"/>
+          </p:cNvPicPr>
+          <p:nvPr/>
+        </p:nvPicPr>
+        <p:blipFill>
+          <a:blip r:embed="rId4">
+            <a:extLst>
+              <a:ext uri="{28A0092B-C50C-407E-A947-70E740481C1C}">
+                <a14:useLocalDpi xmlns:a14="http://schemas.microsoft.com/office/drawing/2010/main" val="0"/>
+              </a:ext>
+            </a:extLst>
+          </a:blip>
+          <a:stretch>
+            <a:fillRect/>
+          </a:stretch>
+        </p:blipFill>
+        <p:spPr>
+          <a:xfrm>
+            <a:off x="10790903" y="5456903"/>
+            <a:ext cx="1401097" cy="1401097"/>
+          </a:xfrm>
+          <a:prstGeom prst="rect">
+            <a:avLst/>
+          </a:prstGeom>
+        </p:spPr>
+      </p:pic>
+    </p:spTree>
+    <p:extLst>
+      <p:ext uri="{BB962C8B-B14F-4D97-AF65-F5344CB8AC3E}">
+        <p14:creationId xmlns:p14="http://schemas.microsoft.com/office/powerpoint/2010/main" val="52072428"/>
+      </p:ext>
+    </p:extLst>
+  </p:cSld>
+  <p:clrMapOvr>
+    <a:masterClrMapping/>
+  </p:clrMapOvr>
+</p:sld>
+</file>
+
+<file path=ppt/slides/slide53.xml><?xml version="1.0" encoding="utf-8"?>
+<p:sld xmlns:a="http://schemas.openxmlformats.org/drawingml/2006/main" xmlns:r="http://schemas.openxmlformats.org/officeDocument/2006/relationships" xmlns:p="http://schemas.openxmlformats.org/presentationml/2006/main">
+  <p:cSld>
+    <p:spTree>
+      <p:nvGrpSpPr>
+        <p:cNvPr id="1" name=""/>
+        <p:cNvGrpSpPr/>
+        <p:nvPr/>
+      </p:nvGrpSpPr>
+      <p:grpSpPr>
+        <a:xfrm>
+          <a:off x="0" y="0"/>
+          <a:ext cx="0" cy="0"/>
+          <a:chOff x="0" y="0"/>
+          <a:chExt cx="0" cy="0"/>
+        </a:xfrm>
+      </p:grpSpPr>
+      <p:sp>
+        <p:nvSpPr>
+          <p:cNvPr id="4" name="Título 1">
+            <a:extLst>
+              <a:ext uri="{FF2B5EF4-FFF2-40B4-BE49-F238E27FC236}">
+                <a16:creationId xmlns:a16="http://schemas.microsoft.com/office/drawing/2014/main" id="{22290A63-5ECE-488C-8F5A-240217BA6E32}"/>
+              </a:ext>
+            </a:extLst>
+          </p:cNvPr>
+          <p:cNvSpPr txBox="1">
+            <a:spLocks/>
+          </p:cNvSpPr>
+          <p:nvPr/>
+        </p:nvSpPr>
+        <p:spPr>
+          <a:xfrm>
+            <a:off x="680392" y="82630"/>
+            <a:ext cx="9601200" cy="1599777"/>
+          </a:xfrm>
+          <a:prstGeom prst="rect">
+            <a:avLst/>
+          </a:prstGeom>
+        </p:spPr>
+        <p:txBody>
+          <a:bodyPr vert="horz" lIns="91440" tIns="45720" rIns="91440" bIns="45720" rtlCol="0" anchor="ctr">
+            <a:normAutofit/>
+          </a:bodyPr>
+          <a:lstStyle>
+            <a:lvl1pPr algn="l" defTabSz="914400" rtl="0" eaLnBrk="1" latinLnBrk="0" hangingPunct="1">
+              <a:lnSpc>
+                <a:spcPct val="90000"/>
+              </a:lnSpc>
+              <a:spcBef>
+                <a:spcPct val="0"/>
+              </a:spcBef>
+              <a:buNone/>
+              <a:defRPr sz="4400" kern="1200">
+                <a:solidFill>
+                  <a:schemeClr val="tx1"/>
+                </a:solidFill>
+                <a:latin typeface="+mj-lt"/>
+                <a:ea typeface="+mj-ea"/>
+                <a:cs typeface="+mj-cs"/>
+              </a:defRPr>
+            </a:lvl1pPr>
+          </a:lstStyle>
+          <a:p>
+            <a:r>
+              <a:rPr lang="pt-BR" sz="4400" dirty="0">
+                <a:latin typeface="Trebuchet MS"/>
+                <a:ea typeface="Trebuchet MS"/>
+                <a:cs typeface="Trebuchet MS"/>
+                <a:sym typeface="Trebuchet MS"/>
+              </a:rPr>
+              <a:t>Referências</a:t>
+            </a:r>
+            <a:endParaRPr lang="pt-BR" dirty="0"/>
+          </a:p>
+        </p:txBody>
+      </p:sp>
+      <p:sp>
+        <p:nvSpPr>
+          <p:cNvPr id="6" name="Espaço Reservado para Conteúdo 5">
+            <a:extLst>
+              <a:ext uri="{FF2B5EF4-FFF2-40B4-BE49-F238E27FC236}">
+                <a16:creationId xmlns:a16="http://schemas.microsoft.com/office/drawing/2014/main" id="{B371EE64-5E8E-7948-0FE0-9969F5CDEB28}"/>
+              </a:ext>
+            </a:extLst>
+          </p:cNvPr>
+          <p:cNvSpPr>
+            <a:spLocks noGrp="1"/>
+          </p:cNvSpPr>
+          <p:nvPr>
+            <p:ph idx="1"/>
+          </p:nvPr>
+        </p:nvSpPr>
+        <p:spPr>
+          <a:xfrm>
+            <a:off x="274320" y="1645459"/>
+            <a:ext cx="10922000" cy="4338781"/>
+          </a:xfrm>
+        </p:spPr>
+        <p:txBody>
+          <a:bodyPr>
+            <a:noAutofit/>
+          </a:bodyPr>
+          <a:lstStyle/>
+          <a:p>
+            <a:r>
+              <a:rPr lang="pt-BR" sz="1600" b="1" dirty="0"/>
+              <a:t>O que são </a:t>
+            </a:r>
+            <a:r>
+              <a:rPr lang="pt-BR" sz="1600" b="1" dirty="0" err="1"/>
+              <a:t>microsserviços</a:t>
+            </a:r>
+            <a:r>
+              <a:rPr lang="pt-BR" sz="1600" b="1" dirty="0"/>
+              <a:t>? </a:t>
+            </a:r>
+            <a:r>
+              <a:rPr lang="pt-BR" sz="1600" dirty="0">
+                <a:hlinkClick r:id="rId3"/>
+              </a:rPr>
+              <a:t>https://aws.amazon.com/pt/microservices/</a:t>
+            </a:r>
+            <a:endParaRPr lang="pt-BR" sz="1600" dirty="0"/>
+          </a:p>
+          <a:p>
+            <a:r>
+              <a:rPr lang="pt-BR" sz="1600" b="1" dirty="0" err="1"/>
+              <a:t>What</a:t>
+            </a:r>
+            <a:r>
+              <a:rPr lang="pt-BR" sz="1600" b="1" dirty="0"/>
+              <a:t> are </a:t>
+            </a:r>
+            <a:r>
+              <a:rPr lang="pt-BR" sz="1600" b="1" dirty="0" err="1"/>
+              <a:t>microservices</a:t>
+            </a:r>
+            <a:r>
+              <a:rPr lang="pt-BR" sz="1600" b="1" dirty="0"/>
+              <a:t>? </a:t>
+            </a:r>
+            <a:r>
+              <a:rPr lang="pt-BR" sz="1600" dirty="0">
+                <a:hlinkClick r:id="rId4"/>
+              </a:rPr>
+              <a:t>https://microservices.io/</a:t>
+            </a:r>
+            <a:endParaRPr lang="pt-BR" sz="1600" dirty="0"/>
+          </a:p>
+          <a:p>
+            <a:r>
+              <a:rPr lang="pt-BR" sz="1600" b="1" dirty="0"/>
+              <a:t>Usando Saga para garantir consistência de dados em ambientes distribuídos </a:t>
+            </a:r>
+            <a:r>
+              <a:rPr lang="pt-BR" sz="1600" dirty="0">
+                <a:hlinkClick r:id="rId5"/>
+              </a:rPr>
+              <a:t>https://sidhartarezende.medium.com/usando-saga-para-garantir-consist%C3%AAncia-de-dados-em-ambientes-distribu%C3%ADdos-2edad93798c7</a:t>
+            </a:r>
+            <a:endParaRPr lang="pt-BR" sz="1600" dirty="0"/>
+          </a:p>
+          <a:p>
+            <a:r>
+              <a:rPr lang="pt-BR" sz="1600" b="1" dirty="0"/>
+              <a:t>Padrão SAGA para arquitetura de </a:t>
+            </a:r>
+            <a:r>
+              <a:rPr lang="pt-BR" sz="1600" b="1" dirty="0" err="1"/>
+              <a:t>Microsserviços</a:t>
+            </a:r>
+            <a:r>
+              <a:rPr lang="pt-BR" sz="1600" b="1" dirty="0"/>
+              <a:t>:</a:t>
+            </a:r>
+            <a:r>
+              <a:rPr lang="pt-BR" sz="1600" dirty="0"/>
+              <a:t> </a:t>
+            </a:r>
+            <a:r>
+              <a:rPr lang="pt-BR" sz="1600" dirty="0">
+                <a:hlinkClick r:id="rId6"/>
+              </a:rPr>
+              <a:t>https://www.zup.com.br/blog/padrao-saga-para-arquitetura-de-microsservicos</a:t>
+            </a:r>
+            <a:endParaRPr lang="pt-BR" sz="1600" dirty="0"/>
+          </a:p>
+          <a:p>
+            <a:r>
+              <a:rPr lang="pt-BR" sz="1600" b="1" dirty="0" err="1"/>
+              <a:t>Pattern</a:t>
+            </a:r>
+            <a:r>
+              <a:rPr lang="pt-BR" sz="1600" b="1" dirty="0"/>
+              <a:t>: Saga </a:t>
+            </a:r>
+            <a:r>
+              <a:rPr lang="pt-BR" sz="1600" dirty="0">
+                <a:hlinkClick r:id="rId7"/>
+              </a:rPr>
+              <a:t>https://microservices.io/patterns/data/saga.html</a:t>
+            </a:r>
+            <a:endParaRPr lang="pt-BR" sz="1600" dirty="0"/>
+          </a:p>
+          <a:p>
+            <a:r>
+              <a:rPr lang="pt-BR" sz="1600" b="1" dirty="0"/>
+              <a:t>Saga </a:t>
+            </a:r>
+            <a:r>
+              <a:rPr lang="pt-BR" sz="1600" b="1" dirty="0" err="1"/>
+              <a:t>Pattern</a:t>
+            </a:r>
+            <a:r>
+              <a:rPr lang="pt-BR" sz="1600" b="1" dirty="0"/>
+              <a:t> in </a:t>
+            </a:r>
+            <a:r>
+              <a:rPr lang="pt-BR" sz="1600" b="1" dirty="0" err="1"/>
+              <a:t>Microservices</a:t>
+            </a:r>
+            <a:r>
+              <a:rPr lang="pt-BR" sz="1600" b="1" dirty="0"/>
+              <a:t> </a:t>
+            </a:r>
+            <a:r>
+              <a:rPr lang="pt-BR" sz="1600" dirty="0">
+                <a:hlinkClick r:id="rId8"/>
+              </a:rPr>
+              <a:t>https://www.baeldung.com/cs/saga-pattern-microservices</a:t>
+            </a:r>
+            <a:endParaRPr lang="pt-BR" sz="1600" dirty="0"/>
+          </a:p>
+          <a:p>
+            <a:r>
+              <a:rPr lang="pt-BR" sz="1600" b="1" dirty="0"/>
+              <a:t>SAGA </a:t>
+            </a:r>
+            <a:r>
+              <a:rPr lang="pt-BR" sz="1600" b="1" dirty="0" err="1"/>
+              <a:t>Pattern</a:t>
+            </a:r>
+            <a:r>
+              <a:rPr lang="pt-BR" sz="1600" b="1" dirty="0"/>
+              <a:t> </a:t>
+            </a:r>
+            <a:r>
+              <a:rPr lang="pt-BR" sz="1600" b="1" dirty="0" err="1"/>
+              <a:t>Briefly</a:t>
+            </a:r>
+            <a:r>
+              <a:rPr lang="pt-BR" sz="1600" b="1" dirty="0"/>
+              <a:t> </a:t>
+            </a:r>
+            <a:r>
+              <a:rPr lang="pt-BR" sz="1600" dirty="0">
+                <a:hlinkClick r:id="rId9"/>
+              </a:rPr>
+              <a:t>https://medium.com/trendyol-tech/saga-pattern-briefly-5b6cf22dfabc</a:t>
+            </a:r>
+            <a:endParaRPr lang="pt-BR" sz="1600" dirty="0"/>
+          </a:p>
+          <a:p>
+            <a:r>
+              <a:rPr lang="pt-BR" sz="1600" b="1" dirty="0"/>
+              <a:t>Saga </a:t>
+            </a:r>
+            <a:r>
+              <a:rPr lang="pt-BR" sz="1600" b="1" dirty="0" err="1"/>
+              <a:t>Orchestration</a:t>
+            </a:r>
+            <a:r>
+              <a:rPr lang="pt-BR" sz="1600" b="1" dirty="0"/>
+              <a:t> for </a:t>
+            </a:r>
+            <a:r>
+              <a:rPr lang="pt-BR" sz="1600" b="1" dirty="0" err="1"/>
+              <a:t>Microservices</a:t>
+            </a:r>
+            <a:r>
+              <a:rPr lang="pt-BR" sz="1600" b="1" dirty="0"/>
+              <a:t> </a:t>
+            </a:r>
+            <a:r>
+              <a:rPr lang="pt-BR" sz="1600" b="1" dirty="0" err="1"/>
+              <a:t>Using</a:t>
+            </a:r>
+            <a:r>
+              <a:rPr lang="pt-BR" sz="1600" b="1" dirty="0"/>
+              <a:t> </a:t>
+            </a:r>
+            <a:r>
+              <a:rPr lang="pt-BR" sz="1600" b="1" dirty="0" err="1"/>
+              <a:t>the</a:t>
+            </a:r>
+            <a:r>
+              <a:rPr lang="pt-BR" sz="1600" b="1" dirty="0"/>
+              <a:t> </a:t>
+            </a:r>
+            <a:r>
+              <a:rPr lang="pt-BR" sz="1600" b="1" dirty="0" err="1"/>
+              <a:t>Outbox</a:t>
+            </a:r>
+            <a:r>
+              <a:rPr lang="pt-BR" sz="1600" b="1" dirty="0"/>
+              <a:t> </a:t>
+            </a:r>
+            <a:r>
+              <a:rPr lang="pt-BR" sz="1600" b="1" dirty="0" err="1"/>
+              <a:t>Pattern</a:t>
+            </a:r>
+            <a:r>
+              <a:rPr lang="pt-BR" sz="1600" b="1" dirty="0"/>
+              <a:t> </a:t>
+            </a:r>
+            <a:r>
+              <a:rPr lang="pt-BR" sz="1600" dirty="0">
+                <a:hlinkClick r:id="rId10"/>
+              </a:rPr>
+              <a:t>https://www.infoq.com/articles/saga-orchestration-outbox/</a:t>
+            </a:r>
+            <a:endParaRPr lang="pt-BR" sz="1600" dirty="0"/>
+          </a:p>
+          <a:p>
+            <a:r>
+              <a:rPr lang="pt-BR" sz="1600" b="1" dirty="0"/>
+              <a:t>[MICROSERVICES] </a:t>
+            </a:r>
+            <a:r>
+              <a:rPr lang="pt-BR" sz="1600" b="1" dirty="0" err="1"/>
+              <a:t>Outbox</a:t>
+            </a:r>
+            <a:r>
+              <a:rPr lang="pt-BR" sz="1600" b="1" dirty="0"/>
+              <a:t> </a:t>
+            </a:r>
+            <a:r>
+              <a:rPr lang="pt-BR" sz="1600" b="1" dirty="0" err="1"/>
+              <a:t>Pattern</a:t>
+            </a:r>
+            <a:r>
+              <a:rPr lang="pt-BR" sz="1600" b="1" dirty="0"/>
+              <a:t> </a:t>
+            </a:r>
+            <a:r>
+              <a:rPr lang="pt-BR" sz="1600" dirty="0">
+                <a:hlinkClick r:id="rId11"/>
+              </a:rPr>
+              <a:t>https://medium.com/@victorhsr/microservices-outbox-pattern-a4344d8ed0b</a:t>
+            </a:r>
+            <a:endParaRPr lang="pt-BR" sz="1600" dirty="0"/>
+          </a:p>
+          <a:p>
+            <a:r>
+              <a:rPr lang="pt-BR" sz="1600" b="1" dirty="0" err="1"/>
+              <a:t>Pattern</a:t>
+            </a:r>
+            <a:r>
+              <a:rPr lang="pt-BR" sz="1600" b="1" dirty="0"/>
+              <a:t>: </a:t>
+            </a:r>
+            <a:r>
+              <a:rPr lang="pt-BR" sz="1600" b="1" dirty="0" err="1"/>
+              <a:t>Transactional</a:t>
+            </a:r>
+            <a:r>
+              <a:rPr lang="pt-BR" sz="1600" b="1" dirty="0"/>
+              <a:t> </a:t>
+            </a:r>
+            <a:r>
+              <a:rPr lang="pt-BR" sz="1600" b="1" dirty="0" err="1"/>
+              <a:t>Outbox</a:t>
+            </a:r>
+            <a:r>
+              <a:rPr lang="pt-BR" sz="1600" b="1" dirty="0"/>
+              <a:t> </a:t>
+            </a:r>
+            <a:r>
+              <a:rPr lang="pt-BR" sz="1600" dirty="0">
+                <a:hlinkClick r:id="rId12"/>
+              </a:rPr>
+              <a:t>https://microservices.io/patterns/data/transactional-outbox.html</a:t>
+            </a:r>
+            <a:endParaRPr lang="pt-BR" sz="1600" dirty="0"/>
+          </a:p>
+          <a:p>
+            <a:r>
+              <a:rPr lang="pt-BR" sz="1600" b="1" dirty="0" err="1"/>
+              <a:t>Patterns</a:t>
+            </a:r>
+            <a:r>
+              <a:rPr lang="pt-BR" sz="1600" b="1" dirty="0"/>
+              <a:t> for </a:t>
+            </a:r>
+            <a:r>
+              <a:rPr lang="pt-BR" sz="1600" b="1" dirty="0" err="1"/>
+              <a:t>distributed</a:t>
+            </a:r>
+            <a:r>
+              <a:rPr lang="pt-BR" sz="1600" b="1" dirty="0"/>
+              <a:t> </a:t>
+            </a:r>
+            <a:r>
+              <a:rPr lang="pt-BR" sz="1600" b="1" dirty="0" err="1"/>
+              <a:t>transactions</a:t>
+            </a:r>
+            <a:r>
+              <a:rPr lang="pt-BR" sz="1600" b="1" dirty="0"/>
+              <a:t> </a:t>
+            </a:r>
+            <a:r>
+              <a:rPr lang="pt-BR" sz="1600" b="1" dirty="0" err="1"/>
+              <a:t>within</a:t>
+            </a:r>
+            <a:r>
+              <a:rPr lang="pt-BR" sz="1600" b="1" dirty="0"/>
+              <a:t> a </a:t>
+            </a:r>
+            <a:r>
+              <a:rPr lang="pt-BR" sz="1600" b="1" dirty="0" err="1"/>
+              <a:t>microservices</a:t>
+            </a:r>
+            <a:r>
+              <a:rPr lang="pt-BR" sz="1600" b="1" dirty="0"/>
+              <a:t> </a:t>
+            </a:r>
+            <a:r>
+              <a:rPr lang="pt-BR" sz="1600" b="1" dirty="0" err="1"/>
+              <a:t>architecture</a:t>
+            </a:r>
+            <a:r>
+              <a:rPr lang="pt-BR" sz="1600" b="1" dirty="0"/>
+              <a:t> </a:t>
+            </a:r>
+            <a:r>
+              <a:rPr lang="pt-BR" sz="1600" dirty="0">
+                <a:hlinkClick r:id="rId13"/>
+              </a:rPr>
+              <a:t>https://developers.redhat.com/blog/2018/10/01/patterns-for-distributed-transactions-within-a-microservices-architecture</a:t>
+            </a:r>
+            <a:endParaRPr lang="pt-BR" sz="1600" dirty="0"/>
+          </a:p>
+        </p:txBody>
+      </p:sp>
+      <p:pic>
+        <p:nvPicPr>
+          <p:cNvPr id="8" name="Imagem 7" descr="Forma&#10;&#10;Descrição gerada automaticamente com confiança baixa">
+            <a:extLst>
+              <a:ext uri="{FF2B5EF4-FFF2-40B4-BE49-F238E27FC236}">
+                <a16:creationId xmlns:a16="http://schemas.microsoft.com/office/drawing/2014/main" id="{2752B41B-920D-198E-2F1E-ACB9E0CCAE90}"/>
+              </a:ext>
+            </a:extLst>
+          </p:cNvPr>
+          <p:cNvPicPr>
+            <a:picLocks noChangeAspect="1"/>
+          </p:cNvPicPr>
+          <p:nvPr/>
+        </p:nvPicPr>
+        <p:blipFill>
+          <a:blip r:embed="rId14">
+            <a:extLst>
+              <a:ext uri="{28A0092B-C50C-407E-A947-70E740481C1C}">
+                <a14:useLocalDpi xmlns:a14="http://schemas.microsoft.com/office/drawing/2010/main" val="0"/>
+              </a:ext>
+            </a:extLst>
+          </a:blip>
+          <a:stretch>
+            <a:fillRect/>
+          </a:stretch>
+        </p:blipFill>
+        <p:spPr>
+          <a:xfrm>
+            <a:off x="10790903" y="5456903"/>
+            <a:ext cx="1401097" cy="1401097"/>
+          </a:xfrm>
+          <a:prstGeom prst="rect">
+            <a:avLst/>
+          </a:prstGeom>
+        </p:spPr>
+      </p:pic>
+      <p:pic>
+        <p:nvPicPr>
+          <p:cNvPr id="9" name="Imagem 8" descr="Forma&#10;&#10;Descrição gerada automaticamente">
+            <a:extLst>
+              <a:ext uri="{FF2B5EF4-FFF2-40B4-BE49-F238E27FC236}">
+                <a16:creationId xmlns:a16="http://schemas.microsoft.com/office/drawing/2014/main" id="{31CC2473-7188-0225-265A-A1D1460A7EA6}"/>
+              </a:ext>
+            </a:extLst>
+          </p:cNvPr>
+          <p:cNvPicPr>
+            <a:picLocks noChangeAspect="1"/>
+          </p:cNvPicPr>
+          <p:nvPr/>
+        </p:nvPicPr>
+        <p:blipFill>
+          <a:blip r:embed="rId15">
+            <a:extLst>
+              <a:ext uri="{BEBA8EAE-BF5A-486C-A8C5-ECC9F3942E4B}">
+                <a14:imgProps xmlns:a14="http://schemas.microsoft.com/office/drawing/2010/main">
+                  <a14:imgLayer r:embed="rId16">
+                    <a14:imgEffect>
+                      <a14:colorTemperature colorTemp="11500"/>
+                    </a14:imgEffect>
+                    <a14:imgEffect>
+                      <a14:saturation sat="400000"/>
+                    </a14:imgEffect>
+                    <a14:imgEffect>
+                      <a14:brightnessContrast bright="-1000" contrast="-38000"/>
+                    </a14:imgEffect>
+                  </a14:imgLayer>
+                </a14:imgProps>
+              </a:ext>
+            </a:extLst>
+          </a:blip>
+          <a:stretch>
+            <a:fillRect/>
+          </a:stretch>
+        </p:blipFill>
+        <p:spPr>
+          <a:xfrm>
+            <a:off x="9940740" y="82630"/>
+            <a:ext cx="2160397" cy="1682409"/>
+          </a:xfrm>
+          <a:prstGeom prst="rect">
+            <a:avLst/>
+          </a:prstGeom>
+          <a:noFill/>
+          <a:ln>
+            <a:noFill/>
+          </a:ln>
+        </p:spPr>
+      </p:pic>
+    </p:spTree>
+    <p:extLst>
+      <p:ext uri="{BB962C8B-B14F-4D97-AF65-F5344CB8AC3E}">
+        <p14:creationId xmlns:p14="http://schemas.microsoft.com/office/powerpoint/2010/main" val="745631216"/>
+      </p:ext>
+    </p:extLst>
+  </p:cSld>
+  <p:clrMapOvr>
+    <a:masterClrMapping/>
+  </p:clrMapOvr>
+</p:sld>
+</file>
+
+<file path=ppt/slides/slide54.xml><?xml version="1.0" encoding="utf-8"?>
+<p:sld xmlns:a="http://schemas.openxmlformats.org/drawingml/2006/main" xmlns:r="http://schemas.openxmlformats.org/officeDocument/2006/relationships" xmlns:p="http://schemas.openxmlformats.org/presentationml/2006/main">
+  <p:cSld>
+    <p:spTree>
+      <p:nvGrpSpPr>
+        <p:cNvPr id="1" name=""/>
+        <p:cNvGrpSpPr/>
+        <p:nvPr/>
+      </p:nvGrpSpPr>
+      <p:grpSpPr>
+        <a:xfrm>
+          <a:off x="0" y="0"/>
+          <a:ext cx="0" cy="0"/>
+          <a:chOff x="0" y="0"/>
+          <a:chExt cx="0" cy="0"/>
+        </a:xfrm>
+      </p:grpSpPr>
+      <p:sp>
+        <p:nvSpPr>
+          <p:cNvPr id="4" name="Título 1">
+            <a:extLst>
+              <a:ext uri="{FF2B5EF4-FFF2-40B4-BE49-F238E27FC236}">
+                <a16:creationId xmlns:a16="http://schemas.microsoft.com/office/drawing/2014/main" id="{22290A63-5ECE-488C-8F5A-240217BA6E32}"/>
+              </a:ext>
+            </a:extLst>
+          </p:cNvPr>
+          <p:cNvSpPr txBox="1">
+            <a:spLocks/>
+          </p:cNvSpPr>
+          <p:nvPr/>
+        </p:nvSpPr>
+        <p:spPr>
+          <a:xfrm>
+            <a:off x="680392" y="82630"/>
+            <a:ext cx="9601200" cy="1599777"/>
+          </a:xfrm>
+          <a:prstGeom prst="rect">
+            <a:avLst/>
+          </a:prstGeom>
+        </p:spPr>
+        <p:txBody>
+          <a:bodyPr vert="horz" lIns="91440" tIns="45720" rIns="91440" bIns="45720" rtlCol="0" anchor="ctr">
+            <a:normAutofit/>
+          </a:bodyPr>
+          <a:lstStyle>
+            <a:lvl1pPr algn="l" defTabSz="914400" rtl="0" eaLnBrk="1" latinLnBrk="0" hangingPunct="1">
+              <a:lnSpc>
+                <a:spcPct val="90000"/>
+              </a:lnSpc>
+              <a:spcBef>
+                <a:spcPct val="0"/>
+              </a:spcBef>
+              <a:buNone/>
+              <a:defRPr sz="4400" kern="1200">
+                <a:solidFill>
+                  <a:schemeClr val="tx1"/>
+                </a:solidFill>
+                <a:latin typeface="+mj-lt"/>
+                <a:ea typeface="+mj-ea"/>
+                <a:cs typeface="+mj-cs"/>
+              </a:defRPr>
+            </a:lvl1pPr>
+          </a:lstStyle>
+          <a:p>
+            <a:r>
+              <a:rPr lang="pt-BR" sz="4400" dirty="0">
+                <a:latin typeface="Trebuchet MS"/>
+                <a:ea typeface="Trebuchet MS"/>
+                <a:cs typeface="Trebuchet MS"/>
+                <a:sym typeface="Trebuchet MS"/>
+              </a:rPr>
+              <a:t>Referências</a:t>
+            </a:r>
+            <a:endParaRPr lang="pt-BR" dirty="0"/>
+          </a:p>
+        </p:txBody>
+      </p:sp>
+      <p:sp>
+        <p:nvSpPr>
+          <p:cNvPr id="6" name="Espaço Reservado para Conteúdo 5">
+            <a:extLst>
+              <a:ext uri="{FF2B5EF4-FFF2-40B4-BE49-F238E27FC236}">
+                <a16:creationId xmlns:a16="http://schemas.microsoft.com/office/drawing/2014/main" id="{B371EE64-5E8E-7948-0FE0-9969F5CDEB28}"/>
+              </a:ext>
+            </a:extLst>
+          </p:cNvPr>
+          <p:cNvSpPr>
+            <a:spLocks noGrp="1"/>
+          </p:cNvSpPr>
+          <p:nvPr>
+            <p:ph idx="1"/>
+          </p:nvPr>
+        </p:nvSpPr>
+        <p:spPr>
+          <a:xfrm>
+            <a:off x="274320" y="1645459"/>
+            <a:ext cx="10922000" cy="4338781"/>
+          </a:xfrm>
+        </p:spPr>
+        <p:txBody>
+          <a:bodyPr>
+            <a:noAutofit/>
+          </a:bodyPr>
+          <a:lstStyle/>
+          <a:p>
+            <a:r>
+              <a:rPr lang="pt-BR" sz="1600" b="1" dirty="0"/>
+              <a:t>Apache Kafka: </a:t>
+            </a:r>
+            <a:r>
+              <a:rPr lang="pt-BR" sz="1600" dirty="0">
+                <a:hlinkClick r:id="rId3"/>
+              </a:rPr>
+              <a:t>https://kafka.apache.org/intro</a:t>
+            </a:r>
+            <a:endParaRPr lang="pt-BR" sz="1600" dirty="0"/>
+          </a:p>
+          <a:p>
+            <a:r>
+              <a:rPr lang="pt-BR" sz="1600" b="1" dirty="0"/>
+              <a:t>Entendendo como o Consumidor Kafka funciona: </a:t>
+            </a:r>
+            <a:r>
+              <a:rPr lang="pt-BR" sz="1600" dirty="0">
+                <a:hlinkClick r:id="rId4"/>
+              </a:rPr>
+              <a:t>https://medium.com/@alvarobacelar/entendendo-como-um-consumidor-kafka-funciona-ee72237904c8</a:t>
+            </a:r>
+            <a:endParaRPr lang="pt-BR" sz="1600" dirty="0"/>
+          </a:p>
+          <a:p>
+            <a:r>
+              <a:rPr lang="pt-BR" sz="1600" b="1" dirty="0"/>
+              <a:t>Entendendo o Apache Kafka I: </a:t>
+            </a:r>
+            <a:r>
+              <a:rPr lang="pt-BR" sz="1600" dirty="0">
+                <a:hlinkClick r:id="rId5"/>
+              </a:rPr>
+              <a:t>https://medium.com/luizalabs/entendendo-o-apache-kafka-i-27342ec9e29</a:t>
+            </a:r>
+            <a:endParaRPr lang="pt-BR" sz="1600" dirty="0"/>
+          </a:p>
+          <a:p>
+            <a:r>
+              <a:rPr lang="en-US" sz="1600" b="1" dirty="0"/>
+              <a:t>How to Develop a Winning Kafka Partition Strategy: </a:t>
+            </a:r>
+            <a:r>
+              <a:rPr lang="en-US" sz="1600" dirty="0">
+                <a:hlinkClick r:id="rId6"/>
+              </a:rPr>
+              <a:t>https://www.openlogic.com/blog/kafka-partitions</a:t>
+            </a:r>
+            <a:endParaRPr lang="en-US" sz="1600" dirty="0"/>
+          </a:p>
+          <a:p>
+            <a:r>
+              <a:rPr lang="en-US" sz="1600" b="1" dirty="0"/>
+              <a:t>Apache Kafka: Introduction</a:t>
+            </a:r>
+            <a:r>
+              <a:rPr lang="en-US" sz="1600" dirty="0"/>
+              <a:t>: </a:t>
+            </a:r>
+            <a:r>
+              <a:rPr lang="en-US" sz="1600" dirty="0">
+                <a:hlinkClick r:id="rId3"/>
+              </a:rPr>
+              <a:t>https://kafka.apache.org/intro</a:t>
+            </a:r>
+            <a:endParaRPr lang="en-US" sz="1600" dirty="0"/>
+          </a:p>
+          <a:p>
+            <a:r>
+              <a:rPr lang="pt-BR" sz="1600" b="1" dirty="0"/>
+              <a:t>Event-</a:t>
+            </a:r>
+            <a:r>
+              <a:rPr lang="pt-BR" sz="1600" b="1" dirty="0" err="1"/>
+              <a:t>driven</a:t>
+            </a:r>
+            <a:r>
+              <a:rPr lang="pt-BR" sz="1600" b="1" dirty="0"/>
+              <a:t> </a:t>
+            </a:r>
+            <a:r>
+              <a:rPr lang="pt-BR" sz="1600" b="1" dirty="0" err="1"/>
+              <a:t>Architecture</a:t>
+            </a:r>
+            <a:r>
+              <a:rPr lang="pt-BR" sz="1600" b="1" dirty="0"/>
+              <a:t> (EDA) em uma Arquitetura de </a:t>
+            </a:r>
+            <a:r>
+              <a:rPr lang="pt-BR" sz="1600" b="1" dirty="0" err="1"/>
+              <a:t>Microsserviços</a:t>
+            </a:r>
+            <a:r>
+              <a:rPr lang="pt-BR" sz="1600" dirty="0"/>
+              <a:t>: </a:t>
+            </a:r>
+            <a:r>
+              <a:rPr lang="pt-BR" sz="1600" dirty="0">
+                <a:hlinkClick r:id="rId7"/>
+              </a:rPr>
+              <a:t>https://medium.com/@marcelomg21/event-driven-architecture-eda-em-uma-arquitetura-de-micro-servi%C3%A7os-1981614cdd45</a:t>
+            </a:r>
+            <a:endParaRPr lang="pt-BR" sz="1600" dirty="0"/>
+          </a:p>
+          <a:p>
+            <a:r>
+              <a:rPr lang="pt-BR" sz="1600" b="1" dirty="0"/>
+              <a:t>O que é uma arquitetura orientada por eventos?:</a:t>
+            </a:r>
+            <a:r>
+              <a:rPr lang="pt-BR" sz="1600" dirty="0"/>
+              <a:t> </a:t>
+            </a:r>
+            <a:r>
+              <a:rPr lang="pt-BR" sz="1600" dirty="0">
+                <a:hlinkClick r:id="rId8"/>
+              </a:rPr>
+              <a:t>https://aws.amazon.com/pt/event-driven-architecture/</a:t>
+            </a:r>
+            <a:endParaRPr lang="pt-BR" sz="1600" dirty="0"/>
+          </a:p>
+          <a:p>
+            <a:r>
+              <a:rPr lang="pt-BR" sz="1600" b="1" dirty="0"/>
+              <a:t>Event-</a:t>
+            </a:r>
+            <a:r>
+              <a:rPr lang="pt-BR" sz="1600" b="1" dirty="0" err="1"/>
+              <a:t>driven</a:t>
+            </a:r>
+            <a:r>
+              <a:rPr lang="pt-BR" sz="1600" b="1" dirty="0"/>
+              <a:t> </a:t>
+            </a:r>
+            <a:r>
+              <a:rPr lang="pt-BR" sz="1600" b="1" dirty="0" err="1"/>
+              <a:t>architecture</a:t>
+            </a:r>
+            <a:r>
+              <a:rPr lang="pt-BR" sz="1600" b="1" dirty="0"/>
+              <a:t> </a:t>
+            </a:r>
+            <a:r>
+              <a:rPr lang="pt-BR" sz="1600" b="1" dirty="0" err="1"/>
+              <a:t>style</a:t>
+            </a:r>
+            <a:r>
+              <a:rPr lang="pt-BR" sz="1600" b="1" dirty="0"/>
+              <a:t>: </a:t>
+            </a:r>
+            <a:r>
+              <a:rPr lang="pt-BR" sz="1600" dirty="0">
+                <a:hlinkClick r:id="rId9"/>
+              </a:rPr>
+              <a:t>https://learn.microsoft.com/en-us/azure/architecture/guide/architecture-styles/event-driven</a:t>
+            </a:r>
+            <a:endParaRPr lang="pt-BR" sz="1600" dirty="0"/>
+          </a:p>
+          <a:p>
+            <a:r>
+              <a:rPr lang="pt-BR" sz="1600" b="1" dirty="0" err="1"/>
+              <a:t>Pattern</a:t>
+            </a:r>
+            <a:r>
+              <a:rPr lang="pt-BR" sz="1600" b="1" dirty="0"/>
+              <a:t>: Event-</a:t>
+            </a:r>
+            <a:r>
+              <a:rPr lang="pt-BR" sz="1600" b="1" dirty="0" err="1"/>
+              <a:t>driven</a:t>
+            </a:r>
+            <a:r>
+              <a:rPr lang="pt-BR" sz="1600" b="1" dirty="0"/>
+              <a:t> </a:t>
+            </a:r>
+            <a:r>
+              <a:rPr lang="pt-BR" sz="1600" b="1" dirty="0" err="1"/>
+              <a:t>architecture</a:t>
+            </a:r>
+            <a:r>
+              <a:rPr lang="pt-BR" sz="1600" b="1" dirty="0"/>
+              <a:t>: </a:t>
+            </a:r>
+            <a:r>
+              <a:rPr lang="pt-BR" sz="1600" dirty="0">
+                <a:hlinkClick r:id="rId10"/>
+              </a:rPr>
+              <a:t>https://microservices.io/patterns/data/event-driven-architecture.html</a:t>
+            </a:r>
+            <a:endParaRPr lang="pt-BR" sz="1600" dirty="0"/>
+          </a:p>
+          <a:p>
+            <a:endParaRPr lang="pt-BR" sz="1600" b="1" dirty="0"/>
+          </a:p>
+        </p:txBody>
+      </p:sp>
+      <p:pic>
+        <p:nvPicPr>
+          <p:cNvPr id="8" name="Imagem 7" descr="Forma&#10;&#10;Descrição gerada automaticamente com confiança baixa">
+            <a:extLst>
+              <a:ext uri="{FF2B5EF4-FFF2-40B4-BE49-F238E27FC236}">
+                <a16:creationId xmlns:a16="http://schemas.microsoft.com/office/drawing/2014/main" id="{2752B41B-920D-198E-2F1E-ACB9E0CCAE90}"/>
+              </a:ext>
+            </a:extLst>
+          </p:cNvPr>
+          <p:cNvPicPr>
+            <a:picLocks noChangeAspect="1"/>
+          </p:cNvPicPr>
+          <p:nvPr/>
+        </p:nvPicPr>
+        <p:blipFill>
+          <a:blip r:embed="rId11">
+            <a:extLst>
+              <a:ext uri="{28A0092B-C50C-407E-A947-70E740481C1C}">
+                <a14:useLocalDpi xmlns:a14="http://schemas.microsoft.com/office/drawing/2010/main" val="0"/>
+              </a:ext>
+            </a:extLst>
+          </a:blip>
+          <a:stretch>
+            <a:fillRect/>
+          </a:stretch>
+        </p:blipFill>
+        <p:spPr>
+          <a:xfrm>
+            <a:off x="10790903" y="5456903"/>
+            <a:ext cx="1401097" cy="1401097"/>
+          </a:xfrm>
+          <a:prstGeom prst="rect">
+            <a:avLst/>
+          </a:prstGeom>
+        </p:spPr>
+      </p:pic>
+      <p:pic>
+        <p:nvPicPr>
+          <p:cNvPr id="9" name="Imagem 8" descr="Forma&#10;&#10;Descrição gerada automaticamente">
+            <a:extLst>
+              <a:ext uri="{FF2B5EF4-FFF2-40B4-BE49-F238E27FC236}">
+                <a16:creationId xmlns:a16="http://schemas.microsoft.com/office/drawing/2014/main" id="{31CC2473-7188-0225-265A-A1D1460A7EA6}"/>
+              </a:ext>
+            </a:extLst>
+          </p:cNvPr>
+          <p:cNvPicPr>
+            <a:picLocks noChangeAspect="1"/>
+          </p:cNvPicPr>
+          <p:nvPr/>
+        </p:nvPicPr>
+        <p:blipFill>
+          <a:blip r:embed="rId12">
+            <a:extLst>
+              <a:ext uri="{BEBA8EAE-BF5A-486C-A8C5-ECC9F3942E4B}">
+                <a14:imgProps xmlns:a14="http://schemas.microsoft.com/office/drawing/2010/main">
+                  <a14:imgLayer r:embed="rId13">
+                    <a14:imgEffect>
+                      <a14:colorTemperature colorTemp="11500"/>
+                    </a14:imgEffect>
+                    <a14:imgEffect>
+                      <a14:saturation sat="400000"/>
+                    </a14:imgEffect>
+                    <a14:imgEffect>
+                      <a14:brightnessContrast bright="-1000" contrast="-38000"/>
+                    </a14:imgEffect>
+                  </a14:imgLayer>
+                </a14:imgProps>
+              </a:ext>
+            </a:extLst>
+          </a:blip>
+          <a:stretch>
+            <a:fillRect/>
+          </a:stretch>
+        </p:blipFill>
+        <p:spPr>
+          <a:xfrm>
+            <a:off x="9940740" y="82630"/>
+            <a:ext cx="2160397" cy="1682409"/>
+          </a:xfrm>
+          <a:prstGeom prst="rect">
+            <a:avLst/>
+          </a:prstGeom>
+          <a:noFill/>
+          <a:ln>
+            <a:noFill/>
+          </a:ln>
+        </p:spPr>
+      </p:pic>
+    </p:spTree>
+    <p:extLst>
+      <p:ext uri="{BB962C8B-B14F-4D97-AF65-F5344CB8AC3E}">
+        <p14:creationId xmlns:p14="http://schemas.microsoft.com/office/powerpoint/2010/main" val="3040540279"/>
+      </p:ext>
+    </p:extLst>
+  </p:cSld>
+  <p:clrMapOvr>
+    <a:masterClrMapping/>
+  </p:clrMapOvr>
+</p:sld>
+</file>
+
+<file path=ppt/slides/slide55.xml><?xml version="1.0" encoding="utf-8"?>
+<p:sld xmlns:a="http://schemas.openxmlformats.org/drawingml/2006/main" xmlns:r="http://schemas.openxmlformats.org/officeDocument/2006/relationships" xmlns:p="http://schemas.openxmlformats.org/presentationml/2006/main">
+  <p:cSld>
+    <p:spTree>
+      <p:nvGrpSpPr>
+        <p:cNvPr id="1" name=""/>
+        <p:cNvGrpSpPr/>
+        <p:nvPr/>
+      </p:nvGrpSpPr>
+      <p:grpSpPr>
+        <a:xfrm>
+          <a:off x="0" y="0"/>
+          <a:ext cx="0" cy="0"/>
+          <a:chOff x="0" y="0"/>
+          <a:chExt cx="0" cy="0"/>
+        </a:xfrm>
+      </p:grpSpPr>
+      <p:sp>
+        <p:nvSpPr>
+          <p:cNvPr id="5" name="Espaço Reservado para Conteúdo 4">
+            <a:extLst>
+              <a:ext uri="{FF2B5EF4-FFF2-40B4-BE49-F238E27FC236}">
+                <a16:creationId xmlns:a16="http://schemas.microsoft.com/office/drawing/2014/main" id="{E4185074-C7FB-6389-01EC-ED738E673BDF}"/>
+              </a:ext>
+            </a:extLst>
+          </p:cNvPr>
+          <p:cNvSpPr>
+            <a:spLocks noGrp="1"/>
+          </p:cNvSpPr>
+          <p:nvPr>
+            <p:ph idx="1"/>
+          </p:nvPr>
+        </p:nvSpPr>
+        <p:spPr>
+          <a:xfrm>
+            <a:off x="2623369" y="2965296"/>
+            <a:ext cx="6945261" cy="927407"/>
+          </a:xfrm>
+        </p:spPr>
+        <p:txBody>
+          <a:bodyPr>
+            <a:noAutofit/>
+          </a:bodyPr>
+          <a:lstStyle/>
+          <a:p>
+            <a:pPr marL="0" indent="0">
+              <a:buNone/>
+            </a:pPr>
+            <a:r>
+              <a:rPr lang="pt-BR" sz="7200" dirty="0">
+                <a:latin typeface="Trebuchet MS"/>
+                <a:ea typeface="Trebuchet MS"/>
+                <a:cs typeface="Trebuchet MS"/>
+                <a:sym typeface="Trebuchet MS"/>
+              </a:rPr>
+              <a:t>Muito obrigado!</a:t>
+            </a:r>
+            <a:endParaRPr lang="pt-BR" sz="7200" dirty="0"/>
+          </a:p>
+          <a:p>
+            <a:endParaRPr lang="pt-BR" sz="7200" dirty="0"/>
+          </a:p>
+        </p:txBody>
+      </p:sp>
+      <p:sp>
+        <p:nvSpPr>
+          <p:cNvPr id="8" name="CaixaDeTexto 7">
+            <a:extLst>
+              <a:ext uri="{FF2B5EF4-FFF2-40B4-BE49-F238E27FC236}">
+                <a16:creationId xmlns:a16="http://schemas.microsoft.com/office/drawing/2014/main" id="{B79B60C6-E6DE-51D2-EFE7-3A9C6359B669}"/>
+              </a:ext>
+            </a:extLst>
+          </p:cNvPr>
+          <p:cNvSpPr txBox="1"/>
+          <p:nvPr/>
+        </p:nvSpPr>
+        <p:spPr>
+          <a:xfrm>
+            <a:off x="196646" y="5855139"/>
+            <a:ext cx="4596580" cy="815608"/>
+          </a:xfrm>
+          <a:prstGeom prst="rect">
+            <a:avLst/>
+          </a:prstGeom>
+          <a:noFill/>
+        </p:spPr>
+        <p:txBody>
+          <a:bodyPr wrap="square" rtlCol="0">
+            <a:spAutoFit/>
+          </a:bodyPr>
+          <a:lstStyle/>
+          <a:p>
+            <a:r>
+              <a:rPr lang="pt-BR" sz="2800" dirty="0"/>
+              <a:t>Victor Hugo </a:t>
+            </a:r>
+            <a:r>
+              <a:rPr lang="pt-BR" sz="2800" dirty="0" err="1"/>
+              <a:t>Negrisoli</a:t>
+            </a:r>
+            <a:endParaRPr lang="pt-BR" sz="2800" dirty="0"/>
+          </a:p>
+          <a:p>
+            <a:r>
+              <a:rPr lang="pt-BR" sz="1900" dirty="0"/>
+              <a:t>Desenvolvedor Back-</a:t>
+            </a:r>
+            <a:r>
+              <a:rPr lang="pt-BR" sz="1900" dirty="0" err="1"/>
+              <a:t>End</a:t>
+            </a:r>
+            <a:endParaRPr lang="pt-BR" sz="1900" dirty="0"/>
+          </a:p>
+        </p:txBody>
+      </p:sp>
+      <p:pic>
+        <p:nvPicPr>
+          <p:cNvPr id="3" name="Imagem 2" descr="Forma&#10;&#10;Descrição gerada automaticamente com confiança baixa">
+            <a:extLst>
+              <a:ext uri="{FF2B5EF4-FFF2-40B4-BE49-F238E27FC236}">
+                <a16:creationId xmlns:a16="http://schemas.microsoft.com/office/drawing/2014/main" id="{4E7B1708-3AE5-20AE-E886-1169B7848EB2}"/>
+              </a:ext>
+            </a:extLst>
+          </p:cNvPr>
+          <p:cNvPicPr>
+            <a:picLocks noChangeAspect="1"/>
+          </p:cNvPicPr>
+          <p:nvPr/>
+        </p:nvPicPr>
+        <p:blipFill>
+          <a:blip r:embed="rId3">
+            <a:extLst>
+              <a:ext uri="{28A0092B-C50C-407E-A947-70E740481C1C}">
+                <a14:useLocalDpi xmlns:a14="http://schemas.microsoft.com/office/drawing/2010/main" val="0"/>
+              </a:ext>
+            </a:extLst>
+          </a:blip>
+          <a:stretch>
+            <a:fillRect/>
+          </a:stretch>
+        </p:blipFill>
+        <p:spPr>
+          <a:xfrm>
+            <a:off x="10790903" y="5456903"/>
+            <a:ext cx="1401097" cy="1401097"/>
+          </a:xfrm>
+          <a:prstGeom prst="rect">
+            <a:avLst/>
+          </a:prstGeom>
+        </p:spPr>
+      </p:pic>
+      <p:pic>
+        <p:nvPicPr>
+          <p:cNvPr id="4" name="Imagem 3" descr="Forma&#10;&#10;Descrição gerada automaticamente">
+            <a:extLst>
+              <a:ext uri="{FF2B5EF4-FFF2-40B4-BE49-F238E27FC236}">
+                <a16:creationId xmlns:a16="http://schemas.microsoft.com/office/drawing/2014/main" id="{C7E48522-31E3-4BE9-4655-A84931EE436A}"/>
+              </a:ext>
+            </a:extLst>
+          </p:cNvPr>
+          <p:cNvPicPr>
+            <a:picLocks noChangeAspect="1"/>
+          </p:cNvPicPr>
+          <p:nvPr/>
+        </p:nvPicPr>
+        <p:blipFill>
+          <a:blip r:embed="rId4">
+            <a:extLst>
+              <a:ext uri="{BEBA8EAE-BF5A-486C-A8C5-ECC9F3942E4B}">
+                <a14:imgProps xmlns:a14="http://schemas.microsoft.com/office/drawing/2010/main">
+                  <a14:imgLayer r:embed="rId5">
+                    <a14:imgEffect>
+                      <a14:colorTemperature colorTemp="11500"/>
+                    </a14:imgEffect>
+                    <a14:imgEffect>
+                      <a14:saturation sat="400000"/>
+                    </a14:imgEffect>
+                    <a14:imgEffect>
+                      <a14:brightnessContrast bright="-1000" contrast="-38000"/>
+                    </a14:imgEffect>
+                  </a14:imgLayer>
+                </a14:imgProps>
+              </a:ext>
+            </a:extLst>
+          </a:blip>
+          <a:stretch>
+            <a:fillRect/>
+          </a:stretch>
+        </p:blipFill>
+        <p:spPr>
+          <a:xfrm>
+            <a:off x="24580" y="22840"/>
+            <a:ext cx="2160397" cy="1682409"/>
+          </a:xfrm>
+          <a:prstGeom prst="rect">
+            <a:avLst/>
+          </a:prstGeom>
+          <a:noFill/>
+          <a:ln>
+            <a:noFill/>
+          </a:ln>
+        </p:spPr>
+      </p:pic>
+    </p:spTree>
+    <p:extLst>
+      <p:ext uri="{BB962C8B-B14F-4D97-AF65-F5344CB8AC3E}">
+        <p14:creationId xmlns:p14="http://schemas.microsoft.com/office/powerpoint/2010/main" val="1907975413"/>
       </p:ext>
     </p:extLst>
   </p:cSld>

--- a/Conteúdos/Apresentação - Saga.pptx
+++ b/Conteúdos/Apresentação - Saga.pptx
@@ -251,7 +251,7 @@
           <a:p>
             <a:fld id="{1A658991-3A10-4D75-89CC-FE5310122811}" type="datetimeFigureOut">
               <a:rPr lang="pt-BR" smtClean="0"/>
-              <a:t>17/04/2023</a:t>
+              <a:t>21/08/2023</a:t>
             </a:fld>
             <a:endParaRPr lang="pt-BR"/>
           </a:p>
@@ -2009,7 +2009,7 @@
           <a:p>
             <a:fld id="{654E430E-5D4C-4874-960B-D673A28B4FD3}" type="datetimeFigureOut">
               <a:rPr lang="pt-BR" smtClean="0"/>
-              <a:t>17/04/2023</a:t>
+              <a:t>21/08/2023</a:t>
             </a:fld>
             <a:endParaRPr lang="pt-BR"/>
           </a:p>
@@ -2207,7 +2207,7 @@
           <a:p>
             <a:fld id="{654E430E-5D4C-4874-960B-D673A28B4FD3}" type="datetimeFigureOut">
               <a:rPr lang="pt-BR" smtClean="0"/>
-              <a:t>17/04/2023</a:t>
+              <a:t>21/08/2023</a:t>
             </a:fld>
             <a:endParaRPr lang="pt-BR"/>
           </a:p>
@@ -2415,7 +2415,7 @@
           <a:p>
             <a:fld id="{654E430E-5D4C-4874-960B-D673A28B4FD3}" type="datetimeFigureOut">
               <a:rPr lang="pt-BR" smtClean="0"/>
-              <a:t>17/04/2023</a:t>
+              <a:t>21/08/2023</a:t>
             </a:fld>
             <a:endParaRPr lang="pt-BR"/>
           </a:p>
@@ -2613,7 +2613,7 @@
           <a:p>
             <a:fld id="{654E430E-5D4C-4874-960B-D673A28B4FD3}" type="datetimeFigureOut">
               <a:rPr lang="pt-BR" smtClean="0"/>
-              <a:t>17/04/2023</a:t>
+              <a:t>21/08/2023</a:t>
             </a:fld>
             <a:endParaRPr lang="pt-BR"/>
           </a:p>
@@ -2888,7 +2888,7 @@
           <a:p>
             <a:fld id="{654E430E-5D4C-4874-960B-D673A28B4FD3}" type="datetimeFigureOut">
               <a:rPr lang="pt-BR" smtClean="0"/>
-              <a:t>17/04/2023</a:t>
+              <a:t>21/08/2023</a:t>
             </a:fld>
             <a:endParaRPr lang="pt-BR"/>
           </a:p>
@@ -3153,7 +3153,7 @@
           <a:p>
             <a:fld id="{654E430E-5D4C-4874-960B-D673A28B4FD3}" type="datetimeFigureOut">
               <a:rPr lang="pt-BR" smtClean="0"/>
-              <a:t>17/04/2023</a:t>
+              <a:t>21/08/2023</a:t>
             </a:fld>
             <a:endParaRPr lang="pt-BR"/>
           </a:p>
@@ -3565,7 +3565,7 @@
           <a:p>
             <a:fld id="{654E430E-5D4C-4874-960B-D673A28B4FD3}" type="datetimeFigureOut">
               <a:rPr lang="pt-BR" smtClean="0"/>
-              <a:t>17/04/2023</a:t>
+              <a:t>21/08/2023</a:t>
             </a:fld>
             <a:endParaRPr lang="pt-BR"/>
           </a:p>
@@ -3706,7 +3706,7 @@
           <a:p>
             <a:fld id="{654E430E-5D4C-4874-960B-D673A28B4FD3}" type="datetimeFigureOut">
               <a:rPr lang="pt-BR" smtClean="0"/>
-              <a:t>17/04/2023</a:t>
+              <a:t>21/08/2023</a:t>
             </a:fld>
             <a:endParaRPr lang="pt-BR"/>
           </a:p>
@@ -3819,7 +3819,7 @@
           <a:p>
             <a:fld id="{654E430E-5D4C-4874-960B-D673A28B4FD3}" type="datetimeFigureOut">
               <a:rPr lang="pt-BR" smtClean="0"/>
-              <a:t>17/04/2023</a:t>
+              <a:t>21/08/2023</a:t>
             </a:fld>
             <a:endParaRPr lang="pt-BR"/>
           </a:p>
@@ -4130,7 +4130,7 @@
           <a:p>
             <a:fld id="{654E430E-5D4C-4874-960B-D673A28B4FD3}" type="datetimeFigureOut">
               <a:rPr lang="pt-BR" smtClean="0"/>
-              <a:t>17/04/2023</a:t>
+              <a:t>21/08/2023</a:t>
             </a:fld>
             <a:endParaRPr lang="pt-BR"/>
           </a:p>
@@ -4418,7 +4418,7 @@
           <a:p>
             <a:fld id="{654E430E-5D4C-4874-960B-D673A28B4FD3}" type="datetimeFigureOut">
               <a:rPr lang="pt-BR" smtClean="0"/>
-              <a:t>17/04/2023</a:t>
+              <a:t>21/08/2023</a:t>
             </a:fld>
             <a:endParaRPr lang="pt-BR"/>
           </a:p>
@@ -4659,7 +4659,7 @@
           <a:p>
             <a:fld id="{654E430E-5D4C-4874-960B-D673A28B4FD3}" type="datetimeFigureOut">
               <a:rPr lang="pt-BR" smtClean="0"/>
-              <a:t>17/04/2023</a:t>
+              <a:t>21/08/2023</a:t>
             </a:fld>
             <a:endParaRPr lang="pt-BR"/>
           </a:p>
@@ -21962,7 +21962,7 @@
             </a:r>
             <a:r>
               <a:rPr lang="pt-BR" sz="2300" dirty="0"/>
-              <a:t> receberão os eventos de 2 das 4 partições, e o outro </a:t>
+              <a:t> receberão os eventos paralelamente de 2 das 4 partições, e o outro </a:t>
             </a:r>
             <a:r>
               <a:rPr lang="pt-BR" sz="2300" dirty="0" err="1"/>

--- a/Conteúdos/Apresentação - Saga.pptx
+++ b/Conteúdos/Apresentação - Saga.pptx
@@ -251,7 +251,7 @@
           <a:p>
             <a:fld id="{1A658991-3A10-4D75-89CC-FE5310122811}" type="datetimeFigureOut">
               <a:rPr lang="pt-BR" smtClean="0"/>
-              <a:t>21/08/2023</a:t>
+              <a:t>22/08/2023</a:t>
             </a:fld>
             <a:endParaRPr lang="pt-BR"/>
           </a:p>
@@ -2009,7 +2009,7 @@
           <a:p>
             <a:fld id="{654E430E-5D4C-4874-960B-D673A28B4FD3}" type="datetimeFigureOut">
               <a:rPr lang="pt-BR" smtClean="0"/>
-              <a:t>21/08/2023</a:t>
+              <a:t>22/08/2023</a:t>
             </a:fld>
             <a:endParaRPr lang="pt-BR"/>
           </a:p>
@@ -2207,7 +2207,7 @@
           <a:p>
             <a:fld id="{654E430E-5D4C-4874-960B-D673A28B4FD3}" type="datetimeFigureOut">
               <a:rPr lang="pt-BR" smtClean="0"/>
-              <a:t>21/08/2023</a:t>
+              <a:t>22/08/2023</a:t>
             </a:fld>
             <a:endParaRPr lang="pt-BR"/>
           </a:p>
@@ -2415,7 +2415,7 @@
           <a:p>
             <a:fld id="{654E430E-5D4C-4874-960B-D673A28B4FD3}" type="datetimeFigureOut">
               <a:rPr lang="pt-BR" smtClean="0"/>
-              <a:t>21/08/2023</a:t>
+              <a:t>22/08/2023</a:t>
             </a:fld>
             <a:endParaRPr lang="pt-BR"/>
           </a:p>
@@ -2613,7 +2613,7 @@
           <a:p>
             <a:fld id="{654E430E-5D4C-4874-960B-D673A28B4FD3}" type="datetimeFigureOut">
               <a:rPr lang="pt-BR" smtClean="0"/>
-              <a:t>21/08/2023</a:t>
+              <a:t>22/08/2023</a:t>
             </a:fld>
             <a:endParaRPr lang="pt-BR"/>
           </a:p>
@@ -2888,7 +2888,7 @@
           <a:p>
             <a:fld id="{654E430E-5D4C-4874-960B-D673A28B4FD3}" type="datetimeFigureOut">
               <a:rPr lang="pt-BR" smtClean="0"/>
-              <a:t>21/08/2023</a:t>
+              <a:t>22/08/2023</a:t>
             </a:fld>
             <a:endParaRPr lang="pt-BR"/>
           </a:p>
@@ -3153,7 +3153,7 @@
           <a:p>
             <a:fld id="{654E430E-5D4C-4874-960B-D673A28B4FD3}" type="datetimeFigureOut">
               <a:rPr lang="pt-BR" smtClean="0"/>
-              <a:t>21/08/2023</a:t>
+              <a:t>22/08/2023</a:t>
             </a:fld>
             <a:endParaRPr lang="pt-BR"/>
           </a:p>
@@ -3565,7 +3565,7 @@
           <a:p>
             <a:fld id="{654E430E-5D4C-4874-960B-D673A28B4FD3}" type="datetimeFigureOut">
               <a:rPr lang="pt-BR" smtClean="0"/>
-              <a:t>21/08/2023</a:t>
+              <a:t>22/08/2023</a:t>
             </a:fld>
             <a:endParaRPr lang="pt-BR"/>
           </a:p>
@@ -3706,7 +3706,7 @@
           <a:p>
             <a:fld id="{654E430E-5D4C-4874-960B-D673A28B4FD3}" type="datetimeFigureOut">
               <a:rPr lang="pt-BR" smtClean="0"/>
-              <a:t>21/08/2023</a:t>
+              <a:t>22/08/2023</a:t>
             </a:fld>
             <a:endParaRPr lang="pt-BR"/>
           </a:p>
@@ -3819,7 +3819,7 @@
           <a:p>
             <a:fld id="{654E430E-5D4C-4874-960B-D673A28B4FD3}" type="datetimeFigureOut">
               <a:rPr lang="pt-BR" smtClean="0"/>
-              <a:t>21/08/2023</a:t>
+              <a:t>22/08/2023</a:t>
             </a:fld>
             <a:endParaRPr lang="pt-BR"/>
           </a:p>
@@ -4130,7 +4130,7 @@
           <a:p>
             <a:fld id="{654E430E-5D4C-4874-960B-D673A28B4FD3}" type="datetimeFigureOut">
               <a:rPr lang="pt-BR" smtClean="0"/>
-              <a:t>21/08/2023</a:t>
+              <a:t>22/08/2023</a:t>
             </a:fld>
             <a:endParaRPr lang="pt-BR"/>
           </a:p>
@@ -4418,7 +4418,7 @@
           <a:p>
             <a:fld id="{654E430E-5D4C-4874-960B-D673A28B4FD3}" type="datetimeFigureOut">
               <a:rPr lang="pt-BR" smtClean="0"/>
-              <a:t>21/08/2023</a:t>
+              <a:t>22/08/2023</a:t>
             </a:fld>
             <a:endParaRPr lang="pt-BR"/>
           </a:p>
@@ -4659,7 +4659,7 @@
           <a:p>
             <a:fld id="{654E430E-5D4C-4874-960B-D673A28B4FD3}" type="datetimeFigureOut">
               <a:rPr lang="pt-BR" smtClean="0"/>
-              <a:t>21/08/2023</a:t>
+              <a:t>22/08/2023</a:t>
             </a:fld>
             <a:endParaRPr lang="pt-BR"/>
           </a:p>
@@ -9084,12 +9084,12 @@
         <p:spPr>
           <a:xfrm>
             <a:off x="412956" y="1330500"/>
-            <a:ext cx="8131275" cy="5030971"/>
+            <a:ext cx="8396747" cy="5316106"/>
           </a:xfrm>
         </p:spPr>
         <p:txBody>
           <a:bodyPr>
-            <a:normAutofit fontScale="92500" lnSpcReduction="20000"/>
+            <a:normAutofit fontScale="77500" lnSpcReduction="20000"/>
           </a:bodyPr>
           <a:lstStyle/>
           <a:p>
@@ -9107,18 +9107,7 @@
               <a:buFont typeface="Arial" panose="020B0604020202020204" pitchFamily="34" charset="0"/>
               <a:buChar char="•"/>
             </a:pPr>
-            <a:r>
-              <a:rPr lang="pt-BR" dirty="0"/>
-              <a:t>Formado em Ciência da Computação pelo Centro Universitário Filadélfia (</a:t>
-            </a:r>
-            <a:r>
-              <a:rPr lang="pt-BR" dirty="0" err="1"/>
-              <a:t>UniFil</a:t>
-            </a:r>
-            <a:r>
-              <a:rPr lang="pt-BR" dirty="0"/>
-              <a:t> – Londrina, PR) e pós-graduado em Ciência de Dados &amp; Big Data na PUC-MG.</a:t>
-            </a:r>
+            <a:endParaRPr lang="pt-BR" dirty="0"/>
           </a:p>
           <a:p>
             <a:pPr marL="342900" indent="-342900" algn="just">
@@ -9127,7 +9116,23 @@
             </a:pPr>
             <a:r>
               <a:rPr lang="pt-BR" dirty="0"/>
-              <a:t>Aprox. 6 anos e meio de atuação no mercado de tecnologia.</a:t>
+              <a:t>Formado em Ciência da Computação pelo Centro Universitário Filadélfia (</a:t>
+            </a:r>
+            <a:r>
+              <a:rPr lang="pt-BR" dirty="0" err="1"/>
+              <a:t>UniFil</a:t>
+            </a:r>
+            <a:r>
+              <a:rPr lang="pt-BR" dirty="0"/>
+              <a:t> – Londrina, PR) e </a:t>
+            </a:r>
+            <a:r>
+              <a:rPr lang="pt-BR" dirty="0" err="1"/>
+              <a:t>Pós-Gaduado</a:t>
+            </a:r>
+            <a:r>
+              <a:rPr lang="pt-BR" dirty="0"/>
+              <a:t> em Ciência de Dados &amp; Big Data na PUC-MG.</a:t>
             </a:r>
           </a:p>
           <a:p>
@@ -9135,26 +9140,7 @@
               <a:buFont typeface="Arial" panose="020B0604020202020204" pitchFamily="34" charset="0"/>
               <a:buChar char="•"/>
             </a:pPr>
-            <a:r>
-              <a:rPr lang="pt-BR" dirty="0"/>
-              <a:t>Instrutor aqui na </a:t>
-            </a:r>
-            <a:r>
-              <a:rPr lang="pt-BR" dirty="0" err="1"/>
-              <a:t>Udemy</a:t>
-            </a:r>
-            <a:r>
-              <a:rPr lang="pt-BR" dirty="0"/>
-              <a:t>, com 2 cursos publicados, e dono do canal Comics &amp; </a:t>
-            </a:r>
-            <a:r>
-              <a:rPr lang="pt-BR" dirty="0" err="1"/>
-              <a:t>Code</a:t>
-            </a:r>
-            <a:r>
-              <a:rPr lang="pt-BR" dirty="0"/>
-              <a:t>, que tem conteúdos sobre programação e quadrinhos.</a:t>
-            </a:r>
+            <a:endParaRPr lang="pt-BR" dirty="0"/>
           </a:p>
           <a:p>
             <a:pPr marL="342900" indent="-342900" algn="just">
@@ -9163,15 +9149,7 @@
             </a:pPr>
             <a:r>
               <a:rPr lang="pt-BR" dirty="0"/>
-              <a:t>Atualmente trabalho sou Desenvolvedor Back-</a:t>
-            </a:r>
-            <a:r>
-              <a:rPr lang="pt-BR" dirty="0" err="1"/>
-              <a:t>End</a:t>
-            </a:r>
-            <a:r>
-              <a:rPr lang="pt-BR" dirty="0"/>
-              <a:t> Especialista.</a:t>
+              <a:t>Aprox. 7 anos e meio de atuação no mercado de tecnologia.</a:t>
             </a:r>
           </a:p>
           <a:p>
@@ -9179,10 +9157,7 @@
               <a:buFont typeface="Arial" panose="020B0604020202020204" pitchFamily="34" charset="0"/>
               <a:buChar char="•"/>
             </a:pPr>
-            <a:r>
-              <a:rPr lang="pt-BR" dirty="0"/>
-              <a:t>Trabalho com tecnologias Java | Spring e com tecnologias Node.js</a:t>
-            </a:r>
+            <a:endParaRPr lang="pt-BR" dirty="0"/>
           </a:p>
           <a:p>
             <a:pPr marL="342900" indent="-342900" algn="just">
@@ -9191,7 +9166,23 @@
             </a:pPr>
             <a:r>
               <a:rPr lang="pt-BR" dirty="0"/>
-              <a:t>Atuo principalmente com desenvolvimento de APIs e arquitetura de microsserviços</a:t>
+              <a:t>Instrutor aqui na </a:t>
+            </a:r>
+            <a:r>
+              <a:rPr lang="pt-BR" dirty="0" err="1"/>
+              <a:t>Udemy</a:t>
+            </a:r>
+            <a:r>
+              <a:rPr lang="pt-BR" dirty="0"/>
+              <a:t>, com 3 cursos publicados, e dono do canal Comics &amp; </a:t>
+            </a:r>
+            <a:r>
+              <a:rPr lang="pt-BR" dirty="0" err="1"/>
+              <a:t>Code</a:t>
+            </a:r>
+            <a:r>
+              <a:rPr lang="pt-BR" dirty="0"/>
+              <a:t>, que tem conteúdos sobre programação e quadrinhos.</a:t>
             </a:r>
           </a:p>
           <a:p>
@@ -9199,16 +9190,6 @@
               <a:buFont typeface="Arial" panose="020B0604020202020204" pitchFamily="34" charset="0"/>
               <a:buChar char="•"/>
             </a:pPr>
-            <a:r>
-              <a:rPr lang="pt-BR" dirty="0"/>
-              <a:t>LinkedIn: </a:t>
-            </a:r>
-            <a:r>
-              <a:rPr lang="pt-BR" dirty="0">
-                <a:hlinkClick r:id="rId3"/>
-              </a:rPr>
-              <a:t>https://www.linkedin.com/in/victorhugonegrisoli/</a:t>
-            </a:r>
             <a:endParaRPr lang="pt-BR" dirty="0"/>
           </a:p>
           <a:p>
@@ -9217,22 +9198,32 @@
               <a:buChar char="•"/>
             </a:pPr>
             <a:r>
-              <a:rPr lang="pt-BR" dirty="0" err="1"/>
-              <a:t>Github</a:t>
-            </a:r>
-            <a:r>
               <a:rPr lang="pt-BR" dirty="0"/>
-              <a:t>: </a:t>
-            </a:r>
-            <a:r>
-              <a:rPr lang="pt-BR" dirty="0">
-                <a:hlinkClick r:id="rId4"/>
-              </a:rPr>
-              <a:t>https://github.com/vhnegrisoli</a:t>
+              <a:t>Atualmente sou </a:t>
+            </a:r>
+            <a:r>
+              <a:rPr lang="pt-BR" b="1" dirty="0"/>
+              <a:t>Desenvolvedor Back-</a:t>
+            </a:r>
+            <a:r>
+              <a:rPr lang="pt-BR" b="1" dirty="0" err="1"/>
+              <a:t>End</a:t>
+            </a:r>
+            <a:r>
+              <a:rPr lang="pt-BR" b="1" dirty="0"/>
+              <a:t> Especialista </a:t>
             </a:r>
             <a:r>
               <a:rPr lang="pt-BR" dirty="0"/>
-              <a:t>	</a:t>
+              <a:t>e trabalho com tecnologias Java | Spring e com tecnologias </a:t>
+            </a:r>
+            <a:r>
+              <a:rPr lang="pt-BR" b="1" dirty="0"/>
+              <a:t>Node.js</a:t>
+            </a:r>
+            <a:r>
+              <a:rPr lang="pt-BR" dirty="0"/>
+              <a:t>.</a:t>
             </a:r>
           </a:p>
           <a:p>
@@ -9240,21 +9231,84 @@
               <a:buFont typeface="Arial" panose="020B0604020202020204" pitchFamily="34" charset="0"/>
               <a:buChar char="•"/>
             </a:pPr>
+            <a:endParaRPr lang="pt-BR" dirty="0"/>
+          </a:p>
+          <a:p>
+            <a:pPr marL="342900" indent="-342900" algn="just">
+              <a:buFont typeface="Arial" panose="020B0604020202020204" pitchFamily="34" charset="0"/>
+              <a:buChar char="•"/>
+            </a:pPr>
             <a:r>
               <a:rPr lang="pt-BR" dirty="0"/>
-              <a:t>E-mail: </a:t>
+              <a:t>Atuo principalmente com desenvolvimento de </a:t>
+            </a:r>
+            <a:r>
+              <a:rPr lang="pt-BR" b="1" dirty="0"/>
+              <a:t>APIs</a:t>
+            </a:r>
+            <a:r>
+              <a:rPr lang="pt-BR" dirty="0"/>
+              <a:t> e </a:t>
+            </a:r>
+            <a:r>
+              <a:rPr lang="pt-BR" b="1" dirty="0"/>
+              <a:t>arquitetura de </a:t>
+            </a:r>
+            <a:r>
+              <a:rPr lang="pt-BR" b="1" dirty="0" err="1"/>
+              <a:t>microsserviços</a:t>
+            </a:r>
+            <a:r>
+              <a:rPr lang="pt-BR" dirty="0"/>
+              <a:t>.</a:t>
+            </a:r>
+          </a:p>
+          <a:p>
+            <a:pPr marL="342900" indent="-342900" algn="just">
+              <a:buFont typeface="Arial" panose="020B0604020202020204" pitchFamily="34" charset="0"/>
+              <a:buChar char="•"/>
+            </a:pPr>
+            <a:endParaRPr lang="pt-BR" dirty="0"/>
+          </a:p>
+          <a:p>
+            <a:pPr marL="342900" indent="-342900" algn="just">
+              <a:buFont typeface="Arial" panose="020B0604020202020204" pitchFamily="34" charset="0"/>
+              <a:buChar char="•"/>
+            </a:pPr>
+            <a:r>
+              <a:rPr lang="pt-BR" dirty="0"/>
+              <a:t>Redes sociais: </a:t>
+            </a:r>
+            <a:r>
+              <a:rPr lang="pt-BR" dirty="0">
+                <a:hlinkClick r:id="rId3"/>
+              </a:rPr>
+              <a:t>LinkedIn</a:t>
+            </a:r>
+            <a:r>
+              <a:rPr lang="pt-BR" dirty="0"/>
+              <a:t>, </a:t>
+            </a:r>
+            <a:r>
+              <a:rPr lang="pt-BR" dirty="0">
+                <a:hlinkClick r:id="rId4"/>
+              </a:rPr>
+              <a:t>GitHub</a:t>
+            </a:r>
+            <a:r>
+              <a:rPr lang="pt-BR" dirty="0"/>
+              <a:t>, </a:t>
             </a:r>
             <a:r>
               <a:rPr lang="pt-BR" dirty="0">
                 <a:hlinkClick r:id="rId5"/>
               </a:rPr>
-              <a:t>victorhugonegrisoli.ccs@gmail.com</a:t>
-            </a:r>
-            <a:endParaRPr lang="pt-BR" dirty="0"/>
-          </a:p>
-          <a:p>
-            <a:pPr algn="just"/>
-            <a:endParaRPr lang="pt-BR" dirty="0"/>
+              <a:t>Gmail</a:t>
+            </a:r>
+            <a:r>
+              <a:rPr lang="pt-BR" dirty="0"/>
+              <a:t>.</a:t>
+            </a:r>
           </a:p>
         </p:txBody>
       </p:sp>
@@ -9351,8 +9405,44 @@
         </p:blipFill>
         <p:spPr>
           <a:xfrm>
-            <a:off x="8659891" y="3967316"/>
-            <a:ext cx="3355007" cy="2158181"/>
+            <a:off x="9055446" y="3770400"/>
+            <a:ext cx="2812152" cy="1808978"/>
+          </a:xfrm>
+          <a:prstGeom prst="rect">
+            <a:avLst/>
+          </a:prstGeom>
+        </p:spPr>
+      </p:pic>
+      <p:pic>
+        <p:nvPicPr>
+          <p:cNvPr id="5" name="Imagem 4" descr="Forma&#10;&#10;Descrição gerada automaticamente com confiança média">
+            <a:extLst>
+              <a:ext uri="{FF2B5EF4-FFF2-40B4-BE49-F238E27FC236}">
+                <a16:creationId xmlns:a16="http://schemas.microsoft.com/office/drawing/2014/main" id="{13769FF8-CA49-A191-ED97-DBE0983F82DA}"/>
+              </a:ext>
+            </a:extLst>
+          </p:cNvPr>
+          <p:cNvPicPr>
+            <a:picLocks noChangeAspect="1"/>
+          </p:cNvPicPr>
+          <p:nvPr/>
+        </p:nvPicPr>
+        <p:blipFill>
+          <a:blip r:embed="rId8">
+            <a:extLst>
+              <a:ext uri="{28A0092B-C50C-407E-A947-70E740481C1C}">
+                <a14:useLocalDpi xmlns:a14="http://schemas.microsoft.com/office/drawing/2010/main" val="0"/>
+              </a:ext>
+            </a:extLst>
+          </a:blip>
+          <a:stretch>
+            <a:fillRect/>
+          </a:stretch>
+        </p:blipFill>
+        <p:spPr>
+          <a:xfrm>
+            <a:off x="9244484" y="5737630"/>
+            <a:ext cx="2434077" cy="908976"/>
           </a:xfrm>
           <a:prstGeom prst="rect">
             <a:avLst/>

--- a/Conteúdos/Apresentação - Saga.pptx
+++ b/Conteúdos/Apresentação - Saga.pptx
@@ -251,7 +251,7 @@
           <a:p>
             <a:fld id="{1A658991-3A10-4D75-89CC-FE5310122811}" type="datetimeFigureOut">
               <a:rPr lang="pt-BR" smtClean="0"/>
-              <a:t>22/08/2023</a:t>
+              <a:t>23/08/2023</a:t>
             </a:fld>
             <a:endParaRPr lang="pt-BR"/>
           </a:p>
@@ -2009,7 +2009,7 @@
           <a:p>
             <a:fld id="{654E430E-5D4C-4874-960B-D673A28B4FD3}" type="datetimeFigureOut">
               <a:rPr lang="pt-BR" smtClean="0"/>
-              <a:t>22/08/2023</a:t>
+              <a:t>23/08/2023</a:t>
             </a:fld>
             <a:endParaRPr lang="pt-BR"/>
           </a:p>
@@ -2207,7 +2207,7 @@
           <a:p>
             <a:fld id="{654E430E-5D4C-4874-960B-D673A28B4FD3}" type="datetimeFigureOut">
               <a:rPr lang="pt-BR" smtClean="0"/>
-              <a:t>22/08/2023</a:t>
+              <a:t>23/08/2023</a:t>
             </a:fld>
             <a:endParaRPr lang="pt-BR"/>
           </a:p>
@@ -2415,7 +2415,7 @@
           <a:p>
             <a:fld id="{654E430E-5D4C-4874-960B-D673A28B4FD3}" type="datetimeFigureOut">
               <a:rPr lang="pt-BR" smtClean="0"/>
-              <a:t>22/08/2023</a:t>
+              <a:t>23/08/2023</a:t>
             </a:fld>
             <a:endParaRPr lang="pt-BR"/>
           </a:p>
@@ -2613,7 +2613,7 @@
           <a:p>
             <a:fld id="{654E430E-5D4C-4874-960B-D673A28B4FD3}" type="datetimeFigureOut">
               <a:rPr lang="pt-BR" smtClean="0"/>
-              <a:t>22/08/2023</a:t>
+              <a:t>23/08/2023</a:t>
             </a:fld>
             <a:endParaRPr lang="pt-BR"/>
           </a:p>
@@ -2888,7 +2888,7 @@
           <a:p>
             <a:fld id="{654E430E-5D4C-4874-960B-D673A28B4FD3}" type="datetimeFigureOut">
               <a:rPr lang="pt-BR" smtClean="0"/>
-              <a:t>22/08/2023</a:t>
+              <a:t>23/08/2023</a:t>
             </a:fld>
             <a:endParaRPr lang="pt-BR"/>
           </a:p>
@@ -3153,7 +3153,7 @@
           <a:p>
             <a:fld id="{654E430E-5D4C-4874-960B-D673A28B4FD3}" type="datetimeFigureOut">
               <a:rPr lang="pt-BR" smtClean="0"/>
-              <a:t>22/08/2023</a:t>
+              <a:t>23/08/2023</a:t>
             </a:fld>
             <a:endParaRPr lang="pt-BR"/>
           </a:p>
@@ -3565,7 +3565,7 @@
           <a:p>
             <a:fld id="{654E430E-5D4C-4874-960B-D673A28B4FD3}" type="datetimeFigureOut">
               <a:rPr lang="pt-BR" smtClean="0"/>
-              <a:t>22/08/2023</a:t>
+              <a:t>23/08/2023</a:t>
             </a:fld>
             <a:endParaRPr lang="pt-BR"/>
           </a:p>
@@ -3706,7 +3706,7 @@
           <a:p>
             <a:fld id="{654E430E-5D4C-4874-960B-D673A28B4FD3}" type="datetimeFigureOut">
               <a:rPr lang="pt-BR" smtClean="0"/>
-              <a:t>22/08/2023</a:t>
+              <a:t>23/08/2023</a:t>
             </a:fld>
             <a:endParaRPr lang="pt-BR"/>
           </a:p>
@@ -3819,7 +3819,7 @@
           <a:p>
             <a:fld id="{654E430E-5D4C-4874-960B-D673A28B4FD3}" type="datetimeFigureOut">
               <a:rPr lang="pt-BR" smtClean="0"/>
-              <a:t>22/08/2023</a:t>
+              <a:t>23/08/2023</a:t>
             </a:fld>
             <a:endParaRPr lang="pt-BR"/>
           </a:p>
@@ -4130,7 +4130,7 @@
           <a:p>
             <a:fld id="{654E430E-5D4C-4874-960B-D673A28B4FD3}" type="datetimeFigureOut">
               <a:rPr lang="pt-BR" smtClean="0"/>
-              <a:t>22/08/2023</a:t>
+              <a:t>23/08/2023</a:t>
             </a:fld>
             <a:endParaRPr lang="pt-BR"/>
           </a:p>
@@ -4418,7 +4418,7 @@
           <a:p>
             <a:fld id="{654E430E-5D4C-4874-960B-D673A28B4FD3}" type="datetimeFigureOut">
               <a:rPr lang="pt-BR" smtClean="0"/>
-              <a:t>22/08/2023</a:t>
+              <a:t>23/08/2023</a:t>
             </a:fld>
             <a:endParaRPr lang="pt-BR"/>
           </a:p>
@@ -4659,7 +4659,7 @@
           <a:p>
             <a:fld id="{654E430E-5D4C-4874-960B-D673A28B4FD3}" type="datetimeFigureOut">
               <a:rPr lang="pt-BR" smtClean="0"/>
-              <a:t>22/08/2023</a:t>
+              <a:t>23/08/2023</a:t>
             </a:fld>
             <a:endParaRPr lang="pt-BR"/>
           </a:p>
@@ -9149,7 +9149,7 @@
             </a:pPr>
             <a:r>
               <a:rPr lang="pt-BR" dirty="0"/>
-              <a:t>Aprox. 7 anos e meio de atuação no mercado de tecnologia.</a:t>
+              <a:t>Aprox. 7 anos de atuação no mercado de tecnologia.</a:t>
             </a:r>
           </a:p>
           <a:p>

--- a/Conteúdos/Apresentação - Saga.pptx
+++ b/Conteúdos/Apresentação - Saga.pptx
@@ -9215,7 +9215,15 @@
             </a:r>
             <a:r>
               <a:rPr lang="pt-BR" dirty="0"/>
-              <a:t>e trabalho com tecnologias Java | Spring e com tecnologias </a:t>
+              <a:t>e trabalho com tecnologias </a:t>
+            </a:r>
+            <a:r>
+              <a:rPr lang="pt-BR" b="1" dirty="0"/>
+              <a:t>Java | Spring </a:t>
+            </a:r>
+            <a:r>
+              <a:rPr lang="pt-BR" dirty="0"/>
+              <a:t>e com tecnologias </a:t>
             </a:r>
             <a:r>
               <a:rPr lang="pt-BR" b="1" dirty="0"/>

--- a/Conteúdos/Apresentação - Saga.pptx
+++ b/Conteúdos/Apresentação - Saga.pptx
@@ -251,7 +251,7 @@
           <a:p>
             <a:fld id="{1A658991-3A10-4D75-89CC-FE5310122811}" type="datetimeFigureOut">
               <a:rPr lang="pt-BR" smtClean="0"/>
-              <a:t>23/08/2023</a:t>
+              <a:t>07/09/2023</a:t>
             </a:fld>
             <a:endParaRPr lang="pt-BR"/>
           </a:p>
@@ -1003,7 +1003,7 @@
           <a:p>
             <a:fld id="{EB5BFA20-7DA4-47B3-BF29-502111A061EB}" type="slidenum">
               <a:rPr lang="pt-BR" smtClean="0"/>
-              <a:t>53</a:t>
+              <a:t>42</a:t>
             </a:fld>
             <a:endParaRPr lang="pt-BR"/>
           </a:p>
@@ -1012,7 +1012,7 @@
     </p:spTree>
     <p:extLst>
       <p:ext uri="{BB962C8B-B14F-4D97-AF65-F5344CB8AC3E}">
-        <p14:creationId xmlns:p14="http://schemas.microsoft.com/office/powerpoint/2010/main" val="3332445481"/>
+        <p14:creationId xmlns:p14="http://schemas.microsoft.com/office/powerpoint/2010/main" val="2842272161"/>
       </p:ext>
     </p:extLst>
   </p:cSld>
@@ -1087,6 +1087,90 @@
           <a:p>
             <a:fld id="{EB5BFA20-7DA4-47B3-BF29-502111A061EB}" type="slidenum">
               <a:rPr lang="pt-BR" smtClean="0"/>
+              <a:t>53</a:t>
+            </a:fld>
+            <a:endParaRPr lang="pt-BR"/>
+          </a:p>
+        </p:txBody>
+      </p:sp>
+    </p:spTree>
+    <p:extLst>
+      <p:ext uri="{BB962C8B-B14F-4D97-AF65-F5344CB8AC3E}">
+        <p14:creationId xmlns:p14="http://schemas.microsoft.com/office/powerpoint/2010/main" val="3332445481"/>
+      </p:ext>
+    </p:extLst>
+  </p:cSld>
+  <p:clrMapOvr>
+    <a:masterClrMapping/>
+  </p:clrMapOvr>
+</p:notes>
+</file>
+
+<file path=ppt/notesSlides/notesSlide16.xml><?xml version="1.0" encoding="utf-8"?>
+<p:notes xmlns:a="http://schemas.openxmlformats.org/drawingml/2006/main" xmlns:r="http://schemas.openxmlformats.org/officeDocument/2006/relationships" xmlns:p="http://schemas.openxmlformats.org/presentationml/2006/main">
+  <p:cSld>
+    <p:spTree>
+      <p:nvGrpSpPr>
+        <p:cNvPr id="1" name=""/>
+        <p:cNvGrpSpPr/>
+        <p:nvPr/>
+      </p:nvGrpSpPr>
+      <p:grpSpPr>
+        <a:xfrm>
+          <a:off x="0" y="0"/>
+          <a:ext cx="0" cy="0"/>
+          <a:chOff x="0" y="0"/>
+          <a:chExt cx="0" cy="0"/>
+        </a:xfrm>
+      </p:grpSpPr>
+      <p:sp>
+        <p:nvSpPr>
+          <p:cNvPr id="2" name="Espaço Reservado para Imagem de Slide 1"/>
+          <p:cNvSpPr>
+            <a:spLocks noGrp="1" noRot="1" noChangeAspect="1"/>
+          </p:cNvSpPr>
+          <p:nvPr>
+            <p:ph type="sldImg"/>
+          </p:nvPr>
+        </p:nvSpPr>
+        <p:spPr/>
+      </p:sp>
+      <p:sp>
+        <p:nvSpPr>
+          <p:cNvPr id="3" name="Espaço Reservado para Anotações 2"/>
+          <p:cNvSpPr>
+            <a:spLocks noGrp="1"/>
+          </p:cNvSpPr>
+          <p:nvPr>
+            <p:ph type="body" idx="1"/>
+          </p:nvPr>
+        </p:nvSpPr>
+        <p:spPr/>
+        <p:txBody>
+          <a:bodyPr/>
+          <a:lstStyle/>
+          <a:p>
+            <a:endParaRPr lang="pt-BR" dirty="0"/>
+          </a:p>
+        </p:txBody>
+      </p:sp>
+      <p:sp>
+        <p:nvSpPr>
+          <p:cNvPr id="4" name="Espaço Reservado para Número de Slide 3"/>
+          <p:cNvSpPr>
+            <a:spLocks noGrp="1"/>
+          </p:cNvSpPr>
+          <p:nvPr>
+            <p:ph type="sldNum" sz="quarter" idx="5"/>
+          </p:nvPr>
+        </p:nvSpPr>
+        <p:spPr/>
+        <p:txBody>
+          <a:bodyPr/>
+          <a:lstStyle/>
+          <a:p>
+            <a:fld id="{EB5BFA20-7DA4-47B3-BF29-502111A061EB}" type="slidenum">
+              <a:rPr lang="pt-BR" smtClean="0"/>
               <a:t>54</a:t>
             </a:fld>
             <a:endParaRPr lang="pt-BR"/>
@@ -1106,7 +1190,7 @@
 </p:notes>
 </file>
 
-<file path=ppt/notesSlides/notesSlide16.xml><?xml version="1.0" encoding="utf-8"?>
+<file path=ppt/notesSlides/notesSlide17.xml><?xml version="1.0" encoding="utf-8"?>
 <p:notes xmlns:a="http://schemas.openxmlformats.org/drawingml/2006/main" xmlns:r="http://schemas.openxmlformats.org/officeDocument/2006/relationships" xmlns:p="http://schemas.openxmlformats.org/presentationml/2006/main">
   <p:cSld>
     <p:spTree>
@@ -2009,7 +2093,7 @@
           <a:p>
             <a:fld id="{654E430E-5D4C-4874-960B-D673A28B4FD3}" type="datetimeFigureOut">
               <a:rPr lang="pt-BR" smtClean="0"/>
-              <a:t>23/08/2023</a:t>
+              <a:t>07/09/2023</a:t>
             </a:fld>
             <a:endParaRPr lang="pt-BR"/>
           </a:p>
@@ -2207,7 +2291,7 @@
           <a:p>
             <a:fld id="{654E430E-5D4C-4874-960B-D673A28B4FD3}" type="datetimeFigureOut">
               <a:rPr lang="pt-BR" smtClean="0"/>
-              <a:t>23/08/2023</a:t>
+              <a:t>07/09/2023</a:t>
             </a:fld>
             <a:endParaRPr lang="pt-BR"/>
           </a:p>
@@ -2415,7 +2499,7 @@
           <a:p>
             <a:fld id="{654E430E-5D4C-4874-960B-D673A28B4FD3}" type="datetimeFigureOut">
               <a:rPr lang="pt-BR" smtClean="0"/>
-              <a:t>23/08/2023</a:t>
+              <a:t>07/09/2023</a:t>
             </a:fld>
             <a:endParaRPr lang="pt-BR"/>
           </a:p>
@@ -2613,7 +2697,7 @@
           <a:p>
             <a:fld id="{654E430E-5D4C-4874-960B-D673A28B4FD3}" type="datetimeFigureOut">
               <a:rPr lang="pt-BR" smtClean="0"/>
-              <a:t>23/08/2023</a:t>
+              <a:t>07/09/2023</a:t>
             </a:fld>
             <a:endParaRPr lang="pt-BR"/>
           </a:p>
@@ -2888,7 +2972,7 @@
           <a:p>
             <a:fld id="{654E430E-5D4C-4874-960B-D673A28B4FD3}" type="datetimeFigureOut">
               <a:rPr lang="pt-BR" smtClean="0"/>
-              <a:t>23/08/2023</a:t>
+              <a:t>07/09/2023</a:t>
             </a:fld>
             <a:endParaRPr lang="pt-BR"/>
           </a:p>
@@ -3153,7 +3237,7 @@
           <a:p>
             <a:fld id="{654E430E-5D4C-4874-960B-D673A28B4FD3}" type="datetimeFigureOut">
               <a:rPr lang="pt-BR" smtClean="0"/>
-              <a:t>23/08/2023</a:t>
+              <a:t>07/09/2023</a:t>
             </a:fld>
             <a:endParaRPr lang="pt-BR"/>
           </a:p>
@@ -3565,7 +3649,7 @@
           <a:p>
             <a:fld id="{654E430E-5D4C-4874-960B-D673A28B4FD3}" type="datetimeFigureOut">
               <a:rPr lang="pt-BR" smtClean="0"/>
-              <a:t>23/08/2023</a:t>
+              <a:t>07/09/2023</a:t>
             </a:fld>
             <a:endParaRPr lang="pt-BR"/>
           </a:p>
@@ -3706,7 +3790,7 @@
           <a:p>
             <a:fld id="{654E430E-5D4C-4874-960B-D673A28B4FD3}" type="datetimeFigureOut">
               <a:rPr lang="pt-BR" smtClean="0"/>
-              <a:t>23/08/2023</a:t>
+              <a:t>07/09/2023</a:t>
             </a:fld>
             <a:endParaRPr lang="pt-BR"/>
           </a:p>
@@ -3819,7 +3903,7 @@
           <a:p>
             <a:fld id="{654E430E-5D4C-4874-960B-D673A28B4FD3}" type="datetimeFigureOut">
               <a:rPr lang="pt-BR" smtClean="0"/>
-              <a:t>23/08/2023</a:t>
+              <a:t>07/09/2023</a:t>
             </a:fld>
             <a:endParaRPr lang="pt-BR"/>
           </a:p>
@@ -4130,7 +4214,7 @@
           <a:p>
             <a:fld id="{654E430E-5D4C-4874-960B-D673A28B4FD3}" type="datetimeFigureOut">
               <a:rPr lang="pt-BR" smtClean="0"/>
-              <a:t>23/08/2023</a:t>
+              <a:t>07/09/2023</a:t>
             </a:fld>
             <a:endParaRPr lang="pt-BR"/>
           </a:p>
@@ -4418,7 +4502,7 @@
           <a:p>
             <a:fld id="{654E430E-5D4C-4874-960B-D673A28B4FD3}" type="datetimeFigureOut">
               <a:rPr lang="pt-BR" smtClean="0"/>
-              <a:t>23/08/2023</a:t>
+              <a:t>07/09/2023</a:t>
             </a:fld>
             <a:endParaRPr lang="pt-BR"/>
           </a:p>
@@ -4659,7 +4743,7 @@
           <a:p>
             <a:fld id="{654E430E-5D4C-4874-960B-D673A28B4FD3}" type="datetimeFigureOut">
               <a:rPr lang="pt-BR" smtClean="0"/>
-              <a:t>23/08/2023</a:t>
+              <a:t>07/09/2023</a:t>
             </a:fld>
             <a:endParaRPr lang="pt-BR"/>
           </a:p>
@@ -20421,7 +20505,7 @@
           <p:nvPr/>
         </p:nvPicPr>
         <p:blipFill rotWithShape="1">
-          <a:blip r:embed="rId2">
+          <a:blip r:embed="rId3">
             <a:alphaModFix amt="20000"/>
             <a:extLst>
               <a:ext uri="{28A0092B-C50C-407E-A947-70E740481C1C}">
@@ -20463,7 +20547,7 @@
           <p:nvPr/>
         </p:nvPicPr>
         <p:blipFill>
-          <a:blip r:embed="rId3">
+          <a:blip r:embed="rId4">
             <a:extLst>
               <a:ext uri="{28A0092B-C50C-407E-A947-70E740481C1C}">
                 <a14:useLocalDpi xmlns:a14="http://schemas.microsoft.com/office/drawing/2010/main" val="0"/>
@@ -20499,11 +20583,11 @@
           <p:nvPr/>
         </p:nvPicPr>
         <p:blipFill>
-          <a:blip r:embed="rId4">
+          <a:blip r:embed="rId5">
             <a:extLst>
               <a:ext uri="{BEBA8EAE-BF5A-486C-A8C5-ECC9F3942E4B}">
                 <a14:imgProps xmlns:a14="http://schemas.microsoft.com/office/drawing/2010/main">
-                  <a14:imgLayer r:embed="rId5">
+                  <a14:imgLayer r:embed="rId6">
                     <a14:imgEffect>
                       <a14:colorTemperature colorTemp="11500"/>
                     </a14:imgEffect>
@@ -21214,7 +21298,7 @@
             </a:r>
             <a:r>
               <a:rPr lang="pt-BR" sz="2500" dirty="0"/>
-              <a:t>é o componente responsável por publicar (produzir) mensagens em um ou mais tópicos.</a:t>
+              <a:t>é o componente responsável por publicar (produzir) eventos em um ou mais tópicos.</a:t>
             </a:r>
             <a:endParaRPr lang="pt-BR" sz="2500" b="1" dirty="0"/>
           </a:p>
@@ -21230,7 +21314,7 @@
             </a:r>
             <a:r>
               <a:rPr lang="pt-BR" sz="2500" dirty="0"/>
-              <a:t>componente responsável por consumir mensagens de um ou mais tópicos, e processá-las de acordo com a lógica de negócio do sistema.</a:t>
+              <a:t>componente responsável por consumir eventos de um ou mais tópicos, e processá-los de acordo com a lógica de negócio do sistema.</a:t>
             </a:r>
           </a:p>
           <a:p>
@@ -21253,7 +21337,7 @@
             </a:r>
             <a:r>
               <a:rPr lang="pt-BR" sz="2500" dirty="0"/>
-              <a:t>é o conjunto de consumidores que trabalham juntos para consumir mensagens de um ou mais tópicos de forma coordenada, permitindo uma maior escalabilidade e tolerância a falhas na leitura de eventos do Kafka.</a:t>
+              <a:t>é o conjunto de consumidores que trabalham juntos para consumir eventos de um ou mais tópicos de forma coordenada, permitindo uma maior escalabilidade e tolerância a falhas na leitura de eventos do Kafka.</a:t>
             </a:r>
           </a:p>
         </p:txBody>
@@ -21501,7 +21585,23 @@
             </a:r>
             <a:r>
               <a:rPr lang="pt-BR" sz="2300" dirty="0"/>
-              <a:t> identificador único associado a cada mensagem em um tópico, indicando a posição relativa da mensagem dentro do tópico. Os offsets são usados pelos consumidores para rastrear o progresso da leitura de mensagens e retomar a partir de uma posição específica em caso de falhas ou reinicializações. Os </a:t>
+              <a:t> identificador único associado a cada </a:t>
+            </a:r>
+            <a:r>
+              <a:rPr lang="pt-BR" sz="2400" dirty="0"/>
+              <a:t>evento</a:t>
+            </a:r>
+            <a:r>
+              <a:rPr lang="pt-BR" sz="2300" dirty="0"/>
+              <a:t> em um tópico, indicando a posição relativa do evento dentro do tópico. Os offsets são usados pelos consumidores para rastrear o progresso da leitura de </a:t>
+            </a:r>
+            <a:r>
+              <a:rPr lang="pt-BR" sz="2400" dirty="0"/>
+              <a:t>eventos </a:t>
+            </a:r>
+            <a:r>
+              <a:rPr lang="pt-BR" sz="2300" dirty="0"/>
+              <a:t>e retomar a partir de uma posição específica em caso de falhas ou reinicializações. Os </a:t>
             </a:r>
             <a:r>
               <a:rPr lang="pt-BR" sz="2300" b="1" dirty="0"/>
@@ -22349,15 +22449,23 @@
             </a:r>
             <a:r>
               <a:rPr lang="pt-BR" sz="2300" dirty="0"/>
-              <a:t> no Kafka refere-se à capacidade de produzir mensagens de forma segura e garantir que a mesma mensagem seja </a:t>
+              <a:t> no Kafka refere-se à capacidade de produzir </a:t>
+            </a:r>
+            <a:r>
+              <a:rPr lang="pt-BR" sz="2400" dirty="0"/>
+              <a:t>eventos</a:t>
+            </a:r>
+            <a:r>
+              <a:rPr lang="pt-BR" sz="2300" dirty="0"/>
+              <a:t> de forma segura e garantir que o mesmo evento seja </a:t>
             </a:r>
             <a:r>
               <a:rPr lang="pt-BR" sz="2300" b="1" dirty="0"/>
-              <a:t>processada apenas uma vez</a:t>
+              <a:t>processado apenas uma vez</a:t>
             </a:r>
             <a:r>
               <a:rPr lang="pt-BR" sz="2300" dirty="0"/>
-              <a:t>, mesmo que seja produzida várias vezes pelo produtor.</a:t>
+              <a:t>, mesmo que seja produzido várias vezes pelo produtor.</a:t>
             </a:r>
           </a:p>
           <a:p>
@@ -23453,7 +23561,15 @@
             </a:r>
             <a:r>
               <a:rPr lang="pt-BR" sz="2200" dirty="0"/>
-              <a:t>), e estes 2 identificares sempre estarão no </a:t>
+              <a:t>), e estes </a:t>
+            </a:r>
+            <a:r>
+              <a:rPr lang="pt-BR" sz="2200"/>
+              <a:t>2 identificadores </a:t>
+            </a:r>
+            <a:r>
+              <a:rPr lang="pt-BR" sz="2200" dirty="0"/>
+              <a:t>sempre estarão no </a:t>
             </a:r>
             <a:r>
               <a:rPr lang="pt-BR" sz="2200" dirty="0" err="1"/>

--- a/Conteúdos/Apresentação - Saga.pptx
+++ b/Conteúdos/Apresentação - Saga.pptx
@@ -251,7 +251,7 @@
           <a:p>
             <a:fld id="{1A658991-3A10-4D75-89CC-FE5310122811}" type="datetimeFigureOut">
               <a:rPr lang="pt-BR" smtClean="0"/>
-              <a:t>07/09/2023</a:t>
+              <a:t>22/09/2023</a:t>
             </a:fld>
             <a:endParaRPr lang="pt-BR"/>
           </a:p>
@@ -2093,7 +2093,7 @@
           <a:p>
             <a:fld id="{654E430E-5D4C-4874-960B-D673A28B4FD3}" type="datetimeFigureOut">
               <a:rPr lang="pt-BR" smtClean="0"/>
-              <a:t>07/09/2023</a:t>
+              <a:t>22/09/2023</a:t>
             </a:fld>
             <a:endParaRPr lang="pt-BR"/>
           </a:p>
@@ -2291,7 +2291,7 @@
           <a:p>
             <a:fld id="{654E430E-5D4C-4874-960B-D673A28B4FD3}" type="datetimeFigureOut">
               <a:rPr lang="pt-BR" smtClean="0"/>
-              <a:t>07/09/2023</a:t>
+              <a:t>22/09/2023</a:t>
             </a:fld>
             <a:endParaRPr lang="pt-BR"/>
           </a:p>
@@ -2499,7 +2499,7 @@
           <a:p>
             <a:fld id="{654E430E-5D4C-4874-960B-D673A28B4FD3}" type="datetimeFigureOut">
               <a:rPr lang="pt-BR" smtClean="0"/>
-              <a:t>07/09/2023</a:t>
+              <a:t>22/09/2023</a:t>
             </a:fld>
             <a:endParaRPr lang="pt-BR"/>
           </a:p>
@@ -2697,7 +2697,7 @@
           <a:p>
             <a:fld id="{654E430E-5D4C-4874-960B-D673A28B4FD3}" type="datetimeFigureOut">
               <a:rPr lang="pt-BR" smtClean="0"/>
-              <a:t>07/09/2023</a:t>
+              <a:t>22/09/2023</a:t>
             </a:fld>
             <a:endParaRPr lang="pt-BR"/>
           </a:p>
@@ -2972,7 +2972,7 @@
           <a:p>
             <a:fld id="{654E430E-5D4C-4874-960B-D673A28B4FD3}" type="datetimeFigureOut">
               <a:rPr lang="pt-BR" smtClean="0"/>
-              <a:t>07/09/2023</a:t>
+              <a:t>22/09/2023</a:t>
             </a:fld>
             <a:endParaRPr lang="pt-BR"/>
           </a:p>
@@ -3237,7 +3237,7 @@
           <a:p>
             <a:fld id="{654E430E-5D4C-4874-960B-D673A28B4FD3}" type="datetimeFigureOut">
               <a:rPr lang="pt-BR" smtClean="0"/>
-              <a:t>07/09/2023</a:t>
+              <a:t>22/09/2023</a:t>
             </a:fld>
             <a:endParaRPr lang="pt-BR"/>
           </a:p>
@@ -3649,7 +3649,7 @@
           <a:p>
             <a:fld id="{654E430E-5D4C-4874-960B-D673A28B4FD3}" type="datetimeFigureOut">
               <a:rPr lang="pt-BR" smtClean="0"/>
-              <a:t>07/09/2023</a:t>
+              <a:t>22/09/2023</a:t>
             </a:fld>
             <a:endParaRPr lang="pt-BR"/>
           </a:p>
@@ -3790,7 +3790,7 @@
           <a:p>
             <a:fld id="{654E430E-5D4C-4874-960B-D673A28B4FD3}" type="datetimeFigureOut">
               <a:rPr lang="pt-BR" smtClean="0"/>
-              <a:t>07/09/2023</a:t>
+              <a:t>22/09/2023</a:t>
             </a:fld>
             <a:endParaRPr lang="pt-BR"/>
           </a:p>
@@ -3903,7 +3903,7 @@
           <a:p>
             <a:fld id="{654E430E-5D4C-4874-960B-D673A28B4FD3}" type="datetimeFigureOut">
               <a:rPr lang="pt-BR" smtClean="0"/>
-              <a:t>07/09/2023</a:t>
+              <a:t>22/09/2023</a:t>
             </a:fld>
             <a:endParaRPr lang="pt-BR"/>
           </a:p>
@@ -4214,7 +4214,7 @@
           <a:p>
             <a:fld id="{654E430E-5D4C-4874-960B-D673A28B4FD3}" type="datetimeFigureOut">
               <a:rPr lang="pt-BR" smtClean="0"/>
-              <a:t>07/09/2023</a:t>
+              <a:t>22/09/2023</a:t>
             </a:fld>
             <a:endParaRPr lang="pt-BR"/>
           </a:p>
@@ -4502,7 +4502,7 @@
           <a:p>
             <a:fld id="{654E430E-5D4C-4874-960B-D673A28B4FD3}" type="datetimeFigureOut">
               <a:rPr lang="pt-BR" smtClean="0"/>
-              <a:t>07/09/2023</a:t>
+              <a:t>22/09/2023</a:t>
             </a:fld>
             <a:endParaRPr lang="pt-BR"/>
           </a:p>
@@ -4743,7 +4743,7 @@
           <a:p>
             <a:fld id="{654E430E-5D4C-4874-960B-D673A28B4FD3}" type="datetimeFigureOut">
               <a:rPr lang="pt-BR" smtClean="0"/>
-              <a:t>07/09/2023</a:t>
+              <a:t>22/09/2023</a:t>
             </a:fld>
             <a:endParaRPr lang="pt-BR"/>
           </a:p>
@@ -22841,10 +22841,10 @@
       </p:grpSpPr>
       <p:pic>
         <p:nvPicPr>
-          <p:cNvPr id="7" name="Imagem 6" descr="Diagrama&#10;&#10;Descrição gerada automaticamente">
-            <a:extLst>
-              <a:ext uri="{FF2B5EF4-FFF2-40B4-BE49-F238E27FC236}">
-                <a16:creationId xmlns:a16="http://schemas.microsoft.com/office/drawing/2014/main" id="{1D9DA4A2-BF47-6DEF-196D-B913C5A40FAC}"/>
+          <p:cNvPr id="6" name="Imagem 5" descr="Diagrama&#10;&#10;Descrição gerada automaticamente">
+            <a:extLst>
+              <a:ext uri="{FF2B5EF4-FFF2-40B4-BE49-F238E27FC236}">
+                <a16:creationId xmlns:a16="http://schemas.microsoft.com/office/drawing/2014/main" id="{689E9D5C-BDB6-8621-10D4-3EC7F47956D7}"/>
               </a:ext>
             </a:extLst>
           </p:cNvPr>
@@ -22867,8 +22867,8 @@
         </p:blipFill>
         <p:spPr>
           <a:xfrm>
-            <a:off x="1497172" y="1706947"/>
-            <a:ext cx="9293731" cy="4845119"/>
+            <a:off x="1553497" y="1734613"/>
+            <a:ext cx="9237406" cy="4815754"/>
           </a:xfrm>
           <a:prstGeom prst="rect">
             <a:avLst/>

--- a/Conteúdos/Apresentação - Saga.pptx
+++ b/Conteúdos/Apresentação - Saga.pptx
@@ -251,7 +251,7 @@
           <a:p>
             <a:fld id="{1A658991-3A10-4D75-89CC-FE5310122811}" type="datetimeFigureOut">
               <a:rPr lang="pt-BR" smtClean="0"/>
-              <a:t>22/09/2023</a:t>
+              <a:t>11/10/2023</a:t>
             </a:fld>
             <a:endParaRPr lang="pt-BR"/>
           </a:p>
@@ -667,7 +667,7 @@
           <a:p>
             <a:fld id="{EB5BFA20-7DA4-47B3-BF29-502111A061EB}" type="slidenum">
               <a:rPr lang="pt-BR" smtClean="0"/>
-              <a:t>27</a:t>
+              <a:t>26</a:t>
             </a:fld>
             <a:endParaRPr lang="pt-BR"/>
           </a:p>
@@ -676,7 +676,7 @@
     </p:spTree>
     <p:extLst>
       <p:ext uri="{BB962C8B-B14F-4D97-AF65-F5344CB8AC3E}">
-        <p14:creationId xmlns:p14="http://schemas.microsoft.com/office/powerpoint/2010/main" val="3489325997"/>
+        <p14:creationId xmlns:p14="http://schemas.microsoft.com/office/powerpoint/2010/main" val="575352470"/>
       </p:ext>
     </p:extLst>
   </p:cSld>
@@ -751,7 +751,7 @@
           <a:p>
             <a:fld id="{EB5BFA20-7DA4-47B3-BF29-502111A061EB}" type="slidenum">
               <a:rPr lang="pt-BR" smtClean="0"/>
-              <a:t>28</a:t>
+              <a:t>27</a:t>
             </a:fld>
             <a:endParaRPr lang="pt-BR"/>
           </a:p>
@@ -760,7 +760,7 @@
     </p:spTree>
     <p:extLst>
       <p:ext uri="{BB962C8B-B14F-4D97-AF65-F5344CB8AC3E}">
-        <p14:creationId xmlns:p14="http://schemas.microsoft.com/office/powerpoint/2010/main" val="2636621106"/>
+        <p14:creationId xmlns:p14="http://schemas.microsoft.com/office/powerpoint/2010/main" val="3489325997"/>
       </p:ext>
     </p:extLst>
   </p:cSld>
@@ -835,7 +835,7 @@
           <a:p>
             <a:fld id="{EB5BFA20-7DA4-47B3-BF29-502111A061EB}" type="slidenum">
               <a:rPr lang="pt-BR" smtClean="0"/>
-              <a:t>29</a:t>
+              <a:t>28</a:t>
             </a:fld>
             <a:endParaRPr lang="pt-BR"/>
           </a:p>
@@ -844,7 +844,7 @@
     </p:spTree>
     <p:extLst>
       <p:ext uri="{BB962C8B-B14F-4D97-AF65-F5344CB8AC3E}">
-        <p14:creationId xmlns:p14="http://schemas.microsoft.com/office/powerpoint/2010/main" val="172831859"/>
+        <p14:creationId xmlns:p14="http://schemas.microsoft.com/office/powerpoint/2010/main" val="2636621106"/>
       </p:ext>
     </p:extLst>
   </p:cSld>
@@ -919,7 +919,7 @@
           <a:p>
             <a:fld id="{EB5BFA20-7DA4-47B3-BF29-502111A061EB}" type="slidenum">
               <a:rPr lang="pt-BR" smtClean="0"/>
-              <a:t>30</a:t>
+              <a:t>29</a:t>
             </a:fld>
             <a:endParaRPr lang="pt-BR"/>
           </a:p>
@@ -928,7 +928,7 @@
     </p:spTree>
     <p:extLst>
       <p:ext uri="{BB962C8B-B14F-4D97-AF65-F5344CB8AC3E}">
-        <p14:creationId xmlns:p14="http://schemas.microsoft.com/office/powerpoint/2010/main" val="1670063583"/>
+        <p14:creationId xmlns:p14="http://schemas.microsoft.com/office/powerpoint/2010/main" val="172831859"/>
       </p:ext>
     </p:extLst>
   </p:cSld>
@@ -1003,7 +1003,7 @@
           <a:p>
             <a:fld id="{EB5BFA20-7DA4-47B3-BF29-502111A061EB}" type="slidenum">
               <a:rPr lang="pt-BR" smtClean="0"/>
-              <a:t>42</a:t>
+              <a:t>30</a:t>
             </a:fld>
             <a:endParaRPr lang="pt-BR"/>
           </a:p>
@@ -1012,7 +1012,7 @@
     </p:spTree>
     <p:extLst>
       <p:ext uri="{BB962C8B-B14F-4D97-AF65-F5344CB8AC3E}">
-        <p14:creationId xmlns:p14="http://schemas.microsoft.com/office/powerpoint/2010/main" val="2842272161"/>
+        <p14:creationId xmlns:p14="http://schemas.microsoft.com/office/powerpoint/2010/main" val="1670063583"/>
       </p:ext>
     </p:extLst>
   </p:cSld>
@@ -1087,7 +1087,7 @@
           <a:p>
             <a:fld id="{EB5BFA20-7DA4-47B3-BF29-502111A061EB}" type="slidenum">
               <a:rPr lang="pt-BR" smtClean="0"/>
-              <a:t>53</a:t>
+              <a:t>42</a:t>
             </a:fld>
             <a:endParaRPr lang="pt-BR"/>
           </a:p>
@@ -1096,7 +1096,7 @@
     </p:spTree>
     <p:extLst>
       <p:ext uri="{BB962C8B-B14F-4D97-AF65-F5344CB8AC3E}">
-        <p14:creationId xmlns:p14="http://schemas.microsoft.com/office/powerpoint/2010/main" val="3332445481"/>
+        <p14:creationId xmlns:p14="http://schemas.microsoft.com/office/powerpoint/2010/main" val="2842272161"/>
       </p:ext>
     </p:extLst>
   </p:cSld>
@@ -1171,6 +1171,90 @@
           <a:p>
             <a:fld id="{EB5BFA20-7DA4-47B3-BF29-502111A061EB}" type="slidenum">
               <a:rPr lang="pt-BR" smtClean="0"/>
+              <a:t>53</a:t>
+            </a:fld>
+            <a:endParaRPr lang="pt-BR"/>
+          </a:p>
+        </p:txBody>
+      </p:sp>
+    </p:spTree>
+    <p:extLst>
+      <p:ext uri="{BB962C8B-B14F-4D97-AF65-F5344CB8AC3E}">
+        <p14:creationId xmlns:p14="http://schemas.microsoft.com/office/powerpoint/2010/main" val="3332445481"/>
+      </p:ext>
+    </p:extLst>
+  </p:cSld>
+  <p:clrMapOvr>
+    <a:masterClrMapping/>
+  </p:clrMapOvr>
+</p:notes>
+</file>
+
+<file path=ppt/notesSlides/notesSlide17.xml><?xml version="1.0" encoding="utf-8"?>
+<p:notes xmlns:a="http://schemas.openxmlformats.org/drawingml/2006/main" xmlns:r="http://schemas.openxmlformats.org/officeDocument/2006/relationships" xmlns:p="http://schemas.openxmlformats.org/presentationml/2006/main">
+  <p:cSld>
+    <p:spTree>
+      <p:nvGrpSpPr>
+        <p:cNvPr id="1" name=""/>
+        <p:cNvGrpSpPr/>
+        <p:nvPr/>
+      </p:nvGrpSpPr>
+      <p:grpSpPr>
+        <a:xfrm>
+          <a:off x="0" y="0"/>
+          <a:ext cx="0" cy="0"/>
+          <a:chOff x="0" y="0"/>
+          <a:chExt cx="0" cy="0"/>
+        </a:xfrm>
+      </p:grpSpPr>
+      <p:sp>
+        <p:nvSpPr>
+          <p:cNvPr id="2" name="Espaço Reservado para Imagem de Slide 1"/>
+          <p:cNvSpPr>
+            <a:spLocks noGrp="1" noRot="1" noChangeAspect="1"/>
+          </p:cNvSpPr>
+          <p:nvPr>
+            <p:ph type="sldImg"/>
+          </p:nvPr>
+        </p:nvSpPr>
+        <p:spPr/>
+      </p:sp>
+      <p:sp>
+        <p:nvSpPr>
+          <p:cNvPr id="3" name="Espaço Reservado para Anotações 2"/>
+          <p:cNvSpPr>
+            <a:spLocks noGrp="1"/>
+          </p:cNvSpPr>
+          <p:nvPr>
+            <p:ph type="body" idx="1"/>
+          </p:nvPr>
+        </p:nvSpPr>
+        <p:spPr/>
+        <p:txBody>
+          <a:bodyPr/>
+          <a:lstStyle/>
+          <a:p>
+            <a:endParaRPr lang="pt-BR" dirty="0"/>
+          </a:p>
+        </p:txBody>
+      </p:sp>
+      <p:sp>
+        <p:nvSpPr>
+          <p:cNvPr id="4" name="Espaço Reservado para Número de Slide 3"/>
+          <p:cNvSpPr>
+            <a:spLocks noGrp="1"/>
+          </p:cNvSpPr>
+          <p:nvPr>
+            <p:ph type="sldNum" sz="quarter" idx="5"/>
+          </p:nvPr>
+        </p:nvSpPr>
+        <p:spPr/>
+        <p:txBody>
+          <a:bodyPr/>
+          <a:lstStyle/>
+          <a:p>
+            <a:fld id="{EB5BFA20-7DA4-47B3-BF29-502111A061EB}" type="slidenum">
+              <a:rPr lang="pt-BR" smtClean="0"/>
               <a:t>54</a:t>
             </a:fld>
             <a:endParaRPr lang="pt-BR"/>
@@ -1190,7 +1274,7 @@
 </p:notes>
 </file>
 
-<file path=ppt/notesSlides/notesSlide17.xml><?xml version="1.0" encoding="utf-8"?>
+<file path=ppt/notesSlides/notesSlide18.xml><?xml version="1.0" encoding="utf-8"?>
 <p:notes xmlns:a="http://schemas.openxmlformats.org/drawingml/2006/main" xmlns:r="http://schemas.openxmlformats.org/officeDocument/2006/relationships" xmlns:p="http://schemas.openxmlformats.org/presentationml/2006/main">
   <p:cSld>
     <p:spTree>
@@ -1675,7 +1759,7 @@
           <a:p>
             <a:fld id="{EB5BFA20-7DA4-47B3-BF29-502111A061EB}" type="slidenum">
               <a:rPr lang="pt-BR" smtClean="0"/>
-              <a:t>23</a:t>
+              <a:t>21</a:t>
             </a:fld>
             <a:endParaRPr lang="pt-BR"/>
           </a:p>
@@ -1684,7 +1768,7 @@
     </p:spTree>
     <p:extLst>
       <p:ext uri="{BB962C8B-B14F-4D97-AF65-F5344CB8AC3E}">
-        <p14:creationId xmlns:p14="http://schemas.microsoft.com/office/powerpoint/2010/main" val="322699997"/>
+        <p14:creationId xmlns:p14="http://schemas.microsoft.com/office/powerpoint/2010/main" val="3527610508"/>
       </p:ext>
     </p:extLst>
   </p:cSld>
@@ -1759,7 +1843,7 @@
           <a:p>
             <a:fld id="{EB5BFA20-7DA4-47B3-BF29-502111A061EB}" type="slidenum">
               <a:rPr lang="pt-BR" smtClean="0"/>
-              <a:t>24</a:t>
+              <a:t>23</a:t>
             </a:fld>
             <a:endParaRPr lang="pt-BR"/>
           </a:p>
@@ -1768,7 +1852,7 @@
     </p:spTree>
     <p:extLst>
       <p:ext uri="{BB962C8B-B14F-4D97-AF65-F5344CB8AC3E}">
-        <p14:creationId xmlns:p14="http://schemas.microsoft.com/office/powerpoint/2010/main" val="1705683603"/>
+        <p14:creationId xmlns:p14="http://schemas.microsoft.com/office/powerpoint/2010/main" val="322699997"/>
       </p:ext>
     </p:extLst>
   </p:cSld>
@@ -1843,7 +1927,7 @@
           <a:p>
             <a:fld id="{EB5BFA20-7DA4-47B3-BF29-502111A061EB}" type="slidenum">
               <a:rPr lang="pt-BR" smtClean="0"/>
-              <a:t>25</a:t>
+              <a:t>24</a:t>
             </a:fld>
             <a:endParaRPr lang="pt-BR"/>
           </a:p>
@@ -1852,7 +1936,7 @@
     </p:spTree>
     <p:extLst>
       <p:ext uri="{BB962C8B-B14F-4D97-AF65-F5344CB8AC3E}">
-        <p14:creationId xmlns:p14="http://schemas.microsoft.com/office/powerpoint/2010/main" val="703511021"/>
+        <p14:creationId xmlns:p14="http://schemas.microsoft.com/office/powerpoint/2010/main" val="1705683603"/>
       </p:ext>
     </p:extLst>
   </p:cSld>
@@ -1927,7 +2011,7 @@
           <a:p>
             <a:fld id="{EB5BFA20-7DA4-47B3-BF29-502111A061EB}" type="slidenum">
               <a:rPr lang="pt-BR" smtClean="0"/>
-              <a:t>26</a:t>
+              <a:t>25</a:t>
             </a:fld>
             <a:endParaRPr lang="pt-BR"/>
           </a:p>
@@ -1936,7 +2020,7 @@
     </p:spTree>
     <p:extLst>
       <p:ext uri="{BB962C8B-B14F-4D97-AF65-F5344CB8AC3E}">
-        <p14:creationId xmlns:p14="http://schemas.microsoft.com/office/powerpoint/2010/main" val="575352470"/>
+        <p14:creationId xmlns:p14="http://schemas.microsoft.com/office/powerpoint/2010/main" val="703511021"/>
       </p:ext>
     </p:extLst>
   </p:cSld>
@@ -2093,7 +2177,7 @@
           <a:p>
             <a:fld id="{654E430E-5D4C-4874-960B-D673A28B4FD3}" type="datetimeFigureOut">
               <a:rPr lang="pt-BR" smtClean="0"/>
-              <a:t>22/09/2023</a:t>
+              <a:t>11/10/2023</a:t>
             </a:fld>
             <a:endParaRPr lang="pt-BR"/>
           </a:p>
@@ -2291,7 +2375,7 @@
           <a:p>
             <a:fld id="{654E430E-5D4C-4874-960B-D673A28B4FD3}" type="datetimeFigureOut">
               <a:rPr lang="pt-BR" smtClean="0"/>
-              <a:t>22/09/2023</a:t>
+              <a:t>11/10/2023</a:t>
             </a:fld>
             <a:endParaRPr lang="pt-BR"/>
           </a:p>
@@ -2499,7 +2583,7 @@
           <a:p>
             <a:fld id="{654E430E-5D4C-4874-960B-D673A28B4FD3}" type="datetimeFigureOut">
               <a:rPr lang="pt-BR" smtClean="0"/>
-              <a:t>22/09/2023</a:t>
+              <a:t>11/10/2023</a:t>
             </a:fld>
             <a:endParaRPr lang="pt-BR"/>
           </a:p>
@@ -2697,7 +2781,7 @@
           <a:p>
             <a:fld id="{654E430E-5D4C-4874-960B-D673A28B4FD3}" type="datetimeFigureOut">
               <a:rPr lang="pt-BR" smtClean="0"/>
-              <a:t>22/09/2023</a:t>
+              <a:t>11/10/2023</a:t>
             </a:fld>
             <a:endParaRPr lang="pt-BR"/>
           </a:p>
@@ -2972,7 +3056,7 @@
           <a:p>
             <a:fld id="{654E430E-5D4C-4874-960B-D673A28B4FD3}" type="datetimeFigureOut">
               <a:rPr lang="pt-BR" smtClean="0"/>
-              <a:t>22/09/2023</a:t>
+              <a:t>11/10/2023</a:t>
             </a:fld>
             <a:endParaRPr lang="pt-BR"/>
           </a:p>
@@ -3237,7 +3321,7 @@
           <a:p>
             <a:fld id="{654E430E-5D4C-4874-960B-D673A28B4FD3}" type="datetimeFigureOut">
               <a:rPr lang="pt-BR" smtClean="0"/>
-              <a:t>22/09/2023</a:t>
+              <a:t>11/10/2023</a:t>
             </a:fld>
             <a:endParaRPr lang="pt-BR"/>
           </a:p>
@@ -3649,7 +3733,7 @@
           <a:p>
             <a:fld id="{654E430E-5D4C-4874-960B-D673A28B4FD3}" type="datetimeFigureOut">
               <a:rPr lang="pt-BR" smtClean="0"/>
-              <a:t>22/09/2023</a:t>
+              <a:t>11/10/2023</a:t>
             </a:fld>
             <a:endParaRPr lang="pt-BR"/>
           </a:p>
@@ -3790,7 +3874,7 @@
           <a:p>
             <a:fld id="{654E430E-5D4C-4874-960B-D673A28B4FD3}" type="datetimeFigureOut">
               <a:rPr lang="pt-BR" smtClean="0"/>
-              <a:t>22/09/2023</a:t>
+              <a:t>11/10/2023</a:t>
             </a:fld>
             <a:endParaRPr lang="pt-BR"/>
           </a:p>
@@ -3903,7 +3987,7 @@
           <a:p>
             <a:fld id="{654E430E-5D4C-4874-960B-D673A28B4FD3}" type="datetimeFigureOut">
               <a:rPr lang="pt-BR" smtClean="0"/>
-              <a:t>22/09/2023</a:t>
+              <a:t>11/10/2023</a:t>
             </a:fld>
             <a:endParaRPr lang="pt-BR"/>
           </a:p>
@@ -4214,7 +4298,7 @@
           <a:p>
             <a:fld id="{654E430E-5D4C-4874-960B-D673A28B4FD3}" type="datetimeFigureOut">
               <a:rPr lang="pt-BR" smtClean="0"/>
-              <a:t>22/09/2023</a:t>
+              <a:t>11/10/2023</a:t>
             </a:fld>
             <a:endParaRPr lang="pt-BR"/>
           </a:p>
@@ -4502,7 +4586,7 @@
           <a:p>
             <a:fld id="{654E430E-5D4C-4874-960B-D673A28B4FD3}" type="datetimeFigureOut">
               <a:rPr lang="pt-BR" smtClean="0"/>
-              <a:t>22/09/2023</a:t>
+              <a:t>11/10/2023</a:t>
             </a:fld>
             <a:endParaRPr lang="pt-BR"/>
           </a:p>
@@ -4743,7 +4827,7 @@
           <a:p>
             <a:fld id="{654E430E-5D4C-4874-960B-D673A28B4FD3}" type="datetimeFigureOut">
               <a:rPr lang="pt-BR" smtClean="0"/>
-              <a:t>22/09/2023</a:t>
+              <a:t>11/10/2023</a:t>
             </a:fld>
             <a:endParaRPr lang="pt-BR"/>
           </a:p>
@@ -10298,11 +10382,11 @@
           <p:nvPr/>
         </p:nvPicPr>
         <p:blipFill>
-          <a:blip r:embed="rId2">
+          <a:blip r:embed="rId3">
             <a:extLst>
               <a:ext uri="{BEBA8EAE-BF5A-486C-A8C5-ECC9F3942E4B}">
                 <a14:imgProps xmlns:a14="http://schemas.microsoft.com/office/drawing/2010/main">
-                  <a14:imgLayer r:embed="rId3">
+                  <a14:imgLayer r:embed="rId4">
                     <a14:imgEffect>
                       <a14:colorTemperature colorTemp="11500"/>
                     </a14:imgEffect>
@@ -10337,42 +10421,6 @@
       </p:pic>
       <p:pic>
         <p:nvPicPr>
-          <p:cNvPr id="8" name="Imagem 7" descr="Diagrama&#10;&#10;Descrição gerada automaticamente">
-            <a:extLst>
-              <a:ext uri="{FF2B5EF4-FFF2-40B4-BE49-F238E27FC236}">
-                <a16:creationId xmlns:a16="http://schemas.microsoft.com/office/drawing/2014/main" id="{33C047C4-0658-9E17-435F-E164B6EE7B3B}"/>
-              </a:ext>
-            </a:extLst>
-          </p:cNvPr>
-          <p:cNvPicPr>
-            <a:picLocks noChangeAspect="1"/>
-          </p:cNvPicPr>
-          <p:nvPr/>
-        </p:nvPicPr>
-        <p:blipFill>
-          <a:blip r:embed="rId4">
-            <a:extLst>
-              <a:ext uri="{28A0092B-C50C-407E-A947-70E740481C1C}">
-                <a14:useLocalDpi xmlns:a14="http://schemas.microsoft.com/office/drawing/2010/main" val="0"/>
-              </a:ext>
-            </a:extLst>
-          </a:blip>
-          <a:stretch>
-            <a:fillRect/>
-          </a:stretch>
-        </p:blipFill>
-        <p:spPr>
-          <a:xfrm>
-            <a:off x="5556853" y="3929276"/>
-            <a:ext cx="6329034" cy="2494201"/>
-          </a:xfrm>
-          <a:prstGeom prst="rect">
-            <a:avLst/>
-          </a:prstGeom>
-        </p:spPr>
-      </p:pic>
-      <p:pic>
-        <p:nvPicPr>
           <p:cNvPr id="10" name="Imagem 9" descr="Diagrama&#10;&#10;Descrição gerada automaticamente">
             <a:extLst>
               <a:ext uri="{FF2B5EF4-FFF2-40B4-BE49-F238E27FC236}">
@@ -10401,6 +10449,42 @@
           <a:xfrm>
             <a:off x="1104778" y="3859826"/>
             <a:ext cx="4286277" cy="2575698"/>
+          </a:xfrm>
+          <a:prstGeom prst="rect">
+            <a:avLst/>
+          </a:prstGeom>
+        </p:spPr>
+      </p:pic>
+      <p:pic>
+        <p:nvPicPr>
+          <p:cNvPr id="5" name="Imagem 4" descr="Diagrama&#10;&#10;Descrição gerada automaticamente">
+            <a:extLst>
+              <a:ext uri="{FF2B5EF4-FFF2-40B4-BE49-F238E27FC236}">
+                <a16:creationId xmlns:a16="http://schemas.microsoft.com/office/drawing/2014/main" id="{4E904893-0A73-76D1-92A1-570A533248BF}"/>
+              </a:ext>
+            </a:extLst>
+          </p:cNvPr>
+          <p:cNvPicPr>
+            <a:picLocks noChangeAspect="1"/>
+          </p:cNvPicPr>
+          <p:nvPr/>
+        </p:nvPicPr>
+        <p:blipFill>
+          <a:blip r:embed="rId6">
+            <a:extLst>
+              <a:ext uri="{28A0092B-C50C-407E-A947-70E740481C1C}">
+                <a14:useLocalDpi xmlns:a14="http://schemas.microsoft.com/office/drawing/2010/main" val="0"/>
+              </a:ext>
+            </a:extLst>
+          </a:blip>
+          <a:stretch>
+            <a:fillRect/>
+          </a:stretch>
+        </p:blipFill>
+        <p:spPr>
+          <a:xfrm>
+            <a:off x="5391055" y="3917536"/>
+            <a:ext cx="6361484" cy="2460277"/>
           </a:xfrm>
           <a:prstGeom prst="rect">
             <a:avLst/>
@@ -13299,10 +13383,10 @@
       </p:pic>
       <p:pic>
         <p:nvPicPr>
-          <p:cNvPr id="2" name="Imagem 1" descr="Diagrama&#10;&#10;Descrição gerada automaticamente">
-            <a:extLst>
-              <a:ext uri="{FF2B5EF4-FFF2-40B4-BE49-F238E27FC236}">
-                <a16:creationId xmlns:a16="http://schemas.microsoft.com/office/drawing/2014/main" id="{E510F238-340C-22D8-D175-678A057409D5}"/>
+          <p:cNvPr id="5" name="Imagem 4" descr="Diagrama&#10;&#10;Descrição gerada automaticamente">
+            <a:extLst>
+              <a:ext uri="{FF2B5EF4-FFF2-40B4-BE49-F238E27FC236}">
+                <a16:creationId xmlns:a16="http://schemas.microsoft.com/office/drawing/2014/main" id="{E48BF6A7-BF65-0340-691C-5B65662BB90F}"/>
               </a:ext>
             </a:extLst>
           </p:cNvPr>
@@ -13325,8 +13409,8 @@
         </p:blipFill>
         <p:spPr>
           <a:xfrm>
-            <a:off x="2340671" y="3898135"/>
-            <a:ext cx="7510656" cy="2959865"/>
+            <a:off x="2212628" y="3780073"/>
+            <a:ext cx="7766741" cy="3003754"/>
           </a:xfrm>
           <a:prstGeom prst="rect">
             <a:avLst/>
